--- a/paper/figures/Figures.pptx
+++ b/paper/figures/Figures.pptx
@@ -4,9 +4,13 @@
   <p:sldMasterIdLst>
     <p:sldMasterId id="2147483648" r:id="rId1"/>
   </p:sldMasterIdLst>
+  <p:notesMasterIdLst>
+    <p:notesMasterId r:id="rId5"/>
+  </p:notesMasterIdLst>
   <p:sldIdLst>
     <p:sldId id="256" r:id="rId2"/>
     <p:sldId id="257" r:id="rId3"/>
+    <p:sldId id="258" r:id="rId4"/>
   </p:sldIdLst>
   <p:sldSz cx="9144000" cy="6858000" type="screen4x3"/>
   <p:notesSz cx="6858000" cy="9144000"/>
@@ -461,11 +465,11 @@
           <c:showBubbleSize val="0"/>
         </c:dLbls>
         <c:gapWidth val="150"/>
-        <c:axId val="1874391192"/>
-        <c:axId val="1861825000"/>
+        <c:axId val="-2139510664"/>
+        <c:axId val="-2028642776"/>
       </c:barChart>
       <c:catAx>
-        <c:axId val="1874391192"/>
+        <c:axId val="-2139510664"/>
         <c:scaling>
           <c:orientation val="minMax"/>
         </c:scaling>
@@ -487,7 +491,7 @@
             <a:endParaRPr lang="en-US"/>
           </a:p>
         </c:txPr>
-        <c:crossAx val="1861825000"/>
+        <c:crossAx val="-2028642776"/>
         <c:crosses val="autoZero"/>
         <c:auto val="1"/>
         <c:lblAlgn val="ctr"/>
@@ -495,7 +499,7 @@
         <c:noMultiLvlLbl val="0"/>
       </c:catAx>
       <c:valAx>
-        <c:axId val="1861825000"/>
+        <c:axId val="-2028642776"/>
         <c:scaling>
           <c:orientation val="minMax"/>
           <c:max val="3.0"/>
@@ -507,7 +511,7 @@
         <c:majorTickMark val="out"/>
         <c:minorTickMark val="none"/>
         <c:tickLblPos val="nextTo"/>
-        <c:crossAx val="1874391192"/>
+        <c:crossAx val="-2139510664"/>
         <c:crosses val="autoZero"/>
         <c:crossBetween val="between"/>
       </c:valAx>
@@ -589,6 +593,440 @@
     </cdr:sp>
   </cdr:relSizeAnchor>
 </c:userShapes>
+</file>
+
+<file path=ppt/notesMasters/notesMaster1.xml><?xml version="1.0" encoding="utf-8"?>
+<p:notesMaster xmlns:a="http://schemas.openxmlformats.org/drawingml/2006/main" xmlns:r="http://schemas.openxmlformats.org/officeDocument/2006/relationships" xmlns:p="http://schemas.openxmlformats.org/presentationml/2006/main">
+  <p:cSld>
+    <p:bg>
+      <p:bgRef idx="1001">
+        <a:schemeClr val="bg1"/>
+      </p:bgRef>
+    </p:bg>
+    <p:spTree>
+      <p:nvGrpSpPr>
+        <p:cNvPr id="1" name=""/>
+        <p:cNvGrpSpPr/>
+        <p:nvPr/>
+      </p:nvGrpSpPr>
+      <p:grpSpPr>
+        <a:xfrm>
+          <a:off x="0" y="0"/>
+          <a:ext cx="0" cy="0"/>
+          <a:chOff x="0" y="0"/>
+          <a:chExt cx="0" cy="0"/>
+        </a:xfrm>
+      </p:grpSpPr>
+      <p:sp>
+        <p:nvSpPr>
+          <p:cNvPr id="2" name="Header Placeholder 1"/>
+          <p:cNvSpPr>
+            <a:spLocks noGrp="1"/>
+          </p:cNvSpPr>
+          <p:nvPr>
+            <p:ph type="hdr" sz="quarter"/>
+          </p:nvPr>
+        </p:nvSpPr>
+        <p:spPr>
+          <a:xfrm>
+            <a:off x="0" y="0"/>
+            <a:ext cx="2971800" cy="457200"/>
+          </a:xfrm>
+          <a:prstGeom prst="rect">
+            <a:avLst/>
+          </a:prstGeom>
+        </p:spPr>
+        <p:txBody>
+          <a:bodyPr vert="horz" lIns="91440" tIns="45720" rIns="91440" bIns="45720" rtlCol="0"/>
+          <a:lstStyle>
+            <a:lvl1pPr algn="l">
+              <a:defRPr sz="1200"/>
+            </a:lvl1pPr>
+          </a:lstStyle>
+          <a:p>
+            <a:endParaRPr lang="en-US"/>
+          </a:p>
+        </p:txBody>
+      </p:sp>
+      <p:sp>
+        <p:nvSpPr>
+          <p:cNvPr id="3" name="Date Placeholder 2"/>
+          <p:cNvSpPr>
+            <a:spLocks noGrp="1"/>
+          </p:cNvSpPr>
+          <p:nvPr>
+            <p:ph type="dt" idx="1"/>
+          </p:nvPr>
+        </p:nvSpPr>
+        <p:spPr>
+          <a:xfrm>
+            <a:off x="3884613" y="0"/>
+            <a:ext cx="2971800" cy="457200"/>
+          </a:xfrm>
+          <a:prstGeom prst="rect">
+            <a:avLst/>
+          </a:prstGeom>
+        </p:spPr>
+        <p:txBody>
+          <a:bodyPr vert="horz" lIns="91440" tIns="45720" rIns="91440" bIns="45720" rtlCol="0"/>
+          <a:lstStyle>
+            <a:lvl1pPr algn="r">
+              <a:defRPr sz="1200"/>
+            </a:lvl1pPr>
+          </a:lstStyle>
+          <a:p>
+            <a:fld id="{C8819947-BA8E-2949-B0DD-BE392E009EED}" type="datetimeFigureOut">
+              <a:rPr lang="en-US" smtClean="0"/>
+              <a:t>11/11/18</a:t>
+            </a:fld>
+            <a:endParaRPr lang="en-US"/>
+          </a:p>
+        </p:txBody>
+      </p:sp>
+      <p:sp>
+        <p:nvSpPr>
+          <p:cNvPr id="4" name="Slide Image Placeholder 3"/>
+          <p:cNvSpPr>
+            <a:spLocks noGrp="1" noRot="1" noChangeAspect="1"/>
+          </p:cNvSpPr>
+          <p:nvPr>
+            <p:ph type="sldImg" idx="2"/>
+          </p:nvPr>
+        </p:nvSpPr>
+        <p:spPr>
+          <a:xfrm>
+            <a:off x="1143000" y="685800"/>
+            <a:ext cx="4572000" cy="3429000"/>
+          </a:xfrm>
+          <a:prstGeom prst="rect">
+            <a:avLst/>
+          </a:prstGeom>
+          <a:noFill/>
+          <a:ln w="12700">
+            <a:solidFill>
+              <a:prstClr val="black"/>
+            </a:solidFill>
+          </a:ln>
+        </p:spPr>
+        <p:txBody>
+          <a:bodyPr vert="horz" lIns="91440" tIns="45720" rIns="91440" bIns="45720" rtlCol="0" anchor="ctr"/>
+          <a:lstStyle/>
+          <a:p>
+            <a:endParaRPr lang="en-US"/>
+          </a:p>
+        </p:txBody>
+      </p:sp>
+      <p:sp>
+        <p:nvSpPr>
+          <p:cNvPr id="5" name="Notes Placeholder 4"/>
+          <p:cNvSpPr>
+            <a:spLocks noGrp="1"/>
+          </p:cNvSpPr>
+          <p:nvPr>
+            <p:ph type="body" sz="quarter" idx="3"/>
+          </p:nvPr>
+        </p:nvSpPr>
+        <p:spPr>
+          <a:xfrm>
+            <a:off x="685800" y="4343400"/>
+            <a:ext cx="5486400" cy="4114800"/>
+          </a:xfrm>
+          <a:prstGeom prst="rect">
+            <a:avLst/>
+          </a:prstGeom>
+        </p:spPr>
+        <p:txBody>
+          <a:bodyPr vert="horz" lIns="91440" tIns="45720" rIns="91440" bIns="45720" rtlCol="0"/>
+          <a:lstStyle/>
+          <a:p>
+            <a:pPr lvl="0"/>
+            <a:r>
+              <a:rPr lang="en-US" smtClean="0"/>
+              <a:t>Click to edit Master text styles</a:t>
+            </a:r>
+          </a:p>
+          <a:p>
+            <a:pPr lvl="1"/>
+            <a:r>
+              <a:rPr lang="en-US" smtClean="0"/>
+              <a:t>Second level</a:t>
+            </a:r>
+          </a:p>
+          <a:p>
+            <a:pPr lvl="2"/>
+            <a:r>
+              <a:rPr lang="en-US" smtClean="0"/>
+              <a:t>Third level</a:t>
+            </a:r>
+          </a:p>
+          <a:p>
+            <a:pPr lvl="3"/>
+            <a:r>
+              <a:rPr lang="en-US" smtClean="0"/>
+              <a:t>Fourth level</a:t>
+            </a:r>
+          </a:p>
+          <a:p>
+            <a:pPr lvl="4"/>
+            <a:r>
+              <a:rPr lang="en-US" smtClean="0"/>
+              <a:t>Fifth level</a:t>
+            </a:r>
+            <a:endParaRPr lang="en-US"/>
+          </a:p>
+        </p:txBody>
+      </p:sp>
+      <p:sp>
+        <p:nvSpPr>
+          <p:cNvPr id="6" name="Footer Placeholder 5"/>
+          <p:cNvSpPr>
+            <a:spLocks noGrp="1"/>
+          </p:cNvSpPr>
+          <p:nvPr>
+            <p:ph type="ftr" sz="quarter" idx="4"/>
+          </p:nvPr>
+        </p:nvSpPr>
+        <p:spPr>
+          <a:xfrm>
+            <a:off x="0" y="8685213"/>
+            <a:ext cx="2971800" cy="457200"/>
+          </a:xfrm>
+          <a:prstGeom prst="rect">
+            <a:avLst/>
+          </a:prstGeom>
+        </p:spPr>
+        <p:txBody>
+          <a:bodyPr vert="horz" lIns="91440" tIns="45720" rIns="91440" bIns="45720" rtlCol="0" anchor="b"/>
+          <a:lstStyle>
+            <a:lvl1pPr algn="l">
+              <a:defRPr sz="1200"/>
+            </a:lvl1pPr>
+          </a:lstStyle>
+          <a:p>
+            <a:endParaRPr lang="en-US"/>
+          </a:p>
+        </p:txBody>
+      </p:sp>
+      <p:sp>
+        <p:nvSpPr>
+          <p:cNvPr id="7" name="Slide Number Placeholder 6"/>
+          <p:cNvSpPr>
+            <a:spLocks noGrp="1"/>
+          </p:cNvSpPr>
+          <p:nvPr>
+            <p:ph type="sldNum" sz="quarter" idx="5"/>
+          </p:nvPr>
+        </p:nvSpPr>
+        <p:spPr>
+          <a:xfrm>
+            <a:off x="3884613" y="8685213"/>
+            <a:ext cx="2971800" cy="457200"/>
+          </a:xfrm>
+          <a:prstGeom prst="rect">
+            <a:avLst/>
+          </a:prstGeom>
+        </p:spPr>
+        <p:txBody>
+          <a:bodyPr vert="horz" lIns="91440" tIns="45720" rIns="91440" bIns="45720" rtlCol="0" anchor="b"/>
+          <a:lstStyle>
+            <a:lvl1pPr algn="r">
+              <a:defRPr sz="1200"/>
+            </a:lvl1pPr>
+          </a:lstStyle>
+          <a:p>
+            <a:fld id="{AF08C129-CA98-7643-83F1-08F18CFEDD30}" type="slidenum">
+              <a:rPr lang="en-US" smtClean="0"/>
+              <a:t>‹#›</a:t>
+            </a:fld>
+            <a:endParaRPr lang="en-US"/>
+          </a:p>
+        </p:txBody>
+      </p:sp>
+    </p:spTree>
+    <p:extLst>
+      <p:ext uri="{BB962C8B-B14F-4D97-AF65-F5344CB8AC3E}">
+        <p14:creationId xmlns:p14="http://schemas.microsoft.com/office/powerpoint/2010/main" val="1092571668"/>
+      </p:ext>
+    </p:extLst>
+  </p:cSld>
+  <p:clrMap bg1="lt1" tx1="dk1" bg2="lt2" tx2="dk2" accent1="accent1" accent2="accent2" accent3="accent3" accent4="accent4" accent5="accent5" accent6="accent6" hlink="hlink" folHlink="folHlink"/>
+  <p:notesStyle>
+    <a:lvl1pPr marL="0" algn="l" defTabSz="457200" rtl="0" eaLnBrk="1" latinLnBrk="0" hangingPunct="1">
+      <a:defRPr sz="1200" kern="1200">
+        <a:solidFill>
+          <a:schemeClr val="tx1"/>
+        </a:solidFill>
+        <a:latin typeface="+mn-lt"/>
+        <a:ea typeface="+mn-ea"/>
+        <a:cs typeface="+mn-cs"/>
+      </a:defRPr>
+    </a:lvl1pPr>
+    <a:lvl2pPr marL="457200" algn="l" defTabSz="457200" rtl="0" eaLnBrk="1" latinLnBrk="0" hangingPunct="1">
+      <a:defRPr sz="1200" kern="1200">
+        <a:solidFill>
+          <a:schemeClr val="tx1"/>
+        </a:solidFill>
+        <a:latin typeface="+mn-lt"/>
+        <a:ea typeface="+mn-ea"/>
+        <a:cs typeface="+mn-cs"/>
+      </a:defRPr>
+    </a:lvl2pPr>
+    <a:lvl3pPr marL="914400" algn="l" defTabSz="457200" rtl="0" eaLnBrk="1" latinLnBrk="0" hangingPunct="1">
+      <a:defRPr sz="1200" kern="1200">
+        <a:solidFill>
+          <a:schemeClr val="tx1"/>
+        </a:solidFill>
+        <a:latin typeface="+mn-lt"/>
+        <a:ea typeface="+mn-ea"/>
+        <a:cs typeface="+mn-cs"/>
+      </a:defRPr>
+    </a:lvl3pPr>
+    <a:lvl4pPr marL="1371600" algn="l" defTabSz="457200" rtl="0" eaLnBrk="1" latinLnBrk="0" hangingPunct="1">
+      <a:defRPr sz="1200" kern="1200">
+        <a:solidFill>
+          <a:schemeClr val="tx1"/>
+        </a:solidFill>
+        <a:latin typeface="+mn-lt"/>
+        <a:ea typeface="+mn-ea"/>
+        <a:cs typeface="+mn-cs"/>
+      </a:defRPr>
+    </a:lvl4pPr>
+    <a:lvl5pPr marL="1828800" algn="l" defTabSz="457200" rtl="0" eaLnBrk="1" latinLnBrk="0" hangingPunct="1">
+      <a:defRPr sz="1200" kern="1200">
+        <a:solidFill>
+          <a:schemeClr val="tx1"/>
+        </a:solidFill>
+        <a:latin typeface="+mn-lt"/>
+        <a:ea typeface="+mn-ea"/>
+        <a:cs typeface="+mn-cs"/>
+      </a:defRPr>
+    </a:lvl5pPr>
+    <a:lvl6pPr marL="2286000" algn="l" defTabSz="457200" rtl="0" eaLnBrk="1" latinLnBrk="0" hangingPunct="1">
+      <a:defRPr sz="1200" kern="1200">
+        <a:solidFill>
+          <a:schemeClr val="tx1"/>
+        </a:solidFill>
+        <a:latin typeface="+mn-lt"/>
+        <a:ea typeface="+mn-ea"/>
+        <a:cs typeface="+mn-cs"/>
+      </a:defRPr>
+    </a:lvl6pPr>
+    <a:lvl7pPr marL="2743200" algn="l" defTabSz="457200" rtl="0" eaLnBrk="1" latinLnBrk="0" hangingPunct="1">
+      <a:defRPr sz="1200" kern="1200">
+        <a:solidFill>
+          <a:schemeClr val="tx1"/>
+        </a:solidFill>
+        <a:latin typeface="+mn-lt"/>
+        <a:ea typeface="+mn-ea"/>
+        <a:cs typeface="+mn-cs"/>
+      </a:defRPr>
+    </a:lvl7pPr>
+    <a:lvl8pPr marL="3200400" algn="l" defTabSz="457200" rtl="0" eaLnBrk="1" latinLnBrk="0" hangingPunct="1">
+      <a:defRPr sz="1200" kern="1200">
+        <a:solidFill>
+          <a:schemeClr val="tx1"/>
+        </a:solidFill>
+        <a:latin typeface="+mn-lt"/>
+        <a:ea typeface="+mn-ea"/>
+        <a:cs typeface="+mn-cs"/>
+      </a:defRPr>
+    </a:lvl8pPr>
+    <a:lvl9pPr marL="3657600" algn="l" defTabSz="457200" rtl="0" eaLnBrk="1" latinLnBrk="0" hangingPunct="1">
+      <a:defRPr sz="1200" kern="1200">
+        <a:solidFill>
+          <a:schemeClr val="tx1"/>
+        </a:solidFill>
+        <a:latin typeface="+mn-lt"/>
+        <a:ea typeface="+mn-ea"/>
+        <a:cs typeface="+mn-cs"/>
+      </a:defRPr>
+    </a:lvl9pPr>
+  </p:notesStyle>
+</p:notesMaster>
+</file>
+
+<file path=ppt/notesSlides/notesSlide1.xml><?xml version="1.0" encoding="utf-8"?>
+<p:notes xmlns:a="http://schemas.openxmlformats.org/drawingml/2006/main" xmlns:r="http://schemas.openxmlformats.org/officeDocument/2006/relationships" xmlns:p="http://schemas.openxmlformats.org/presentationml/2006/main">
+  <p:cSld>
+    <p:spTree>
+      <p:nvGrpSpPr>
+        <p:cNvPr id="1" name=""/>
+        <p:cNvGrpSpPr/>
+        <p:nvPr/>
+      </p:nvGrpSpPr>
+      <p:grpSpPr>
+        <a:xfrm>
+          <a:off x="0" y="0"/>
+          <a:ext cx="0" cy="0"/>
+          <a:chOff x="0" y="0"/>
+          <a:chExt cx="0" cy="0"/>
+        </a:xfrm>
+      </p:grpSpPr>
+      <p:sp>
+        <p:nvSpPr>
+          <p:cNvPr id="2" name="Slide Image Placeholder 1"/>
+          <p:cNvSpPr>
+            <a:spLocks noGrp="1" noRot="1" noChangeAspect="1"/>
+          </p:cNvSpPr>
+          <p:nvPr>
+            <p:ph type="sldImg"/>
+          </p:nvPr>
+        </p:nvSpPr>
+        <p:spPr/>
+      </p:sp>
+      <p:sp>
+        <p:nvSpPr>
+          <p:cNvPr id="3" name="Notes Placeholder 2"/>
+          <p:cNvSpPr>
+            <a:spLocks noGrp="1"/>
+          </p:cNvSpPr>
+          <p:nvPr>
+            <p:ph type="body" idx="1"/>
+          </p:nvPr>
+        </p:nvSpPr>
+        <p:spPr/>
+        <p:txBody>
+          <a:bodyPr/>
+          <a:lstStyle/>
+          <a:p>
+            <a:endParaRPr lang="en-US" dirty="0"/>
+          </a:p>
+        </p:txBody>
+      </p:sp>
+      <p:sp>
+        <p:nvSpPr>
+          <p:cNvPr id="4" name="Slide Number Placeholder 3"/>
+          <p:cNvSpPr>
+            <a:spLocks noGrp="1"/>
+          </p:cNvSpPr>
+          <p:nvPr>
+            <p:ph type="sldNum" sz="quarter" idx="10"/>
+          </p:nvPr>
+        </p:nvSpPr>
+        <p:spPr/>
+        <p:txBody>
+          <a:bodyPr/>
+          <a:lstStyle/>
+          <a:p>
+            <a:fld id="{AF08C129-CA98-7643-83F1-08F18CFEDD30}" type="slidenum">
+              <a:rPr lang="en-US" smtClean="0"/>
+              <a:t>3</a:t>
+            </a:fld>
+            <a:endParaRPr lang="en-US"/>
+          </a:p>
+        </p:txBody>
+      </p:sp>
+    </p:spTree>
+    <p:extLst>
+      <p:ext uri="{BB962C8B-B14F-4D97-AF65-F5344CB8AC3E}">
+        <p14:creationId xmlns:p14="http://schemas.microsoft.com/office/powerpoint/2010/main" val="3228223328"/>
+      </p:ext>
+    </p:extLst>
+  </p:cSld>
+  <p:clrMapOvr>
+    <a:masterClrMapping/>
+  </p:clrMapOvr>
+</p:notes>
 </file>
 
 <file path=ppt/slideLayouts/slideLayout1.xml><?xml version="1.0" encoding="utf-8"?>
@@ -772,7 +1210,7 @@
           <a:p>
             <a:fld id="{CED58884-990F-F448-A340-6825F8217195}" type="datetimeFigureOut">
               <a:rPr lang="en-US" smtClean="0"/>
-              <a:t>10/16/18</a:t>
+              <a:t>11/11/18</a:t>
             </a:fld>
             <a:endParaRPr lang="en-US"/>
           </a:p>
@@ -942,7 +1380,7 @@
           <a:p>
             <a:fld id="{CED58884-990F-F448-A340-6825F8217195}" type="datetimeFigureOut">
               <a:rPr lang="en-US" smtClean="0"/>
-              <a:t>10/16/18</a:t>
+              <a:t>11/11/18</a:t>
             </a:fld>
             <a:endParaRPr lang="en-US"/>
           </a:p>
@@ -1122,7 +1560,7 @@
           <a:p>
             <a:fld id="{CED58884-990F-F448-A340-6825F8217195}" type="datetimeFigureOut">
               <a:rPr lang="en-US" smtClean="0"/>
-              <a:t>10/16/18</a:t>
+              <a:t>11/11/18</a:t>
             </a:fld>
             <a:endParaRPr lang="en-US"/>
           </a:p>
@@ -1292,7 +1730,7 @@
           <a:p>
             <a:fld id="{CED58884-990F-F448-A340-6825F8217195}" type="datetimeFigureOut">
               <a:rPr lang="en-US" smtClean="0"/>
-              <a:t>10/16/18</a:t>
+              <a:t>11/11/18</a:t>
             </a:fld>
             <a:endParaRPr lang="en-US"/>
           </a:p>
@@ -1538,7 +1976,7 @@
           <a:p>
             <a:fld id="{CED58884-990F-F448-A340-6825F8217195}" type="datetimeFigureOut">
               <a:rPr lang="en-US" smtClean="0"/>
-              <a:t>10/16/18</a:t>
+              <a:t>11/11/18</a:t>
             </a:fld>
             <a:endParaRPr lang="en-US"/>
           </a:p>
@@ -1826,7 +2264,7 @@
           <a:p>
             <a:fld id="{CED58884-990F-F448-A340-6825F8217195}" type="datetimeFigureOut">
               <a:rPr lang="en-US" smtClean="0"/>
-              <a:t>10/16/18</a:t>
+              <a:t>11/11/18</a:t>
             </a:fld>
             <a:endParaRPr lang="en-US"/>
           </a:p>
@@ -2248,7 +2686,7 @@
           <a:p>
             <a:fld id="{CED58884-990F-F448-A340-6825F8217195}" type="datetimeFigureOut">
               <a:rPr lang="en-US" smtClean="0"/>
-              <a:t>10/16/18</a:t>
+              <a:t>11/11/18</a:t>
             </a:fld>
             <a:endParaRPr lang="en-US"/>
           </a:p>
@@ -2366,7 +2804,7 @@
           <a:p>
             <a:fld id="{CED58884-990F-F448-A340-6825F8217195}" type="datetimeFigureOut">
               <a:rPr lang="en-US" smtClean="0"/>
-              <a:t>10/16/18</a:t>
+              <a:t>11/11/18</a:t>
             </a:fld>
             <a:endParaRPr lang="en-US"/>
           </a:p>
@@ -2461,7 +2899,7 @@
           <a:p>
             <a:fld id="{CED58884-990F-F448-A340-6825F8217195}" type="datetimeFigureOut">
               <a:rPr lang="en-US" smtClean="0"/>
-              <a:t>10/16/18</a:t>
+              <a:t>11/11/18</a:t>
             </a:fld>
             <a:endParaRPr lang="en-US"/>
           </a:p>
@@ -2738,7 +3176,7 @@
           <a:p>
             <a:fld id="{CED58884-990F-F448-A340-6825F8217195}" type="datetimeFigureOut">
               <a:rPr lang="en-US" smtClean="0"/>
-              <a:t>10/16/18</a:t>
+              <a:t>11/11/18</a:t>
             </a:fld>
             <a:endParaRPr lang="en-US"/>
           </a:p>
@@ -2991,7 +3429,7 @@
           <a:p>
             <a:fld id="{CED58884-990F-F448-A340-6825F8217195}" type="datetimeFigureOut">
               <a:rPr lang="en-US" smtClean="0"/>
-              <a:t>10/16/18</a:t>
+              <a:t>11/11/18</a:t>
             </a:fld>
             <a:endParaRPr lang="en-US"/>
           </a:p>
@@ -3204,7 +3642,7 @@
           <a:p>
             <a:fld id="{CED58884-990F-F448-A340-6825F8217195}" type="datetimeFigureOut">
               <a:rPr lang="en-US" smtClean="0"/>
-              <a:t>10/16/18</a:t>
+              <a:t>11/11/18</a:t>
             </a:fld>
             <a:endParaRPr lang="en-US"/>
           </a:p>
@@ -3675,6 +4113,1746 @@
     <p:extLst>
       <p:ext uri="{BB962C8B-B14F-4D97-AF65-F5344CB8AC3E}">
         <p14:creationId xmlns:p14="http://schemas.microsoft.com/office/powerpoint/2010/main" val="3985231729"/>
+      </p:ext>
+    </p:extLst>
+  </p:cSld>
+  <p:clrMapOvr>
+    <a:masterClrMapping/>
+  </p:clrMapOvr>
+</p:sld>
+</file>
+
+<file path=ppt/slides/slide3.xml><?xml version="1.0" encoding="utf-8"?>
+<p:sld xmlns:a="http://schemas.openxmlformats.org/drawingml/2006/main" xmlns:r="http://schemas.openxmlformats.org/officeDocument/2006/relationships" xmlns:p="http://schemas.openxmlformats.org/presentationml/2006/main">
+  <p:cSld>
+    <p:spTree>
+      <p:nvGrpSpPr>
+        <p:cNvPr id="1" name=""/>
+        <p:cNvGrpSpPr/>
+        <p:nvPr/>
+      </p:nvGrpSpPr>
+      <p:grpSpPr>
+        <a:xfrm>
+          <a:off x="0" y="0"/>
+          <a:ext cx="0" cy="0"/>
+          <a:chOff x="0" y="0"/>
+          <a:chExt cx="0" cy="0"/>
+        </a:xfrm>
+      </p:grpSpPr>
+      <p:sp>
+        <p:nvSpPr>
+          <p:cNvPr id="4" name="Rectangle 3"/>
+          <p:cNvSpPr/>
+          <p:nvPr/>
+        </p:nvSpPr>
+        <p:spPr>
+          <a:xfrm>
+            <a:off x="444524" y="1463408"/>
+            <a:ext cx="1106639" cy="704093"/>
+          </a:xfrm>
+          <a:prstGeom prst="rect">
+            <a:avLst/>
+          </a:prstGeom>
+          <a:noFill/>
+          <a:ln>
+            <a:solidFill>
+              <a:schemeClr val="tx1"/>
+            </a:solidFill>
+          </a:ln>
+          <a:effectLst/>
+        </p:spPr>
+        <p:style>
+          <a:lnRef idx="1">
+            <a:schemeClr val="accent1"/>
+          </a:lnRef>
+          <a:fillRef idx="3">
+            <a:schemeClr val="accent1"/>
+          </a:fillRef>
+          <a:effectRef idx="2">
+            <a:schemeClr val="accent1"/>
+          </a:effectRef>
+          <a:fontRef idx="minor">
+            <a:schemeClr val="lt1"/>
+          </a:fontRef>
+        </p:style>
+        <p:txBody>
+          <a:bodyPr wrap="none" rtlCol="0" anchor="ctr"/>
+          <a:lstStyle/>
+          <a:p>
+            <a:pPr algn="ctr"/>
+            <a:endParaRPr lang="en-US" dirty="0"/>
+          </a:p>
+        </p:txBody>
+      </p:sp>
+      <p:sp>
+        <p:nvSpPr>
+          <p:cNvPr id="7" name="Rectangle 6"/>
+          <p:cNvSpPr/>
+          <p:nvPr/>
+        </p:nvSpPr>
+        <p:spPr>
+          <a:xfrm>
+            <a:off x="811037" y="1461244"/>
+            <a:ext cx="370063" cy="704093"/>
+          </a:xfrm>
+          <a:prstGeom prst="rect">
+            <a:avLst/>
+          </a:prstGeom>
+          <a:noFill/>
+          <a:ln>
+            <a:solidFill>
+              <a:schemeClr val="tx1"/>
+            </a:solidFill>
+          </a:ln>
+          <a:effectLst/>
+        </p:spPr>
+        <p:style>
+          <a:lnRef idx="1">
+            <a:schemeClr val="accent1"/>
+          </a:lnRef>
+          <a:fillRef idx="3">
+            <a:schemeClr val="accent1"/>
+          </a:fillRef>
+          <a:effectRef idx="2">
+            <a:schemeClr val="accent1"/>
+          </a:effectRef>
+          <a:fontRef idx="minor">
+            <a:schemeClr val="lt1"/>
+          </a:fontRef>
+        </p:style>
+        <p:txBody>
+          <a:bodyPr wrap="none" rtlCol="0" anchor="ctr"/>
+          <a:lstStyle/>
+          <a:p>
+            <a:pPr algn="ctr"/>
+            <a:endParaRPr lang="en-US" dirty="0"/>
+          </a:p>
+        </p:txBody>
+      </p:sp>
+      <p:sp>
+        <p:nvSpPr>
+          <p:cNvPr id="10" name="TextBox 9"/>
+          <p:cNvSpPr txBox="1"/>
+          <p:nvPr/>
+        </p:nvSpPr>
+        <p:spPr>
+          <a:xfrm>
+            <a:off x="406400" y="1623060"/>
+            <a:ext cx="452208" cy="246221"/>
+          </a:xfrm>
+          <a:prstGeom prst="rect">
+            <a:avLst/>
+          </a:prstGeom>
+          <a:noFill/>
+        </p:spPr>
+        <p:txBody>
+          <a:bodyPr wrap="square" rtlCol="0">
+            <a:spAutoFit/>
+          </a:bodyPr>
+          <a:lstStyle/>
+          <a:p>
+            <a:pPr algn="ctr"/>
+            <a:r>
+              <a:rPr lang="en-US" sz="1000" dirty="0" smtClean="0">
+                <a:latin typeface="Times New Roman"/>
+                <a:cs typeface="Times New Roman"/>
+              </a:rPr>
+              <a:t>……</a:t>
+            </a:r>
+            <a:endParaRPr lang="en-US" sz="1000" dirty="0">
+              <a:latin typeface="Times New Roman"/>
+              <a:cs typeface="Times New Roman"/>
+            </a:endParaRPr>
+          </a:p>
+        </p:txBody>
+      </p:sp>
+      <p:sp>
+        <p:nvSpPr>
+          <p:cNvPr id="11" name="TextBox 10"/>
+          <p:cNvSpPr txBox="1"/>
+          <p:nvPr/>
+        </p:nvSpPr>
+        <p:spPr>
+          <a:xfrm>
+            <a:off x="1144094" y="1623060"/>
+            <a:ext cx="441146" cy="246221"/>
+          </a:xfrm>
+          <a:prstGeom prst="rect">
+            <a:avLst/>
+          </a:prstGeom>
+          <a:noFill/>
+        </p:spPr>
+        <p:txBody>
+          <a:bodyPr wrap="none" rtlCol="0">
+            <a:spAutoFit/>
+          </a:bodyPr>
+          <a:lstStyle/>
+          <a:p>
+            <a:pPr algn="ctr"/>
+            <a:r>
+              <a:rPr lang="en-US" sz="1000" dirty="0" smtClean="0">
+                <a:latin typeface="Times New Roman"/>
+                <a:cs typeface="Times New Roman"/>
+              </a:rPr>
+              <a:t>……</a:t>
+            </a:r>
+            <a:endParaRPr lang="en-US" sz="1000" dirty="0">
+              <a:latin typeface="Times New Roman"/>
+              <a:cs typeface="Times New Roman"/>
+            </a:endParaRPr>
+          </a:p>
+        </p:txBody>
+      </p:sp>
+      <p:sp>
+        <p:nvSpPr>
+          <p:cNvPr id="13" name="TextBox 12"/>
+          <p:cNvSpPr txBox="1"/>
+          <p:nvPr/>
+        </p:nvSpPr>
+        <p:spPr>
+          <a:xfrm>
+            <a:off x="382358" y="1221814"/>
+            <a:ext cx="1236236" cy="246221"/>
+          </a:xfrm>
+          <a:prstGeom prst="rect">
+            <a:avLst/>
+          </a:prstGeom>
+          <a:noFill/>
+        </p:spPr>
+        <p:txBody>
+          <a:bodyPr wrap="none" rtlCol="0">
+            <a:spAutoFit/>
+          </a:bodyPr>
+          <a:lstStyle/>
+          <a:p>
+            <a:pPr algn="ctr"/>
+            <a:r>
+              <a:rPr lang="en-US" sz="1000" dirty="0" smtClean="0">
+                <a:latin typeface="Times New Roman"/>
+                <a:cs typeface="Times New Roman"/>
+              </a:rPr>
+              <a:t>MB-Based Mapping</a:t>
+            </a:r>
+            <a:endParaRPr lang="en-US" sz="1000" dirty="0">
+              <a:latin typeface="Times New Roman"/>
+              <a:cs typeface="Times New Roman"/>
+            </a:endParaRPr>
+          </a:p>
+        </p:txBody>
+      </p:sp>
+      <p:cxnSp>
+        <p:nvCxnSpPr>
+          <p:cNvPr id="15" name="Elbow Connector 14"/>
+          <p:cNvCxnSpPr>
+            <a:stCxn id="4" idx="2"/>
+          </p:cNvCxnSpPr>
+          <p:nvPr/>
+        </p:nvCxnSpPr>
+        <p:spPr>
+          <a:xfrm rot="16200000" flipH="1">
+            <a:off x="1395041" y="1770302"/>
+            <a:ext cx="1133" cy="795528"/>
+          </a:xfrm>
+          <a:prstGeom prst="bentConnector3">
+            <a:avLst>
+              <a:gd name="adj1" fmla="val 20276523"/>
+            </a:avLst>
+          </a:prstGeom>
+          <a:ln w="6350">
+            <a:solidFill>
+              <a:schemeClr val="tx1"/>
+            </a:solidFill>
+            <a:tailEnd type="arrow"/>
+          </a:ln>
+          <a:effectLst/>
+        </p:spPr>
+        <p:style>
+          <a:lnRef idx="2">
+            <a:schemeClr val="accent1"/>
+          </a:lnRef>
+          <a:fillRef idx="0">
+            <a:schemeClr val="accent1"/>
+          </a:fillRef>
+          <a:effectRef idx="1">
+            <a:schemeClr val="accent1"/>
+          </a:effectRef>
+          <a:fontRef idx="minor">
+            <a:schemeClr val="tx1"/>
+          </a:fontRef>
+        </p:style>
+      </p:cxnSp>
+      <p:sp>
+        <p:nvSpPr>
+          <p:cNvPr id="28" name="Rectangle 27"/>
+          <p:cNvSpPr/>
+          <p:nvPr/>
+        </p:nvSpPr>
+        <p:spPr>
+          <a:xfrm>
+            <a:off x="1793373" y="1462068"/>
+            <a:ext cx="813394" cy="704093"/>
+          </a:xfrm>
+          <a:prstGeom prst="rect">
+            <a:avLst/>
+          </a:prstGeom>
+          <a:noFill/>
+          <a:ln>
+            <a:solidFill>
+              <a:schemeClr val="tx1"/>
+            </a:solidFill>
+          </a:ln>
+          <a:effectLst/>
+        </p:spPr>
+        <p:style>
+          <a:lnRef idx="1">
+            <a:schemeClr val="accent1"/>
+          </a:lnRef>
+          <a:fillRef idx="3">
+            <a:schemeClr val="accent1"/>
+          </a:fillRef>
+          <a:effectRef idx="2">
+            <a:schemeClr val="accent1"/>
+          </a:effectRef>
+          <a:fontRef idx="minor">
+            <a:schemeClr val="lt1"/>
+          </a:fontRef>
+        </p:style>
+        <p:txBody>
+          <a:bodyPr wrap="none" rtlCol="0" anchor="ctr"/>
+          <a:lstStyle/>
+          <a:p>
+            <a:pPr algn="ctr"/>
+            <a:endParaRPr lang="en-US" dirty="0"/>
+          </a:p>
+        </p:txBody>
+      </p:sp>
+      <p:sp>
+        <p:nvSpPr>
+          <p:cNvPr id="29" name="Rectangle 28"/>
+          <p:cNvSpPr/>
+          <p:nvPr/>
+        </p:nvSpPr>
+        <p:spPr>
+          <a:xfrm>
+            <a:off x="1803635" y="1157997"/>
+            <a:ext cx="1206181" cy="246221"/>
+          </a:xfrm>
+          <a:prstGeom prst="rect">
+            <a:avLst/>
+          </a:prstGeom>
+        </p:spPr>
+        <p:txBody>
+          <a:bodyPr wrap="square">
+            <a:spAutoFit/>
+          </a:bodyPr>
+          <a:lstStyle/>
+          <a:p>
+            <a:pPr algn="ctr"/>
+            <a:r>
+              <a:rPr lang="en-US" sz="1000" dirty="0" smtClean="0">
+                <a:latin typeface="Times New Roman"/>
+                <a:cs typeface="Times New Roman"/>
+              </a:rPr>
+              <a:t>PageEntry_0</a:t>
+            </a:r>
+            <a:endParaRPr lang="en-US" sz="1000" dirty="0">
+              <a:latin typeface="Times New Roman"/>
+              <a:cs typeface="Times New Roman"/>
+            </a:endParaRPr>
+          </a:p>
+        </p:txBody>
+      </p:sp>
+      <p:sp>
+        <p:nvSpPr>
+          <p:cNvPr id="30" name="Rectangle 29"/>
+          <p:cNvSpPr/>
+          <p:nvPr/>
+        </p:nvSpPr>
+        <p:spPr>
+          <a:xfrm>
+            <a:off x="1793372" y="1462068"/>
+            <a:ext cx="403293" cy="704093"/>
+          </a:xfrm>
+          <a:prstGeom prst="rect">
+            <a:avLst/>
+          </a:prstGeom>
+          <a:noFill/>
+          <a:ln>
+            <a:solidFill>
+              <a:schemeClr val="tx1"/>
+            </a:solidFill>
+          </a:ln>
+          <a:effectLst/>
+        </p:spPr>
+        <p:style>
+          <a:lnRef idx="1">
+            <a:schemeClr val="accent1"/>
+          </a:lnRef>
+          <a:fillRef idx="3">
+            <a:schemeClr val="accent1"/>
+          </a:fillRef>
+          <a:effectRef idx="2">
+            <a:schemeClr val="accent1"/>
+          </a:effectRef>
+          <a:fontRef idx="minor">
+            <a:schemeClr val="lt1"/>
+          </a:fontRef>
+        </p:style>
+        <p:txBody>
+          <a:bodyPr wrap="none" rtlCol="0" anchor="ctr"/>
+          <a:lstStyle/>
+          <a:p>
+            <a:pPr algn="ctr"/>
+            <a:endParaRPr lang="en-US" dirty="0">
+              <a:solidFill>
+                <a:schemeClr val="tx1"/>
+              </a:solidFill>
+            </a:endParaRPr>
+          </a:p>
+        </p:txBody>
+      </p:sp>
+      <p:sp>
+        <p:nvSpPr>
+          <p:cNvPr id="35" name="TextBox 34"/>
+          <p:cNvSpPr txBox="1"/>
+          <p:nvPr/>
+        </p:nvSpPr>
+        <p:spPr>
+          <a:xfrm>
+            <a:off x="1767971" y="1614059"/>
+            <a:ext cx="462562" cy="400110"/>
+          </a:xfrm>
+          <a:prstGeom prst="rect">
+            <a:avLst/>
+          </a:prstGeom>
+          <a:noFill/>
+        </p:spPr>
+        <p:txBody>
+          <a:bodyPr wrap="none" rtlCol="0">
+            <a:spAutoFit/>
+          </a:bodyPr>
+          <a:lstStyle/>
+          <a:p>
+            <a:pPr algn="ctr"/>
+            <a:r>
+              <a:rPr lang="en-US" sz="1000" dirty="0" smtClean="0">
+                <a:latin typeface="Times New Roman"/>
+                <a:cs typeface="Times New Roman"/>
+              </a:rPr>
+              <a:t>Size </a:t>
+            </a:r>
+          </a:p>
+          <a:p>
+            <a:pPr algn="ctr"/>
+            <a:r>
+              <a:rPr lang="en-US" sz="1000" dirty="0" smtClean="0">
+                <a:latin typeface="Times New Roman"/>
+                <a:cs typeface="Times New Roman"/>
+              </a:rPr>
+              <a:t>Class</a:t>
+            </a:r>
+            <a:endParaRPr lang="en-US" sz="1000" dirty="0">
+              <a:latin typeface="Times New Roman"/>
+              <a:cs typeface="Times New Roman"/>
+            </a:endParaRPr>
+          </a:p>
+        </p:txBody>
+      </p:sp>
+      <p:sp>
+        <p:nvSpPr>
+          <p:cNvPr id="36" name="Rectangle 35"/>
+          <p:cNvSpPr/>
+          <p:nvPr/>
+        </p:nvSpPr>
+        <p:spPr>
+          <a:xfrm>
+            <a:off x="2606767" y="1462068"/>
+            <a:ext cx="392786" cy="704093"/>
+          </a:xfrm>
+          <a:prstGeom prst="rect">
+            <a:avLst/>
+          </a:prstGeom>
+          <a:noFill/>
+          <a:ln>
+            <a:solidFill>
+              <a:schemeClr val="tx1"/>
+            </a:solidFill>
+          </a:ln>
+          <a:effectLst/>
+        </p:spPr>
+        <p:style>
+          <a:lnRef idx="1">
+            <a:schemeClr val="accent1"/>
+          </a:lnRef>
+          <a:fillRef idx="3">
+            <a:schemeClr val="accent1"/>
+          </a:fillRef>
+          <a:effectRef idx="2">
+            <a:schemeClr val="accent1"/>
+          </a:effectRef>
+          <a:fontRef idx="minor">
+            <a:schemeClr val="lt1"/>
+          </a:fontRef>
+        </p:style>
+        <p:txBody>
+          <a:bodyPr wrap="none" rtlCol="0" anchor="ctr"/>
+          <a:lstStyle/>
+          <a:p>
+            <a:pPr algn="ctr"/>
+            <a:endParaRPr lang="en-US" dirty="0"/>
+          </a:p>
+        </p:txBody>
+      </p:sp>
+      <p:sp>
+        <p:nvSpPr>
+          <p:cNvPr id="46" name="TextBox 45"/>
+          <p:cNvSpPr txBox="1"/>
+          <p:nvPr/>
+        </p:nvSpPr>
+        <p:spPr>
+          <a:xfrm>
+            <a:off x="2169946" y="1614059"/>
+            <a:ext cx="476776" cy="400110"/>
+          </a:xfrm>
+          <a:prstGeom prst="rect">
+            <a:avLst/>
+          </a:prstGeom>
+          <a:noFill/>
+        </p:spPr>
+        <p:txBody>
+          <a:bodyPr wrap="none" rtlCol="0">
+            <a:spAutoFit/>
+          </a:bodyPr>
+          <a:lstStyle/>
+          <a:p>
+            <a:pPr algn="ctr"/>
+            <a:r>
+              <a:rPr lang="en-US" sz="1000" dirty="0" smtClean="0">
+                <a:latin typeface="Times New Roman"/>
+                <a:cs typeface="Times New Roman"/>
+              </a:rPr>
+              <a:t>Used</a:t>
+            </a:r>
+          </a:p>
+          <a:p>
+            <a:pPr algn="ctr"/>
+            <a:r>
+              <a:rPr lang="en-US" sz="1000" dirty="0" smtClean="0">
+                <a:latin typeface="Times New Roman"/>
+                <a:cs typeface="Times New Roman"/>
+              </a:rPr>
+              <a:t>Bytes</a:t>
+            </a:r>
+            <a:endParaRPr lang="en-US" sz="1000" dirty="0">
+              <a:latin typeface="Times New Roman"/>
+              <a:cs typeface="Times New Roman"/>
+            </a:endParaRPr>
+          </a:p>
+        </p:txBody>
+      </p:sp>
+      <p:sp>
+        <p:nvSpPr>
+          <p:cNvPr id="47" name="TextBox 46"/>
+          <p:cNvSpPr txBox="1"/>
+          <p:nvPr/>
+        </p:nvSpPr>
+        <p:spPr>
+          <a:xfrm>
+            <a:off x="2533629" y="1614059"/>
+            <a:ext cx="547909" cy="400110"/>
+          </a:xfrm>
+          <a:prstGeom prst="rect">
+            <a:avLst/>
+          </a:prstGeom>
+          <a:noFill/>
+        </p:spPr>
+        <p:txBody>
+          <a:bodyPr wrap="none" rtlCol="0">
+            <a:spAutoFit/>
+          </a:bodyPr>
+          <a:lstStyle/>
+          <a:p>
+            <a:pPr algn="ctr"/>
+            <a:r>
+              <a:rPr lang="en-US" sz="1000" dirty="0" smtClean="0">
+                <a:latin typeface="Times New Roman"/>
+                <a:cs typeface="Times New Roman"/>
+              </a:rPr>
+              <a:t>Cache</a:t>
+            </a:r>
+          </a:p>
+          <a:p>
+            <a:pPr algn="ctr"/>
+            <a:r>
+              <a:rPr lang="en-US" sz="1000" dirty="0" smtClean="0">
+                <a:latin typeface="Times New Roman"/>
+                <a:cs typeface="Times New Roman"/>
+              </a:rPr>
+              <a:t>Entries</a:t>
+            </a:r>
+            <a:endParaRPr lang="en-US" sz="1000" dirty="0">
+              <a:latin typeface="Times New Roman"/>
+              <a:cs typeface="Times New Roman"/>
+            </a:endParaRPr>
+          </a:p>
+        </p:txBody>
+      </p:sp>
+      <p:cxnSp>
+        <p:nvCxnSpPr>
+          <p:cNvPr id="50" name="Elbow Connector 49"/>
+          <p:cNvCxnSpPr/>
+          <p:nvPr/>
+        </p:nvCxnSpPr>
+        <p:spPr>
+          <a:xfrm rot="5400000" flipH="1" flipV="1">
+            <a:off x="5034710" y="1925573"/>
+            <a:ext cx="7657" cy="493776"/>
+          </a:xfrm>
+          <a:prstGeom prst="bentConnector3">
+            <a:avLst>
+              <a:gd name="adj1" fmla="val -2985503"/>
+            </a:avLst>
+          </a:prstGeom>
+          <a:ln w="6350">
+            <a:solidFill>
+              <a:schemeClr val="tx1"/>
+            </a:solidFill>
+            <a:tailEnd type="arrow"/>
+          </a:ln>
+          <a:effectLst/>
+        </p:spPr>
+        <p:style>
+          <a:lnRef idx="2">
+            <a:schemeClr val="accent1"/>
+          </a:lnRef>
+          <a:fillRef idx="0">
+            <a:schemeClr val="accent1"/>
+          </a:fillRef>
+          <a:effectRef idx="1">
+            <a:schemeClr val="accent1"/>
+          </a:effectRef>
+          <a:fontRef idx="minor">
+            <a:schemeClr val="tx1"/>
+          </a:fontRef>
+        </p:style>
+      </p:cxnSp>
+      <p:sp>
+        <p:nvSpPr>
+          <p:cNvPr id="53" name="Rectangle 52"/>
+          <p:cNvSpPr/>
+          <p:nvPr/>
+        </p:nvSpPr>
+        <p:spPr>
+          <a:xfrm>
+            <a:off x="5270365" y="1462499"/>
+            <a:ext cx="392786" cy="704093"/>
+          </a:xfrm>
+          <a:prstGeom prst="rect">
+            <a:avLst/>
+          </a:prstGeom>
+          <a:noFill/>
+          <a:ln>
+            <a:solidFill>
+              <a:schemeClr val="tx1"/>
+            </a:solidFill>
+          </a:ln>
+          <a:effectLst/>
+        </p:spPr>
+        <p:style>
+          <a:lnRef idx="1">
+            <a:schemeClr val="accent1"/>
+          </a:lnRef>
+          <a:fillRef idx="3">
+            <a:schemeClr val="accent1"/>
+          </a:fillRef>
+          <a:effectRef idx="2">
+            <a:schemeClr val="accent1"/>
+          </a:effectRef>
+          <a:fontRef idx="minor">
+            <a:schemeClr val="lt1"/>
+          </a:fontRef>
+        </p:style>
+        <p:txBody>
+          <a:bodyPr wrap="none" rtlCol="0" anchor="ctr"/>
+          <a:lstStyle/>
+          <a:p>
+            <a:pPr algn="ctr"/>
+            <a:endParaRPr lang="en-US" dirty="0"/>
+          </a:p>
+        </p:txBody>
+      </p:sp>
+      <p:sp>
+        <p:nvSpPr>
+          <p:cNvPr id="54" name="Rectangle 53"/>
+          <p:cNvSpPr/>
+          <p:nvPr/>
+        </p:nvSpPr>
+        <p:spPr>
+          <a:xfrm>
+            <a:off x="5239879" y="1157997"/>
+            <a:ext cx="912919" cy="246221"/>
+          </a:xfrm>
+          <a:prstGeom prst="rect">
+            <a:avLst/>
+          </a:prstGeom>
+        </p:spPr>
+        <p:txBody>
+          <a:bodyPr wrap="square">
+            <a:spAutoFit/>
+          </a:bodyPr>
+          <a:lstStyle/>
+          <a:p>
+            <a:pPr algn="ctr"/>
+            <a:r>
+              <a:rPr lang="en-US" sz="1000" dirty="0" smtClean="0">
+                <a:latin typeface="Times New Roman"/>
+                <a:cs typeface="Times New Roman"/>
+              </a:rPr>
+              <a:t>CacheEntry_0</a:t>
+            </a:r>
+            <a:endParaRPr lang="en-US" sz="1000" dirty="0">
+              <a:latin typeface="Times New Roman"/>
+              <a:cs typeface="Times New Roman"/>
+            </a:endParaRPr>
+          </a:p>
+        </p:txBody>
+      </p:sp>
+      <p:sp>
+        <p:nvSpPr>
+          <p:cNvPr id="57" name="Rectangle 56"/>
+          <p:cNvSpPr/>
+          <p:nvPr/>
+        </p:nvSpPr>
+        <p:spPr>
+          <a:xfrm>
+            <a:off x="5664851" y="1462499"/>
+            <a:ext cx="392786" cy="704093"/>
+          </a:xfrm>
+          <a:prstGeom prst="rect">
+            <a:avLst/>
+          </a:prstGeom>
+          <a:noFill/>
+          <a:ln>
+            <a:solidFill>
+              <a:schemeClr val="tx1"/>
+            </a:solidFill>
+          </a:ln>
+          <a:effectLst/>
+        </p:spPr>
+        <p:style>
+          <a:lnRef idx="1">
+            <a:schemeClr val="accent1"/>
+          </a:lnRef>
+          <a:fillRef idx="3">
+            <a:schemeClr val="accent1"/>
+          </a:fillRef>
+          <a:effectRef idx="2">
+            <a:schemeClr val="accent1"/>
+          </a:effectRef>
+          <a:fontRef idx="minor">
+            <a:schemeClr val="lt1"/>
+          </a:fontRef>
+        </p:style>
+        <p:txBody>
+          <a:bodyPr wrap="none" rtlCol="0" anchor="ctr"/>
+          <a:lstStyle/>
+          <a:p>
+            <a:pPr algn="ctr"/>
+            <a:endParaRPr lang="en-US" dirty="0"/>
+          </a:p>
+        </p:txBody>
+      </p:sp>
+      <p:sp>
+        <p:nvSpPr>
+          <p:cNvPr id="58" name="TextBox 57"/>
+          <p:cNvSpPr txBox="1"/>
+          <p:nvPr/>
+        </p:nvSpPr>
+        <p:spPr>
+          <a:xfrm>
+            <a:off x="5219563" y="1614490"/>
+            <a:ext cx="476776" cy="400110"/>
+          </a:xfrm>
+          <a:prstGeom prst="rect">
+            <a:avLst/>
+          </a:prstGeom>
+          <a:noFill/>
+        </p:spPr>
+        <p:txBody>
+          <a:bodyPr wrap="none" rtlCol="0">
+            <a:spAutoFit/>
+          </a:bodyPr>
+          <a:lstStyle/>
+          <a:p>
+            <a:pPr algn="ctr"/>
+            <a:r>
+              <a:rPr lang="en-US" sz="1000" dirty="0" smtClean="0">
+                <a:latin typeface="Times New Roman"/>
+                <a:cs typeface="Times New Roman"/>
+              </a:rPr>
+              <a:t>Used</a:t>
+            </a:r>
+          </a:p>
+          <a:p>
+            <a:pPr algn="ctr"/>
+            <a:r>
+              <a:rPr lang="en-US" sz="1000" dirty="0" smtClean="0">
+                <a:latin typeface="Times New Roman"/>
+                <a:cs typeface="Times New Roman"/>
+              </a:rPr>
+              <a:t>Bytes</a:t>
+            </a:r>
+            <a:endParaRPr lang="en-US" sz="1000" dirty="0">
+              <a:latin typeface="Times New Roman"/>
+              <a:cs typeface="Times New Roman"/>
+            </a:endParaRPr>
+          </a:p>
+        </p:txBody>
+      </p:sp>
+      <p:sp>
+        <p:nvSpPr>
+          <p:cNvPr id="59" name="TextBox 58"/>
+          <p:cNvSpPr txBox="1"/>
+          <p:nvPr/>
+        </p:nvSpPr>
+        <p:spPr>
+          <a:xfrm>
+            <a:off x="5598851" y="1691435"/>
+            <a:ext cx="533632" cy="246221"/>
+          </a:xfrm>
+          <a:prstGeom prst="rect">
+            <a:avLst/>
+          </a:prstGeom>
+          <a:noFill/>
+        </p:spPr>
+        <p:txBody>
+          <a:bodyPr wrap="none" rtlCol="0">
+            <a:spAutoFit/>
+          </a:bodyPr>
+          <a:lstStyle/>
+          <a:p>
+            <a:pPr algn="ctr"/>
+            <a:r>
+              <a:rPr lang="en-US" sz="1000" dirty="0" smtClean="0">
+                <a:latin typeface="Times New Roman"/>
+                <a:cs typeface="Times New Roman"/>
+              </a:rPr>
+              <a:t>Owner</a:t>
+            </a:r>
+            <a:endParaRPr lang="en-US" sz="1000" dirty="0">
+              <a:latin typeface="Times New Roman"/>
+              <a:cs typeface="Times New Roman"/>
+            </a:endParaRPr>
+          </a:p>
+        </p:txBody>
+      </p:sp>
+      <p:sp>
+        <p:nvSpPr>
+          <p:cNvPr id="69" name="Rectangle 68"/>
+          <p:cNvSpPr/>
+          <p:nvPr/>
+        </p:nvSpPr>
+        <p:spPr>
+          <a:xfrm>
+            <a:off x="6752034" y="1462634"/>
+            <a:ext cx="392786" cy="704093"/>
+          </a:xfrm>
+          <a:prstGeom prst="rect">
+            <a:avLst/>
+          </a:prstGeom>
+          <a:noFill/>
+          <a:ln>
+            <a:solidFill>
+              <a:schemeClr val="tx1"/>
+            </a:solidFill>
+          </a:ln>
+          <a:effectLst/>
+        </p:spPr>
+        <p:style>
+          <a:lnRef idx="1">
+            <a:schemeClr val="accent1"/>
+          </a:lnRef>
+          <a:fillRef idx="3">
+            <a:schemeClr val="accent1"/>
+          </a:fillRef>
+          <a:effectRef idx="2">
+            <a:schemeClr val="accent1"/>
+          </a:effectRef>
+          <a:fontRef idx="minor">
+            <a:schemeClr val="lt1"/>
+          </a:fontRef>
+        </p:style>
+        <p:txBody>
+          <a:bodyPr wrap="none" rtlCol="0" anchor="ctr"/>
+          <a:lstStyle/>
+          <a:p>
+            <a:pPr algn="ctr"/>
+            <a:endParaRPr lang="en-US" dirty="0"/>
+          </a:p>
+        </p:txBody>
+      </p:sp>
+      <p:sp>
+        <p:nvSpPr>
+          <p:cNvPr id="70" name="Rectangle 69"/>
+          <p:cNvSpPr/>
+          <p:nvPr/>
+        </p:nvSpPr>
+        <p:spPr>
+          <a:xfrm>
+            <a:off x="7146520" y="1462499"/>
+            <a:ext cx="392786" cy="704093"/>
+          </a:xfrm>
+          <a:prstGeom prst="rect">
+            <a:avLst/>
+          </a:prstGeom>
+          <a:noFill/>
+          <a:ln>
+            <a:solidFill>
+              <a:schemeClr val="tx1"/>
+            </a:solidFill>
+          </a:ln>
+          <a:effectLst/>
+        </p:spPr>
+        <p:style>
+          <a:lnRef idx="1">
+            <a:schemeClr val="accent1"/>
+          </a:lnRef>
+          <a:fillRef idx="3">
+            <a:schemeClr val="accent1"/>
+          </a:fillRef>
+          <a:effectRef idx="2">
+            <a:schemeClr val="accent1"/>
+          </a:effectRef>
+          <a:fontRef idx="minor">
+            <a:schemeClr val="lt1"/>
+          </a:fontRef>
+        </p:style>
+        <p:txBody>
+          <a:bodyPr wrap="none" rtlCol="0" anchor="ctr"/>
+          <a:lstStyle/>
+          <a:p>
+            <a:pPr algn="ctr"/>
+            <a:endParaRPr lang="en-US" dirty="0"/>
+          </a:p>
+        </p:txBody>
+      </p:sp>
+      <p:sp>
+        <p:nvSpPr>
+          <p:cNvPr id="71" name="TextBox 70"/>
+          <p:cNvSpPr txBox="1"/>
+          <p:nvPr/>
+        </p:nvSpPr>
+        <p:spPr>
+          <a:xfrm>
+            <a:off x="6701232" y="1614490"/>
+            <a:ext cx="476776" cy="400110"/>
+          </a:xfrm>
+          <a:prstGeom prst="rect">
+            <a:avLst/>
+          </a:prstGeom>
+          <a:noFill/>
+        </p:spPr>
+        <p:txBody>
+          <a:bodyPr wrap="none" rtlCol="0">
+            <a:spAutoFit/>
+          </a:bodyPr>
+          <a:lstStyle/>
+          <a:p>
+            <a:pPr algn="ctr"/>
+            <a:r>
+              <a:rPr lang="en-US" sz="1000" dirty="0" smtClean="0">
+                <a:latin typeface="Times New Roman"/>
+                <a:cs typeface="Times New Roman"/>
+              </a:rPr>
+              <a:t>Used</a:t>
+            </a:r>
+          </a:p>
+          <a:p>
+            <a:pPr algn="ctr"/>
+            <a:r>
+              <a:rPr lang="en-US" sz="1000" dirty="0" smtClean="0">
+                <a:latin typeface="Times New Roman"/>
+                <a:cs typeface="Times New Roman"/>
+              </a:rPr>
+              <a:t>Bytes</a:t>
+            </a:r>
+            <a:endParaRPr lang="en-US" sz="1000" dirty="0">
+              <a:latin typeface="Times New Roman"/>
+              <a:cs typeface="Times New Roman"/>
+            </a:endParaRPr>
+          </a:p>
+        </p:txBody>
+      </p:sp>
+      <p:sp>
+        <p:nvSpPr>
+          <p:cNvPr id="72" name="TextBox 71"/>
+          <p:cNvSpPr txBox="1"/>
+          <p:nvPr/>
+        </p:nvSpPr>
+        <p:spPr>
+          <a:xfrm>
+            <a:off x="7080520" y="1691435"/>
+            <a:ext cx="533632" cy="246221"/>
+          </a:xfrm>
+          <a:prstGeom prst="rect">
+            <a:avLst/>
+          </a:prstGeom>
+          <a:noFill/>
+        </p:spPr>
+        <p:txBody>
+          <a:bodyPr wrap="none" rtlCol="0">
+            <a:spAutoFit/>
+          </a:bodyPr>
+          <a:lstStyle/>
+          <a:p>
+            <a:pPr algn="ctr"/>
+            <a:r>
+              <a:rPr lang="en-US" sz="1000" dirty="0" smtClean="0">
+                <a:latin typeface="Times New Roman"/>
+                <a:cs typeface="Times New Roman"/>
+              </a:rPr>
+              <a:t>Owner</a:t>
+            </a:r>
+            <a:endParaRPr lang="en-US" sz="1000" dirty="0">
+              <a:latin typeface="Times New Roman"/>
+              <a:cs typeface="Times New Roman"/>
+            </a:endParaRPr>
+          </a:p>
+        </p:txBody>
+      </p:sp>
+      <p:sp>
+        <p:nvSpPr>
+          <p:cNvPr id="73" name="Rectangle 72"/>
+          <p:cNvSpPr/>
+          <p:nvPr/>
+        </p:nvSpPr>
+        <p:spPr>
+          <a:xfrm>
+            <a:off x="6057637" y="1462499"/>
+            <a:ext cx="688939" cy="704093"/>
+          </a:xfrm>
+          <a:prstGeom prst="rect">
+            <a:avLst/>
+          </a:prstGeom>
+          <a:noFill/>
+          <a:ln>
+            <a:solidFill>
+              <a:schemeClr val="tx1"/>
+            </a:solidFill>
+          </a:ln>
+          <a:effectLst/>
+        </p:spPr>
+        <p:style>
+          <a:lnRef idx="1">
+            <a:schemeClr val="accent1"/>
+          </a:lnRef>
+          <a:fillRef idx="3">
+            <a:schemeClr val="accent1"/>
+          </a:fillRef>
+          <a:effectRef idx="2">
+            <a:schemeClr val="accent1"/>
+          </a:effectRef>
+          <a:fontRef idx="minor">
+            <a:schemeClr val="lt1"/>
+          </a:fontRef>
+        </p:style>
+        <p:txBody>
+          <a:bodyPr wrap="none" rtlCol="0" anchor="ctr"/>
+          <a:lstStyle/>
+          <a:p>
+            <a:pPr algn="ctr"/>
+            <a:endParaRPr lang="en-US" dirty="0"/>
+          </a:p>
+        </p:txBody>
+      </p:sp>
+      <p:sp>
+        <p:nvSpPr>
+          <p:cNvPr id="74" name="TextBox 73"/>
+          <p:cNvSpPr txBox="1"/>
+          <p:nvPr/>
+        </p:nvSpPr>
+        <p:spPr>
+          <a:xfrm>
+            <a:off x="6057638" y="1657779"/>
+            <a:ext cx="688938" cy="246221"/>
+          </a:xfrm>
+          <a:prstGeom prst="rect">
+            <a:avLst/>
+          </a:prstGeom>
+          <a:noFill/>
+        </p:spPr>
+        <p:txBody>
+          <a:bodyPr wrap="square" rtlCol="0">
+            <a:spAutoFit/>
+          </a:bodyPr>
+          <a:lstStyle/>
+          <a:p>
+            <a:pPr algn="ctr"/>
+            <a:r>
+              <a:rPr lang="en-US" sz="1000" dirty="0" smtClean="0">
+                <a:latin typeface="Times New Roman"/>
+                <a:cs typeface="Times New Roman"/>
+              </a:rPr>
+              <a:t>…….</a:t>
+            </a:r>
+            <a:endParaRPr lang="en-US" sz="1000" dirty="0">
+              <a:latin typeface="Times New Roman"/>
+              <a:cs typeface="Times New Roman"/>
+            </a:endParaRPr>
+          </a:p>
+        </p:txBody>
+      </p:sp>
+      <p:sp>
+        <p:nvSpPr>
+          <p:cNvPr id="75" name="TextBox 74"/>
+          <p:cNvSpPr txBox="1"/>
+          <p:nvPr/>
+        </p:nvSpPr>
+        <p:spPr>
+          <a:xfrm>
+            <a:off x="677334" y="1691004"/>
+            <a:ext cx="618066" cy="246221"/>
+          </a:xfrm>
+          <a:prstGeom prst="rect">
+            <a:avLst/>
+          </a:prstGeom>
+          <a:noFill/>
+        </p:spPr>
+        <p:txBody>
+          <a:bodyPr wrap="square" rtlCol="0">
+            <a:spAutoFit/>
+          </a:bodyPr>
+          <a:lstStyle/>
+          <a:p>
+            <a:pPr algn="ctr"/>
+            <a:r>
+              <a:rPr lang="en-US" sz="1000" dirty="0" err="1" smtClean="0">
+                <a:latin typeface="Times New Roman"/>
+                <a:cs typeface="Times New Roman"/>
+              </a:rPr>
+              <a:t>Ptr</a:t>
+            </a:r>
+            <a:endParaRPr lang="en-US" sz="1000" dirty="0">
+              <a:latin typeface="Times New Roman"/>
+              <a:cs typeface="Times New Roman"/>
+            </a:endParaRPr>
+          </a:p>
+        </p:txBody>
+      </p:sp>
+      <p:sp>
+        <p:nvSpPr>
+          <p:cNvPr id="76" name="Rectangle 75"/>
+          <p:cNvSpPr/>
+          <p:nvPr/>
+        </p:nvSpPr>
+        <p:spPr>
+          <a:xfrm>
+            <a:off x="3783402" y="1463447"/>
+            <a:ext cx="813394" cy="704093"/>
+          </a:xfrm>
+          <a:prstGeom prst="rect">
+            <a:avLst/>
+          </a:prstGeom>
+          <a:noFill/>
+          <a:ln>
+            <a:solidFill>
+              <a:schemeClr val="tx1"/>
+            </a:solidFill>
+          </a:ln>
+          <a:effectLst/>
+        </p:spPr>
+        <p:style>
+          <a:lnRef idx="1">
+            <a:schemeClr val="accent1"/>
+          </a:lnRef>
+          <a:fillRef idx="3">
+            <a:schemeClr val="accent1"/>
+          </a:fillRef>
+          <a:effectRef idx="2">
+            <a:schemeClr val="accent1"/>
+          </a:effectRef>
+          <a:fontRef idx="minor">
+            <a:schemeClr val="lt1"/>
+          </a:fontRef>
+        </p:style>
+        <p:txBody>
+          <a:bodyPr wrap="none" rtlCol="0" anchor="ctr"/>
+          <a:lstStyle/>
+          <a:p>
+            <a:pPr algn="ctr"/>
+            <a:endParaRPr lang="en-US" dirty="0"/>
+          </a:p>
+        </p:txBody>
+      </p:sp>
+      <p:sp>
+        <p:nvSpPr>
+          <p:cNvPr id="77" name="Rectangle 76"/>
+          <p:cNvSpPr/>
+          <p:nvPr/>
+        </p:nvSpPr>
+        <p:spPr>
+          <a:xfrm>
+            <a:off x="3783401" y="1157997"/>
+            <a:ext cx="1206181" cy="246221"/>
+          </a:xfrm>
+          <a:prstGeom prst="rect">
+            <a:avLst/>
+          </a:prstGeom>
+        </p:spPr>
+        <p:txBody>
+          <a:bodyPr wrap="square">
+            <a:spAutoFit/>
+          </a:bodyPr>
+          <a:lstStyle/>
+          <a:p>
+            <a:pPr algn="ctr"/>
+            <a:r>
+              <a:rPr lang="en-US" sz="1000" dirty="0" smtClean="0">
+                <a:latin typeface="Times New Roman"/>
+                <a:cs typeface="Times New Roman"/>
+              </a:rPr>
+              <a:t>PageEntry_255</a:t>
+            </a:r>
+            <a:endParaRPr lang="en-US" sz="1000" dirty="0">
+              <a:latin typeface="Times New Roman"/>
+              <a:cs typeface="Times New Roman"/>
+            </a:endParaRPr>
+          </a:p>
+        </p:txBody>
+      </p:sp>
+      <p:sp>
+        <p:nvSpPr>
+          <p:cNvPr id="78" name="Rectangle 77"/>
+          <p:cNvSpPr/>
+          <p:nvPr/>
+        </p:nvSpPr>
+        <p:spPr>
+          <a:xfrm>
+            <a:off x="3783401" y="1463447"/>
+            <a:ext cx="403293" cy="704093"/>
+          </a:xfrm>
+          <a:prstGeom prst="rect">
+            <a:avLst/>
+          </a:prstGeom>
+          <a:noFill/>
+          <a:ln>
+            <a:solidFill>
+              <a:schemeClr val="tx1"/>
+            </a:solidFill>
+          </a:ln>
+          <a:effectLst/>
+        </p:spPr>
+        <p:style>
+          <a:lnRef idx="1">
+            <a:schemeClr val="accent1"/>
+          </a:lnRef>
+          <a:fillRef idx="3">
+            <a:schemeClr val="accent1"/>
+          </a:fillRef>
+          <a:effectRef idx="2">
+            <a:schemeClr val="accent1"/>
+          </a:effectRef>
+          <a:fontRef idx="minor">
+            <a:schemeClr val="lt1"/>
+          </a:fontRef>
+        </p:style>
+        <p:txBody>
+          <a:bodyPr wrap="none" rtlCol="0" anchor="ctr"/>
+          <a:lstStyle/>
+          <a:p>
+            <a:pPr algn="ctr"/>
+            <a:endParaRPr lang="en-US" dirty="0">
+              <a:solidFill>
+                <a:schemeClr val="tx1"/>
+              </a:solidFill>
+            </a:endParaRPr>
+          </a:p>
+        </p:txBody>
+      </p:sp>
+      <p:sp>
+        <p:nvSpPr>
+          <p:cNvPr id="79" name="TextBox 78"/>
+          <p:cNvSpPr txBox="1"/>
+          <p:nvPr/>
+        </p:nvSpPr>
+        <p:spPr>
+          <a:xfrm>
+            <a:off x="3758000" y="1615438"/>
+            <a:ext cx="462562" cy="400110"/>
+          </a:xfrm>
+          <a:prstGeom prst="rect">
+            <a:avLst/>
+          </a:prstGeom>
+          <a:noFill/>
+        </p:spPr>
+        <p:txBody>
+          <a:bodyPr wrap="none" rtlCol="0">
+            <a:spAutoFit/>
+          </a:bodyPr>
+          <a:lstStyle/>
+          <a:p>
+            <a:pPr algn="ctr"/>
+            <a:r>
+              <a:rPr lang="en-US" sz="1000" dirty="0" smtClean="0">
+                <a:latin typeface="Times New Roman"/>
+                <a:cs typeface="Times New Roman"/>
+              </a:rPr>
+              <a:t>Size </a:t>
+            </a:r>
+          </a:p>
+          <a:p>
+            <a:pPr algn="ctr"/>
+            <a:r>
+              <a:rPr lang="en-US" sz="1000" dirty="0" smtClean="0">
+                <a:latin typeface="Times New Roman"/>
+                <a:cs typeface="Times New Roman"/>
+              </a:rPr>
+              <a:t>Class</a:t>
+            </a:r>
+            <a:endParaRPr lang="en-US" sz="1000" dirty="0">
+              <a:latin typeface="Times New Roman"/>
+              <a:cs typeface="Times New Roman"/>
+            </a:endParaRPr>
+          </a:p>
+        </p:txBody>
+      </p:sp>
+      <p:sp>
+        <p:nvSpPr>
+          <p:cNvPr id="80" name="Rectangle 79"/>
+          <p:cNvSpPr/>
+          <p:nvPr/>
+        </p:nvSpPr>
+        <p:spPr>
+          <a:xfrm>
+            <a:off x="4596796" y="1463447"/>
+            <a:ext cx="392786" cy="704093"/>
+          </a:xfrm>
+          <a:prstGeom prst="rect">
+            <a:avLst/>
+          </a:prstGeom>
+          <a:noFill/>
+          <a:ln>
+            <a:solidFill>
+              <a:schemeClr val="tx1"/>
+            </a:solidFill>
+          </a:ln>
+          <a:effectLst/>
+        </p:spPr>
+        <p:style>
+          <a:lnRef idx="1">
+            <a:schemeClr val="accent1"/>
+          </a:lnRef>
+          <a:fillRef idx="3">
+            <a:schemeClr val="accent1"/>
+          </a:fillRef>
+          <a:effectRef idx="2">
+            <a:schemeClr val="accent1"/>
+          </a:effectRef>
+          <a:fontRef idx="minor">
+            <a:schemeClr val="lt1"/>
+          </a:fontRef>
+        </p:style>
+        <p:txBody>
+          <a:bodyPr wrap="none" rtlCol="0" anchor="ctr"/>
+          <a:lstStyle/>
+          <a:p>
+            <a:pPr algn="ctr"/>
+            <a:endParaRPr lang="en-US" dirty="0"/>
+          </a:p>
+        </p:txBody>
+      </p:sp>
+      <p:sp>
+        <p:nvSpPr>
+          <p:cNvPr id="81" name="TextBox 80"/>
+          <p:cNvSpPr txBox="1"/>
+          <p:nvPr/>
+        </p:nvSpPr>
+        <p:spPr>
+          <a:xfrm>
+            <a:off x="4159975" y="1615438"/>
+            <a:ext cx="476776" cy="400110"/>
+          </a:xfrm>
+          <a:prstGeom prst="rect">
+            <a:avLst/>
+          </a:prstGeom>
+          <a:noFill/>
+        </p:spPr>
+        <p:txBody>
+          <a:bodyPr wrap="none" rtlCol="0">
+            <a:spAutoFit/>
+          </a:bodyPr>
+          <a:lstStyle/>
+          <a:p>
+            <a:pPr algn="ctr"/>
+            <a:r>
+              <a:rPr lang="en-US" sz="1000" dirty="0" smtClean="0">
+                <a:latin typeface="Times New Roman"/>
+                <a:cs typeface="Times New Roman"/>
+              </a:rPr>
+              <a:t>Used</a:t>
+            </a:r>
+          </a:p>
+          <a:p>
+            <a:pPr algn="ctr"/>
+            <a:r>
+              <a:rPr lang="en-US" sz="1000" dirty="0" smtClean="0">
+                <a:latin typeface="Times New Roman"/>
+                <a:cs typeface="Times New Roman"/>
+              </a:rPr>
+              <a:t>Bytes</a:t>
+            </a:r>
+            <a:endParaRPr lang="en-US" sz="1000" dirty="0">
+              <a:latin typeface="Times New Roman"/>
+              <a:cs typeface="Times New Roman"/>
+            </a:endParaRPr>
+          </a:p>
+        </p:txBody>
+      </p:sp>
+      <p:sp>
+        <p:nvSpPr>
+          <p:cNvPr id="82" name="TextBox 81"/>
+          <p:cNvSpPr txBox="1"/>
+          <p:nvPr/>
+        </p:nvSpPr>
+        <p:spPr>
+          <a:xfrm>
+            <a:off x="4523658" y="1615438"/>
+            <a:ext cx="547909" cy="400110"/>
+          </a:xfrm>
+          <a:prstGeom prst="rect">
+            <a:avLst/>
+          </a:prstGeom>
+          <a:noFill/>
+        </p:spPr>
+        <p:txBody>
+          <a:bodyPr wrap="none" rtlCol="0">
+            <a:spAutoFit/>
+          </a:bodyPr>
+          <a:lstStyle/>
+          <a:p>
+            <a:pPr algn="ctr"/>
+            <a:r>
+              <a:rPr lang="en-US" sz="1000" dirty="0" smtClean="0">
+                <a:latin typeface="Times New Roman"/>
+                <a:cs typeface="Times New Roman"/>
+              </a:rPr>
+              <a:t>Cache</a:t>
+            </a:r>
+          </a:p>
+          <a:p>
+            <a:pPr algn="ctr"/>
+            <a:r>
+              <a:rPr lang="en-US" sz="1000" dirty="0" smtClean="0">
+                <a:latin typeface="Times New Roman"/>
+                <a:cs typeface="Times New Roman"/>
+              </a:rPr>
+              <a:t>Entries</a:t>
+            </a:r>
+            <a:endParaRPr lang="en-US" sz="1000" dirty="0">
+              <a:latin typeface="Times New Roman"/>
+              <a:cs typeface="Times New Roman"/>
+            </a:endParaRPr>
+          </a:p>
+        </p:txBody>
+      </p:sp>
+      <p:sp>
+        <p:nvSpPr>
+          <p:cNvPr id="83" name="Rectangle 82"/>
+          <p:cNvSpPr/>
+          <p:nvPr/>
+        </p:nvSpPr>
+        <p:spPr>
+          <a:xfrm>
+            <a:off x="2999553" y="1461913"/>
+            <a:ext cx="783848" cy="704093"/>
+          </a:xfrm>
+          <a:prstGeom prst="rect">
+            <a:avLst/>
+          </a:prstGeom>
+          <a:noFill/>
+          <a:ln>
+            <a:solidFill>
+              <a:schemeClr val="tx1"/>
+            </a:solidFill>
+          </a:ln>
+          <a:effectLst/>
+        </p:spPr>
+        <p:style>
+          <a:lnRef idx="1">
+            <a:schemeClr val="accent1"/>
+          </a:lnRef>
+          <a:fillRef idx="3">
+            <a:schemeClr val="accent1"/>
+          </a:fillRef>
+          <a:effectRef idx="2">
+            <a:schemeClr val="accent1"/>
+          </a:effectRef>
+          <a:fontRef idx="minor">
+            <a:schemeClr val="lt1"/>
+          </a:fontRef>
+        </p:style>
+        <p:txBody>
+          <a:bodyPr wrap="none" rtlCol="0" anchor="ctr"/>
+          <a:lstStyle/>
+          <a:p>
+            <a:pPr algn="ctr"/>
+            <a:endParaRPr lang="en-US" dirty="0"/>
+          </a:p>
+        </p:txBody>
+      </p:sp>
+      <p:sp>
+        <p:nvSpPr>
+          <p:cNvPr id="84" name="TextBox 83"/>
+          <p:cNvSpPr txBox="1"/>
+          <p:nvPr/>
+        </p:nvSpPr>
+        <p:spPr>
+          <a:xfrm>
+            <a:off x="2999554" y="1657779"/>
+            <a:ext cx="783848" cy="246221"/>
+          </a:xfrm>
+          <a:prstGeom prst="rect">
+            <a:avLst/>
+          </a:prstGeom>
+          <a:noFill/>
+        </p:spPr>
+        <p:txBody>
+          <a:bodyPr wrap="square" rtlCol="0">
+            <a:spAutoFit/>
+          </a:bodyPr>
+          <a:lstStyle/>
+          <a:p>
+            <a:pPr algn="ctr"/>
+            <a:r>
+              <a:rPr lang="en-US" sz="1000" dirty="0" smtClean="0">
+                <a:latin typeface="Times New Roman"/>
+                <a:cs typeface="Times New Roman"/>
+              </a:rPr>
+              <a:t>…….</a:t>
+            </a:r>
+            <a:endParaRPr lang="en-US" sz="1000" dirty="0">
+              <a:latin typeface="Times New Roman"/>
+              <a:cs typeface="Times New Roman"/>
+            </a:endParaRPr>
+          </a:p>
+        </p:txBody>
+      </p:sp>
+      <p:sp>
+        <p:nvSpPr>
+          <p:cNvPr id="85" name="Rectangle 84"/>
+          <p:cNvSpPr/>
+          <p:nvPr/>
+        </p:nvSpPr>
+        <p:spPr>
+          <a:xfrm>
+            <a:off x="6637867" y="1157997"/>
+            <a:ext cx="984751" cy="246221"/>
+          </a:xfrm>
+          <a:prstGeom prst="rect">
+            <a:avLst/>
+          </a:prstGeom>
+        </p:spPr>
+        <p:txBody>
+          <a:bodyPr wrap="square">
+            <a:spAutoFit/>
+          </a:bodyPr>
+          <a:lstStyle/>
+          <a:p>
+            <a:pPr algn="ctr"/>
+            <a:r>
+              <a:rPr lang="en-US" sz="1000" dirty="0" smtClean="0">
+                <a:latin typeface="Times New Roman"/>
+                <a:cs typeface="Times New Roman"/>
+              </a:rPr>
+              <a:t>CacheEntry_63</a:t>
+            </a:r>
+            <a:endParaRPr lang="en-US" sz="1000" dirty="0">
+              <a:latin typeface="Times New Roman"/>
+              <a:cs typeface="Times New Roman"/>
+            </a:endParaRPr>
+          </a:p>
+        </p:txBody>
+      </p:sp>
+      <p:sp>
+        <p:nvSpPr>
+          <p:cNvPr id="86" name="Left Brace 85"/>
+          <p:cNvSpPr/>
+          <p:nvPr/>
+        </p:nvSpPr>
+        <p:spPr>
+          <a:xfrm rot="5400000">
+            <a:off x="2351157" y="818811"/>
+            <a:ext cx="91440" cy="1207008"/>
+          </a:xfrm>
+          <a:prstGeom prst="leftBrace">
+            <a:avLst/>
+          </a:prstGeom>
+          <a:ln w="6350">
+            <a:solidFill>
+              <a:schemeClr val="tx1"/>
+            </a:solidFill>
+          </a:ln>
+          <a:effectLst/>
+        </p:spPr>
+        <p:style>
+          <a:lnRef idx="2">
+            <a:schemeClr val="accent1"/>
+          </a:lnRef>
+          <a:fillRef idx="0">
+            <a:schemeClr val="accent1"/>
+          </a:fillRef>
+          <a:effectRef idx="1">
+            <a:schemeClr val="accent1"/>
+          </a:effectRef>
+          <a:fontRef idx="minor">
+            <a:schemeClr val="tx1"/>
+          </a:fontRef>
+        </p:style>
+        <p:txBody>
+          <a:bodyPr rtlCol="0" anchor="ctr"/>
+          <a:lstStyle/>
+          <a:p>
+            <a:pPr algn="ctr"/>
+            <a:endParaRPr lang="en-US" dirty="0"/>
+          </a:p>
+        </p:txBody>
+      </p:sp>
+      <p:sp>
+        <p:nvSpPr>
+          <p:cNvPr id="41" name="Left Brace 40"/>
+          <p:cNvSpPr/>
+          <p:nvPr/>
+        </p:nvSpPr>
+        <p:spPr>
+          <a:xfrm rot="5400000">
+            <a:off x="4345057" y="818811"/>
+            <a:ext cx="91440" cy="1207008"/>
+          </a:xfrm>
+          <a:prstGeom prst="leftBrace">
+            <a:avLst/>
+          </a:prstGeom>
+          <a:ln w="6350">
+            <a:solidFill>
+              <a:schemeClr val="tx1"/>
+            </a:solidFill>
+          </a:ln>
+          <a:effectLst/>
+        </p:spPr>
+        <p:style>
+          <a:lnRef idx="2">
+            <a:schemeClr val="accent1"/>
+          </a:lnRef>
+          <a:fillRef idx="0">
+            <a:schemeClr val="accent1"/>
+          </a:fillRef>
+          <a:effectRef idx="1">
+            <a:schemeClr val="accent1"/>
+          </a:effectRef>
+          <a:fontRef idx="minor">
+            <a:schemeClr val="tx1"/>
+          </a:fontRef>
+        </p:style>
+        <p:txBody>
+          <a:bodyPr rtlCol="0" anchor="ctr"/>
+          <a:lstStyle/>
+          <a:p>
+            <a:pPr algn="ctr"/>
+            <a:endParaRPr lang="en-US" dirty="0"/>
+          </a:p>
+        </p:txBody>
+      </p:sp>
+      <p:sp>
+        <p:nvSpPr>
+          <p:cNvPr id="42" name="Left Brace 41"/>
+          <p:cNvSpPr/>
+          <p:nvPr/>
+        </p:nvSpPr>
+        <p:spPr>
+          <a:xfrm rot="5400000">
+            <a:off x="5621723" y="1029123"/>
+            <a:ext cx="91440" cy="786384"/>
+          </a:xfrm>
+          <a:prstGeom prst="leftBrace">
+            <a:avLst/>
+          </a:prstGeom>
+          <a:ln w="6350">
+            <a:solidFill>
+              <a:schemeClr val="tx1"/>
+            </a:solidFill>
+          </a:ln>
+          <a:effectLst/>
+        </p:spPr>
+        <p:style>
+          <a:lnRef idx="2">
+            <a:schemeClr val="accent1"/>
+          </a:lnRef>
+          <a:fillRef idx="0">
+            <a:schemeClr val="accent1"/>
+          </a:fillRef>
+          <a:effectRef idx="1">
+            <a:schemeClr val="accent1"/>
+          </a:effectRef>
+          <a:fontRef idx="minor">
+            <a:schemeClr val="tx1"/>
+          </a:fontRef>
+        </p:style>
+        <p:txBody>
+          <a:bodyPr rtlCol="0" anchor="ctr"/>
+          <a:lstStyle/>
+          <a:p>
+            <a:pPr algn="ctr"/>
+            <a:endParaRPr lang="en-US" dirty="0"/>
+          </a:p>
+        </p:txBody>
+      </p:sp>
+      <p:sp>
+        <p:nvSpPr>
+          <p:cNvPr id="43" name="Left Brace 42"/>
+          <p:cNvSpPr/>
+          <p:nvPr/>
+        </p:nvSpPr>
+        <p:spPr>
+          <a:xfrm rot="5400000">
+            <a:off x="7094048" y="1023001"/>
+            <a:ext cx="91440" cy="786384"/>
+          </a:xfrm>
+          <a:prstGeom prst="leftBrace">
+            <a:avLst/>
+          </a:prstGeom>
+          <a:ln w="6350">
+            <a:solidFill>
+              <a:schemeClr val="tx1"/>
+            </a:solidFill>
+          </a:ln>
+          <a:effectLst/>
+        </p:spPr>
+        <p:style>
+          <a:lnRef idx="2">
+            <a:schemeClr val="accent1"/>
+          </a:lnRef>
+          <a:fillRef idx="0">
+            <a:schemeClr val="accent1"/>
+          </a:fillRef>
+          <a:effectRef idx="1">
+            <a:schemeClr val="accent1"/>
+          </a:effectRef>
+          <a:fontRef idx="minor">
+            <a:schemeClr val="tx1"/>
+          </a:fontRef>
+        </p:style>
+        <p:txBody>
+          <a:bodyPr rtlCol="0" anchor="ctr"/>
+          <a:lstStyle/>
+          <a:p>
+            <a:pPr algn="ctr"/>
+            <a:endParaRPr lang="en-US" dirty="0"/>
+          </a:p>
+        </p:txBody>
+      </p:sp>
+    </p:spTree>
+    <p:extLst>
+      <p:ext uri="{BB962C8B-B14F-4D97-AF65-F5344CB8AC3E}">
+        <p14:creationId xmlns:p14="http://schemas.microsoft.com/office/powerpoint/2010/main" val="3627771947"/>
       </p:ext>
     </p:extLst>
   </p:cSld>
@@ -4002,4 +6180,324 @@
   </a:objectDefaults>
   <a:extraClrSchemeLst/>
 </a:theme>
+</file>
+
+<file path=ppt/theme/theme2.xml><?xml version="1.0" encoding="utf-8"?>
+<a:theme xmlns:a="http://schemas.openxmlformats.org/drawingml/2006/main" name="Office Theme">
+  <a:themeElements>
+    <a:clrScheme name="Office">
+      <a:dk1>
+        <a:sysClr val="windowText" lastClr="000000"/>
+      </a:dk1>
+      <a:lt1>
+        <a:sysClr val="window" lastClr="FFFFFF"/>
+      </a:lt1>
+      <a:dk2>
+        <a:srgbClr val="1F497D"/>
+      </a:dk2>
+      <a:lt2>
+        <a:srgbClr val="EEECE1"/>
+      </a:lt2>
+      <a:accent1>
+        <a:srgbClr val="4F81BD"/>
+      </a:accent1>
+      <a:accent2>
+        <a:srgbClr val="C0504D"/>
+      </a:accent2>
+      <a:accent3>
+        <a:srgbClr val="9BBB59"/>
+      </a:accent3>
+      <a:accent4>
+        <a:srgbClr val="8064A2"/>
+      </a:accent4>
+      <a:accent5>
+        <a:srgbClr val="4BACC6"/>
+      </a:accent5>
+      <a:accent6>
+        <a:srgbClr val="F79646"/>
+      </a:accent6>
+      <a:hlink>
+        <a:srgbClr val="0000FF"/>
+      </a:hlink>
+      <a:folHlink>
+        <a:srgbClr val="800080"/>
+      </a:folHlink>
+    </a:clrScheme>
+    <a:fontScheme name="Office">
+      <a:majorFont>
+        <a:latin typeface="Calibri"/>
+        <a:ea typeface=""/>
+        <a:cs typeface=""/>
+        <a:font script="Jpan" typeface="ＭＳ Ｐゴシック"/>
+        <a:font script="Hang" typeface="맑은 고딕"/>
+        <a:font script="Hans" typeface="宋体"/>
+        <a:font script="Hant" typeface="新細明體"/>
+        <a:font script="Arab" typeface="Times New Roman"/>
+        <a:font script="Hebr" typeface="Times New Roman"/>
+        <a:font script="Thai" typeface="Angsana New"/>
+        <a:font script="Ethi" typeface="Nyala"/>
+        <a:font script="Beng" typeface="Vrinda"/>
+        <a:font script="Gujr" typeface="Shruti"/>
+        <a:font script="Khmr" typeface="MoolBoran"/>
+        <a:font script="Knda" typeface="Tunga"/>
+        <a:font script="Guru" typeface="Raavi"/>
+        <a:font script="Cans" typeface="Euphemia"/>
+        <a:font script="Cher" typeface="Plantagenet Cherokee"/>
+        <a:font script="Yiii" typeface="Microsoft Yi Baiti"/>
+        <a:font script="Tibt" typeface="Microsoft Himalaya"/>
+        <a:font script="Thaa" typeface="MV Boli"/>
+        <a:font script="Deva" typeface="Mangal"/>
+        <a:font script="Telu" typeface="Gautami"/>
+        <a:font script="Taml" typeface="Latha"/>
+        <a:font script="Syrc" typeface="Estrangelo Edessa"/>
+        <a:font script="Orya" typeface="Kalinga"/>
+        <a:font script="Mlym" typeface="Kartika"/>
+        <a:font script="Laoo" typeface="DokChampa"/>
+        <a:font script="Sinh" typeface="Iskoola Pota"/>
+        <a:font script="Mong" typeface="Mongolian Baiti"/>
+        <a:font script="Viet" typeface="Times New Roman"/>
+        <a:font script="Uigh" typeface="Microsoft Uighur"/>
+        <a:font script="Geor" typeface="Sylfaen"/>
+      </a:majorFont>
+      <a:minorFont>
+        <a:latin typeface="Calibri"/>
+        <a:ea typeface=""/>
+        <a:cs typeface=""/>
+        <a:font script="Jpan" typeface="ＭＳ Ｐゴシック"/>
+        <a:font script="Hang" typeface="맑은 고딕"/>
+        <a:font script="Hans" typeface="宋体"/>
+        <a:font script="Hant" typeface="新細明體"/>
+        <a:font script="Arab" typeface="Arial"/>
+        <a:font script="Hebr" typeface="Arial"/>
+        <a:font script="Thai" typeface="Cordia New"/>
+        <a:font script="Ethi" typeface="Nyala"/>
+        <a:font script="Beng" typeface="Vrinda"/>
+        <a:font script="Gujr" typeface="Shruti"/>
+        <a:font script="Khmr" typeface="DaunPenh"/>
+        <a:font script="Knda" typeface="Tunga"/>
+        <a:font script="Guru" typeface="Raavi"/>
+        <a:font script="Cans" typeface="Euphemia"/>
+        <a:font script="Cher" typeface="Plantagenet Cherokee"/>
+        <a:font script="Yiii" typeface="Microsoft Yi Baiti"/>
+        <a:font script="Tibt" typeface="Microsoft Himalaya"/>
+        <a:font script="Thaa" typeface="MV Boli"/>
+        <a:font script="Deva" typeface="Mangal"/>
+        <a:font script="Telu" typeface="Gautami"/>
+        <a:font script="Taml" typeface="Latha"/>
+        <a:font script="Syrc" typeface="Estrangelo Edessa"/>
+        <a:font script="Orya" typeface="Kalinga"/>
+        <a:font script="Mlym" typeface="Kartika"/>
+        <a:font script="Laoo" typeface="DokChampa"/>
+        <a:font script="Sinh" typeface="Iskoola Pota"/>
+        <a:font script="Mong" typeface="Mongolian Baiti"/>
+        <a:font script="Viet" typeface="Arial"/>
+        <a:font script="Uigh" typeface="Microsoft Uighur"/>
+        <a:font script="Geor" typeface="Sylfaen"/>
+      </a:minorFont>
+    </a:fontScheme>
+    <a:fmtScheme name="Office">
+      <a:fillStyleLst>
+        <a:solidFill>
+          <a:schemeClr val="phClr"/>
+        </a:solidFill>
+        <a:gradFill rotWithShape="1">
+          <a:gsLst>
+            <a:gs pos="0">
+              <a:schemeClr val="phClr">
+                <a:tint val="50000"/>
+                <a:satMod val="300000"/>
+              </a:schemeClr>
+            </a:gs>
+            <a:gs pos="35000">
+              <a:schemeClr val="phClr">
+                <a:tint val="37000"/>
+                <a:satMod val="300000"/>
+              </a:schemeClr>
+            </a:gs>
+            <a:gs pos="100000">
+              <a:schemeClr val="phClr">
+                <a:tint val="15000"/>
+                <a:satMod val="350000"/>
+              </a:schemeClr>
+            </a:gs>
+          </a:gsLst>
+          <a:lin ang="16200000" scaled="1"/>
+        </a:gradFill>
+        <a:gradFill rotWithShape="1">
+          <a:gsLst>
+            <a:gs pos="0">
+              <a:schemeClr val="phClr">
+                <a:tint val="100000"/>
+                <a:shade val="100000"/>
+                <a:satMod val="130000"/>
+              </a:schemeClr>
+            </a:gs>
+            <a:gs pos="100000">
+              <a:schemeClr val="phClr">
+                <a:tint val="50000"/>
+                <a:shade val="100000"/>
+                <a:satMod val="350000"/>
+              </a:schemeClr>
+            </a:gs>
+          </a:gsLst>
+          <a:lin ang="16200000" scaled="0"/>
+        </a:gradFill>
+      </a:fillStyleLst>
+      <a:lnStyleLst>
+        <a:ln w="9525" cap="flat" cmpd="sng" algn="ctr">
+          <a:solidFill>
+            <a:schemeClr val="phClr">
+              <a:shade val="95000"/>
+              <a:satMod val="105000"/>
+            </a:schemeClr>
+          </a:solidFill>
+          <a:prstDash val="solid"/>
+        </a:ln>
+        <a:ln w="25400" cap="flat" cmpd="sng" algn="ctr">
+          <a:solidFill>
+            <a:schemeClr val="phClr"/>
+          </a:solidFill>
+          <a:prstDash val="solid"/>
+        </a:ln>
+        <a:ln w="38100" cap="flat" cmpd="sng" algn="ctr">
+          <a:solidFill>
+            <a:schemeClr val="phClr"/>
+          </a:solidFill>
+          <a:prstDash val="solid"/>
+        </a:ln>
+      </a:lnStyleLst>
+      <a:effectStyleLst>
+        <a:effectStyle>
+          <a:effectLst>
+            <a:outerShdw blurRad="40000" dist="20000" dir="5400000" rotWithShape="0">
+              <a:srgbClr val="000000">
+                <a:alpha val="38000"/>
+              </a:srgbClr>
+            </a:outerShdw>
+          </a:effectLst>
+        </a:effectStyle>
+        <a:effectStyle>
+          <a:effectLst>
+            <a:outerShdw blurRad="40000" dist="23000" dir="5400000" rotWithShape="0">
+              <a:srgbClr val="000000">
+                <a:alpha val="35000"/>
+              </a:srgbClr>
+            </a:outerShdw>
+          </a:effectLst>
+        </a:effectStyle>
+        <a:effectStyle>
+          <a:effectLst>
+            <a:outerShdw blurRad="40000" dist="23000" dir="5400000" rotWithShape="0">
+              <a:srgbClr val="000000">
+                <a:alpha val="35000"/>
+              </a:srgbClr>
+            </a:outerShdw>
+          </a:effectLst>
+          <a:scene3d>
+            <a:camera prst="orthographicFront">
+              <a:rot lat="0" lon="0" rev="0"/>
+            </a:camera>
+            <a:lightRig rig="threePt" dir="t">
+              <a:rot lat="0" lon="0" rev="1200000"/>
+            </a:lightRig>
+          </a:scene3d>
+          <a:sp3d>
+            <a:bevelT w="63500" h="25400"/>
+          </a:sp3d>
+        </a:effectStyle>
+      </a:effectStyleLst>
+      <a:bgFillStyleLst>
+        <a:solidFill>
+          <a:schemeClr val="phClr"/>
+        </a:solidFill>
+        <a:gradFill rotWithShape="1">
+          <a:gsLst>
+            <a:gs pos="0">
+              <a:schemeClr val="phClr">
+                <a:tint val="40000"/>
+                <a:satMod val="350000"/>
+              </a:schemeClr>
+            </a:gs>
+            <a:gs pos="40000">
+              <a:schemeClr val="phClr">
+                <a:tint val="45000"/>
+                <a:shade val="99000"/>
+                <a:satMod val="350000"/>
+              </a:schemeClr>
+            </a:gs>
+            <a:gs pos="100000">
+              <a:schemeClr val="phClr">
+                <a:shade val="20000"/>
+                <a:satMod val="255000"/>
+              </a:schemeClr>
+            </a:gs>
+          </a:gsLst>
+          <a:path path="circle">
+            <a:fillToRect l="50000" t="-80000" r="50000" b="180000"/>
+          </a:path>
+        </a:gradFill>
+        <a:gradFill rotWithShape="1">
+          <a:gsLst>
+            <a:gs pos="0">
+              <a:schemeClr val="phClr">
+                <a:tint val="80000"/>
+                <a:satMod val="300000"/>
+              </a:schemeClr>
+            </a:gs>
+            <a:gs pos="100000">
+              <a:schemeClr val="phClr">
+                <a:shade val="30000"/>
+                <a:satMod val="200000"/>
+              </a:schemeClr>
+            </a:gs>
+          </a:gsLst>
+          <a:path path="circle">
+            <a:fillToRect l="50000" t="50000" r="50000" b="50000"/>
+          </a:path>
+        </a:gradFill>
+      </a:bgFillStyleLst>
+    </a:fmtScheme>
+  </a:themeElements>
+  <a:objectDefaults>
+    <a:spDef>
+      <a:spPr/>
+      <a:bodyPr/>
+      <a:lstStyle/>
+      <a:style>
+        <a:lnRef idx="1">
+          <a:schemeClr val="accent1"/>
+        </a:lnRef>
+        <a:fillRef idx="3">
+          <a:schemeClr val="accent1"/>
+        </a:fillRef>
+        <a:effectRef idx="2">
+          <a:schemeClr val="accent1"/>
+        </a:effectRef>
+        <a:fontRef idx="minor">
+          <a:schemeClr val="lt1"/>
+        </a:fontRef>
+      </a:style>
+    </a:spDef>
+    <a:lnDef>
+      <a:spPr/>
+      <a:bodyPr/>
+      <a:lstStyle/>
+      <a:style>
+        <a:lnRef idx="2">
+          <a:schemeClr val="accent1"/>
+        </a:lnRef>
+        <a:fillRef idx="0">
+          <a:schemeClr val="accent1"/>
+        </a:fillRef>
+        <a:effectRef idx="1">
+          <a:schemeClr val="accent1"/>
+        </a:effectRef>
+        <a:fontRef idx="minor">
+          <a:schemeClr val="tx1"/>
+        </a:fontRef>
+      </a:style>
+    </a:lnDef>
+  </a:objectDefaults>
+  <a:extraClrSchemeLst/>
+</a:theme>
 </file>
--- a/paper/figures/Figures.pptx
+++ b/paper/figures/Figures.pptx
@@ -5,12 +5,13 @@
     <p:sldMasterId id="2147483648" r:id="rId1"/>
   </p:sldMasterIdLst>
   <p:notesMasterIdLst>
-    <p:notesMasterId r:id="rId5"/>
+    <p:notesMasterId r:id="rId6"/>
   </p:notesMasterIdLst>
   <p:sldIdLst>
     <p:sldId id="256" r:id="rId2"/>
     <p:sldId id="257" r:id="rId3"/>
     <p:sldId id="258" r:id="rId4"/>
+    <p:sldId id="259" r:id="rId5"/>
   </p:sldIdLst>
   <p:sldSz cx="9144000" cy="6858000" type="screen4x3"/>
   <p:notesSz cx="6858000" cy="9144000"/>
@@ -109,11 +110,27 @@
       </a:defRPr>
     </a:lvl9pPr>
   </p:defaultTextStyle>
+  <p:extLst>
+    <p:ext uri="{EFAFB233-063F-42B5-8137-9DF3F51BA10A}">
+      <p15:sldGuideLst xmlns:p15="http://schemas.microsoft.com/office/powerpoint/2012/main">
+        <p15:guide id="1" orient="horz" pos="2160">
+          <p15:clr>
+            <a:srgbClr val="A4A3A4"/>
+          </p15:clr>
+        </p15:guide>
+        <p15:guide id="2" pos="2880">
+          <p15:clr>
+            <a:srgbClr val="A4A3A4"/>
+          </p15:clr>
+        </p15:guide>
+      </p15:sldGuideLst>
+    </p:ext>
+  </p:extLst>
 </p:presentation>
 </file>
 
 <file path=ppt/charts/chart1.xml><?xml version="1.0" encoding="utf-8"?>
-<c:chartSpace xmlns:c="http://schemas.openxmlformats.org/drawingml/2006/chart" xmlns:a="http://schemas.openxmlformats.org/drawingml/2006/main" xmlns:r="http://schemas.openxmlformats.org/officeDocument/2006/relationships">
+<c:chartSpace xmlns:c="http://schemas.openxmlformats.org/drawingml/2006/chart" xmlns:a="http://schemas.openxmlformats.org/drawingml/2006/main" xmlns:r="http://schemas.openxmlformats.org/officeDocument/2006/relationships" xmlns:c16r2="http://schemas.microsoft.com/office/drawing/2015/06/chart">
   <c:date1904 val="0"/>
   <c:lang val="en-US"/>
   <c:roundedCorners val="0"/>
@@ -192,29 +209,34 @@
                 <c:formatCode>General</c:formatCode>
                 <c:ptCount val="8"/>
                 <c:pt idx="0">
-                  <c:v>1.0</c:v>
+                  <c:v>1</c:v>
                 </c:pt>
                 <c:pt idx="1">
-                  <c:v>1.0</c:v>
+                  <c:v>1</c:v>
                 </c:pt>
                 <c:pt idx="2">
-                  <c:v>1.0</c:v>
+                  <c:v>1</c:v>
                 </c:pt>
                 <c:pt idx="3">
-                  <c:v>1.0</c:v>
+                  <c:v>1</c:v>
                 </c:pt>
                 <c:pt idx="4">
-                  <c:v>1.0</c:v>
+                  <c:v>1</c:v>
                 </c:pt>
                 <c:pt idx="5">
-                  <c:v>1.0</c:v>
+                  <c:v>1</c:v>
                 </c:pt>
                 <c:pt idx="7">
-                  <c:v>1.0</c:v>
+                  <c:v>1</c:v>
                 </c:pt>
               </c:numCache>
             </c:numRef>
           </c:val>
+          <c:extLst>
+            <c:ext xmlns:c16="http://schemas.microsoft.com/office/drawing/2014/chart" uri="{C3380CC4-5D6E-409C-BE32-E72D297353CC}">
+              <c16:uniqueId val="{00000000-845C-5841-8C6F-B763D1AD96BA}"/>
+            </c:ext>
+          </c:extLst>
         </c:ser>
         <c:ser>
           <c:idx val="1"/>
@@ -275,26 +297,31 @@
                   <c:v>0.6875</c:v>
                 </c:pt>
                 <c:pt idx="1">
-                  <c:v>1.0491</c:v>
+                  <c:v>1.0490999999999999</c:v>
                 </c:pt>
                 <c:pt idx="2">
-                  <c:v>0.9534</c:v>
+                  <c:v>0.95340000000000003</c:v>
                 </c:pt>
                 <c:pt idx="3">
                   <c:v>1.014</c:v>
                 </c:pt>
                 <c:pt idx="4">
-                  <c:v>0.9989</c:v>
+                  <c:v>0.99890000000000001</c:v>
                 </c:pt>
                 <c:pt idx="5">
-                  <c:v>0.9624</c:v>
+                  <c:v>0.96240000000000003</c:v>
                 </c:pt>
                 <c:pt idx="7">
-                  <c:v>0.944216666666667</c:v>
+                  <c:v>0.94421666666666704</c:v>
                 </c:pt>
               </c:numCache>
             </c:numRef>
           </c:val>
+          <c:extLst>
+            <c:ext xmlns:c16="http://schemas.microsoft.com/office/drawing/2014/chart" uri="{C3380CC4-5D6E-409C-BE32-E72D297353CC}">
+              <c16:uniqueId val="{00000001-845C-5841-8C6F-B763D1AD96BA}"/>
+            </c:ext>
+          </c:extLst>
         </c:ser>
         <c:ser>
           <c:idx val="2"/>
@@ -352,7 +379,7 @@
                 <c:formatCode>General</c:formatCode>
                 <c:ptCount val="8"/>
                 <c:pt idx="0">
-                  <c:v>2.5069</c:v>
+                  <c:v>2.5068999999999999</c:v>
                 </c:pt>
                 <c:pt idx="1">
                   <c:v>1.2456</c:v>
@@ -361,13 +388,13 @@
                   <c:v>2.056</c:v>
                 </c:pt>
                 <c:pt idx="3">
-                  <c:v>1.4346</c:v>
+                  <c:v>1.4346000000000001</c:v>
                 </c:pt>
                 <c:pt idx="4">
-                  <c:v>9.6956</c:v>
+                  <c:v>9.6956000000000007</c:v>
                 </c:pt>
                 <c:pt idx="5">
-                  <c:v>0.8854</c:v>
+                  <c:v>0.88539999999999996</c:v>
                 </c:pt>
                 <c:pt idx="7">
                   <c:v>2.970683333333334</c:v>
@@ -375,6 +402,11 @@
               </c:numCache>
             </c:numRef>
           </c:val>
+          <c:extLst>
+            <c:ext xmlns:c16="http://schemas.microsoft.com/office/drawing/2014/chart" uri="{C3380CC4-5D6E-409C-BE32-E72D297353CC}">
+              <c16:uniqueId val="{00000002-845C-5841-8C6F-B763D1AD96BA}"/>
+            </c:ext>
+          </c:extLst>
         </c:ser>
         <c:ser>
           <c:idx val="3"/>
@@ -432,29 +464,34 @@
                 <c:formatCode>General</c:formatCode>
                 <c:ptCount val="8"/>
                 <c:pt idx="0">
-                  <c:v>0.7382</c:v>
+                  <c:v>0.73819999999999997</c:v>
                 </c:pt>
                 <c:pt idx="1">
-                  <c:v>1.0415</c:v>
+                  <c:v>1.0415000000000001</c:v>
                 </c:pt>
                 <c:pt idx="2">
-                  <c:v>1.0074</c:v>
+                  <c:v>1.0074000000000001</c:v>
                 </c:pt>
                 <c:pt idx="3">
-                  <c:v>0.9785</c:v>
+                  <c:v>0.97850000000000004</c:v>
                 </c:pt>
                 <c:pt idx="4">
-                  <c:v>1.2549</c:v>
+                  <c:v>1.2548999999999999</c:v>
                 </c:pt>
                 <c:pt idx="5">
-                  <c:v>1.8099</c:v>
+                  <c:v>1.8099000000000001</c:v>
                 </c:pt>
                 <c:pt idx="7">
-                  <c:v>1.1384</c:v>
+                  <c:v>1.1384000000000001</c:v>
                 </c:pt>
               </c:numCache>
             </c:numRef>
           </c:val>
+          <c:extLst>
+            <c:ext xmlns:c16="http://schemas.microsoft.com/office/drawing/2014/chart" uri="{C3380CC4-5D6E-409C-BE32-E72D297353CC}">
+              <c16:uniqueId val="{00000003-845C-5841-8C6F-B763D1AD96BA}"/>
+            </c:ext>
+          </c:extLst>
         </c:ser>
         <c:dLbls>
           <c:showLegendKey val="0"/>
@@ -475,6 +512,7 @@
         </c:scaling>
         <c:delete val="0"/>
         <c:axPos val="b"/>
+        <c:numFmt formatCode="General" sourceLinked="0"/>
         <c:majorTickMark val="out"/>
         <c:minorTickMark val="none"/>
         <c:tickLblPos val="nextTo"/>
@@ -502,7 +540,7 @@
         <c:axId val="-2028642776"/>
         <c:scaling>
           <c:orientation val="minMax"/>
-          <c:max val="3.0"/>
+          <c:max val="3"/>
         </c:scaling>
         <c:delete val="0"/>
         <c:axPos val="l"/>
@@ -523,9 +561,9 @@
           <c:xMode val="edge"/>
           <c:yMode val="edge"/>
           <c:x val="0.29783398675584"/>
-          <c:y val="0.0769230769230769"/>
+          <c:y val="7.69230769230769E-2"/>
           <c:w val="0.404331861759958"/>
-          <c:h val="0.0911504391278013"/>
+          <c:h val="9.1150439127801297E-2"/>
         </c:manualLayout>
       </c:layout>
       <c:overlay val="0"/>
@@ -584,10 +622,9 @@
         <a:lstStyle xmlns:a="http://schemas.openxmlformats.org/drawingml/2006/main"/>
         <a:p xmlns:a="http://schemas.openxmlformats.org/drawingml/2006/main">
           <a:r>
-            <a:rPr lang="en-US" sz="1100" dirty="0" smtClean="0"/>
+            <a:rPr lang="en-US" sz="1100" dirty="0"/>
             <a:t>9.69</a:t>
           </a:r>
-          <a:endParaRPr lang="en-US" sz="1100" dirty="0"/>
         </a:p>
       </cdr:txBody>
     </cdr:sp>
@@ -677,7 +714,7 @@
           <a:p>
             <a:fld id="{C8819947-BA8E-2949-B0DD-BE392E009EED}" type="datetimeFigureOut">
               <a:rPr lang="en-US" smtClean="0"/>
-              <a:t>11/11/18</a:t>
+              <a:t>4/15/20</a:t>
             </a:fld>
             <a:endParaRPr lang="en-US"/>
           </a:p>
@@ -741,38 +778,37 @@
           <a:p>
             <a:pPr lvl="0"/>
             <a:r>
-              <a:rPr lang="en-US" smtClean="0"/>
+              <a:rPr lang="en-US"/>
               <a:t>Click to edit Master text styles</a:t>
             </a:r>
           </a:p>
           <a:p>
             <a:pPr lvl="1"/>
             <a:r>
-              <a:rPr lang="en-US" smtClean="0"/>
+              <a:rPr lang="en-US"/>
               <a:t>Second level</a:t>
             </a:r>
           </a:p>
           <a:p>
             <a:pPr lvl="2"/>
             <a:r>
-              <a:rPr lang="en-US" smtClean="0"/>
+              <a:rPr lang="en-US"/>
               <a:t>Third level</a:t>
             </a:r>
           </a:p>
           <a:p>
             <a:pPr lvl="3"/>
             <a:r>
-              <a:rPr lang="en-US" smtClean="0"/>
+              <a:rPr lang="en-US"/>
               <a:t>Fourth level</a:t>
             </a:r>
           </a:p>
           <a:p>
             <a:pPr lvl="4"/>
             <a:r>
-              <a:rPr lang="en-US" smtClean="0"/>
+              <a:rPr lang="en-US"/>
               <a:t>Fifth level</a:t>
             </a:r>
-            <a:endParaRPr lang="en-US"/>
           </a:p>
         </p:txBody>
       </p:sp>
@@ -1067,10 +1103,9 @@
           <a:lstStyle/>
           <a:p>
             <a:r>
-              <a:rPr lang="en-US" smtClean="0"/>
+              <a:rPr lang="en-US"/>
               <a:t>Click to edit Master title style</a:t>
             </a:r>
-            <a:endParaRPr lang="en-US"/>
           </a:p>
         </p:txBody>
       </p:sp>
@@ -1186,10 +1221,9 @@
           </a:lstStyle>
           <a:p>
             <a:r>
-              <a:rPr lang="en-US" smtClean="0"/>
+              <a:rPr lang="en-US"/>
               <a:t>Click to edit Master subtitle style</a:t>
             </a:r>
-            <a:endParaRPr lang="en-US"/>
           </a:p>
         </p:txBody>
       </p:sp>
@@ -1210,7 +1244,7 @@
           <a:p>
             <a:fld id="{CED58884-990F-F448-A340-6825F8217195}" type="datetimeFigureOut">
               <a:rPr lang="en-US" smtClean="0"/>
-              <a:t>11/11/18</a:t>
+              <a:t>4/15/20</a:t>
             </a:fld>
             <a:endParaRPr lang="en-US"/>
           </a:p>
@@ -1304,10 +1338,9 @@
           <a:lstStyle/>
           <a:p>
             <a:r>
-              <a:rPr lang="en-US" smtClean="0"/>
+              <a:rPr lang="en-US"/>
               <a:t>Click to edit Master title style</a:t>
             </a:r>
-            <a:endParaRPr lang="en-US"/>
           </a:p>
         </p:txBody>
       </p:sp>
@@ -1328,38 +1361,37 @@
           <a:p>
             <a:pPr lvl="0"/>
             <a:r>
-              <a:rPr lang="en-US" smtClean="0"/>
+              <a:rPr lang="en-US"/>
               <a:t>Click to edit Master text styles</a:t>
             </a:r>
           </a:p>
           <a:p>
             <a:pPr lvl="1"/>
             <a:r>
-              <a:rPr lang="en-US" smtClean="0"/>
+              <a:rPr lang="en-US"/>
               <a:t>Second level</a:t>
             </a:r>
           </a:p>
           <a:p>
             <a:pPr lvl="2"/>
             <a:r>
-              <a:rPr lang="en-US" smtClean="0"/>
+              <a:rPr lang="en-US"/>
               <a:t>Third level</a:t>
             </a:r>
           </a:p>
           <a:p>
             <a:pPr lvl="3"/>
             <a:r>
-              <a:rPr lang="en-US" smtClean="0"/>
+              <a:rPr lang="en-US"/>
               <a:t>Fourth level</a:t>
             </a:r>
           </a:p>
           <a:p>
             <a:pPr lvl="4"/>
             <a:r>
-              <a:rPr lang="en-US" smtClean="0"/>
+              <a:rPr lang="en-US"/>
               <a:t>Fifth level</a:t>
             </a:r>
-            <a:endParaRPr lang="en-US"/>
           </a:p>
         </p:txBody>
       </p:sp>
@@ -1380,7 +1412,7 @@
           <a:p>
             <a:fld id="{CED58884-990F-F448-A340-6825F8217195}" type="datetimeFigureOut">
               <a:rPr lang="en-US" smtClean="0"/>
-              <a:t>11/11/18</a:t>
+              <a:t>4/15/20</a:t>
             </a:fld>
             <a:endParaRPr lang="en-US"/>
           </a:p>
@@ -1479,10 +1511,9 @@
           <a:lstStyle/>
           <a:p>
             <a:r>
-              <a:rPr lang="en-US" smtClean="0"/>
+              <a:rPr lang="en-US"/>
               <a:t>Click to edit Master title style</a:t>
             </a:r>
-            <a:endParaRPr lang="en-US"/>
           </a:p>
         </p:txBody>
       </p:sp>
@@ -1508,38 +1539,37 @@
           <a:p>
             <a:pPr lvl="0"/>
             <a:r>
-              <a:rPr lang="en-US" smtClean="0"/>
+              <a:rPr lang="en-US"/>
               <a:t>Click to edit Master text styles</a:t>
             </a:r>
           </a:p>
           <a:p>
             <a:pPr lvl="1"/>
             <a:r>
-              <a:rPr lang="en-US" smtClean="0"/>
+              <a:rPr lang="en-US"/>
               <a:t>Second level</a:t>
             </a:r>
           </a:p>
           <a:p>
             <a:pPr lvl="2"/>
             <a:r>
-              <a:rPr lang="en-US" smtClean="0"/>
+              <a:rPr lang="en-US"/>
               <a:t>Third level</a:t>
             </a:r>
           </a:p>
           <a:p>
             <a:pPr lvl="3"/>
             <a:r>
-              <a:rPr lang="en-US" smtClean="0"/>
+              <a:rPr lang="en-US"/>
               <a:t>Fourth level</a:t>
             </a:r>
           </a:p>
           <a:p>
             <a:pPr lvl="4"/>
             <a:r>
-              <a:rPr lang="en-US" smtClean="0"/>
+              <a:rPr lang="en-US"/>
               <a:t>Fifth level</a:t>
             </a:r>
-            <a:endParaRPr lang="en-US"/>
           </a:p>
         </p:txBody>
       </p:sp>
@@ -1560,7 +1590,7 @@
           <a:p>
             <a:fld id="{CED58884-990F-F448-A340-6825F8217195}" type="datetimeFigureOut">
               <a:rPr lang="en-US" smtClean="0"/>
-              <a:t>11/11/18</a:t>
+              <a:t>4/15/20</a:t>
             </a:fld>
             <a:endParaRPr lang="en-US"/>
           </a:p>
@@ -1654,10 +1684,9 @@
           <a:lstStyle/>
           <a:p>
             <a:r>
-              <a:rPr lang="en-US" smtClean="0"/>
+              <a:rPr lang="en-US"/>
               <a:t>Click to edit Master title style</a:t>
             </a:r>
-            <a:endParaRPr lang="en-US"/>
           </a:p>
         </p:txBody>
       </p:sp>
@@ -1678,38 +1707,37 @@
           <a:p>
             <a:pPr lvl="0"/>
             <a:r>
-              <a:rPr lang="en-US" smtClean="0"/>
+              <a:rPr lang="en-US"/>
               <a:t>Click to edit Master text styles</a:t>
             </a:r>
           </a:p>
           <a:p>
             <a:pPr lvl="1"/>
             <a:r>
-              <a:rPr lang="en-US" smtClean="0"/>
+              <a:rPr lang="en-US"/>
               <a:t>Second level</a:t>
             </a:r>
           </a:p>
           <a:p>
             <a:pPr lvl="2"/>
             <a:r>
-              <a:rPr lang="en-US" smtClean="0"/>
+              <a:rPr lang="en-US"/>
               <a:t>Third level</a:t>
             </a:r>
           </a:p>
           <a:p>
             <a:pPr lvl="3"/>
             <a:r>
-              <a:rPr lang="en-US" smtClean="0"/>
+              <a:rPr lang="en-US"/>
               <a:t>Fourth level</a:t>
             </a:r>
           </a:p>
           <a:p>
             <a:pPr lvl="4"/>
             <a:r>
-              <a:rPr lang="en-US" smtClean="0"/>
+              <a:rPr lang="en-US"/>
               <a:t>Fifth level</a:t>
             </a:r>
-            <a:endParaRPr lang="en-US"/>
           </a:p>
         </p:txBody>
       </p:sp>
@@ -1730,7 +1758,7 @@
           <a:p>
             <a:fld id="{CED58884-990F-F448-A340-6825F8217195}" type="datetimeFigureOut">
               <a:rPr lang="en-US" smtClean="0"/>
-              <a:t>11/11/18</a:t>
+              <a:t>4/15/20</a:t>
             </a:fld>
             <a:endParaRPr lang="en-US"/>
           </a:p>
@@ -1833,10 +1861,9 @@
           </a:lstStyle>
           <a:p>
             <a:r>
-              <a:rPr lang="en-US" smtClean="0"/>
+              <a:rPr lang="en-US"/>
               <a:t>Click to edit Master title style</a:t>
             </a:r>
-            <a:endParaRPr lang="en-US"/>
           </a:p>
         </p:txBody>
       </p:sp>
@@ -1953,7 +1980,7 @@
           <a:p>
             <a:pPr lvl="0"/>
             <a:r>
-              <a:rPr lang="en-US" smtClean="0"/>
+              <a:rPr lang="en-US"/>
               <a:t>Click to edit Master text styles</a:t>
             </a:r>
           </a:p>
@@ -1976,7 +2003,7 @@
           <a:p>
             <a:fld id="{CED58884-990F-F448-A340-6825F8217195}" type="datetimeFigureOut">
               <a:rPr lang="en-US" smtClean="0"/>
-              <a:t>11/11/18</a:t>
+              <a:t>4/15/20</a:t>
             </a:fld>
             <a:endParaRPr lang="en-US"/>
           </a:p>
@@ -2070,10 +2097,9 @@
           <a:lstStyle/>
           <a:p>
             <a:r>
-              <a:rPr lang="en-US" smtClean="0"/>
+              <a:rPr lang="en-US"/>
               <a:t>Click to edit Master title style</a:t>
             </a:r>
-            <a:endParaRPr lang="en-US"/>
           </a:p>
         </p:txBody>
       </p:sp>
@@ -2127,38 +2153,37 @@
           <a:p>
             <a:pPr lvl="0"/>
             <a:r>
-              <a:rPr lang="en-US" smtClean="0"/>
+              <a:rPr lang="en-US"/>
               <a:t>Click to edit Master text styles</a:t>
             </a:r>
           </a:p>
           <a:p>
             <a:pPr lvl="1"/>
             <a:r>
-              <a:rPr lang="en-US" smtClean="0"/>
+              <a:rPr lang="en-US"/>
               <a:t>Second level</a:t>
             </a:r>
           </a:p>
           <a:p>
             <a:pPr lvl="2"/>
             <a:r>
-              <a:rPr lang="en-US" smtClean="0"/>
+              <a:rPr lang="en-US"/>
               <a:t>Third level</a:t>
             </a:r>
           </a:p>
           <a:p>
             <a:pPr lvl="3"/>
             <a:r>
-              <a:rPr lang="en-US" smtClean="0"/>
+              <a:rPr lang="en-US"/>
               <a:t>Fourth level</a:t>
             </a:r>
           </a:p>
           <a:p>
             <a:pPr lvl="4"/>
             <a:r>
-              <a:rPr lang="en-US" smtClean="0"/>
+              <a:rPr lang="en-US"/>
               <a:t>Fifth level</a:t>
             </a:r>
-            <a:endParaRPr lang="en-US"/>
           </a:p>
         </p:txBody>
       </p:sp>
@@ -2212,38 +2237,37 @@
           <a:p>
             <a:pPr lvl="0"/>
             <a:r>
-              <a:rPr lang="en-US" smtClean="0"/>
+              <a:rPr lang="en-US"/>
               <a:t>Click to edit Master text styles</a:t>
             </a:r>
           </a:p>
           <a:p>
             <a:pPr lvl="1"/>
             <a:r>
-              <a:rPr lang="en-US" smtClean="0"/>
+              <a:rPr lang="en-US"/>
               <a:t>Second level</a:t>
             </a:r>
           </a:p>
           <a:p>
             <a:pPr lvl="2"/>
             <a:r>
-              <a:rPr lang="en-US" smtClean="0"/>
+              <a:rPr lang="en-US"/>
               <a:t>Third level</a:t>
             </a:r>
           </a:p>
           <a:p>
             <a:pPr lvl="3"/>
             <a:r>
-              <a:rPr lang="en-US" smtClean="0"/>
+              <a:rPr lang="en-US"/>
               <a:t>Fourth level</a:t>
             </a:r>
           </a:p>
           <a:p>
             <a:pPr lvl="4"/>
             <a:r>
-              <a:rPr lang="en-US" smtClean="0"/>
+              <a:rPr lang="en-US"/>
               <a:t>Fifth level</a:t>
             </a:r>
-            <a:endParaRPr lang="en-US"/>
           </a:p>
         </p:txBody>
       </p:sp>
@@ -2264,7 +2288,7 @@
           <a:p>
             <a:fld id="{CED58884-990F-F448-A340-6825F8217195}" type="datetimeFigureOut">
               <a:rPr lang="en-US" smtClean="0"/>
-              <a:t>11/11/18</a:t>
+              <a:t>4/15/20</a:t>
             </a:fld>
             <a:endParaRPr lang="en-US"/>
           </a:p>
@@ -2362,10 +2386,9 @@
           </a:lstStyle>
           <a:p>
             <a:r>
-              <a:rPr lang="en-US" smtClean="0"/>
+              <a:rPr lang="en-US"/>
               <a:t>Click to edit Master title style</a:t>
             </a:r>
-            <a:endParaRPr lang="en-US"/>
           </a:p>
         </p:txBody>
       </p:sp>
@@ -2428,7 +2451,7 @@
           <a:p>
             <a:pPr lvl="0"/>
             <a:r>
-              <a:rPr lang="en-US" smtClean="0"/>
+              <a:rPr lang="en-US"/>
               <a:t>Click to edit Master text styles</a:t>
             </a:r>
           </a:p>
@@ -2484,38 +2507,37 @@
           <a:p>
             <a:pPr lvl="0"/>
             <a:r>
-              <a:rPr lang="en-US" smtClean="0"/>
+              <a:rPr lang="en-US"/>
               <a:t>Click to edit Master text styles</a:t>
             </a:r>
           </a:p>
           <a:p>
             <a:pPr lvl="1"/>
             <a:r>
-              <a:rPr lang="en-US" smtClean="0"/>
+              <a:rPr lang="en-US"/>
               <a:t>Second level</a:t>
             </a:r>
           </a:p>
           <a:p>
             <a:pPr lvl="2"/>
             <a:r>
-              <a:rPr lang="en-US" smtClean="0"/>
+              <a:rPr lang="en-US"/>
               <a:t>Third level</a:t>
             </a:r>
           </a:p>
           <a:p>
             <a:pPr lvl="3"/>
             <a:r>
-              <a:rPr lang="en-US" smtClean="0"/>
+              <a:rPr lang="en-US"/>
               <a:t>Fourth level</a:t>
             </a:r>
           </a:p>
           <a:p>
             <a:pPr lvl="4"/>
             <a:r>
-              <a:rPr lang="en-US" smtClean="0"/>
+              <a:rPr lang="en-US"/>
               <a:t>Fifth level</a:t>
             </a:r>
-            <a:endParaRPr lang="en-US"/>
           </a:p>
         </p:txBody>
       </p:sp>
@@ -2578,7 +2600,7 @@
           <a:p>
             <a:pPr lvl="0"/>
             <a:r>
-              <a:rPr lang="en-US" smtClean="0"/>
+              <a:rPr lang="en-US"/>
               <a:t>Click to edit Master text styles</a:t>
             </a:r>
           </a:p>
@@ -2634,38 +2656,37 @@
           <a:p>
             <a:pPr lvl="0"/>
             <a:r>
-              <a:rPr lang="en-US" smtClean="0"/>
+              <a:rPr lang="en-US"/>
               <a:t>Click to edit Master text styles</a:t>
             </a:r>
           </a:p>
           <a:p>
             <a:pPr lvl="1"/>
             <a:r>
-              <a:rPr lang="en-US" smtClean="0"/>
+              <a:rPr lang="en-US"/>
               <a:t>Second level</a:t>
             </a:r>
           </a:p>
           <a:p>
             <a:pPr lvl="2"/>
             <a:r>
-              <a:rPr lang="en-US" smtClean="0"/>
+              <a:rPr lang="en-US"/>
               <a:t>Third level</a:t>
             </a:r>
           </a:p>
           <a:p>
             <a:pPr lvl="3"/>
             <a:r>
-              <a:rPr lang="en-US" smtClean="0"/>
+              <a:rPr lang="en-US"/>
               <a:t>Fourth level</a:t>
             </a:r>
           </a:p>
           <a:p>
             <a:pPr lvl="4"/>
             <a:r>
-              <a:rPr lang="en-US" smtClean="0"/>
+              <a:rPr lang="en-US"/>
               <a:t>Fifth level</a:t>
             </a:r>
-            <a:endParaRPr lang="en-US"/>
           </a:p>
         </p:txBody>
       </p:sp>
@@ -2686,7 +2707,7 @@
           <a:p>
             <a:fld id="{CED58884-990F-F448-A340-6825F8217195}" type="datetimeFigureOut">
               <a:rPr lang="en-US" smtClean="0"/>
-              <a:t>11/11/18</a:t>
+              <a:t>4/15/20</a:t>
             </a:fld>
             <a:endParaRPr lang="en-US"/>
           </a:p>
@@ -2780,10 +2801,9 @@
           <a:lstStyle/>
           <a:p>
             <a:r>
-              <a:rPr lang="en-US" smtClean="0"/>
+              <a:rPr lang="en-US"/>
               <a:t>Click to edit Master title style</a:t>
             </a:r>
-            <a:endParaRPr lang="en-US"/>
           </a:p>
         </p:txBody>
       </p:sp>
@@ -2804,7 +2824,7 @@
           <a:p>
             <a:fld id="{CED58884-990F-F448-A340-6825F8217195}" type="datetimeFigureOut">
               <a:rPr lang="en-US" smtClean="0"/>
-              <a:t>11/11/18</a:t>
+              <a:t>4/15/20</a:t>
             </a:fld>
             <a:endParaRPr lang="en-US"/>
           </a:p>
@@ -2899,7 +2919,7 @@
           <a:p>
             <a:fld id="{CED58884-990F-F448-A340-6825F8217195}" type="datetimeFigureOut">
               <a:rPr lang="en-US" smtClean="0"/>
-              <a:t>11/11/18</a:t>
+              <a:t>4/15/20</a:t>
             </a:fld>
             <a:endParaRPr lang="en-US"/>
           </a:p>
@@ -3002,10 +3022,9 @@
           </a:lstStyle>
           <a:p>
             <a:r>
-              <a:rPr lang="en-US" smtClean="0"/>
+              <a:rPr lang="en-US"/>
               <a:t>Click to edit Master title style</a:t>
             </a:r>
-            <a:endParaRPr lang="en-US"/>
           </a:p>
         </p:txBody>
       </p:sp>
@@ -3059,38 +3078,37 @@
           <a:p>
             <a:pPr lvl="0"/>
             <a:r>
-              <a:rPr lang="en-US" smtClean="0"/>
+              <a:rPr lang="en-US"/>
               <a:t>Click to edit Master text styles</a:t>
             </a:r>
           </a:p>
           <a:p>
             <a:pPr lvl="1"/>
             <a:r>
-              <a:rPr lang="en-US" smtClean="0"/>
+              <a:rPr lang="en-US"/>
               <a:t>Second level</a:t>
             </a:r>
           </a:p>
           <a:p>
             <a:pPr lvl="2"/>
             <a:r>
-              <a:rPr lang="en-US" smtClean="0"/>
+              <a:rPr lang="en-US"/>
               <a:t>Third level</a:t>
             </a:r>
           </a:p>
           <a:p>
             <a:pPr lvl="3"/>
             <a:r>
-              <a:rPr lang="en-US" smtClean="0"/>
+              <a:rPr lang="en-US"/>
               <a:t>Fourth level</a:t>
             </a:r>
           </a:p>
           <a:p>
             <a:pPr lvl="4"/>
             <a:r>
-              <a:rPr lang="en-US" smtClean="0"/>
+              <a:rPr lang="en-US"/>
               <a:t>Fifth level</a:t>
             </a:r>
-            <a:endParaRPr lang="en-US"/>
           </a:p>
         </p:txBody>
       </p:sp>
@@ -3153,7 +3171,7 @@
           <a:p>
             <a:pPr lvl="0"/>
             <a:r>
-              <a:rPr lang="en-US" smtClean="0"/>
+              <a:rPr lang="en-US"/>
               <a:t>Click to edit Master text styles</a:t>
             </a:r>
           </a:p>
@@ -3176,7 +3194,7 @@
           <a:p>
             <a:fld id="{CED58884-990F-F448-A340-6825F8217195}" type="datetimeFigureOut">
               <a:rPr lang="en-US" smtClean="0"/>
-              <a:t>11/11/18</a:t>
+              <a:t>4/15/20</a:t>
             </a:fld>
             <a:endParaRPr lang="en-US"/>
           </a:p>
@@ -3279,10 +3297,9 @@
           </a:lstStyle>
           <a:p>
             <a:r>
-              <a:rPr lang="en-US" smtClean="0"/>
+              <a:rPr lang="en-US"/>
               <a:t>Click to edit Master title style</a:t>
             </a:r>
-            <a:endParaRPr lang="en-US"/>
           </a:p>
         </p:txBody>
       </p:sp>
@@ -3406,7 +3423,7 @@
           <a:p>
             <a:pPr lvl="0"/>
             <a:r>
-              <a:rPr lang="en-US" smtClean="0"/>
+              <a:rPr lang="en-US"/>
               <a:t>Click to edit Master text styles</a:t>
             </a:r>
           </a:p>
@@ -3429,7 +3446,7 @@
           <a:p>
             <a:fld id="{CED58884-990F-F448-A340-6825F8217195}" type="datetimeFigureOut">
               <a:rPr lang="en-US" smtClean="0"/>
-              <a:t>11/11/18</a:t>
+              <a:t>4/15/20</a:t>
             </a:fld>
             <a:endParaRPr lang="en-US"/>
           </a:p>
@@ -3538,10 +3555,9 @@
           <a:lstStyle/>
           <a:p>
             <a:r>
-              <a:rPr lang="en-US" smtClean="0"/>
+              <a:rPr lang="en-US"/>
               <a:t>Click to edit Master title style</a:t>
             </a:r>
-            <a:endParaRPr lang="en-US"/>
           </a:p>
         </p:txBody>
       </p:sp>
@@ -3572,38 +3588,37 @@
           <a:p>
             <a:pPr lvl="0"/>
             <a:r>
-              <a:rPr lang="en-US" smtClean="0"/>
+              <a:rPr lang="en-US"/>
               <a:t>Click to edit Master text styles</a:t>
             </a:r>
           </a:p>
           <a:p>
             <a:pPr lvl="1"/>
             <a:r>
-              <a:rPr lang="en-US" smtClean="0"/>
+              <a:rPr lang="en-US"/>
               <a:t>Second level</a:t>
             </a:r>
           </a:p>
           <a:p>
             <a:pPr lvl="2"/>
             <a:r>
-              <a:rPr lang="en-US" smtClean="0"/>
+              <a:rPr lang="en-US"/>
               <a:t>Third level</a:t>
             </a:r>
           </a:p>
           <a:p>
             <a:pPr lvl="3"/>
             <a:r>
-              <a:rPr lang="en-US" smtClean="0"/>
+              <a:rPr lang="en-US"/>
               <a:t>Fourth level</a:t>
             </a:r>
           </a:p>
           <a:p>
             <a:pPr lvl="4"/>
             <a:r>
-              <a:rPr lang="en-US" smtClean="0"/>
+              <a:rPr lang="en-US"/>
               <a:t>Fifth level</a:t>
             </a:r>
-            <a:endParaRPr lang="en-US"/>
           </a:p>
         </p:txBody>
       </p:sp>
@@ -3642,7 +3657,7 @@
           <a:p>
             <a:fld id="{CED58884-990F-F448-A340-6825F8217195}" type="datetimeFigureOut">
               <a:rPr lang="en-US" smtClean="0"/>
-              <a:t>11/11/18</a:t>
+              <a:t>4/15/20</a:t>
             </a:fld>
             <a:endParaRPr lang="en-US"/>
           </a:p>
@@ -4253,16 +4268,12 @@
           <a:p>
             <a:pPr algn="ctr"/>
             <a:r>
-              <a:rPr lang="en-US" sz="1000" dirty="0" smtClean="0">
+              <a:rPr lang="en-US" sz="1000" dirty="0">
                 <a:latin typeface="Times New Roman"/>
                 <a:cs typeface="Times New Roman"/>
               </a:rPr>
               <a:t>……</a:t>
             </a:r>
-            <a:endParaRPr lang="en-US" sz="1000" dirty="0">
-              <a:latin typeface="Times New Roman"/>
-              <a:cs typeface="Times New Roman"/>
-            </a:endParaRPr>
           </a:p>
         </p:txBody>
       </p:sp>
@@ -4290,16 +4301,12 @@
           <a:p>
             <a:pPr algn="ctr"/>
             <a:r>
-              <a:rPr lang="en-US" sz="1000" dirty="0" smtClean="0">
+              <a:rPr lang="en-US" sz="1000" dirty="0">
                 <a:latin typeface="Times New Roman"/>
                 <a:cs typeface="Times New Roman"/>
               </a:rPr>
               <a:t>……</a:t>
             </a:r>
-            <a:endParaRPr lang="en-US" sz="1000" dirty="0">
-              <a:latin typeface="Times New Roman"/>
-              <a:cs typeface="Times New Roman"/>
-            </a:endParaRPr>
           </a:p>
         </p:txBody>
       </p:sp>
@@ -4327,16 +4334,12 @@
           <a:p>
             <a:pPr algn="ctr"/>
             <a:r>
-              <a:rPr lang="en-US" sz="1000" dirty="0" smtClean="0">
+              <a:rPr lang="en-US" sz="1000" dirty="0">
                 <a:latin typeface="Times New Roman"/>
                 <a:cs typeface="Times New Roman"/>
               </a:rPr>
               <a:t>MB-Based Mapping</a:t>
             </a:r>
-            <a:endParaRPr lang="en-US" sz="1000" dirty="0">
-              <a:latin typeface="Times New Roman"/>
-              <a:cs typeface="Times New Roman"/>
-            </a:endParaRPr>
           </a:p>
         </p:txBody>
       </p:sp>
@@ -4449,16 +4452,12 @@
           <a:p>
             <a:pPr algn="ctr"/>
             <a:r>
-              <a:rPr lang="en-US" sz="1000" dirty="0" smtClean="0">
+              <a:rPr lang="en-US" sz="1000" dirty="0">
                 <a:latin typeface="Times New Roman"/>
                 <a:cs typeface="Times New Roman"/>
               </a:rPr>
               <a:t>PageEntry_0</a:t>
             </a:r>
-            <a:endParaRPr lang="en-US" sz="1000" dirty="0">
-              <a:latin typeface="Times New Roman"/>
-              <a:cs typeface="Times New Roman"/>
-            </a:endParaRPr>
           </a:p>
         </p:txBody>
       </p:sp>
@@ -4535,7 +4534,7 @@
           <a:p>
             <a:pPr algn="ctr"/>
             <a:r>
-              <a:rPr lang="en-US" sz="1000" dirty="0" smtClean="0">
+              <a:rPr lang="en-US" sz="1000" dirty="0">
                 <a:latin typeface="Times New Roman"/>
                 <a:cs typeface="Times New Roman"/>
               </a:rPr>
@@ -4545,16 +4544,12 @@
           <a:p>
             <a:pPr algn="ctr"/>
             <a:r>
-              <a:rPr lang="en-US" sz="1000" dirty="0" smtClean="0">
+              <a:rPr lang="en-US" sz="1000" dirty="0">
                 <a:latin typeface="Times New Roman"/>
                 <a:cs typeface="Times New Roman"/>
               </a:rPr>
               <a:t>Class</a:t>
             </a:r>
-            <a:endParaRPr lang="en-US" sz="1000" dirty="0">
-              <a:latin typeface="Times New Roman"/>
-              <a:cs typeface="Times New Roman"/>
-            </a:endParaRPr>
           </a:p>
         </p:txBody>
       </p:sp>
@@ -4627,7 +4622,7 @@
           <a:p>
             <a:pPr algn="ctr"/>
             <a:r>
-              <a:rPr lang="en-US" sz="1000" dirty="0" smtClean="0">
+              <a:rPr lang="en-US" sz="1000" dirty="0">
                 <a:latin typeface="Times New Roman"/>
                 <a:cs typeface="Times New Roman"/>
               </a:rPr>
@@ -4637,16 +4632,12 @@
           <a:p>
             <a:pPr algn="ctr"/>
             <a:r>
-              <a:rPr lang="en-US" sz="1000" dirty="0" smtClean="0">
+              <a:rPr lang="en-US" sz="1000" dirty="0">
                 <a:latin typeface="Times New Roman"/>
                 <a:cs typeface="Times New Roman"/>
               </a:rPr>
               <a:t>Bytes</a:t>
             </a:r>
-            <a:endParaRPr lang="en-US" sz="1000" dirty="0">
-              <a:latin typeface="Times New Roman"/>
-              <a:cs typeface="Times New Roman"/>
-            </a:endParaRPr>
           </a:p>
         </p:txBody>
       </p:sp>
@@ -4674,7 +4665,7 @@
           <a:p>
             <a:pPr algn="ctr"/>
             <a:r>
-              <a:rPr lang="en-US" sz="1000" dirty="0" smtClean="0">
+              <a:rPr lang="en-US" sz="1000" dirty="0">
                 <a:latin typeface="Times New Roman"/>
                 <a:cs typeface="Times New Roman"/>
               </a:rPr>
@@ -4684,16 +4675,12 @@
           <a:p>
             <a:pPr algn="ctr"/>
             <a:r>
-              <a:rPr lang="en-US" sz="1000" dirty="0" smtClean="0">
+              <a:rPr lang="en-US" sz="1000" dirty="0">
                 <a:latin typeface="Times New Roman"/>
                 <a:cs typeface="Times New Roman"/>
               </a:rPr>
               <a:t>Entries</a:t>
             </a:r>
-            <a:endParaRPr lang="en-US" sz="1000" dirty="0">
-              <a:latin typeface="Times New Roman"/>
-              <a:cs typeface="Times New Roman"/>
-            </a:endParaRPr>
           </a:p>
         </p:txBody>
       </p:sp>
@@ -4804,16 +4791,12 @@
           <a:p>
             <a:pPr algn="ctr"/>
             <a:r>
-              <a:rPr lang="en-US" sz="1000" dirty="0" smtClean="0">
+              <a:rPr lang="en-US" sz="1000" dirty="0">
                 <a:latin typeface="Times New Roman"/>
                 <a:cs typeface="Times New Roman"/>
               </a:rPr>
               <a:t>CacheEntry_0</a:t>
             </a:r>
-            <a:endParaRPr lang="en-US" sz="1000" dirty="0">
-              <a:latin typeface="Times New Roman"/>
-              <a:cs typeface="Times New Roman"/>
-            </a:endParaRPr>
           </a:p>
         </p:txBody>
       </p:sp>
@@ -4886,7 +4869,7 @@
           <a:p>
             <a:pPr algn="ctr"/>
             <a:r>
-              <a:rPr lang="en-US" sz="1000" dirty="0" smtClean="0">
+              <a:rPr lang="en-US" sz="1000" dirty="0">
                 <a:latin typeface="Times New Roman"/>
                 <a:cs typeface="Times New Roman"/>
               </a:rPr>
@@ -4896,16 +4879,12 @@
           <a:p>
             <a:pPr algn="ctr"/>
             <a:r>
-              <a:rPr lang="en-US" sz="1000" dirty="0" smtClean="0">
+              <a:rPr lang="en-US" sz="1000" dirty="0">
                 <a:latin typeface="Times New Roman"/>
                 <a:cs typeface="Times New Roman"/>
               </a:rPr>
               <a:t>Bytes</a:t>
             </a:r>
-            <a:endParaRPr lang="en-US" sz="1000" dirty="0">
-              <a:latin typeface="Times New Roman"/>
-              <a:cs typeface="Times New Roman"/>
-            </a:endParaRPr>
           </a:p>
         </p:txBody>
       </p:sp>
@@ -4933,16 +4912,12 @@
           <a:p>
             <a:pPr algn="ctr"/>
             <a:r>
-              <a:rPr lang="en-US" sz="1000" dirty="0" smtClean="0">
+              <a:rPr lang="en-US" sz="1000" dirty="0">
                 <a:latin typeface="Times New Roman"/>
                 <a:cs typeface="Times New Roman"/>
               </a:rPr>
               <a:t>Owner</a:t>
             </a:r>
-            <a:endParaRPr lang="en-US" sz="1000" dirty="0">
-              <a:latin typeface="Times New Roman"/>
-              <a:cs typeface="Times New Roman"/>
-            </a:endParaRPr>
           </a:p>
         </p:txBody>
       </p:sp>
@@ -5060,7 +5035,7 @@
           <a:p>
             <a:pPr algn="ctr"/>
             <a:r>
-              <a:rPr lang="en-US" sz="1000" dirty="0" smtClean="0">
+              <a:rPr lang="en-US" sz="1000" dirty="0">
                 <a:latin typeface="Times New Roman"/>
                 <a:cs typeface="Times New Roman"/>
               </a:rPr>
@@ -5070,16 +5045,12 @@
           <a:p>
             <a:pPr algn="ctr"/>
             <a:r>
-              <a:rPr lang="en-US" sz="1000" dirty="0" smtClean="0">
+              <a:rPr lang="en-US" sz="1000" dirty="0">
                 <a:latin typeface="Times New Roman"/>
                 <a:cs typeface="Times New Roman"/>
               </a:rPr>
               <a:t>Bytes</a:t>
             </a:r>
-            <a:endParaRPr lang="en-US" sz="1000" dirty="0">
-              <a:latin typeface="Times New Roman"/>
-              <a:cs typeface="Times New Roman"/>
-            </a:endParaRPr>
           </a:p>
         </p:txBody>
       </p:sp>
@@ -5107,16 +5078,12 @@
           <a:p>
             <a:pPr algn="ctr"/>
             <a:r>
-              <a:rPr lang="en-US" sz="1000" dirty="0" smtClean="0">
+              <a:rPr lang="en-US" sz="1000" dirty="0">
                 <a:latin typeface="Times New Roman"/>
                 <a:cs typeface="Times New Roman"/>
               </a:rPr>
               <a:t>Owner</a:t>
             </a:r>
-            <a:endParaRPr lang="en-US" sz="1000" dirty="0">
-              <a:latin typeface="Times New Roman"/>
-              <a:cs typeface="Times New Roman"/>
-            </a:endParaRPr>
           </a:p>
         </p:txBody>
       </p:sp>
@@ -5189,16 +5156,12 @@
           <a:p>
             <a:pPr algn="ctr"/>
             <a:r>
-              <a:rPr lang="en-US" sz="1000" dirty="0" smtClean="0">
+              <a:rPr lang="en-US" sz="1000" dirty="0">
                 <a:latin typeface="Times New Roman"/>
                 <a:cs typeface="Times New Roman"/>
               </a:rPr>
               <a:t>…….</a:t>
             </a:r>
-            <a:endParaRPr lang="en-US" sz="1000" dirty="0">
-              <a:latin typeface="Times New Roman"/>
-              <a:cs typeface="Times New Roman"/>
-            </a:endParaRPr>
           </a:p>
         </p:txBody>
       </p:sp>
@@ -5226,7 +5189,7 @@
           <a:p>
             <a:pPr algn="ctr"/>
             <a:r>
-              <a:rPr lang="en-US" sz="1000" dirty="0" err="1" smtClean="0">
+              <a:rPr lang="en-US" sz="1000" dirty="0" err="1">
                 <a:latin typeface="Times New Roman"/>
                 <a:cs typeface="Times New Roman"/>
               </a:rPr>
@@ -5307,16 +5270,12 @@
           <a:p>
             <a:pPr algn="ctr"/>
             <a:r>
-              <a:rPr lang="en-US" sz="1000" dirty="0" smtClean="0">
+              <a:rPr lang="en-US" sz="1000" dirty="0">
                 <a:latin typeface="Times New Roman"/>
                 <a:cs typeface="Times New Roman"/>
               </a:rPr>
               <a:t>PageEntry_255</a:t>
             </a:r>
-            <a:endParaRPr lang="en-US" sz="1000" dirty="0">
-              <a:latin typeface="Times New Roman"/>
-              <a:cs typeface="Times New Roman"/>
-            </a:endParaRPr>
           </a:p>
         </p:txBody>
       </p:sp>
@@ -5393,7 +5352,7 @@
           <a:p>
             <a:pPr algn="ctr"/>
             <a:r>
-              <a:rPr lang="en-US" sz="1000" dirty="0" smtClean="0">
+              <a:rPr lang="en-US" sz="1000" dirty="0">
                 <a:latin typeface="Times New Roman"/>
                 <a:cs typeface="Times New Roman"/>
               </a:rPr>
@@ -5403,16 +5362,12 @@
           <a:p>
             <a:pPr algn="ctr"/>
             <a:r>
-              <a:rPr lang="en-US" sz="1000" dirty="0" smtClean="0">
+              <a:rPr lang="en-US" sz="1000" dirty="0">
                 <a:latin typeface="Times New Roman"/>
                 <a:cs typeface="Times New Roman"/>
               </a:rPr>
               <a:t>Class</a:t>
             </a:r>
-            <a:endParaRPr lang="en-US" sz="1000" dirty="0">
-              <a:latin typeface="Times New Roman"/>
-              <a:cs typeface="Times New Roman"/>
-            </a:endParaRPr>
           </a:p>
         </p:txBody>
       </p:sp>
@@ -5485,7 +5440,7 @@
           <a:p>
             <a:pPr algn="ctr"/>
             <a:r>
-              <a:rPr lang="en-US" sz="1000" dirty="0" smtClean="0">
+              <a:rPr lang="en-US" sz="1000" dirty="0">
                 <a:latin typeface="Times New Roman"/>
                 <a:cs typeface="Times New Roman"/>
               </a:rPr>
@@ -5495,16 +5450,12 @@
           <a:p>
             <a:pPr algn="ctr"/>
             <a:r>
-              <a:rPr lang="en-US" sz="1000" dirty="0" smtClean="0">
+              <a:rPr lang="en-US" sz="1000" dirty="0">
                 <a:latin typeface="Times New Roman"/>
                 <a:cs typeface="Times New Roman"/>
               </a:rPr>
               <a:t>Bytes</a:t>
             </a:r>
-            <a:endParaRPr lang="en-US" sz="1000" dirty="0">
-              <a:latin typeface="Times New Roman"/>
-              <a:cs typeface="Times New Roman"/>
-            </a:endParaRPr>
           </a:p>
         </p:txBody>
       </p:sp>
@@ -5532,7 +5483,7 @@
           <a:p>
             <a:pPr algn="ctr"/>
             <a:r>
-              <a:rPr lang="en-US" sz="1000" dirty="0" smtClean="0">
+              <a:rPr lang="en-US" sz="1000" dirty="0">
                 <a:latin typeface="Times New Roman"/>
                 <a:cs typeface="Times New Roman"/>
               </a:rPr>
@@ -5542,16 +5493,12 @@
           <a:p>
             <a:pPr algn="ctr"/>
             <a:r>
-              <a:rPr lang="en-US" sz="1000" dirty="0" smtClean="0">
+              <a:rPr lang="en-US" sz="1000" dirty="0">
                 <a:latin typeface="Times New Roman"/>
                 <a:cs typeface="Times New Roman"/>
               </a:rPr>
               <a:t>Entries</a:t>
             </a:r>
-            <a:endParaRPr lang="en-US" sz="1000" dirty="0">
-              <a:latin typeface="Times New Roman"/>
-              <a:cs typeface="Times New Roman"/>
-            </a:endParaRPr>
           </a:p>
         </p:txBody>
       </p:sp>
@@ -5624,16 +5571,12 @@
           <a:p>
             <a:pPr algn="ctr"/>
             <a:r>
-              <a:rPr lang="en-US" sz="1000" dirty="0" smtClean="0">
+              <a:rPr lang="en-US" sz="1000" dirty="0">
                 <a:latin typeface="Times New Roman"/>
                 <a:cs typeface="Times New Roman"/>
               </a:rPr>
               <a:t>…….</a:t>
             </a:r>
-            <a:endParaRPr lang="en-US" sz="1000" dirty="0">
-              <a:latin typeface="Times New Roman"/>
-              <a:cs typeface="Times New Roman"/>
-            </a:endParaRPr>
           </a:p>
         </p:txBody>
       </p:sp>
@@ -5660,16 +5603,12 @@
           <a:p>
             <a:pPr algn="ctr"/>
             <a:r>
-              <a:rPr lang="en-US" sz="1000" dirty="0" smtClean="0">
+              <a:rPr lang="en-US" sz="1000" dirty="0">
                 <a:latin typeface="Times New Roman"/>
                 <a:cs typeface="Times New Roman"/>
               </a:rPr>
               <a:t>CacheEntry_63</a:t>
             </a:r>
-            <a:endParaRPr lang="en-US" sz="1000" dirty="0">
-              <a:latin typeface="Times New Roman"/>
-              <a:cs typeface="Times New Roman"/>
-            </a:endParaRPr>
           </a:p>
         </p:txBody>
       </p:sp>
@@ -5853,6 +5792,86 @@
     <p:extLst>
       <p:ext uri="{BB962C8B-B14F-4D97-AF65-F5344CB8AC3E}">
         <p14:creationId xmlns:p14="http://schemas.microsoft.com/office/powerpoint/2010/main" val="3627771947"/>
+      </p:ext>
+    </p:extLst>
+  </p:cSld>
+  <p:clrMapOvr>
+    <a:masterClrMapping/>
+  </p:clrMapOvr>
+</p:sld>
+</file>
+
+<file path=ppt/slides/slide4.xml><?xml version="1.0" encoding="utf-8"?>
+<p:sld xmlns:a="http://schemas.openxmlformats.org/drawingml/2006/main" xmlns:r="http://schemas.openxmlformats.org/officeDocument/2006/relationships" xmlns:p="http://schemas.openxmlformats.org/presentationml/2006/main">
+  <p:cSld>
+    <p:spTree>
+      <p:nvGrpSpPr>
+        <p:cNvPr id="1" name=""/>
+        <p:cNvGrpSpPr/>
+        <p:nvPr/>
+      </p:nvGrpSpPr>
+      <p:grpSpPr>
+        <a:xfrm>
+          <a:off x="0" y="0"/>
+          <a:ext cx="0" cy="0"/>
+          <a:chOff x="0" y="0"/>
+          <a:chExt cx="0" cy="0"/>
+        </a:xfrm>
+      </p:grpSpPr>
+      <p:sp>
+        <p:nvSpPr>
+          <p:cNvPr id="2" name="Title 1">
+            <a:extLst>
+              <a:ext uri="{FF2B5EF4-FFF2-40B4-BE49-F238E27FC236}">
+                <a16:creationId xmlns:a16="http://schemas.microsoft.com/office/drawing/2014/main" id="{1CA63265-C4A7-4D42-9527-C342F0BC2177}"/>
+              </a:ext>
+            </a:extLst>
+          </p:cNvPr>
+          <p:cNvSpPr>
+            <a:spLocks noGrp="1"/>
+          </p:cNvSpPr>
+          <p:nvPr>
+            <p:ph type="title"/>
+          </p:nvPr>
+        </p:nvSpPr>
+        <p:spPr/>
+        <p:txBody>
+          <a:bodyPr/>
+          <a:lstStyle/>
+          <a:p>
+            <a:endParaRPr lang="en-US"/>
+          </a:p>
+        </p:txBody>
+      </p:sp>
+      <p:sp>
+        <p:nvSpPr>
+          <p:cNvPr id="3" name="Content Placeholder 2">
+            <a:extLst>
+              <a:ext uri="{FF2B5EF4-FFF2-40B4-BE49-F238E27FC236}">
+                <a16:creationId xmlns:a16="http://schemas.microsoft.com/office/drawing/2014/main" id="{906C401A-4106-4444-B6D0-A60712537068}"/>
+              </a:ext>
+            </a:extLst>
+          </p:cNvPr>
+          <p:cNvSpPr>
+            <a:spLocks noGrp="1"/>
+          </p:cNvSpPr>
+          <p:nvPr>
+            <p:ph idx="1"/>
+          </p:nvPr>
+        </p:nvSpPr>
+        <p:spPr/>
+        <p:txBody>
+          <a:bodyPr/>
+          <a:lstStyle/>
+          <a:p>
+            <a:endParaRPr lang="en-US"/>
+          </a:p>
+        </p:txBody>
+      </p:sp>
+    </p:spTree>
+    <p:extLst>
+      <p:ext uri="{BB962C8B-B14F-4D97-AF65-F5344CB8AC3E}">
+        <p14:creationId xmlns:p14="http://schemas.microsoft.com/office/powerpoint/2010/main" val="4182458166"/>
       </p:ext>
     </p:extLst>
   </p:cSld>

--- a/paper/figures/Figures.pptx
+++ b/paper/figures/Figures.pptx
@@ -5,13 +5,16 @@
     <p:sldMasterId id="2147483648" r:id="rId1"/>
   </p:sldMasterIdLst>
   <p:notesMasterIdLst>
-    <p:notesMasterId r:id="rId6"/>
+    <p:notesMasterId r:id="rId9"/>
   </p:notesMasterIdLst>
   <p:sldIdLst>
     <p:sldId id="256" r:id="rId2"/>
     <p:sldId id="257" r:id="rId3"/>
     <p:sldId id="258" r:id="rId4"/>
     <p:sldId id="259" r:id="rId5"/>
+    <p:sldId id="277" r:id="rId6"/>
+    <p:sldId id="279" r:id="rId7"/>
+    <p:sldId id="278" r:id="rId8"/>
   </p:sldIdLst>
   <p:sldSz cx="9144000" cy="6858000" type="screen4x3"/>
   <p:notesSz cx="6858000" cy="9144000"/>
@@ -714,7 +717,7 @@
           <a:p>
             <a:fld id="{C8819947-BA8E-2949-B0DD-BE392E009EED}" type="datetimeFigureOut">
               <a:rPr lang="en-US" smtClean="0"/>
-              <a:t>4/15/20</a:t>
+              <a:t>5/2/20</a:t>
             </a:fld>
             <a:endParaRPr lang="en-US"/>
           </a:p>
@@ -1244,7 +1247,7 @@
           <a:p>
             <a:fld id="{CED58884-990F-F448-A340-6825F8217195}" type="datetimeFigureOut">
               <a:rPr lang="en-US" smtClean="0"/>
-              <a:t>4/15/20</a:t>
+              <a:t>5/2/20</a:t>
             </a:fld>
             <a:endParaRPr lang="en-US"/>
           </a:p>
@@ -1412,7 +1415,7 @@
           <a:p>
             <a:fld id="{CED58884-990F-F448-A340-6825F8217195}" type="datetimeFigureOut">
               <a:rPr lang="en-US" smtClean="0"/>
-              <a:t>4/15/20</a:t>
+              <a:t>5/2/20</a:t>
             </a:fld>
             <a:endParaRPr lang="en-US"/>
           </a:p>
@@ -1590,7 +1593,7 @@
           <a:p>
             <a:fld id="{CED58884-990F-F448-A340-6825F8217195}" type="datetimeFigureOut">
               <a:rPr lang="en-US" smtClean="0"/>
-              <a:t>4/15/20</a:t>
+              <a:t>5/2/20</a:t>
             </a:fld>
             <a:endParaRPr lang="en-US"/>
           </a:p>
@@ -1758,7 +1761,7 @@
           <a:p>
             <a:fld id="{CED58884-990F-F448-A340-6825F8217195}" type="datetimeFigureOut">
               <a:rPr lang="en-US" smtClean="0"/>
-              <a:t>4/15/20</a:t>
+              <a:t>5/2/20</a:t>
             </a:fld>
             <a:endParaRPr lang="en-US"/>
           </a:p>
@@ -2003,7 +2006,7 @@
           <a:p>
             <a:fld id="{CED58884-990F-F448-A340-6825F8217195}" type="datetimeFigureOut">
               <a:rPr lang="en-US" smtClean="0"/>
-              <a:t>4/15/20</a:t>
+              <a:t>5/2/20</a:t>
             </a:fld>
             <a:endParaRPr lang="en-US"/>
           </a:p>
@@ -2288,7 +2291,7 @@
           <a:p>
             <a:fld id="{CED58884-990F-F448-A340-6825F8217195}" type="datetimeFigureOut">
               <a:rPr lang="en-US" smtClean="0"/>
-              <a:t>4/15/20</a:t>
+              <a:t>5/2/20</a:t>
             </a:fld>
             <a:endParaRPr lang="en-US"/>
           </a:p>
@@ -2707,7 +2710,7 @@
           <a:p>
             <a:fld id="{CED58884-990F-F448-A340-6825F8217195}" type="datetimeFigureOut">
               <a:rPr lang="en-US" smtClean="0"/>
-              <a:t>4/15/20</a:t>
+              <a:t>5/2/20</a:t>
             </a:fld>
             <a:endParaRPr lang="en-US"/>
           </a:p>
@@ -2824,7 +2827,7 @@
           <a:p>
             <a:fld id="{CED58884-990F-F448-A340-6825F8217195}" type="datetimeFigureOut">
               <a:rPr lang="en-US" smtClean="0"/>
-              <a:t>4/15/20</a:t>
+              <a:t>5/2/20</a:t>
             </a:fld>
             <a:endParaRPr lang="en-US"/>
           </a:p>
@@ -2919,7 +2922,7 @@
           <a:p>
             <a:fld id="{CED58884-990F-F448-A340-6825F8217195}" type="datetimeFigureOut">
               <a:rPr lang="en-US" smtClean="0"/>
-              <a:t>4/15/20</a:t>
+              <a:t>5/2/20</a:t>
             </a:fld>
             <a:endParaRPr lang="en-US"/>
           </a:p>
@@ -3194,7 +3197,7 @@
           <a:p>
             <a:fld id="{CED58884-990F-F448-A340-6825F8217195}" type="datetimeFigureOut">
               <a:rPr lang="en-US" smtClean="0"/>
-              <a:t>4/15/20</a:t>
+              <a:t>5/2/20</a:t>
             </a:fld>
             <a:endParaRPr lang="en-US"/>
           </a:p>
@@ -3446,7 +3449,7 @@
           <a:p>
             <a:fld id="{CED58884-990F-F448-A340-6825F8217195}" type="datetimeFigureOut">
               <a:rPr lang="en-US" smtClean="0"/>
-              <a:t>4/15/20</a:t>
+              <a:t>5/2/20</a:t>
             </a:fld>
             <a:endParaRPr lang="en-US"/>
           </a:p>
@@ -3657,7 +3660,7 @@
           <a:p>
             <a:fld id="{CED58884-990F-F448-A340-6825F8217195}" type="datetimeFigureOut">
               <a:rPr lang="en-US" smtClean="0"/>
-              <a:t>4/15/20</a:t>
+              <a:t>5/2/20</a:t>
             </a:fld>
             <a:endParaRPr lang="en-US"/>
           </a:p>
@@ -4156,14 +4159,20 @@
       </p:grpSpPr>
       <p:sp>
         <p:nvSpPr>
-          <p:cNvPr id="4" name="Rectangle 3"/>
+          <p:cNvPr id="44" name="Rectangle 43">
+            <a:extLst>
+              <a:ext uri="{FF2B5EF4-FFF2-40B4-BE49-F238E27FC236}">
+                <a16:creationId xmlns:a16="http://schemas.microsoft.com/office/drawing/2014/main" id="{34C03F70-33CE-8647-AE54-71DDFF2DBE19}"/>
+              </a:ext>
+            </a:extLst>
+          </p:cNvPr>
           <p:cNvSpPr/>
           <p:nvPr/>
         </p:nvSpPr>
         <p:spPr>
           <a:xfrm>
-            <a:off x="444524" y="1463408"/>
-            <a:ext cx="1106639" cy="704093"/>
+            <a:off x="334894" y="3470093"/>
+            <a:ext cx="1371600" cy="704093"/>
           </a:xfrm>
           <a:prstGeom prst="rect">
             <a:avLst/>
@@ -4201,14 +4210,20 @@
       </p:sp>
       <p:sp>
         <p:nvSpPr>
-          <p:cNvPr id="7" name="Rectangle 6"/>
+          <p:cNvPr id="45" name="Rectangle 44">
+            <a:extLst>
+              <a:ext uri="{FF2B5EF4-FFF2-40B4-BE49-F238E27FC236}">
+                <a16:creationId xmlns:a16="http://schemas.microsoft.com/office/drawing/2014/main" id="{567299EE-7176-8443-AC58-40248B12F9D9}"/>
+              </a:ext>
+            </a:extLst>
+          </p:cNvPr>
           <p:cNvSpPr/>
           <p:nvPr/>
         </p:nvSpPr>
         <p:spPr>
           <a:xfrm>
-            <a:off x="811037" y="1461244"/>
-            <a:ext cx="370063" cy="704093"/>
+            <a:off x="801615" y="3467929"/>
+            <a:ext cx="457200" cy="704093"/>
           </a:xfrm>
           <a:prstGeom prst="rect">
             <a:avLst/>
@@ -4246,13 +4261,19 @@
       </p:sp>
       <p:sp>
         <p:nvSpPr>
-          <p:cNvPr id="10" name="TextBox 9"/>
+          <p:cNvPr id="48" name="TextBox 47">
+            <a:extLst>
+              <a:ext uri="{FF2B5EF4-FFF2-40B4-BE49-F238E27FC236}">
+                <a16:creationId xmlns:a16="http://schemas.microsoft.com/office/drawing/2014/main" id="{427961BB-F533-8B44-B6C7-CC5623142BFD}"/>
+              </a:ext>
+            </a:extLst>
+          </p:cNvPr>
           <p:cNvSpPr txBox="1"/>
           <p:nvPr/>
         </p:nvSpPr>
         <p:spPr>
           <a:xfrm>
-            <a:off x="406400" y="1623060"/>
+            <a:off x="346875" y="3679849"/>
             <a:ext cx="452208" cy="246221"/>
           </a:xfrm>
           <a:prstGeom prst="rect">
@@ -4279,13 +4300,19 @@
       </p:sp>
       <p:sp>
         <p:nvSpPr>
-          <p:cNvPr id="11" name="TextBox 10"/>
+          <p:cNvPr id="49" name="TextBox 48">
+            <a:extLst>
+              <a:ext uri="{FF2B5EF4-FFF2-40B4-BE49-F238E27FC236}">
+                <a16:creationId xmlns:a16="http://schemas.microsoft.com/office/drawing/2014/main" id="{86C02D94-6790-F646-A1E8-E0FC222C2892}"/>
+              </a:ext>
+            </a:extLst>
+          </p:cNvPr>
           <p:cNvSpPr txBox="1"/>
           <p:nvPr/>
         </p:nvSpPr>
         <p:spPr>
           <a:xfrm>
-            <a:off x="1144094" y="1623060"/>
+            <a:off x="1259933" y="3679849"/>
             <a:ext cx="441146" cy="246221"/>
           </a:xfrm>
           <a:prstGeom prst="rect">
@@ -4312,14 +4339,20 @@
       </p:sp>
       <p:sp>
         <p:nvSpPr>
-          <p:cNvPr id="13" name="TextBox 12"/>
+          <p:cNvPr id="51" name="TextBox 50">
+            <a:extLst>
+              <a:ext uri="{FF2B5EF4-FFF2-40B4-BE49-F238E27FC236}">
+                <a16:creationId xmlns:a16="http://schemas.microsoft.com/office/drawing/2014/main" id="{CA58D06A-DAD1-4D42-9A05-F2ED78634582}"/>
+              </a:ext>
+            </a:extLst>
+          </p:cNvPr>
           <p:cNvSpPr txBox="1"/>
           <p:nvPr/>
         </p:nvSpPr>
         <p:spPr>
           <a:xfrm>
-            <a:off x="382358" y="1221814"/>
-            <a:ext cx="1236236" cy="246221"/>
+            <a:off x="334893" y="3228499"/>
+            <a:ext cx="1373155" cy="246221"/>
           </a:xfrm>
           <a:prstGeom prst="rect">
             <a:avLst/>
@@ -4327,7 +4360,7 @@
           <a:noFill/>
         </p:spPr>
         <p:txBody>
-          <a:bodyPr wrap="none" rtlCol="0">
+          <a:bodyPr wrap="square" rtlCol="0">
             <a:spAutoFit/>
           </a:bodyPr>
           <a:lstStyle/>
@@ -4338,27 +4371,35 @@
                 <a:latin typeface="Times New Roman"/>
                 <a:cs typeface="Times New Roman"/>
               </a:rPr>
-              <a:t>MB-Based Mapping</a:t>
+              <a:t>MB Mapping</a:t>
             </a:r>
           </a:p>
         </p:txBody>
       </p:sp>
       <p:cxnSp>
         <p:nvCxnSpPr>
-          <p:cNvPr id="15" name="Elbow Connector 14"/>
+          <p:cNvPr id="52" name="Elbow Connector 51">
+            <a:extLst>
+              <a:ext uri="{FF2B5EF4-FFF2-40B4-BE49-F238E27FC236}">
+                <a16:creationId xmlns:a16="http://schemas.microsoft.com/office/drawing/2014/main" id="{FE2D52BF-72FF-3140-BC0B-684AC4C68AAC}"/>
+              </a:ext>
+            </a:extLst>
+          </p:cNvPr>
           <p:cNvCxnSpPr>
-            <a:stCxn id="4" idx="2"/>
+            <a:cxnSpLocks/>
+            <a:stCxn id="45" idx="2"/>
+            <a:endCxn id="56" idx="2"/>
           </p:cNvCxnSpPr>
           <p:nvPr/>
         </p:nvCxnSpPr>
         <p:spPr>
           <a:xfrm rot="16200000" flipH="1">
-            <a:off x="1395041" y="1770302"/>
-            <a:ext cx="1133" cy="795528"/>
+            <a:off x="1562177" y="3640060"/>
+            <a:ext cx="824" cy="1064748"/>
           </a:xfrm>
           <a:prstGeom prst="bentConnector3">
             <a:avLst>
-              <a:gd name="adj1" fmla="val 20276523"/>
+              <a:gd name="adj1" fmla="val 27842718"/>
             </a:avLst>
           </a:prstGeom>
           <a:ln w="6350">
@@ -4386,14 +4427,58 @@
       </p:cxnSp>
       <p:sp>
         <p:nvSpPr>
-          <p:cNvPr id="28" name="Rectangle 27"/>
+          <p:cNvPr id="55" name="Rectangle 54">
+            <a:extLst>
+              <a:ext uri="{FF2B5EF4-FFF2-40B4-BE49-F238E27FC236}">
+                <a16:creationId xmlns:a16="http://schemas.microsoft.com/office/drawing/2014/main" id="{2BCA91C9-83E1-5645-BBC6-87287319EB18}"/>
+              </a:ext>
+            </a:extLst>
+          </p:cNvPr>
           <p:cNvSpPr/>
           <p:nvPr/>
         </p:nvSpPr>
         <p:spPr>
           <a:xfrm>
-            <a:off x="1793373" y="1462068"/>
-            <a:ext cx="813394" cy="704093"/>
+            <a:off x="1867918" y="3163813"/>
+            <a:ext cx="916325" cy="246221"/>
+          </a:xfrm>
+          <a:prstGeom prst="rect">
+            <a:avLst/>
+          </a:prstGeom>
+        </p:spPr>
+        <p:txBody>
+          <a:bodyPr wrap="square">
+            <a:spAutoFit/>
+          </a:bodyPr>
+          <a:lstStyle/>
+          <a:p>
+            <a:pPr algn="ctr"/>
+            <a:r>
+              <a:rPr lang="en-US" sz="1000" dirty="0">
+                <a:latin typeface="Times New Roman"/>
+                <a:cs typeface="Times New Roman"/>
+              </a:rPr>
+              <a:t>Page_0</a:t>
+            </a:r>
+          </a:p>
+        </p:txBody>
+      </p:sp>
+      <p:sp>
+        <p:nvSpPr>
+          <p:cNvPr id="56" name="Rectangle 55">
+            <a:extLst>
+              <a:ext uri="{FF2B5EF4-FFF2-40B4-BE49-F238E27FC236}">
+                <a16:creationId xmlns:a16="http://schemas.microsoft.com/office/drawing/2014/main" id="{8DBD3B92-E459-084A-AAC6-D192D8AC7692}"/>
+              </a:ext>
+            </a:extLst>
+          </p:cNvPr>
+          <p:cNvSpPr/>
+          <p:nvPr/>
+        </p:nvSpPr>
+        <p:spPr>
+          <a:xfrm>
+            <a:off x="1866363" y="3468753"/>
+            <a:ext cx="457200" cy="704093"/>
           </a:xfrm>
           <a:prstGeom prst="rect">
             <a:avLst/>
@@ -4425,27 +4510,38 @@
           <a:lstStyle/>
           <a:p>
             <a:pPr algn="ctr"/>
-            <a:endParaRPr lang="en-US" dirty="0"/>
-          </a:p>
-        </p:txBody>
-      </p:sp>
-      <p:sp>
-        <p:nvSpPr>
-          <p:cNvPr id="29" name="Rectangle 28"/>
-          <p:cNvSpPr/>
+            <a:endParaRPr lang="en-US" dirty="0">
+              <a:solidFill>
+                <a:schemeClr val="tx1"/>
+              </a:solidFill>
+            </a:endParaRPr>
+          </a:p>
+        </p:txBody>
+      </p:sp>
+      <p:sp>
+        <p:nvSpPr>
+          <p:cNvPr id="60" name="TextBox 59">
+            <a:extLst>
+              <a:ext uri="{FF2B5EF4-FFF2-40B4-BE49-F238E27FC236}">
+                <a16:creationId xmlns:a16="http://schemas.microsoft.com/office/drawing/2014/main" id="{6B3AFADE-B326-4343-83DE-949E31FB666E}"/>
+              </a:ext>
+            </a:extLst>
+          </p:cNvPr>
+          <p:cNvSpPr txBox="1"/>
           <p:nvPr/>
         </p:nvSpPr>
         <p:spPr>
           <a:xfrm>
-            <a:off x="1803635" y="1157997"/>
-            <a:ext cx="1206181" cy="246221"/>
+            <a:off x="1860661" y="3620774"/>
+            <a:ext cx="481221" cy="400110"/>
           </a:xfrm>
           <a:prstGeom prst="rect">
             <a:avLst/>
           </a:prstGeom>
-        </p:spPr>
-        <p:txBody>
-          <a:bodyPr wrap="square">
+          <a:noFill/>
+        </p:spPr>
+        <p:txBody>
+          <a:bodyPr wrap="none" rtlCol="0">
             <a:spAutoFit/>
           </a:bodyPr>
           <a:lstStyle/>
@@ -4456,21 +4552,37 @@
                 <a:latin typeface="Times New Roman"/>
                 <a:cs typeface="Times New Roman"/>
               </a:rPr>
-              <a:t>PageEntry_0</a:t>
-            </a:r>
-          </a:p>
-        </p:txBody>
-      </p:sp>
-      <p:sp>
-        <p:nvSpPr>
-          <p:cNvPr id="30" name="Rectangle 29"/>
+              <a:t>Used </a:t>
+            </a:r>
+          </a:p>
+          <a:p>
+            <a:pPr algn="ctr"/>
+            <a:r>
+              <a:rPr lang="en-US" sz="1000" dirty="0">
+                <a:latin typeface="Times New Roman"/>
+                <a:cs typeface="Times New Roman"/>
+              </a:rPr>
+              <a:t>Bytes</a:t>
+            </a:r>
+          </a:p>
+        </p:txBody>
+      </p:sp>
+      <p:sp>
+        <p:nvSpPr>
+          <p:cNvPr id="61" name="Rectangle 60">
+            <a:extLst>
+              <a:ext uri="{FF2B5EF4-FFF2-40B4-BE49-F238E27FC236}">
+                <a16:creationId xmlns:a16="http://schemas.microsoft.com/office/drawing/2014/main" id="{15B662A9-5720-0E41-86C0-F60723DA418B}"/>
+              </a:ext>
+            </a:extLst>
+          </p:cNvPr>
           <p:cNvSpPr/>
           <p:nvPr/>
         </p:nvSpPr>
         <p:spPr>
           <a:xfrm>
-            <a:off x="1793372" y="1462068"/>
-            <a:ext cx="403293" cy="704093"/>
+            <a:off x="2319786" y="3468753"/>
+            <a:ext cx="457200" cy="704093"/>
           </a:xfrm>
           <a:prstGeom prst="rect">
             <a:avLst/>
@@ -4502,32 +4614,82 @@
           <a:lstStyle/>
           <a:p>
             <a:pPr algn="ctr"/>
-            <a:endParaRPr lang="en-US" dirty="0">
-              <a:solidFill>
-                <a:schemeClr val="tx1"/>
-              </a:solidFill>
-            </a:endParaRPr>
-          </a:p>
-        </p:txBody>
-      </p:sp>
-      <p:sp>
-        <p:nvSpPr>
-          <p:cNvPr id="35" name="TextBox 34"/>
-          <p:cNvSpPr txBox="1"/>
+            <a:endParaRPr lang="en-US" dirty="0"/>
+          </a:p>
+        </p:txBody>
+      </p:sp>
+      <p:cxnSp>
+        <p:nvCxnSpPr>
+          <p:cNvPr id="62" name="Elbow Connector 61">
+            <a:extLst>
+              <a:ext uri="{FF2B5EF4-FFF2-40B4-BE49-F238E27FC236}">
+                <a16:creationId xmlns:a16="http://schemas.microsoft.com/office/drawing/2014/main" id="{E9260071-A903-F74C-B4C2-C7F31D4E0D6F}"/>
+              </a:ext>
+            </a:extLst>
+          </p:cNvPr>
+          <p:cNvCxnSpPr>
+            <a:cxnSpLocks/>
+            <a:stCxn id="111" idx="2"/>
+            <a:endCxn id="116" idx="2"/>
+          </p:cNvCxnSpPr>
           <p:nvPr/>
-        </p:nvSpPr>
-        <p:spPr>
-          <a:xfrm>
-            <a:off x="1767971" y="1614059"/>
-            <a:ext cx="462562" cy="400110"/>
+        </p:nvCxnSpPr>
+        <p:spPr>
+          <a:xfrm rot="16200000" flipH="1">
+            <a:off x="4928753" y="3633291"/>
+            <a:ext cx="2811" cy="1080182"/>
+          </a:xfrm>
+          <a:prstGeom prst="bentConnector3">
+            <a:avLst>
+              <a:gd name="adj1" fmla="val 8232337"/>
+            </a:avLst>
+          </a:prstGeom>
+          <a:ln w="6350">
+            <a:solidFill>
+              <a:schemeClr val="tx1"/>
+            </a:solidFill>
+            <a:tailEnd type="arrow"/>
+          </a:ln>
+          <a:effectLst/>
+        </p:spPr>
+        <p:style>
+          <a:lnRef idx="2">
+            <a:schemeClr val="accent1"/>
+          </a:lnRef>
+          <a:fillRef idx="0">
+            <a:schemeClr val="accent1"/>
+          </a:fillRef>
+          <a:effectRef idx="1">
+            <a:schemeClr val="accent1"/>
+          </a:effectRef>
+          <a:fontRef idx="minor">
+            <a:schemeClr val="tx1"/>
+          </a:fontRef>
+        </p:style>
+      </p:cxnSp>
+      <p:sp>
+        <p:nvSpPr>
+          <p:cNvPr id="64" name="Rectangle 63">
+            <a:extLst>
+              <a:ext uri="{FF2B5EF4-FFF2-40B4-BE49-F238E27FC236}">
+                <a16:creationId xmlns:a16="http://schemas.microsoft.com/office/drawing/2014/main" id="{F8931B5C-343A-0A49-A5A5-736B5E48CBEC}"/>
+              </a:ext>
+            </a:extLst>
+          </p:cNvPr>
+          <p:cNvSpPr/>
+          <p:nvPr/>
+        </p:nvSpPr>
+        <p:spPr>
+          <a:xfrm>
+            <a:off x="5219563" y="3163813"/>
+            <a:ext cx="482777" cy="246221"/>
           </a:xfrm>
           <a:prstGeom prst="rect">
             <a:avLst/>
           </a:prstGeom>
-          <a:noFill/>
-        </p:spPr>
-        <p:txBody>
-          <a:bodyPr wrap="none" rtlCol="0">
+        </p:spPr>
+        <p:txBody>
+          <a:bodyPr wrap="square" lIns="0" rIns="0">
             <a:spAutoFit/>
           </a:bodyPr>
           <a:lstStyle/>
@@ -4538,9 +4700,38 @@
                 <a:latin typeface="Times New Roman"/>
                 <a:cs typeface="Times New Roman"/>
               </a:rPr>
-              <a:t>Size </a:t>
-            </a:r>
-          </a:p>
+              <a:t>Cache_0</a:t>
+            </a:r>
+          </a:p>
+        </p:txBody>
+      </p:sp>
+      <p:sp>
+        <p:nvSpPr>
+          <p:cNvPr id="92" name="TextBox 91">
+            <a:extLst>
+              <a:ext uri="{FF2B5EF4-FFF2-40B4-BE49-F238E27FC236}">
+                <a16:creationId xmlns:a16="http://schemas.microsoft.com/office/drawing/2014/main" id="{62D084EE-E5E0-214F-BFA3-A61BE3D2EBB3}"/>
+              </a:ext>
+            </a:extLst>
+          </p:cNvPr>
+          <p:cNvSpPr txBox="1"/>
+          <p:nvPr/>
+        </p:nvSpPr>
+        <p:spPr>
+          <a:xfrm>
+            <a:off x="730543" y="3697689"/>
+            <a:ext cx="618066" cy="246221"/>
+          </a:xfrm>
+          <a:prstGeom prst="rect">
+            <a:avLst/>
+          </a:prstGeom>
+          <a:noFill/>
+        </p:spPr>
+        <p:txBody>
+          <a:bodyPr wrap="square" rtlCol="0">
+            <a:spAutoFit/>
+          </a:bodyPr>
+          <a:lstStyle/>
           <a:p>
             <a:pPr algn="ctr"/>
             <a:r>
@@ -4548,21 +4739,27 @@
                 <a:latin typeface="Times New Roman"/>
                 <a:cs typeface="Times New Roman"/>
               </a:rPr>
-              <a:t>Class</a:t>
-            </a:r>
-          </a:p>
-        </p:txBody>
-      </p:sp>
-      <p:sp>
-        <p:nvSpPr>
-          <p:cNvPr id="36" name="Rectangle 35"/>
+              <a:t>Pointer</a:t>
+            </a:r>
+          </a:p>
+        </p:txBody>
+      </p:sp>
+      <p:sp>
+        <p:nvSpPr>
+          <p:cNvPr id="100" name="Rectangle 99">
+            <a:extLst>
+              <a:ext uri="{FF2B5EF4-FFF2-40B4-BE49-F238E27FC236}">
+                <a16:creationId xmlns:a16="http://schemas.microsoft.com/office/drawing/2014/main" id="{7143996B-1FCB-BB4A-AE29-4E369CE86207}"/>
+              </a:ext>
+            </a:extLst>
+          </p:cNvPr>
           <p:cNvSpPr/>
           <p:nvPr/>
         </p:nvSpPr>
         <p:spPr>
           <a:xfrm>
-            <a:off x="2606767" y="1462068"/>
-            <a:ext cx="392786" cy="704093"/>
+            <a:off x="2776249" y="3467884"/>
+            <a:ext cx="914400" cy="704093"/>
           </a:xfrm>
           <a:prstGeom prst="rect">
             <a:avLst/>
@@ -4600,14 +4797,20 @@
       </p:sp>
       <p:sp>
         <p:nvSpPr>
-          <p:cNvPr id="46" name="TextBox 45"/>
+          <p:cNvPr id="101" name="TextBox 100">
+            <a:extLst>
+              <a:ext uri="{FF2B5EF4-FFF2-40B4-BE49-F238E27FC236}">
+                <a16:creationId xmlns:a16="http://schemas.microsoft.com/office/drawing/2014/main" id="{65C5F7CF-E24D-4346-8225-10C5E1450632}"/>
+              </a:ext>
+            </a:extLst>
+          </p:cNvPr>
           <p:cNvSpPr txBox="1"/>
           <p:nvPr/>
         </p:nvSpPr>
         <p:spPr>
           <a:xfrm>
-            <a:off x="2169946" y="1614059"/>
-            <a:ext cx="476776" cy="400110"/>
+            <a:off x="2789932" y="3679849"/>
+            <a:ext cx="903762" cy="246221"/>
           </a:xfrm>
           <a:prstGeom prst="rect">
             <a:avLst/>
@@ -4615,7 +4818,7 @@
           <a:noFill/>
         </p:spPr>
         <p:txBody>
-          <a:bodyPr wrap="none" rtlCol="0">
+          <a:bodyPr wrap="square" rtlCol="0">
             <a:spAutoFit/>
           </a:bodyPr>
           <a:lstStyle/>
@@ -4626,85 +4829,35 @@
                 <a:latin typeface="Times New Roman"/>
                 <a:cs typeface="Times New Roman"/>
               </a:rPr>
-              <a:t>Used</a:t>
-            </a:r>
-          </a:p>
-          <a:p>
-            <a:pPr algn="ctr"/>
-            <a:r>
-              <a:rPr lang="en-US" sz="1000" dirty="0">
-                <a:latin typeface="Times New Roman"/>
-                <a:cs typeface="Times New Roman"/>
-              </a:rPr>
-              <a:t>Bytes</a:t>
-            </a:r>
-          </a:p>
-        </p:txBody>
-      </p:sp>
-      <p:sp>
-        <p:nvSpPr>
-          <p:cNvPr id="47" name="TextBox 46"/>
-          <p:cNvSpPr txBox="1"/>
+              <a:t>…….</a:t>
+            </a:r>
+          </a:p>
+        </p:txBody>
+      </p:sp>
+      <p:sp>
+        <p:nvSpPr>
+          <p:cNvPr id="103" name="Left Brace 102">
+            <a:extLst>
+              <a:ext uri="{FF2B5EF4-FFF2-40B4-BE49-F238E27FC236}">
+                <a16:creationId xmlns:a16="http://schemas.microsoft.com/office/drawing/2014/main" id="{8FF72E4A-A7FA-5441-A43D-228C524E2884}"/>
+              </a:ext>
+            </a:extLst>
+          </p:cNvPr>
+          <p:cNvSpPr/>
           <p:nvPr/>
         </p:nvSpPr>
         <p:spPr>
-          <a:xfrm>
-            <a:off x="2533629" y="1614059"/>
-            <a:ext cx="547909" cy="400110"/>
-          </a:xfrm>
-          <a:prstGeom prst="rect">
-            <a:avLst/>
-          </a:prstGeom>
-          <a:noFill/>
-        </p:spPr>
-        <p:txBody>
-          <a:bodyPr wrap="none" rtlCol="0">
-            <a:spAutoFit/>
-          </a:bodyPr>
-          <a:lstStyle/>
-          <a:p>
-            <a:pPr algn="ctr"/>
-            <a:r>
-              <a:rPr lang="en-US" sz="1000" dirty="0">
-                <a:latin typeface="Times New Roman"/>
-                <a:cs typeface="Times New Roman"/>
-              </a:rPr>
-              <a:t>Cache</a:t>
-            </a:r>
-          </a:p>
-          <a:p>
-            <a:pPr algn="ctr"/>
-            <a:r>
-              <a:rPr lang="en-US" sz="1000" dirty="0">
-                <a:latin typeface="Times New Roman"/>
-                <a:cs typeface="Times New Roman"/>
-              </a:rPr>
-              <a:t>Entries</a:t>
-            </a:r>
-          </a:p>
-        </p:txBody>
-      </p:sp>
-      <p:cxnSp>
-        <p:nvCxnSpPr>
-          <p:cNvPr id="50" name="Elbow Connector 49"/>
-          <p:cNvCxnSpPr/>
-          <p:nvPr/>
-        </p:nvCxnSpPr>
-        <p:spPr>
-          <a:xfrm rot="5400000" flipH="1" flipV="1">
-            <a:off x="5034710" y="1925573"/>
-            <a:ext cx="7657" cy="493776"/>
-          </a:xfrm>
-          <a:prstGeom prst="bentConnector3">
-            <a:avLst>
-              <a:gd name="adj1" fmla="val -2985503"/>
-            </a:avLst>
+          <a:xfrm rot="5400000">
+            <a:off x="2279661" y="2969984"/>
+            <a:ext cx="91285" cy="917878"/>
+          </a:xfrm>
+          <a:prstGeom prst="leftBrace">
+            <a:avLst/>
           </a:prstGeom>
           <a:ln w="6350">
             <a:solidFill>
               <a:schemeClr val="tx1"/>
             </a:solidFill>
-            <a:tailEnd type="arrow"/>
           </a:ln>
           <a:effectLst/>
         </p:spPr>
@@ -4722,17 +4875,108 @@
             <a:schemeClr val="tx1"/>
           </a:fontRef>
         </p:style>
-      </p:cxnSp>
-      <p:sp>
-        <p:nvSpPr>
-          <p:cNvPr id="53" name="Rectangle 52"/>
+        <p:txBody>
+          <a:bodyPr rtlCol="0" anchor="ctr"/>
+          <a:lstStyle/>
+          <a:p>
+            <a:pPr algn="ctr"/>
+            <a:endParaRPr lang="en-US" dirty="0"/>
+          </a:p>
+        </p:txBody>
+      </p:sp>
+      <p:sp>
+        <p:nvSpPr>
+          <p:cNvPr id="107" name="TextBox 106">
+            <a:extLst>
+              <a:ext uri="{FF2B5EF4-FFF2-40B4-BE49-F238E27FC236}">
+                <a16:creationId xmlns:a16="http://schemas.microsoft.com/office/drawing/2014/main" id="{42021707-C7A8-6045-B364-AAEDD9A4ECB0}"/>
+              </a:ext>
+            </a:extLst>
+          </p:cNvPr>
+          <p:cNvSpPr txBox="1"/>
+          <p:nvPr/>
+        </p:nvSpPr>
+        <p:spPr>
+          <a:xfrm>
+            <a:off x="2326608" y="3700595"/>
+            <a:ext cx="457201" cy="246221"/>
+          </a:xfrm>
+          <a:prstGeom prst="rect">
+            <a:avLst/>
+          </a:prstGeom>
+          <a:noFill/>
+        </p:spPr>
+        <p:txBody>
+          <a:bodyPr wrap="square" lIns="0" rIns="0" rtlCol="0">
+            <a:spAutoFit/>
+          </a:bodyPr>
+          <a:lstStyle/>
+          <a:p>
+            <a:pPr algn="ctr"/>
+            <a:r>
+              <a:rPr lang="en-US" sz="1000" dirty="0">
+                <a:latin typeface="Times New Roman"/>
+                <a:cs typeface="Times New Roman"/>
+              </a:rPr>
+              <a:t>Pointer</a:t>
+            </a:r>
+          </a:p>
+        </p:txBody>
+      </p:sp>
+      <p:sp>
+        <p:nvSpPr>
+          <p:cNvPr id="108" name="Rectangle 107">
+            <a:extLst>
+              <a:ext uri="{FF2B5EF4-FFF2-40B4-BE49-F238E27FC236}">
+                <a16:creationId xmlns:a16="http://schemas.microsoft.com/office/drawing/2014/main" id="{E73D9BC8-1184-7D40-98FC-3AEC9C631F8B}"/>
+              </a:ext>
+            </a:extLst>
+          </p:cNvPr>
           <p:cNvSpPr/>
           <p:nvPr/>
         </p:nvSpPr>
         <p:spPr>
           <a:xfrm>
-            <a:off x="5270365" y="1462499"/>
-            <a:ext cx="392786" cy="704093"/>
+            <a:off x="3697073" y="3163813"/>
+            <a:ext cx="916325" cy="246221"/>
+          </a:xfrm>
+          <a:prstGeom prst="rect">
+            <a:avLst/>
+          </a:prstGeom>
+        </p:spPr>
+        <p:txBody>
+          <a:bodyPr wrap="square" lIns="0" rIns="0">
+            <a:spAutoFit/>
+          </a:bodyPr>
+          <a:lstStyle/>
+          <a:p>
+            <a:pPr algn="ctr"/>
+            <a:r>
+              <a:rPr lang="en-US" sz="1000" dirty="0">
+                <a:latin typeface="Times New Roman"/>
+                <a:cs typeface="Times New Roman"/>
+              </a:rPr>
+              <a:t>Page_255</a:t>
+            </a:r>
+          </a:p>
+        </p:txBody>
+      </p:sp>
+      <p:sp>
+        <p:nvSpPr>
+          <p:cNvPr id="109" name="Rectangle 108">
+            <a:extLst>
+              <a:ext uri="{FF2B5EF4-FFF2-40B4-BE49-F238E27FC236}">
+                <a16:creationId xmlns:a16="http://schemas.microsoft.com/office/drawing/2014/main" id="{0C4F3BEE-49E7-8948-99D6-DDBC67AAF8CD}"/>
+              </a:ext>
+            </a:extLst>
+          </p:cNvPr>
+          <p:cNvSpPr/>
+          <p:nvPr/>
+        </p:nvSpPr>
+        <p:spPr>
+          <a:xfrm>
+            <a:off x="3695518" y="3467884"/>
+            <a:ext cx="457200" cy="704093"/>
           </a:xfrm>
           <a:prstGeom prst="rect">
             <a:avLst/>
@@ -4764,27 +5008,38 @@
           <a:lstStyle/>
           <a:p>
             <a:pPr algn="ctr"/>
-            <a:endParaRPr lang="en-US" dirty="0"/>
-          </a:p>
-        </p:txBody>
-      </p:sp>
-      <p:sp>
-        <p:nvSpPr>
-          <p:cNvPr id="54" name="Rectangle 53"/>
-          <p:cNvSpPr/>
+            <a:endParaRPr lang="en-US" dirty="0">
+              <a:solidFill>
+                <a:schemeClr val="tx1"/>
+              </a:solidFill>
+            </a:endParaRPr>
+          </a:p>
+        </p:txBody>
+      </p:sp>
+      <p:sp>
+        <p:nvSpPr>
+          <p:cNvPr id="110" name="TextBox 109">
+            <a:extLst>
+              <a:ext uri="{FF2B5EF4-FFF2-40B4-BE49-F238E27FC236}">
+                <a16:creationId xmlns:a16="http://schemas.microsoft.com/office/drawing/2014/main" id="{4056395D-E9C4-DE40-AE83-5433FE5464C2}"/>
+              </a:ext>
+            </a:extLst>
+          </p:cNvPr>
+          <p:cNvSpPr txBox="1"/>
           <p:nvPr/>
         </p:nvSpPr>
         <p:spPr>
           <a:xfrm>
-            <a:off x="5239879" y="1157997"/>
-            <a:ext cx="912919" cy="246221"/>
+            <a:off x="3689816" y="3620774"/>
+            <a:ext cx="481221" cy="400110"/>
           </a:xfrm>
           <a:prstGeom prst="rect">
             <a:avLst/>
           </a:prstGeom>
-        </p:spPr>
-        <p:txBody>
-          <a:bodyPr wrap="square">
+          <a:noFill/>
+        </p:spPr>
+        <p:txBody>
+          <a:bodyPr wrap="none" rtlCol="0">
             <a:spAutoFit/>
           </a:bodyPr>
           <a:lstStyle/>
@@ -4795,21 +5050,37 @@
                 <a:latin typeface="Times New Roman"/>
                 <a:cs typeface="Times New Roman"/>
               </a:rPr>
-              <a:t>CacheEntry_0</a:t>
-            </a:r>
-          </a:p>
-        </p:txBody>
-      </p:sp>
-      <p:sp>
-        <p:nvSpPr>
-          <p:cNvPr id="57" name="Rectangle 56"/>
+              <a:t>Used </a:t>
+            </a:r>
+          </a:p>
+          <a:p>
+            <a:pPr algn="ctr"/>
+            <a:r>
+              <a:rPr lang="en-US" sz="1000" dirty="0">
+                <a:latin typeface="Times New Roman"/>
+                <a:cs typeface="Times New Roman"/>
+              </a:rPr>
+              <a:t>Bytes</a:t>
+            </a:r>
+          </a:p>
+        </p:txBody>
+      </p:sp>
+      <p:sp>
+        <p:nvSpPr>
+          <p:cNvPr id="111" name="Rectangle 110">
+            <a:extLst>
+              <a:ext uri="{FF2B5EF4-FFF2-40B4-BE49-F238E27FC236}">
+                <a16:creationId xmlns:a16="http://schemas.microsoft.com/office/drawing/2014/main" id="{7CF5D3D7-B994-CE4F-AEFF-444A2AC3CAFD}"/>
+              </a:ext>
+            </a:extLst>
+          </p:cNvPr>
           <p:cNvSpPr/>
           <p:nvPr/>
         </p:nvSpPr>
         <p:spPr>
           <a:xfrm>
-            <a:off x="5664851" y="1462499"/>
-            <a:ext cx="392786" cy="704093"/>
+            <a:off x="4161467" y="3467884"/>
+            <a:ext cx="457200" cy="704093"/>
           </a:xfrm>
           <a:prstGeom prst="rect">
             <a:avLst/>
@@ -4847,14 +5118,70 @@
       </p:sp>
       <p:sp>
         <p:nvSpPr>
-          <p:cNvPr id="58" name="TextBox 57"/>
+          <p:cNvPr id="112" name="Left Brace 111">
+            <a:extLst>
+              <a:ext uri="{FF2B5EF4-FFF2-40B4-BE49-F238E27FC236}">
+                <a16:creationId xmlns:a16="http://schemas.microsoft.com/office/drawing/2014/main" id="{307ED677-F43D-DF4A-AD5C-F5A62CE7E195}"/>
+              </a:ext>
+            </a:extLst>
+          </p:cNvPr>
+          <p:cNvSpPr/>
+          <p:nvPr/>
+        </p:nvSpPr>
+        <p:spPr>
+          <a:xfrm rot="5400000">
+            <a:off x="4121342" y="2969115"/>
+            <a:ext cx="91285" cy="917878"/>
+          </a:xfrm>
+          <a:prstGeom prst="leftBrace">
+            <a:avLst/>
+          </a:prstGeom>
+          <a:ln w="6350">
+            <a:solidFill>
+              <a:schemeClr val="tx1"/>
+            </a:solidFill>
+          </a:ln>
+          <a:effectLst/>
+        </p:spPr>
+        <p:style>
+          <a:lnRef idx="2">
+            <a:schemeClr val="accent1"/>
+          </a:lnRef>
+          <a:fillRef idx="0">
+            <a:schemeClr val="accent1"/>
+          </a:fillRef>
+          <a:effectRef idx="1">
+            <a:schemeClr val="accent1"/>
+          </a:effectRef>
+          <a:fontRef idx="minor">
+            <a:schemeClr val="tx1"/>
+          </a:fontRef>
+        </p:style>
+        <p:txBody>
+          <a:bodyPr rtlCol="0" anchor="ctr"/>
+          <a:lstStyle/>
+          <a:p>
+            <a:pPr algn="ctr"/>
+            <a:endParaRPr lang="en-US" dirty="0"/>
+          </a:p>
+        </p:txBody>
+      </p:sp>
+      <p:sp>
+        <p:nvSpPr>
+          <p:cNvPr id="113" name="TextBox 112">
+            <a:extLst>
+              <a:ext uri="{FF2B5EF4-FFF2-40B4-BE49-F238E27FC236}">
+                <a16:creationId xmlns:a16="http://schemas.microsoft.com/office/drawing/2014/main" id="{73524269-90BF-914B-B1F1-46991BB090B4}"/>
+              </a:ext>
+            </a:extLst>
+          </p:cNvPr>
           <p:cNvSpPr txBox="1"/>
           <p:nvPr/>
         </p:nvSpPr>
         <p:spPr>
           <a:xfrm>
-            <a:off x="5219563" y="1614490"/>
-            <a:ext cx="476776" cy="400110"/>
+            <a:off x="4168289" y="3699726"/>
+            <a:ext cx="457201" cy="246221"/>
           </a:xfrm>
           <a:prstGeom prst="rect">
             <a:avLst/>
@@ -4862,7 +5189,7 @@
           <a:noFill/>
         </p:spPr>
         <p:txBody>
-          <a:bodyPr wrap="none" rtlCol="0">
+          <a:bodyPr wrap="square" lIns="0" rIns="0" rtlCol="0">
             <a:spAutoFit/>
           </a:bodyPr>
           <a:lstStyle/>
@@ -4873,64 +5200,27 @@
                 <a:latin typeface="Times New Roman"/>
                 <a:cs typeface="Times New Roman"/>
               </a:rPr>
-              <a:t>Used</a:t>
-            </a:r>
-          </a:p>
-          <a:p>
-            <a:pPr algn="ctr"/>
-            <a:r>
-              <a:rPr lang="en-US" sz="1000" dirty="0">
-                <a:latin typeface="Times New Roman"/>
-                <a:cs typeface="Times New Roman"/>
-              </a:rPr>
-              <a:t>Bytes</a:t>
-            </a:r>
-          </a:p>
-        </p:txBody>
-      </p:sp>
-      <p:sp>
-        <p:nvSpPr>
-          <p:cNvPr id="59" name="TextBox 58"/>
-          <p:cNvSpPr txBox="1"/>
-          <p:nvPr/>
-        </p:nvSpPr>
-        <p:spPr>
-          <a:xfrm>
-            <a:off x="5598851" y="1691435"/>
-            <a:ext cx="533632" cy="246221"/>
-          </a:xfrm>
-          <a:prstGeom prst="rect">
-            <a:avLst/>
-          </a:prstGeom>
-          <a:noFill/>
-        </p:spPr>
-        <p:txBody>
-          <a:bodyPr wrap="none" rtlCol="0">
-            <a:spAutoFit/>
-          </a:bodyPr>
-          <a:lstStyle/>
-          <a:p>
-            <a:pPr algn="ctr"/>
-            <a:r>
-              <a:rPr lang="en-US" sz="1000" dirty="0">
-                <a:latin typeface="Times New Roman"/>
-                <a:cs typeface="Times New Roman"/>
-              </a:rPr>
-              <a:t>Owner</a:t>
-            </a:r>
-          </a:p>
-        </p:txBody>
-      </p:sp>
-      <p:sp>
-        <p:nvSpPr>
-          <p:cNvPr id="69" name="Rectangle 68"/>
+              <a:t>Pointer</a:t>
+            </a:r>
+          </a:p>
+        </p:txBody>
+      </p:sp>
+      <p:sp>
+        <p:nvSpPr>
+          <p:cNvPr id="116" name="Rectangle 115">
+            <a:extLst>
+              <a:ext uri="{FF2B5EF4-FFF2-40B4-BE49-F238E27FC236}">
+                <a16:creationId xmlns:a16="http://schemas.microsoft.com/office/drawing/2014/main" id="{26AFCFF0-A546-014E-A982-05E191588F52}"/>
+              </a:ext>
+            </a:extLst>
+          </p:cNvPr>
           <p:cNvSpPr/>
           <p:nvPr/>
         </p:nvSpPr>
         <p:spPr>
           <a:xfrm>
-            <a:off x="6752034" y="1462634"/>
-            <a:ext cx="392786" cy="704093"/>
+            <a:off x="5241649" y="3470695"/>
+            <a:ext cx="457200" cy="704093"/>
           </a:xfrm>
           <a:prstGeom prst="rect">
             <a:avLst/>
@@ -4962,20 +5252,79 @@
           <a:lstStyle/>
           <a:p>
             <a:pPr algn="ctr"/>
-            <a:endParaRPr lang="en-US" dirty="0"/>
-          </a:p>
-        </p:txBody>
-      </p:sp>
-      <p:sp>
-        <p:nvSpPr>
-          <p:cNvPr id="70" name="Rectangle 69"/>
+            <a:endParaRPr lang="en-US" dirty="0">
+              <a:solidFill>
+                <a:schemeClr val="tx1"/>
+              </a:solidFill>
+            </a:endParaRPr>
+          </a:p>
+        </p:txBody>
+      </p:sp>
+      <p:sp>
+        <p:nvSpPr>
+          <p:cNvPr id="117" name="TextBox 116">
+            <a:extLst>
+              <a:ext uri="{FF2B5EF4-FFF2-40B4-BE49-F238E27FC236}">
+                <a16:creationId xmlns:a16="http://schemas.microsoft.com/office/drawing/2014/main" id="{89395DCD-DB89-9740-923D-C2B98B9FED41}"/>
+              </a:ext>
+            </a:extLst>
+          </p:cNvPr>
+          <p:cNvSpPr txBox="1"/>
+          <p:nvPr/>
+        </p:nvSpPr>
+        <p:spPr>
+          <a:xfrm>
+            <a:off x="5235947" y="3620774"/>
+            <a:ext cx="481221" cy="400110"/>
+          </a:xfrm>
+          <a:prstGeom prst="rect">
+            <a:avLst/>
+          </a:prstGeom>
+          <a:noFill/>
+        </p:spPr>
+        <p:txBody>
+          <a:bodyPr wrap="none" rtlCol="0">
+            <a:spAutoFit/>
+          </a:bodyPr>
+          <a:lstStyle/>
+          <a:p>
+            <a:pPr algn="ctr"/>
+            <a:r>
+              <a:rPr lang="en-US" sz="1000" dirty="0">
+                <a:latin typeface="Times New Roman"/>
+                <a:cs typeface="Times New Roman"/>
+              </a:rPr>
+              <a:t>Used </a:t>
+            </a:r>
+          </a:p>
+          <a:p>
+            <a:pPr algn="ctr"/>
+            <a:r>
+              <a:rPr lang="en-US" sz="1000" dirty="0">
+                <a:latin typeface="Times New Roman"/>
+                <a:cs typeface="Times New Roman"/>
+              </a:rPr>
+              <a:t>Bytes</a:t>
+            </a:r>
+          </a:p>
+        </p:txBody>
+      </p:sp>
+      <p:sp>
+        <p:nvSpPr>
+          <p:cNvPr id="119" name="Rectangle 118">
+            <a:extLst>
+              <a:ext uri="{FF2B5EF4-FFF2-40B4-BE49-F238E27FC236}">
+                <a16:creationId xmlns:a16="http://schemas.microsoft.com/office/drawing/2014/main" id="{50F9D4E6-1087-BA4D-A2A2-C9FE9161E4E8}"/>
+              </a:ext>
+            </a:extLst>
+          </p:cNvPr>
           <p:cNvSpPr/>
           <p:nvPr/>
         </p:nvSpPr>
         <p:spPr>
           <a:xfrm>
-            <a:off x="7146520" y="1462499"/>
-            <a:ext cx="392786" cy="704093"/>
+            <a:off x="5699687" y="3470695"/>
+            <a:ext cx="457200" cy="704093"/>
           </a:xfrm>
           <a:prstGeom prst="rect">
             <a:avLst/>
@@ -5007,20 +5356,30 @@
           <a:lstStyle/>
           <a:p>
             <a:pPr algn="ctr"/>
-            <a:endParaRPr lang="en-US" dirty="0"/>
-          </a:p>
-        </p:txBody>
-      </p:sp>
-      <p:sp>
-        <p:nvSpPr>
-          <p:cNvPr id="71" name="TextBox 70"/>
+            <a:endParaRPr lang="en-US" dirty="0">
+              <a:solidFill>
+                <a:schemeClr val="tx1"/>
+              </a:solidFill>
+            </a:endParaRPr>
+          </a:p>
+        </p:txBody>
+      </p:sp>
+      <p:sp>
+        <p:nvSpPr>
+          <p:cNvPr id="120" name="TextBox 119">
+            <a:extLst>
+              <a:ext uri="{FF2B5EF4-FFF2-40B4-BE49-F238E27FC236}">
+                <a16:creationId xmlns:a16="http://schemas.microsoft.com/office/drawing/2014/main" id="{0C7851D1-5247-4942-B5D0-CFF8DBA48F68}"/>
+              </a:ext>
+            </a:extLst>
+          </p:cNvPr>
           <p:cNvSpPr txBox="1"/>
           <p:nvPr/>
         </p:nvSpPr>
         <p:spPr>
           <a:xfrm>
-            <a:off x="6701232" y="1614490"/>
-            <a:ext cx="476776" cy="400110"/>
+            <a:off x="6129348" y="3620774"/>
+            <a:ext cx="534306" cy="400110"/>
           </a:xfrm>
           <a:prstGeom prst="rect">
             <a:avLst/>
@@ -5028,7 +5387,7 @@
           <a:noFill/>
         </p:spPr>
         <p:txBody>
-          <a:bodyPr wrap="none" rtlCol="0">
+          <a:bodyPr wrap="square" rtlCol="0">
             <a:spAutoFit/>
           </a:bodyPr>
           <a:lstStyle/>
@@ -5039,7 +5398,7 @@
                 <a:latin typeface="Times New Roman"/>
                 <a:cs typeface="Times New Roman"/>
               </a:rPr>
-              <a:t>Used</a:t>
+              <a:t>Used </a:t>
             </a:r>
           </a:p>
           <a:p>
@@ -5056,47 +5415,20 @@
       </p:sp>
       <p:sp>
         <p:nvSpPr>
-          <p:cNvPr id="72" name="TextBox 71"/>
-          <p:cNvSpPr txBox="1"/>
-          <p:nvPr/>
-        </p:nvSpPr>
-        <p:spPr>
-          <a:xfrm>
-            <a:off x="7080520" y="1691435"/>
-            <a:ext cx="533632" cy="246221"/>
-          </a:xfrm>
-          <a:prstGeom prst="rect">
-            <a:avLst/>
-          </a:prstGeom>
-          <a:noFill/>
-        </p:spPr>
-        <p:txBody>
-          <a:bodyPr wrap="none" rtlCol="0">
-            <a:spAutoFit/>
-          </a:bodyPr>
-          <a:lstStyle/>
-          <a:p>
-            <a:pPr algn="ctr"/>
-            <a:r>
-              <a:rPr lang="en-US" sz="1000" dirty="0">
-                <a:latin typeface="Times New Roman"/>
-                <a:cs typeface="Times New Roman"/>
-              </a:rPr>
-              <a:t>Owner</a:t>
-            </a:r>
-          </a:p>
-        </p:txBody>
-      </p:sp>
-      <p:sp>
-        <p:nvSpPr>
-          <p:cNvPr id="73" name="Rectangle 72"/>
+          <p:cNvPr id="121" name="Rectangle 120">
+            <a:extLst>
+              <a:ext uri="{FF2B5EF4-FFF2-40B4-BE49-F238E27FC236}">
+                <a16:creationId xmlns:a16="http://schemas.microsoft.com/office/drawing/2014/main" id="{1011F01E-9C8B-4843-8E39-593390CD0E81}"/>
+              </a:ext>
+            </a:extLst>
+          </p:cNvPr>
           <p:cNvSpPr/>
           <p:nvPr/>
         </p:nvSpPr>
         <p:spPr>
           <a:xfrm>
-            <a:off x="6057637" y="1462499"/>
-            <a:ext cx="688939" cy="704093"/>
+            <a:off x="6163907" y="3470695"/>
+            <a:ext cx="457200" cy="704093"/>
           </a:xfrm>
           <a:prstGeom prst="rect">
             <a:avLst/>
@@ -5128,198 +5460,6 @@
           <a:lstStyle/>
           <a:p>
             <a:pPr algn="ctr"/>
-            <a:endParaRPr lang="en-US" dirty="0"/>
-          </a:p>
-        </p:txBody>
-      </p:sp>
-      <p:sp>
-        <p:nvSpPr>
-          <p:cNvPr id="74" name="TextBox 73"/>
-          <p:cNvSpPr txBox="1"/>
-          <p:nvPr/>
-        </p:nvSpPr>
-        <p:spPr>
-          <a:xfrm>
-            <a:off x="6057638" y="1657779"/>
-            <a:ext cx="688938" cy="246221"/>
-          </a:xfrm>
-          <a:prstGeom prst="rect">
-            <a:avLst/>
-          </a:prstGeom>
-          <a:noFill/>
-        </p:spPr>
-        <p:txBody>
-          <a:bodyPr wrap="square" rtlCol="0">
-            <a:spAutoFit/>
-          </a:bodyPr>
-          <a:lstStyle/>
-          <a:p>
-            <a:pPr algn="ctr"/>
-            <a:r>
-              <a:rPr lang="en-US" sz="1000" dirty="0">
-                <a:latin typeface="Times New Roman"/>
-                <a:cs typeface="Times New Roman"/>
-              </a:rPr>
-              <a:t>…….</a:t>
-            </a:r>
-          </a:p>
-        </p:txBody>
-      </p:sp>
-      <p:sp>
-        <p:nvSpPr>
-          <p:cNvPr id="75" name="TextBox 74"/>
-          <p:cNvSpPr txBox="1"/>
-          <p:nvPr/>
-        </p:nvSpPr>
-        <p:spPr>
-          <a:xfrm>
-            <a:off x="677334" y="1691004"/>
-            <a:ext cx="618066" cy="246221"/>
-          </a:xfrm>
-          <a:prstGeom prst="rect">
-            <a:avLst/>
-          </a:prstGeom>
-          <a:noFill/>
-        </p:spPr>
-        <p:txBody>
-          <a:bodyPr wrap="square" rtlCol="0">
-            <a:spAutoFit/>
-          </a:bodyPr>
-          <a:lstStyle/>
-          <a:p>
-            <a:pPr algn="ctr"/>
-            <a:r>
-              <a:rPr lang="en-US" sz="1000" dirty="0" err="1">
-                <a:latin typeface="Times New Roman"/>
-                <a:cs typeface="Times New Roman"/>
-              </a:rPr>
-              <a:t>Ptr</a:t>
-            </a:r>
-            <a:endParaRPr lang="en-US" sz="1000" dirty="0">
-              <a:latin typeface="Times New Roman"/>
-              <a:cs typeface="Times New Roman"/>
-            </a:endParaRPr>
-          </a:p>
-        </p:txBody>
-      </p:sp>
-      <p:sp>
-        <p:nvSpPr>
-          <p:cNvPr id="76" name="Rectangle 75"/>
-          <p:cNvSpPr/>
-          <p:nvPr/>
-        </p:nvSpPr>
-        <p:spPr>
-          <a:xfrm>
-            <a:off x="3783402" y="1463447"/>
-            <a:ext cx="813394" cy="704093"/>
-          </a:xfrm>
-          <a:prstGeom prst="rect">
-            <a:avLst/>
-          </a:prstGeom>
-          <a:noFill/>
-          <a:ln>
-            <a:solidFill>
-              <a:schemeClr val="tx1"/>
-            </a:solidFill>
-          </a:ln>
-          <a:effectLst/>
-        </p:spPr>
-        <p:style>
-          <a:lnRef idx="1">
-            <a:schemeClr val="accent1"/>
-          </a:lnRef>
-          <a:fillRef idx="3">
-            <a:schemeClr val="accent1"/>
-          </a:fillRef>
-          <a:effectRef idx="2">
-            <a:schemeClr val="accent1"/>
-          </a:effectRef>
-          <a:fontRef idx="minor">
-            <a:schemeClr val="lt1"/>
-          </a:fontRef>
-        </p:style>
-        <p:txBody>
-          <a:bodyPr wrap="none" rtlCol="0" anchor="ctr"/>
-          <a:lstStyle/>
-          <a:p>
-            <a:pPr algn="ctr"/>
-            <a:endParaRPr lang="en-US" dirty="0"/>
-          </a:p>
-        </p:txBody>
-      </p:sp>
-      <p:sp>
-        <p:nvSpPr>
-          <p:cNvPr id="77" name="Rectangle 76"/>
-          <p:cNvSpPr/>
-          <p:nvPr/>
-        </p:nvSpPr>
-        <p:spPr>
-          <a:xfrm>
-            <a:off x="3783401" y="1157997"/>
-            <a:ext cx="1206181" cy="246221"/>
-          </a:xfrm>
-          <a:prstGeom prst="rect">
-            <a:avLst/>
-          </a:prstGeom>
-        </p:spPr>
-        <p:txBody>
-          <a:bodyPr wrap="square">
-            <a:spAutoFit/>
-          </a:bodyPr>
-          <a:lstStyle/>
-          <a:p>
-            <a:pPr algn="ctr"/>
-            <a:r>
-              <a:rPr lang="en-US" sz="1000" dirty="0">
-                <a:latin typeface="Times New Roman"/>
-                <a:cs typeface="Times New Roman"/>
-              </a:rPr>
-              <a:t>PageEntry_255</a:t>
-            </a:r>
-          </a:p>
-        </p:txBody>
-      </p:sp>
-      <p:sp>
-        <p:nvSpPr>
-          <p:cNvPr id="78" name="Rectangle 77"/>
-          <p:cNvSpPr/>
-          <p:nvPr/>
-        </p:nvSpPr>
-        <p:spPr>
-          <a:xfrm>
-            <a:off x="3783401" y="1463447"/>
-            <a:ext cx="403293" cy="704093"/>
-          </a:xfrm>
-          <a:prstGeom prst="rect">
-            <a:avLst/>
-          </a:prstGeom>
-          <a:noFill/>
-          <a:ln>
-            <a:solidFill>
-              <a:schemeClr val="tx1"/>
-            </a:solidFill>
-          </a:ln>
-          <a:effectLst/>
-        </p:spPr>
-        <p:style>
-          <a:lnRef idx="1">
-            <a:schemeClr val="accent1"/>
-          </a:lnRef>
-          <a:fillRef idx="3">
-            <a:schemeClr val="accent1"/>
-          </a:fillRef>
-          <a:effectRef idx="2">
-            <a:schemeClr val="accent1"/>
-          </a:effectRef>
-          <a:fontRef idx="minor">
-            <a:schemeClr val="lt1"/>
-          </a:fontRef>
-        </p:style>
-        <p:txBody>
-          <a:bodyPr wrap="none" rtlCol="0" anchor="ctr"/>
-          <a:lstStyle/>
-          <a:p>
-            <a:pPr algn="ctr"/>
             <a:endParaRPr lang="en-US" dirty="0">
               <a:solidFill>
                 <a:schemeClr val="tx1"/>
@@ -5330,22 +5470,27 @@
       </p:sp>
       <p:sp>
         <p:nvSpPr>
-          <p:cNvPr id="79" name="TextBox 78"/>
-          <p:cNvSpPr txBox="1"/>
+          <p:cNvPr id="122" name="Rectangle 121">
+            <a:extLst>
+              <a:ext uri="{FF2B5EF4-FFF2-40B4-BE49-F238E27FC236}">
+                <a16:creationId xmlns:a16="http://schemas.microsoft.com/office/drawing/2014/main" id="{CABE7C97-14DA-F840-837C-2C62A701BC54}"/>
+              </a:ext>
+            </a:extLst>
+          </p:cNvPr>
+          <p:cNvSpPr/>
           <p:nvPr/>
         </p:nvSpPr>
         <p:spPr>
           <a:xfrm>
-            <a:off x="3758000" y="1615438"/>
-            <a:ext cx="462562" cy="400110"/>
+            <a:off x="6082262" y="3163813"/>
+            <a:ext cx="575428" cy="246221"/>
           </a:xfrm>
           <a:prstGeom prst="rect">
             <a:avLst/>
           </a:prstGeom>
-          <a:noFill/>
-        </p:spPr>
-        <p:txBody>
-          <a:bodyPr wrap="none" rtlCol="0">
+        </p:spPr>
+        <p:txBody>
+          <a:bodyPr wrap="square" lIns="0" rIns="0">
             <a:spAutoFit/>
           </a:bodyPr>
           <a:lstStyle/>
@@ -5356,9 +5501,38 @@
                 <a:latin typeface="Times New Roman"/>
                 <a:cs typeface="Times New Roman"/>
               </a:rPr>
-              <a:t>Size </a:t>
-            </a:r>
-          </a:p>
+              <a:t>Cache_63</a:t>
+            </a:r>
+          </a:p>
+        </p:txBody>
+      </p:sp>
+      <p:sp>
+        <p:nvSpPr>
+          <p:cNvPr id="123" name="TextBox 122">
+            <a:extLst>
+              <a:ext uri="{FF2B5EF4-FFF2-40B4-BE49-F238E27FC236}">
+                <a16:creationId xmlns:a16="http://schemas.microsoft.com/office/drawing/2014/main" id="{E074CB31-D40A-4D4D-A2D0-BA5A83C09258}"/>
+              </a:ext>
+            </a:extLst>
+          </p:cNvPr>
+          <p:cNvSpPr txBox="1"/>
+          <p:nvPr/>
+        </p:nvSpPr>
+        <p:spPr>
+          <a:xfrm>
+            <a:off x="5667290" y="3668008"/>
+            <a:ext cx="441146" cy="246221"/>
+          </a:xfrm>
+          <a:prstGeom prst="rect">
+            <a:avLst/>
+          </a:prstGeom>
+          <a:noFill/>
+        </p:spPr>
+        <p:txBody>
+          <a:bodyPr wrap="none" rtlCol="0">
+            <a:spAutoFit/>
+          </a:bodyPr>
+          <a:lstStyle/>
           <a:p>
             <a:pPr algn="ctr"/>
             <a:r>
@@ -5366,425 +5540,8 @@
                 <a:latin typeface="Times New Roman"/>
                 <a:cs typeface="Times New Roman"/>
               </a:rPr>
-              <a:t>Class</a:t>
-            </a:r>
-          </a:p>
-        </p:txBody>
-      </p:sp>
-      <p:sp>
-        <p:nvSpPr>
-          <p:cNvPr id="80" name="Rectangle 79"/>
-          <p:cNvSpPr/>
-          <p:nvPr/>
-        </p:nvSpPr>
-        <p:spPr>
-          <a:xfrm>
-            <a:off x="4596796" y="1463447"/>
-            <a:ext cx="392786" cy="704093"/>
-          </a:xfrm>
-          <a:prstGeom prst="rect">
-            <a:avLst/>
-          </a:prstGeom>
-          <a:noFill/>
-          <a:ln>
-            <a:solidFill>
-              <a:schemeClr val="tx1"/>
-            </a:solidFill>
-          </a:ln>
-          <a:effectLst/>
-        </p:spPr>
-        <p:style>
-          <a:lnRef idx="1">
-            <a:schemeClr val="accent1"/>
-          </a:lnRef>
-          <a:fillRef idx="3">
-            <a:schemeClr val="accent1"/>
-          </a:fillRef>
-          <a:effectRef idx="2">
-            <a:schemeClr val="accent1"/>
-          </a:effectRef>
-          <a:fontRef idx="minor">
-            <a:schemeClr val="lt1"/>
-          </a:fontRef>
-        </p:style>
-        <p:txBody>
-          <a:bodyPr wrap="none" rtlCol="0" anchor="ctr"/>
-          <a:lstStyle/>
-          <a:p>
-            <a:pPr algn="ctr"/>
-            <a:endParaRPr lang="en-US" dirty="0"/>
-          </a:p>
-        </p:txBody>
-      </p:sp>
-      <p:sp>
-        <p:nvSpPr>
-          <p:cNvPr id="81" name="TextBox 80"/>
-          <p:cNvSpPr txBox="1"/>
-          <p:nvPr/>
-        </p:nvSpPr>
-        <p:spPr>
-          <a:xfrm>
-            <a:off x="4159975" y="1615438"/>
-            <a:ext cx="476776" cy="400110"/>
-          </a:xfrm>
-          <a:prstGeom prst="rect">
-            <a:avLst/>
-          </a:prstGeom>
-          <a:noFill/>
-        </p:spPr>
-        <p:txBody>
-          <a:bodyPr wrap="none" rtlCol="0">
-            <a:spAutoFit/>
-          </a:bodyPr>
-          <a:lstStyle/>
-          <a:p>
-            <a:pPr algn="ctr"/>
-            <a:r>
-              <a:rPr lang="en-US" sz="1000" dirty="0">
-                <a:latin typeface="Times New Roman"/>
-                <a:cs typeface="Times New Roman"/>
-              </a:rPr>
-              <a:t>Used</a:t>
-            </a:r>
-          </a:p>
-          <a:p>
-            <a:pPr algn="ctr"/>
-            <a:r>
-              <a:rPr lang="en-US" sz="1000" dirty="0">
-                <a:latin typeface="Times New Roman"/>
-                <a:cs typeface="Times New Roman"/>
-              </a:rPr>
-              <a:t>Bytes</a:t>
-            </a:r>
-          </a:p>
-        </p:txBody>
-      </p:sp>
-      <p:sp>
-        <p:nvSpPr>
-          <p:cNvPr id="82" name="TextBox 81"/>
-          <p:cNvSpPr txBox="1"/>
-          <p:nvPr/>
-        </p:nvSpPr>
-        <p:spPr>
-          <a:xfrm>
-            <a:off x="4523658" y="1615438"/>
-            <a:ext cx="547909" cy="400110"/>
-          </a:xfrm>
-          <a:prstGeom prst="rect">
-            <a:avLst/>
-          </a:prstGeom>
-          <a:noFill/>
-        </p:spPr>
-        <p:txBody>
-          <a:bodyPr wrap="none" rtlCol="0">
-            <a:spAutoFit/>
-          </a:bodyPr>
-          <a:lstStyle/>
-          <a:p>
-            <a:pPr algn="ctr"/>
-            <a:r>
-              <a:rPr lang="en-US" sz="1000" dirty="0">
-                <a:latin typeface="Times New Roman"/>
-                <a:cs typeface="Times New Roman"/>
-              </a:rPr>
-              <a:t>Cache</a:t>
-            </a:r>
-          </a:p>
-          <a:p>
-            <a:pPr algn="ctr"/>
-            <a:r>
-              <a:rPr lang="en-US" sz="1000" dirty="0">
-                <a:latin typeface="Times New Roman"/>
-                <a:cs typeface="Times New Roman"/>
-              </a:rPr>
-              <a:t>Entries</a:t>
-            </a:r>
-          </a:p>
-        </p:txBody>
-      </p:sp>
-      <p:sp>
-        <p:nvSpPr>
-          <p:cNvPr id="83" name="Rectangle 82"/>
-          <p:cNvSpPr/>
-          <p:nvPr/>
-        </p:nvSpPr>
-        <p:spPr>
-          <a:xfrm>
-            <a:off x="2999553" y="1461913"/>
-            <a:ext cx="783848" cy="704093"/>
-          </a:xfrm>
-          <a:prstGeom prst="rect">
-            <a:avLst/>
-          </a:prstGeom>
-          <a:noFill/>
-          <a:ln>
-            <a:solidFill>
-              <a:schemeClr val="tx1"/>
-            </a:solidFill>
-          </a:ln>
-          <a:effectLst/>
-        </p:spPr>
-        <p:style>
-          <a:lnRef idx="1">
-            <a:schemeClr val="accent1"/>
-          </a:lnRef>
-          <a:fillRef idx="3">
-            <a:schemeClr val="accent1"/>
-          </a:fillRef>
-          <a:effectRef idx="2">
-            <a:schemeClr val="accent1"/>
-          </a:effectRef>
-          <a:fontRef idx="minor">
-            <a:schemeClr val="lt1"/>
-          </a:fontRef>
-        </p:style>
-        <p:txBody>
-          <a:bodyPr wrap="none" rtlCol="0" anchor="ctr"/>
-          <a:lstStyle/>
-          <a:p>
-            <a:pPr algn="ctr"/>
-            <a:endParaRPr lang="en-US" dirty="0"/>
-          </a:p>
-        </p:txBody>
-      </p:sp>
-      <p:sp>
-        <p:nvSpPr>
-          <p:cNvPr id="84" name="TextBox 83"/>
-          <p:cNvSpPr txBox="1"/>
-          <p:nvPr/>
-        </p:nvSpPr>
-        <p:spPr>
-          <a:xfrm>
-            <a:off x="2999554" y="1657779"/>
-            <a:ext cx="783848" cy="246221"/>
-          </a:xfrm>
-          <a:prstGeom prst="rect">
-            <a:avLst/>
-          </a:prstGeom>
-          <a:noFill/>
-        </p:spPr>
-        <p:txBody>
-          <a:bodyPr wrap="square" rtlCol="0">
-            <a:spAutoFit/>
-          </a:bodyPr>
-          <a:lstStyle/>
-          <a:p>
-            <a:pPr algn="ctr"/>
-            <a:r>
-              <a:rPr lang="en-US" sz="1000" dirty="0">
-                <a:latin typeface="Times New Roman"/>
-                <a:cs typeface="Times New Roman"/>
-              </a:rPr>
-              <a:t>…….</a:t>
-            </a:r>
-          </a:p>
-        </p:txBody>
-      </p:sp>
-      <p:sp>
-        <p:nvSpPr>
-          <p:cNvPr id="85" name="Rectangle 84"/>
-          <p:cNvSpPr/>
-          <p:nvPr/>
-        </p:nvSpPr>
-        <p:spPr>
-          <a:xfrm>
-            <a:off x="6637867" y="1157997"/>
-            <a:ext cx="984751" cy="246221"/>
-          </a:xfrm>
-          <a:prstGeom prst="rect">
-            <a:avLst/>
-          </a:prstGeom>
-        </p:spPr>
-        <p:txBody>
-          <a:bodyPr wrap="square">
-            <a:spAutoFit/>
-          </a:bodyPr>
-          <a:lstStyle/>
-          <a:p>
-            <a:pPr algn="ctr"/>
-            <a:r>
-              <a:rPr lang="en-US" sz="1000" dirty="0">
-                <a:latin typeface="Times New Roman"/>
-                <a:cs typeface="Times New Roman"/>
-              </a:rPr>
-              <a:t>CacheEntry_63</a:t>
-            </a:r>
-          </a:p>
-        </p:txBody>
-      </p:sp>
-      <p:sp>
-        <p:nvSpPr>
-          <p:cNvPr id="86" name="Left Brace 85"/>
-          <p:cNvSpPr/>
-          <p:nvPr/>
-        </p:nvSpPr>
-        <p:spPr>
-          <a:xfrm rot="5400000">
-            <a:off x="2351157" y="818811"/>
-            <a:ext cx="91440" cy="1207008"/>
-          </a:xfrm>
-          <a:prstGeom prst="leftBrace">
-            <a:avLst/>
-          </a:prstGeom>
-          <a:ln w="6350">
-            <a:solidFill>
-              <a:schemeClr val="tx1"/>
-            </a:solidFill>
-          </a:ln>
-          <a:effectLst/>
-        </p:spPr>
-        <p:style>
-          <a:lnRef idx="2">
-            <a:schemeClr val="accent1"/>
-          </a:lnRef>
-          <a:fillRef idx="0">
-            <a:schemeClr val="accent1"/>
-          </a:fillRef>
-          <a:effectRef idx="1">
-            <a:schemeClr val="accent1"/>
-          </a:effectRef>
-          <a:fontRef idx="minor">
-            <a:schemeClr val="tx1"/>
-          </a:fontRef>
-        </p:style>
-        <p:txBody>
-          <a:bodyPr rtlCol="0" anchor="ctr"/>
-          <a:lstStyle/>
-          <a:p>
-            <a:pPr algn="ctr"/>
-            <a:endParaRPr lang="en-US" dirty="0"/>
-          </a:p>
-        </p:txBody>
-      </p:sp>
-      <p:sp>
-        <p:nvSpPr>
-          <p:cNvPr id="41" name="Left Brace 40"/>
-          <p:cNvSpPr/>
-          <p:nvPr/>
-        </p:nvSpPr>
-        <p:spPr>
-          <a:xfrm rot="5400000">
-            <a:off x="4345057" y="818811"/>
-            <a:ext cx="91440" cy="1207008"/>
-          </a:xfrm>
-          <a:prstGeom prst="leftBrace">
-            <a:avLst/>
-          </a:prstGeom>
-          <a:ln w="6350">
-            <a:solidFill>
-              <a:schemeClr val="tx1"/>
-            </a:solidFill>
-          </a:ln>
-          <a:effectLst/>
-        </p:spPr>
-        <p:style>
-          <a:lnRef idx="2">
-            <a:schemeClr val="accent1"/>
-          </a:lnRef>
-          <a:fillRef idx="0">
-            <a:schemeClr val="accent1"/>
-          </a:fillRef>
-          <a:effectRef idx="1">
-            <a:schemeClr val="accent1"/>
-          </a:effectRef>
-          <a:fontRef idx="minor">
-            <a:schemeClr val="tx1"/>
-          </a:fontRef>
-        </p:style>
-        <p:txBody>
-          <a:bodyPr rtlCol="0" anchor="ctr"/>
-          <a:lstStyle/>
-          <a:p>
-            <a:pPr algn="ctr"/>
-            <a:endParaRPr lang="en-US" dirty="0"/>
-          </a:p>
-        </p:txBody>
-      </p:sp>
-      <p:sp>
-        <p:nvSpPr>
-          <p:cNvPr id="42" name="Left Brace 41"/>
-          <p:cNvSpPr/>
-          <p:nvPr/>
-        </p:nvSpPr>
-        <p:spPr>
-          <a:xfrm rot="5400000">
-            <a:off x="5621723" y="1029123"/>
-            <a:ext cx="91440" cy="786384"/>
-          </a:xfrm>
-          <a:prstGeom prst="leftBrace">
-            <a:avLst/>
-          </a:prstGeom>
-          <a:ln w="6350">
-            <a:solidFill>
-              <a:schemeClr val="tx1"/>
-            </a:solidFill>
-          </a:ln>
-          <a:effectLst/>
-        </p:spPr>
-        <p:style>
-          <a:lnRef idx="2">
-            <a:schemeClr val="accent1"/>
-          </a:lnRef>
-          <a:fillRef idx="0">
-            <a:schemeClr val="accent1"/>
-          </a:fillRef>
-          <a:effectRef idx="1">
-            <a:schemeClr val="accent1"/>
-          </a:effectRef>
-          <a:fontRef idx="minor">
-            <a:schemeClr val="tx1"/>
-          </a:fontRef>
-        </p:style>
-        <p:txBody>
-          <a:bodyPr rtlCol="0" anchor="ctr"/>
-          <a:lstStyle/>
-          <a:p>
-            <a:pPr algn="ctr"/>
-            <a:endParaRPr lang="en-US" dirty="0"/>
-          </a:p>
-        </p:txBody>
-      </p:sp>
-      <p:sp>
-        <p:nvSpPr>
-          <p:cNvPr id="43" name="Left Brace 42"/>
-          <p:cNvSpPr/>
-          <p:nvPr/>
-        </p:nvSpPr>
-        <p:spPr>
-          <a:xfrm rot="5400000">
-            <a:off x="7094048" y="1023001"/>
-            <a:ext cx="91440" cy="786384"/>
-          </a:xfrm>
-          <a:prstGeom prst="leftBrace">
-            <a:avLst/>
-          </a:prstGeom>
-          <a:ln w="6350">
-            <a:solidFill>
-              <a:schemeClr val="tx1"/>
-            </a:solidFill>
-          </a:ln>
-          <a:effectLst/>
-        </p:spPr>
-        <p:style>
-          <a:lnRef idx="2">
-            <a:schemeClr val="accent1"/>
-          </a:lnRef>
-          <a:fillRef idx="0">
-            <a:schemeClr val="accent1"/>
-          </a:fillRef>
-          <a:effectRef idx="1">
-            <a:schemeClr val="accent1"/>
-          </a:effectRef>
-          <a:fontRef idx="minor">
-            <a:schemeClr val="tx1"/>
-          </a:fontRef>
-        </p:style>
-        <p:txBody>
-          <a:bodyPr rtlCol="0" anchor="ctr"/>
-          <a:lstStyle/>
-          <a:p>
-            <a:pPr algn="ctr"/>
-            <a:endParaRPr lang="en-US" dirty="0"/>
+              <a:t>……</a:t>
+            </a:r>
           </a:p>
         </p:txBody>
       </p:sp>
@@ -5820,51 +5577,797 @@
       </p:grpSpPr>
       <p:sp>
         <p:nvSpPr>
-          <p:cNvPr id="2" name="Title 1">
+          <p:cNvPr id="4" name="Rectangle 3">
             <a:extLst>
               <a:ext uri="{FF2B5EF4-FFF2-40B4-BE49-F238E27FC236}">
-                <a16:creationId xmlns:a16="http://schemas.microsoft.com/office/drawing/2014/main" id="{1CA63265-C4A7-4D42-9527-C342F0BC2177}"/>
+                <a16:creationId xmlns:a16="http://schemas.microsoft.com/office/drawing/2014/main" id="{84A11B42-AD0D-BF46-A498-FC2B4FC00561}"/>
               </a:ext>
             </a:extLst>
           </p:cNvPr>
-          <p:cNvSpPr>
-            <a:spLocks noGrp="1"/>
-          </p:cNvSpPr>
-          <p:nvPr>
-            <p:ph type="title"/>
-          </p:nvPr>
-        </p:nvSpPr>
-        <p:spPr/>
-        <p:txBody>
-          <a:bodyPr/>
-          <a:lstStyle/>
-          <a:p>
+          <p:cNvSpPr/>
+          <p:nvPr/>
+        </p:nvSpPr>
+        <p:spPr>
+          <a:xfrm>
+            <a:off x="1816443" y="1940011"/>
+            <a:ext cx="1025612" cy="494271"/>
+          </a:xfrm>
+          <a:prstGeom prst="rect">
+            <a:avLst/>
+          </a:prstGeom>
+          <a:pattFill prst="ltUpDiag">
+            <a:fgClr>
+              <a:schemeClr val="tx1"/>
+            </a:fgClr>
+            <a:bgClr>
+              <a:schemeClr val="bg1"/>
+            </a:bgClr>
+          </a:pattFill>
+          <a:ln>
+            <a:solidFill>
+              <a:schemeClr val="tx1"/>
+            </a:solidFill>
+          </a:ln>
+          <a:effectLst/>
+        </p:spPr>
+        <p:style>
+          <a:lnRef idx="1">
+            <a:schemeClr val="accent1"/>
+          </a:lnRef>
+          <a:fillRef idx="3">
+            <a:schemeClr val="accent1"/>
+          </a:fillRef>
+          <a:effectRef idx="2">
+            <a:schemeClr val="accent1"/>
+          </a:effectRef>
+          <a:fontRef idx="minor">
+            <a:schemeClr val="lt1"/>
+          </a:fontRef>
+        </p:style>
+        <p:txBody>
+          <a:bodyPr rtlCol="0" anchor="ctr"/>
+          <a:lstStyle/>
+          <a:p>
+            <a:pPr algn="ctr"/>
             <a:endParaRPr lang="en-US"/>
           </a:p>
         </p:txBody>
       </p:sp>
       <p:sp>
         <p:nvSpPr>
-          <p:cNvPr id="3" name="Content Placeholder 2">
+          <p:cNvPr id="5" name="Rectangle 4">
             <a:extLst>
               <a:ext uri="{FF2B5EF4-FFF2-40B4-BE49-F238E27FC236}">
-                <a16:creationId xmlns:a16="http://schemas.microsoft.com/office/drawing/2014/main" id="{906C401A-4106-4444-B6D0-A60712537068}"/>
+                <a16:creationId xmlns:a16="http://schemas.microsoft.com/office/drawing/2014/main" id="{BE2C9812-C750-9540-8A40-E444C9823210}"/>
               </a:ext>
             </a:extLst>
           </p:cNvPr>
-          <p:cNvSpPr>
-            <a:spLocks noGrp="1"/>
-          </p:cNvSpPr>
-          <p:nvPr>
-            <p:ph idx="1"/>
-          </p:nvPr>
-        </p:nvSpPr>
-        <p:spPr/>
-        <p:txBody>
-          <a:bodyPr/>
-          <a:lstStyle/>
-          <a:p>
+          <p:cNvSpPr/>
+          <p:nvPr/>
+        </p:nvSpPr>
+        <p:spPr>
+          <a:xfrm>
+            <a:off x="1359243" y="1940010"/>
+            <a:ext cx="457202" cy="494271"/>
+          </a:xfrm>
+          <a:prstGeom prst="rect">
+            <a:avLst/>
+          </a:prstGeom>
+          <a:pattFill prst="pct10">
+            <a:fgClr>
+              <a:schemeClr val="tx1"/>
+            </a:fgClr>
+            <a:bgClr>
+              <a:schemeClr val="bg1"/>
+            </a:bgClr>
+          </a:pattFill>
+          <a:ln>
+            <a:solidFill>
+              <a:schemeClr val="tx1"/>
+            </a:solidFill>
+          </a:ln>
+          <a:effectLst/>
+        </p:spPr>
+        <p:style>
+          <a:lnRef idx="1">
+            <a:schemeClr val="accent1"/>
+          </a:lnRef>
+          <a:fillRef idx="3">
+            <a:schemeClr val="accent1"/>
+          </a:fillRef>
+          <a:effectRef idx="2">
+            <a:schemeClr val="accent1"/>
+          </a:effectRef>
+          <a:fontRef idx="minor">
+            <a:schemeClr val="lt1"/>
+          </a:fontRef>
+        </p:style>
+        <p:txBody>
+          <a:bodyPr rtlCol="0" anchor="ctr"/>
+          <a:lstStyle/>
+          <a:p>
+            <a:pPr algn="ctr"/>
             <a:endParaRPr lang="en-US"/>
+          </a:p>
+        </p:txBody>
+      </p:sp>
+      <p:sp>
+        <p:nvSpPr>
+          <p:cNvPr id="6" name="Rectangle 5">
+            <a:extLst>
+              <a:ext uri="{FF2B5EF4-FFF2-40B4-BE49-F238E27FC236}">
+                <a16:creationId xmlns:a16="http://schemas.microsoft.com/office/drawing/2014/main" id="{4A54583A-7B5F-F742-9F59-C0CEECF0C66F}"/>
+              </a:ext>
+            </a:extLst>
+          </p:cNvPr>
+          <p:cNvSpPr/>
+          <p:nvPr/>
+        </p:nvSpPr>
+        <p:spPr>
+          <a:xfrm>
+            <a:off x="3303374" y="1940010"/>
+            <a:ext cx="1025612" cy="494271"/>
+          </a:xfrm>
+          <a:prstGeom prst="rect">
+            <a:avLst/>
+          </a:prstGeom>
+          <a:pattFill prst="ltUpDiag">
+            <a:fgClr>
+              <a:schemeClr val="tx1"/>
+            </a:fgClr>
+            <a:bgClr>
+              <a:schemeClr val="bg1"/>
+            </a:bgClr>
+          </a:pattFill>
+          <a:ln>
+            <a:solidFill>
+              <a:schemeClr val="tx1"/>
+            </a:solidFill>
+          </a:ln>
+          <a:effectLst/>
+        </p:spPr>
+        <p:style>
+          <a:lnRef idx="1">
+            <a:schemeClr val="accent1"/>
+          </a:lnRef>
+          <a:fillRef idx="3">
+            <a:schemeClr val="accent1"/>
+          </a:fillRef>
+          <a:effectRef idx="2">
+            <a:schemeClr val="accent1"/>
+          </a:effectRef>
+          <a:fontRef idx="minor">
+            <a:schemeClr val="lt1"/>
+          </a:fontRef>
+        </p:style>
+        <p:txBody>
+          <a:bodyPr rtlCol="0" anchor="ctr"/>
+          <a:lstStyle/>
+          <a:p>
+            <a:pPr algn="ctr"/>
+            <a:endParaRPr lang="en-US"/>
+          </a:p>
+        </p:txBody>
+      </p:sp>
+      <p:sp>
+        <p:nvSpPr>
+          <p:cNvPr id="7" name="Rectangle 6">
+            <a:extLst>
+              <a:ext uri="{FF2B5EF4-FFF2-40B4-BE49-F238E27FC236}">
+                <a16:creationId xmlns:a16="http://schemas.microsoft.com/office/drawing/2014/main" id="{054A610A-F7CF-C547-98F3-6730EC4A78ED}"/>
+              </a:ext>
+            </a:extLst>
+          </p:cNvPr>
+          <p:cNvSpPr/>
+          <p:nvPr/>
+        </p:nvSpPr>
+        <p:spPr>
+          <a:xfrm>
+            <a:off x="2846174" y="1940009"/>
+            <a:ext cx="457202" cy="494271"/>
+          </a:xfrm>
+          <a:prstGeom prst="rect">
+            <a:avLst/>
+          </a:prstGeom>
+          <a:pattFill prst="pct10">
+            <a:fgClr>
+              <a:schemeClr val="tx1"/>
+            </a:fgClr>
+            <a:bgClr>
+              <a:schemeClr val="bg1"/>
+            </a:bgClr>
+          </a:pattFill>
+          <a:ln>
+            <a:solidFill>
+              <a:schemeClr val="tx1"/>
+            </a:solidFill>
+          </a:ln>
+          <a:effectLst/>
+        </p:spPr>
+        <p:style>
+          <a:lnRef idx="1">
+            <a:schemeClr val="accent1"/>
+          </a:lnRef>
+          <a:fillRef idx="3">
+            <a:schemeClr val="accent1"/>
+          </a:fillRef>
+          <a:effectRef idx="2">
+            <a:schemeClr val="accent1"/>
+          </a:effectRef>
+          <a:fontRef idx="minor">
+            <a:schemeClr val="lt1"/>
+          </a:fontRef>
+        </p:style>
+        <p:txBody>
+          <a:bodyPr rtlCol="0" anchor="ctr"/>
+          <a:lstStyle/>
+          <a:p>
+            <a:pPr algn="ctr"/>
+            <a:endParaRPr lang="en-US"/>
+          </a:p>
+        </p:txBody>
+      </p:sp>
+      <p:sp>
+        <p:nvSpPr>
+          <p:cNvPr id="8" name="Rectangle 7">
+            <a:extLst>
+              <a:ext uri="{FF2B5EF4-FFF2-40B4-BE49-F238E27FC236}">
+                <a16:creationId xmlns:a16="http://schemas.microsoft.com/office/drawing/2014/main" id="{707B9A19-FB2F-384D-84C4-3A23C70D1D7C}"/>
+              </a:ext>
+            </a:extLst>
+          </p:cNvPr>
+          <p:cNvSpPr/>
+          <p:nvPr/>
+        </p:nvSpPr>
+        <p:spPr>
+          <a:xfrm>
+            <a:off x="4777942" y="1940010"/>
+            <a:ext cx="1388079" cy="494271"/>
+          </a:xfrm>
+          <a:prstGeom prst="rect">
+            <a:avLst/>
+          </a:prstGeom>
+          <a:pattFill prst="ltDnDiag">
+            <a:fgClr>
+              <a:schemeClr val="tx1"/>
+            </a:fgClr>
+            <a:bgClr>
+              <a:schemeClr val="bg1"/>
+            </a:bgClr>
+          </a:pattFill>
+          <a:ln>
+            <a:solidFill>
+              <a:schemeClr val="tx1"/>
+            </a:solidFill>
+          </a:ln>
+          <a:effectLst/>
+        </p:spPr>
+        <p:style>
+          <a:lnRef idx="1">
+            <a:schemeClr val="accent1"/>
+          </a:lnRef>
+          <a:fillRef idx="3">
+            <a:schemeClr val="accent1"/>
+          </a:fillRef>
+          <a:effectRef idx="2">
+            <a:schemeClr val="accent1"/>
+          </a:effectRef>
+          <a:fontRef idx="minor">
+            <a:schemeClr val="lt1"/>
+          </a:fontRef>
+        </p:style>
+        <p:txBody>
+          <a:bodyPr rtlCol="0" anchor="ctr"/>
+          <a:lstStyle/>
+          <a:p>
+            <a:pPr algn="ctr"/>
+            <a:endParaRPr lang="en-US"/>
+          </a:p>
+        </p:txBody>
+      </p:sp>
+      <p:sp>
+        <p:nvSpPr>
+          <p:cNvPr id="9" name="Rectangle 8">
+            <a:extLst>
+              <a:ext uri="{FF2B5EF4-FFF2-40B4-BE49-F238E27FC236}">
+                <a16:creationId xmlns:a16="http://schemas.microsoft.com/office/drawing/2014/main" id="{8D1DF092-F953-F946-B73D-F4036D08656C}"/>
+              </a:ext>
+            </a:extLst>
+          </p:cNvPr>
+          <p:cNvSpPr/>
+          <p:nvPr/>
+        </p:nvSpPr>
+        <p:spPr>
+          <a:xfrm>
+            <a:off x="4320743" y="1940009"/>
+            <a:ext cx="457202" cy="494271"/>
+          </a:xfrm>
+          <a:prstGeom prst="rect">
+            <a:avLst/>
+          </a:prstGeom>
+          <a:pattFill prst="pct10">
+            <a:fgClr>
+              <a:schemeClr val="tx1"/>
+            </a:fgClr>
+            <a:bgClr>
+              <a:schemeClr val="bg1"/>
+            </a:bgClr>
+          </a:pattFill>
+          <a:ln>
+            <a:solidFill>
+              <a:schemeClr val="tx1"/>
+            </a:solidFill>
+          </a:ln>
+          <a:effectLst/>
+        </p:spPr>
+        <p:style>
+          <a:lnRef idx="1">
+            <a:schemeClr val="accent1"/>
+          </a:lnRef>
+          <a:fillRef idx="3">
+            <a:schemeClr val="accent1"/>
+          </a:fillRef>
+          <a:effectRef idx="2">
+            <a:schemeClr val="accent1"/>
+          </a:effectRef>
+          <a:fontRef idx="minor">
+            <a:schemeClr val="lt1"/>
+          </a:fontRef>
+        </p:style>
+        <p:txBody>
+          <a:bodyPr rtlCol="0" anchor="ctr"/>
+          <a:lstStyle/>
+          <a:p>
+            <a:pPr algn="ctr"/>
+            <a:endParaRPr lang="en-US"/>
+          </a:p>
+        </p:txBody>
+      </p:sp>
+      <p:sp>
+        <p:nvSpPr>
+          <p:cNvPr id="10" name="TextBox 9">
+            <a:extLst>
+              <a:ext uri="{FF2B5EF4-FFF2-40B4-BE49-F238E27FC236}">
+                <a16:creationId xmlns:a16="http://schemas.microsoft.com/office/drawing/2014/main" id="{D457DF72-3022-E742-8F3E-379D2362C4B2}"/>
+              </a:ext>
+            </a:extLst>
+          </p:cNvPr>
+          <p:cNvSpPr txBox="1"/>
+          <p:nvPr/>
+        </p:nvSpPr>
+        <p:spPr>
+          <a:xfrm>
+            <a:off x="2193639" y="1694929"/>
+            <a:ext cx="295274" cy="276999"/>
+          </a:xfrm>
+          <a:prstGeom prst="rect">
+            <a:avLst/>
+          </a:prstGeom>
+          <a:noFill/>
+        </p:spPr>
+        <p:txBody>
+          <a:bodyPr wrap="none" rtlCol="0">
+            <a:spAutoFit/>
+          </a:bodyPr>
+          <a:lstStyle/>
+          <a:p>
+            <a:r>
+              <a:rPr lang="en-US" sz="1200" dirty="0">
+                <a:latin typeface="Times New Roman" panose="02020603050405020304" pitchFamily="18" charset="0"/>
+                <a:cs typeface="Times New Roman" panose="02020603050405020304" pitchFamily="18" charset="0"/>
+              </a:rPr>
+              <a:t>X</a:t>
+            </a:r>
+          </a:p>
+        </p:txBody>
+      </p:sp>
+      <p:sp>
+        <p:nvSpPr>
+          <p:cNvPr id="11" name="TextBox 10">
+            <a:extLst>
+              <a:ext uri="{FF2B5EF4-FFF2-40B4-BE49-F238E27FC236}">
+                <a16:creationId xmlns:a16="http://schemas.microsoft.com/office/drawing/2014/main" id="{D3796047-04C7-1C45-A80B-9F0A8EB624E3}"/>
+              </a:ext>
+            </a:extLst>
+          </p:cNvPr>
+          <p:cNvSpPr txBox="1"/>
+          <p:nvPr/>
+        </p:nvSpPr>
+        <p:spPr>
+          <a:xfrm>
+            <a:off x="3554537" y="1694929"/>
+            <a:ext cx="535724" cy="276999"/>
+          </a:xfrm>
+          <a:prstGeom prst="rect">
+            <a:avLst/>
+          </a:prstGeom>
+          <a:noFill/>
+        </p:spPr>
+        <p:txBody>
+          <a:bodyPr wrap="none" rtlCol="0">
+            <a:spAutoFit/>
+          </a:bodyPr>
+          <a:lstStyle/>
+          <a:p>
+            <a:r>
+              <a:rPr lang="en-US" sz="1200" dirty="0">
+                <a:latin typeface="Times New Roman" panose="02020603050405020304" pitchFamily="18" charset="0"/>
+                <a:cs typeface="Times New Roman" panose="02020603050405020304" pitchFamily="18" charset="0"/>
+              </a:rPr>
+              <a:t>X + 8</a:t>
+            </a:r>
+          </a:p>
+        </p:txBody>
+      </p:sp>
+      <p:sp>
+        <p:nvSpPr>
+          <p:cNvPr id="12" name="TextBox 11">
+            <a:extLst>
+              <a:ext uri="{FF2B5EF4-FFF2-40B4-BE49-F238E27FC236}">
+                <a16:creationId xmlns:a16="http://schemas.microsoft.com/office/drawing/2014/main" id="{01394939-5484-2847-B452-1F7126580AFD}"/>
+              </a:ext>
+            </a:extLst>
+          </p:cNvPr>
+          <p:cNvSpPr txBox="1"/>
+          <p:nvPr/>
+        </p:nvSpPr>
+        <p:spPr>
+          <a:xfrm>
+            <a:off x="5176901" y="1694929"/>
+            <a:ext cx="612668" cy="276999"/>
+          </a:xfrm>
+          <a:prstGeom prst="rect">
+            <a:avLst/>
+          </a:prstGeom>
+          <a:noFill/>
+        </p:spPr>
+        <p:txBody>
+          <a:bodyPr wrap="none" rtlCol="0">
+            <a:spAutoFit/>
+          </a:bodyPr>
+          <a:lstStyle/>
+          <a:p>
+            <a:r>
+              <a:rPr lang="en-US" sz="1200" dirty="0">
+                <a:latin typeface="Times New Roman" panose="02020603050405020304" pitchFamily="18" charset="0"/>
+                <a:cs typeface="Times New Roman" panose="02020603050405020304" pitchFamily="18" charset="0"/>
+              </a:rPr>
+              <a:t>X + 16</a:t>
+            </a:r>
+          </a:p>
+        </p:txBody>
+      </p:sp>
+      <p:sp>
+        <p:nvSpPr>
+          <p:cNvPr id="15" name="Rectangle 14">
+            <a:extLst>
+              <a:ext uri="{FF2B5EF4-FFF2-40B4-BE49-F238E27FC236}">
+                <a16:creationId xmlns:a16="http://schemas.microsoft.com/office/drawing/2014/main" id="{727921BE-3157-464B-8BB1-516813041F9D}"/>
+              </a:ext>
+            </a:extLst>
+          </p:cNvPr>
+          <p:cNvSpPr/>
+          <p:nvPr/>
+        </p:nvSpPr>
+        <p:spPr>
+          <a:xfrm>
+            <a:off x="6620202" y="1940010"/>
+            <a:ext cx="1388079" cy="494271"/>
+          </a:xfrm>
+          <a:prstGeom prst="rect">
+            <a:avLst/>
+          </a:prstGeom>
+          <a:pattFill prst="ltDnDiag">
+            <a:fgClr>
+              <a:schemeClr val="tx1"/>
+            </a:fgClr>
+            <a:bgClr>
+              <a:schemeClr val="bg1"/>
+            </a:bgClr>
+          </a:pattFill>
+          <a:ln>
+            <a:solidFill>
+              <a:schemeClr val="tx1"/>
+            </a:solidFill>
+          </a:ln>
+          <a:effectLst/>
+        </p:spPr>
+        <p:style>
+          <a:lnRef idx="1">
+            <a:schemeClr val="accent1"/>
+          </a:lnRef>
+          <a:fillRef idx="3">
+            <a:schemeClr val="accent1"/>
+          </a:fillRef>
+          <a:effectRef idx="2">
+            <a:schemeClr val="accent1"/>
+          </a:effectRef>
+          <a:fontRef idx="minor">
+            <a:schemeClr val="lt1"/>
+          </a:fontRef>
+        </p:style>
+        <p:txBody>
+          <a:bodyPr rtlCol="0" anchor="ctr"/>
+          <a:lstStyle/>
+          <a:p>
+            <a:pPr algn="ctr"/>
+            <a:endParaRPr lang="en-US"/>
+          </a:p>
+        </p:txBody>
+      </p:sp>
+      <p:sp>
+        <p:nvSpPr>
+          <p:cNvPr id="16" name="Rectangle 15">
+            <a:extLst>
+              <a:ext uri="{FF2B5EF4-FFF2-40B4-BE49-F238E27FC236}">
+                <a16:creationId xmlns:a16="http://schemas.microsoft.com/office/drawing/2014/main" id="{3F992078-5BFC-6A48-B77A-FCE08B38D7B2}"/>
+              </a:ext>
+            </a:extLst>
+          </p:cNvPr>
+          <p:cNvSpPr/>
+          <p:nvPr/>
+        </p:nvSpPr>
+        <p:spPr>
+          <a:xfrm>
+            <a:off x="6163003" y="1940009"/>
+            <a:ext cx="457202" cy="494271"/>
+          </a:xfrm>
+          <a:prstGeom prst="rect">
+            <a:avLst/>
+          </a:prstGeom>
+          <a:pattFill prst="pct10">
+            <a:fgClr>
+              <a:schemeClr val="tx1"/>
+            </a:fgClr>
+            <a:bgClr>
+              <a:schemeClr val="bg1"/>
+            </a:bgClr>
+          </a:pattFill>
+          <a:ln>
+            <a:solidFill>
+              <a:schemeClr val="tx1"/>
+            </a:solidFill>
+          </a:ln>
+          <a:effectLst/>
+        </p:spPr>
+        <p:style>
+          <a:lnRef idx="1">
+            <a:schemeClr val="accent1"/>
+          </a:lnRef>
+          <a:fillRef idx="3">
+            <a:schemeClr val="accent1"/>
+          </a:fillRef>
+          <a:effectRef idx="2">
+            <a:schemeClr val="accent1"/>
+          </a:effectRef>
+          <a:fontRef idx="minor">
+            <a:schemeClr val="lt1"/>
+          </a:fontRef>
+        </p:style>
+        <p:txBody>
+          <a:bodyPr rtlCol="0" anchor="ctr"/>
+          <a:lstStyle/>
+          <a:p>
+            <a:pPr algn="ctr"/>
+            <a:endParaRPr lang="en-US"/>
+          </a:p>
+        </p:txBody>
+      </p:sp>
+      <p:sp>
+        <p:nvSpPr>
+          <p:cNvPr id="17" name="TextBox 16">
+            <a:extLst>
+              <a:ext uri="{FF2B5EF4-FFF2-40B4-BE49-F238E27FC236}">
+                <a16:creationId xmlns:a16="http://schemas.microsoft.com/office/drawing/2014/main" id="{D8402F8E-AD51-F148-8BB0-68B87AECB918}"/>
+              </a:ext>
+            </a:extLst>
+          </p:cNvPr>
+          <p:cNvSpPr txBox="1"/>
+          <p:nvPr/>
+        </p:nvSpPr>
+        <p:spPr>
+          <a:xfrm>
+            <a:off x="7019161" y="1694929"/>
+            <a:ext cx="612668" cy="276999"/>
+          </a:xfrm>
+          <a:prstGeom prst="rect">
+            <a:avLst/>
+          </a:prstGeom>
+          <a:noFill/>
+        </p:spPr>
+        <p:txBody>
+          <a:bodyPr wrap="none" rtlCol="0">
+            <a:spAutoFit/>
+          </a:bodyPr>
+          <a:lstStyle/>
+          <a:p>
+            <a:r>
+              <a:rPr lang="en-US" sz="1200" dirty="0">
+                <a:latin typeface="Times New Roman" panose="02020603050405020304" pitchFamily="18" charset="0"/>
+                <a:cs typeface="Times New Roman" panose="02020603050405020304" pitchFamily="18" charset="0"/>
+              </a:rPr>
+              <a:t>X + 24</a:t>
+            </a:r>
+          </a:p>
+        </p:txBody>
+      </p:sp>
+      <p:sp>
+        <p:nvSpPr>
+          <p:cNvPr id="20" name="TextBox 19">
+            <a:extLst>
+              <a:ext uri="{FF2B5EF4-FFF2-40B4-BE49-F238E27FC236}">
+                <a16:creationId xmlns:a16="http://schemas.microsoft.com/office/drawing/2014/main" id="{9A861940-901A-9949-A96C-DBFC2F652D10}"/>
+              </a:ext>
+            </a:extLst>
+          </p:cNvPr>
+          <p:cNvSpPr txBox="1"/>
+          <p:nvPr/>
+        </p:nvSpPr>
+        <p:spPr>
+          <a:xfrm>
+            <a:off x="2038232" y="2419871"/>
+            <a:ext cx="607859" cy="369332"/>
+          </a:xfrm>
+          <a:prstGeom prst="rect">
+            <a:avLst/>
+          </a:prstGeom>
+          <a:noFill/>
+        </p:spPr>
+        <p:txBody>
+          <a:bodyPr wrap="none" rtlCol="0">
+            <a:spAutoFit/>
+          </a:bodyPr>
+          <a:lstStyle/>
+          <a:p>
+            <a:r>
+              <a:rPr lang="en-US" dirty="0">
+                <a:latin typeface="Times New Roman" panose="02020603050405020304" pitchFamily="18" charset="0"/>
+                <a:cs typeface="Times New Roman" panose="02020603050405020304" pitchFamily="18" charset="0"/>
+              </a:rPr>
+              <a:t>Obj</a:t>
+            </a:r>
+            <a:r>
+              <a:rPr lang="en-US" baseline="-25000" dirty="0">
+                <a:latin typeface="Times New Roman" panose="02020603050405020304" pitchFamily="18" charset="0"/>
+                <a:cs typeface="Times New Roman" panose="02020603050405020304" pitchFamily="18" charset="0"/>
+              </a:rPr>
+              <a:t>1</a:t>
+            </a:r>
+          </a:p>
+        </p:txBody>
+      </p:sp>
+      <p:sp>
+        <p:nvSpPr>
+          <p:cNvPr id="21" name="TextBox 20">
+            <a:extLst>
+              <a:ext uri="{FF2B5EF4-FFF2-40B4-BE49-F238E27FC236}">
+                <a16:creationId xmlns:a16="http://schemas.microsoft.com/office/drawing/2014/main" id="{AEDA2E79-FB46-EF4D-ADD8-DB182533564B}"/>
+              </a:ext>
+            </a:extLst>
+          </p:cNvPr>
+          <p:cNvSpPr txBox="1"/>
+          <p:nvPr/>
+        </p:nvSpPr>
+        <p:spPr>
+          <a:xfrm>
+            <a:off x="3492758" y="2419871"/>
+            <a:ext cx="607859" cy="369332"/>
+          </a:xfrm>
+          <a:prstGeom prst="rect">
+            <a:avLst/>
+          </a:prstGeom>
+          <a:noFill/>
+        </p:spPr>
+        <p:txBody>
+          <a:bodyPr wrap="none" rtlCol="0">
+            <a:spAutoFit/>
+          </a:bodyPr>
+          <a:lstStyle/>
+          <a:p>
+            <a:r>
+              <a:rPr lang="en-US" dirty="0">
+                <a:latin typeface="Times New Roman" panose="02020603050405020304" pitchFamily="18" charset="0"/>
+                <a:cs typeface="Times New Roman" panose="02020603050405020304" pitchFamily="18" charset="0"/>
+              </a:rPr>
+              <a:t>Obj</a:t>
+            </a:r>
+            <a:r>
+              <a:rPr lang="en-US" baseline="-25000" dirty="0">
+                <a:latin typeface="Times New Roman" panose="02020603050405020304" pitchFamily="18" charset="0"/>
+                <a:cs typeface="Times New Roman" panose="02020603050405020304" pitchFamily="18" charset="0"/>
+              </a:rPr>
+              <a:t>2</a:t>
+            </a:r>
+          </a:p>
+        </p:txBody>
+      </p:sp>
+      <p:sp>
+        <p:nvSpPr>
+          <p:cNvPr id="22" name="TextBox 21">
+            <a:extLst>
+              <a:ext uri="{FF2B5EF4-FFF2-40B4-BE49-F238E27FC236}">
+                <a16:creationId xmlns:a16="http://schemas.microsoft.com/office/drawing/2014/main" id="{9E9D417F-BDA5-5749-B9A8-D55EBD2CFBAC}"/>
+              </a:ext>
+            </a:extLst>
+          </p:cNvPr>
+          <p:cNvSpPr txBox="1"/>
+          <p:nvPr/>
+        </p:nvSpPr>
+        <p:spPr>
+          <a:xfrm>
+            <a:off x="5181710" y="2419871"/>
+            <a:ext cx="607859" cy="369332"/>
+          </a:xfrm>
+          <a:prstGeom prst="rect">
+            <a:avLst/>
+          </a:prstGeom>
+          <a:noFill/>
+        </p:spPr>
+        <p:txBody>
+          <a:bodyPr wrap="none" rtlCol="0">
+            <a:spAutoFit/>
+          </a:bodyPr>
+          <a:lstStyle/>
+          <a:p>
+            <a:r>
+              <a:rPr lang="en-US" dirty="0">
+                <a:latin typeface="Times New Roman" panose="02020603050405020304" pitchFamily="18" charset="0"/>
+                <a:cs typeface="Times New Roman" panose="02020603050405020304" pitchFamily="18" charset="0"/>
+              </a:rPr>
+              <a:t>Obj</a:t>
+            </a:r>
+            <a:r>
+              <a:rPr lang="en-US" baseline="-25000" dirty="0">
+                <a:latin typeface="Times New Roman" panose="02020603050405020304" pitchFamily="18" charset="0"/>
+                <a:cs typeface="Times New Roman" panose="02020603050405020304" pitchFamily="18" charset="0"/>
+              </a:rPr>
+              <a:t>3</a:t>
+            </a:r>
+          </a:p>
+        </p:txBody>
+      </p:sp>
+      <p:sp>
+        <p:nvSpPr>
+          <p:cNvPr id="23" name="TextBox 22">
+            <a:extLst>
+              <a:ext uri="{FF2B5EF4-FFF2-40B4-BE49-F238E27FC236}">
+                <a16:creationId xmlns:a16="http://schemas.microsoft.com/office/drawing/2014/main" id="{74871092-3BA7-A349-9C82-350DB7322EC4}"/>
+              </a:ext>
+            </a:extLst>
+          </p:cNvPr>
+          <p:cNvSpPr txBox="1"/>
+          <p:nvPr/>
+        </p:nvSpPr>
+        <p:spPr>
+          <a:xfrm>
+            <a:off x="7010311" y="2419871"/>
+            <a:ext cx="607859" cy="369332"/>
+          </a:xfrm>
+          <a:prstGeom prst="rect">
+            <a:avLst/>
+          </a:prstGeom>
+          <a:noFill/>
+        </p:spPr>
+        <p:txBody>
+          <a:bodyPr wrap="none" rtlCol="0">
+            <a:spAutoFit/>
+          </a:bodyPr>
+          <a:lstStyle/>
+          <a:p>
+            <a:r>
+              <a:rPr lang="en-US" dirty="0">
+                <a:latin typeface="Times New Roman" panose="02020603050405020304" pitchFamily="18" charset="0"/>
+                <a:cs typeface="Times New Roman" panose="02020603050405020304" pitchFamily="18" charset="0"/>
+              </a:rPr>
+              <a:t>Obj</a:t>
+            </a:r>
+            <a:r>
+              <a:rPr lang="en-US" baseline="-25000" dirty="0">
+                <a:latin typeface="Times New Roman" panose="02020603050405020304" pitchFamily="18" charset="0"/>
+                <a:cs typeface="Times New Roman" panose="02020603050405020304" pitchFamily="18" charset="0"/>
+              </a:rPr>
+              <a:t>4</a:t>
+            </a:r>
           </a:p>
         </p:txBody>
       </p:sp>
@@ -5872,6 +6375,3083 @@
     <p:extLst>
       <p:ext uri="{BB962C8B-B14F-4D97-AF65-F5344CB8AC3E}">
         <p14:creationId xmlns:p14="http://schemas.microsoft.com/office/powerpoint/2010/main" val="4182458166"/>
+      </p:ext>
+    </p:extLst>
+  </p:cSld>
+  <p:clrMapOvr>
+    <a:masterClrMapping/>
+  </p:clrMapOvr>
+</p:sld>
+</file>
+
+<file path=ppt/slides/slide5.xml><?xml version="1.0" encoding="utf-8"?>
+<p:sld xmlns:a="http://schemas.openxmlformats.org/drawingml/2006/main" xmlns:r="http://schemas.openxmlformats.org/officeDocument/2006/relationships" xmlns:p="http://schemas.openxmlformats.org/presentationml/2006/main">
+  <p:cSld>
+    <p:spTree>
+      <p:nvGrpSpPr>
+        <p:cNvPr id="1" name=""/>
+        <p:cNvGrpSpPr/>
+        <p:nvPr/>
+      </p:nvGrpSpPr>
+      <p:grpSpPr>
+        <a:xfrm>
+          <a:off x="0" y="0"/>
+          <a:ext cx="0" cy="0"/>
+          <a:chOff x="0" y="0"/>
+          <a:chExt cx="0" cy="0"/>
+        </a:xfrm>
+      </p:grpSpPr>
+      <p:sp>
+        <p:nvSpPr>
+          <p:cNvPr id="4" name="TextBox 3">
+            <a:extLst>
+              <a:ext uri="{FF2B5EF4-FFF2-40B4-BE49-F238E27FC236}">
+                <a16:creationId xmlns:a16="http://schemas.microsoft.com/office/drawing/2014/main" id="{44C6D75E-DBF7-514B-91F4-2FD5984A5D9E}"/>
+              </a:ext>
+            </a:extLst>
+          </p:cNvPr>
+          <p:cNvSpPr txBox="1"/>
+          <p:nvPr/>
+        </p:nvSpPr>
+        <p:spPr>
+          <a:xfrm>
+            <a:off x="3639787" y="1368967"/>
+            <a:ext cx="1538351" cy="261610"/>
+          </a:xfrm>
+          <a:prstGeom prst="rect">
+            <a:avLst/>
+          </a:prstGeom>
+          <a:noFill/>
+          <a:ln>
+            <a:solidFill>
+              <a:schemeClr val="tx1"/>
+            </a:solidFill>
+          </a:ln>
+          <a:effectLst/>
+        </p:spPr>
+        <p:txBody>
+          <a:bodyPr wrap="square" rtlCol="0" anchor="ctr" anchorCtr="0">
+            <a:spAutoFit/>
+          </a:bodyPr>
+          <a:lstStyle/>
+          <a:p>
+            <a:pPr algn="ctr"/>
+            <a:r>
+              <a:rPr lang="en-US" sz="1100" dirty="0">
+                <a:latin typeface="Times New Roman" panose="02020603050405020304" pitchFamily="18" charset="0"/>
+                <a:cs typeface="Times New Roman" panose="02020603050405020304" pitchFamily="18" charset="0"/>
+              </a:rPr>
+              <a:t>Application</a:t>
+            </a:r>
+          </a:p>
+        </p:txBody>
+      </p:sp>
+      <p:sp>
+        <p:nvSpPr>
+          <p:cNvPr id="14" name="Rectangle 13">
+            <a:extLst>
+              <a:ext uri="{FF2B5EF4-FFF2-40B4-BE49-F238E27FC236}">
+                <a16:creationId xmlns:a16="http://schemas.microsoft.com/office/drawing/2014/main" id="{48C98958-0A7F-5144-B880-2BB607CFA19B}"/>
+              </a:ext>
+            </a:extLst>
+          </p:cNvPr>
+          <p:cNvSpPr/>
+          <p:nvPr/>
+        </p:nvSpPr>
+        <p:spPr>
+          <a:xfrm>
+            <a:off x="4073236" y="2118162"/>
+            <a:ext cx="1104902" cy="265176"/>
+          </a:xfrm>
+          <a:prstGeom prst="rect">
+            <a:avLst/>
+          </a:prstGeom>
+          <a:noFill/>
+          <a:ln>
+            <a:solidFill>
+              <a:schemeClr val="tx1"/>
+            </a:solidFill>
+          </a:ln>
+          <a:effectLst/>
+        </p:spPr>
+        <p:style>
+          <a:lnRef idx="1">
+            <a:schemeClr val="accent1"/>
+          </a:lnRef>
+          <a:fillRef idx="3">
+            <a:schemeClr val="accent1"/>
+          </a:fillRef>
+          <a:effectRef idx="2">
+            <a:schemeClr val="accent1"/>
+          </a:effectRef>
+          <a:fontRef idx="minor">
+            <a:schemeClr val="lt1"/>
+          </a:fontRef>
+        </p:style>
+        <p:txBody>
+          <a:bodyPr rtlCol="0" anchor="ctr"/>
+          <a:lstStyle/>
+          <a:p>
+            <a:pPr algn="ctr"/>
+            <a:r>
+              <a:rPr lang="en-US" sz="1100" dirty="0">
+                <a:solidFill>
+                  <a:schemeClr val="tx1"/>
+                </a:solidFill>
+                <a:latin typeface="Times New Roman" panose="02020603050405020304" pitchFamily="18" charset="0"/>
+                <a:cs typeface="Times New Roman" panose="02020603050405020304" pitchFamily="18" charset="0"/>
+              </a:rPr>
+              <a:t>Allocator</a:t>
+            </a:r>
+          </a:p>
+        </p:txBody>
+      </p:sp>
+      <p:sp>
+        <p:nvSpPr>
+          <p:cNvPr id="29" name="Up-Down Arrow 28">
+            <a:extLst>
+              <a:ext uri="{FF2B5EF4-FFF2-40B4-BE49-F238E27FC236}">
+                <a16:creationId xmlns:a16="http://schemas.microsoft.com/office/drawing/2014/main" id="{647362CB-B95B-A148-9FAE-8C43EB32F5BD}"/>
+              </a:ext>
+            </a:extLst>
+          </p:cNvPr>
+          <p:cNvSpPr/>
+          <p:nvPr/>
+        </p:nvSpPr>
+        <p:spPr>
+          <a:xfrm>
+            <a:off x="4761202" y="1644444"/>
+            <a:ext cx="225096" cy="467081"/>
+          </a:xfrm>
+          <a:prstGeom prst="upDownArrow">
+            <a:avLst/>
+          </a:prstGeom>
+          <a:noFill/>
+          <a:ln>
+            <a:solidFill>
+              <a:schemeClr val="tx1"/>
+            </a:solidFill>
+          </a:ln>
+          <a:effectLst/>
+        </p:spPr>
+        <p:style>
+          <a:lnRef idx="1">
+            <a:schemeClr val="accent1"/>
+          </a:lnRef>
+          <a:fillRef idx="3">
+            <a:schemeClr val="accent1"/>
+          </a:fillRef>
+          <a:effectRef idx="2">
+            <a:schemeClr val="accent1"/>
+          </a:effectRef>
+          <a:fontRef idx="minor">
+            <a:schemeClr val="lt1"/>
+          </a:fontRef>
+        </p:style>
+        <p:txBody>
+          <a:bodyPr rtlCol="0" anchor="ctr"/>
+          <a:lstStyle/>
+          <a:p>
+            <a:pPr algn="ctr"/>
+            <a:endParaRPr lang="en-US" sz="1100">
+              <a:latin typeface="Times New Roman" panose="02020603050405020304" pitchFamily="18" charset="0"/>
+              <a:cs typeface="Times New Roman" panose="02020603050405020304" pitchFamily="18" charset="0"/>
+            </a:endParaRPr>
+          </a:p>
+        </p:txBody>
+      </p:sp>
+      <p:sp>
+        <p:nvSpPr>
+          <p:cNvPr id="31" name="TextBox 30">
+            <a:extLst>
+              <a:ext uri="{FF2B5EF4-FFF2-40B4-BE49-F238E27FC236}">
+                <a16:creationId xmlns:a16="http://schemas.microsoft.com/office/drawing/2014/main" id="{95BA8FBC-2770-9A40-9D44-D23B02E2EAC8}"/>
+              </a:ext>
+            </a:extLst>
+          </p:cNvPr>
+          <p:cNvSpPr txBox="1"/>
+          <p:nvPr/>
+        </p:nvSpPr>
+        <p:spPr>
+          <a:xfrm>
+            <a:off x="3841524" y="1726110"/>
+            <a:ext cx="580388" cy="246221"/>
+          </a:xfrm>
+          <a:prstGeom prst="rect">
+            <a:avLst/>
+          </a:prstGeom>
+          <a:noFill/>
+          <a:ln>
+            <a:noFill/>
+          </a:ln>
+          <a:effectLst/>
+        </p:spPr>
+        <p:txBody>
+          <a:bodyPr wrap="square" rtlCol="0" anchor="ctr" anchorCtr="0">
+            <a:spAutoFit/>
+          </a:bodyPr>
+          <a:lstStyle/>
+          <a:p>
+            <a:pPr algn="ctr"/>
+            <a:r>
+              <a:rPr lang="en-US" sz="1000" dirty="0" err="1">
+                <a:latin typeface="Times New Roman" panose="02020603050405020304" pitchFamily="18" charset="0"/>
+                <a:cs typeface="Times New Roman" panose="02020603050405020304" pitchFamily="18" charset="0"/>
+              </a:rPr>
+              <a:t>Allocs</a:t>
+            </a:r>
+            <a:endParaRPr lang="en-US" sz="1000" dirty="0">
+              <a:latin typeface="Times New Roman" panose="02020603050405020304" pitchFamily="18" charset="0"/>
+              <a:cs typeface="Times New Roman" panose="02020603050405020304" pitchFamily="18" charset="0"/>
+            </a:endParaRPr>
+          </a:p>
+        </p:txBody>
+      </p:sp>
+      <p:sp>
+        <p:nvSpPr>
+          <p:cNvPr id="33" name="TextBox 32">
+            <a:extLst>
+              <a:ext uri="{FF2B5EF4-FFF2-40B4-BE49-F238E27FC236}">
+                <a16:creationId xmlns:a16="http://schemas.microsoft.com/office/drawing/2014/main" id="{335FCED0-8603-D240-A217-264AC4080EA3}"/>
+              </a:ext>
+            </a:extLst>
+          </p:cNvPr>
+          <p:cNvSpPr txBox="1"/>
+          <p:nvPr/>
+        </p:nvSpPr>
+        <p:spPr>
+          <a:xfrm>
+            <a:off x="4804900" y="1726110"/>
+            <a:ext cx="580388" cy="246221"/>
+          </a:xfrm>
+          <a:prstGeom prst="rect">
+            <a:avLst/>
+          </a:prstGeom>
+          <a:noFill/>
+          <a:ln>
+            <a:noFill/>
+          </a:ln>
+          <a:effectLst/>
+        </p:spPr>
+        <p:txBody>
+          <a:bodyPr wrap="square" rtlCol="0" anchor="ctr" anchorCtr="0">
+            <a:spAutoFit/>
+          </a:bodyPr>
+          <a:lstStyle/>
+          <a:p>
+            <a:pPr algn="ctr"/>
+            <a:r>
+              <a:rPr lang="en-US" sz="1000" dirty="0">
+                <a:latin typeface="Times New Roman" panose="02020603050405020304" pitchFamily="18" charset="0"/>
+                <a:cs typeface="Times New Roman" panose="02020603050405020304" pitchFamily="18" charset="0"/>
+              </a:rPr>
+              <a:t>Frees</a:t>
+            </a:r>
+          </a:p>
+        </p:txBody>
+      </p:sp>
+      <p:sp>
+        <p:nvSpPr>
+          <p:cNvPr id="35" name="Up-Down Arrow 34">
+            <a:extLst>
+              <a:ext uri="{FF2B5EF4-FFF2-40B4-BE49-F238E27FC236}">
+                <a16:creationId xmlns:a16="http://schemas.microsoft.com/office/drawing/2014/main" id="{90B4D13E-D699-4740-AB36-B27751D82C28}"/>
+              </a:ext>
+            </a:extLst>
+          </p:cNvPr>
+          <p:cNvSpPr/>
+          <p:nvPr/>
+        </p:nvSpPr>
+        <p:spPr>
+          <a:xfrm>
+            <a:off x="4262223" y="1644445"/>
+            <a:ext cx="225096" cy="467082"/>
+          </a:xfrm>
+          <a:prstGeom prst="upDownArrow">
+            <a:avLst/>
+          </a:prstGeom>
+          <a:noFill/>
+          <a:ln>
+            <a:solidFill>
+              <a:schemeClr val="tx1"/>
+            </a:solidFill>
+          </a:ln>
+          <a:effectLst/>
+        </p:spPr>
+        <p:style>
+          <a:lnRef idx="1">
+            <a:schemeClr val="accent1"/>
+          </a:lnRef>
+          <a:fillRef idx="3">
+            <a:schemeClr val="accent1"/>
+          </a:fillRef>
+          <a:effectRef idx="2">
+            <a:schemeClr val="accent1"/>
+          </a:effectRef>
+          <a:fontRef idx="minor">
+            <a:schemeClr val="lt1"/>
+          </a:fontRef>
+        </p:style>
+        <p:txBody>
+          <a:bodyPr rtlCol="0" anchor="ctr"/>
+          <a:lstStyle/>
+          <a:p>
+            <a:pPr algn="ctr"/>
+            <a:endParaRPr lang="en-US" sz="1100">
+              <a:latin typeface="Times New Roman" panose="02020603050405020304" pitchFamily="18" charset="0"/>
+              <a:cs typeface="Times New Roman" panose="02020603050405020304" pitchFamily="18" charset="0"/>
+            </a:endParaRPr>
+          </a:p>
+        </p:txBody>
+      </p:sp>
+      <p:sp>
+        <p:nvSpPr>
+          <p:cNvPr id="36" name="Rectangle 35">
+            <a:extLst>
+              <a:ext uri="{FF2B5EF4-FFF2-40B4-BE49-F238E27FC236}">
+                <a16:creationId xmlns:a16="http://schemas.microsoft.com/office/drawing/2014/main" id="{0DFC8C16-BDBD-6F4F-B756-353D64D42A59}"/>
+              </a:ext>
+            </a:extLst>
+          </p:cNvPr>
+          <p:cNvSpPr/>
+          <p:nvPr/>
+        </p:nvSpPr>
+        <p:spPr>
+          <a:xfrm>
+            <a:off x="4443542" y="2867970"/>
+            <a:ext cx="734595" cy="265176"/>
+          </a:xfrm>
+          <a:prstGeom prst="rect">
+            <a:avLst/>
+          </a:prstGeom>
+          <a:noFill/>
+          <a:ln>
+            <a:solidFill>
+              <a:schemeClr val="tx1"/>
+            </a:solidFill>
+          </a:ln>
+          <a:effectLst/>
+        </p:spPr>
+        <p:style>
+          <a:lnRef idx="1">
+            <a:schemeClr val="accent1"/>
+          </a:lnRef>
+          <a:fillRef idx="3">
+            <a:schemeClr val="accent1"/>
+          </a:fillRef>
+          <a:effectRef idx="2">
+            <a:schemeClr val="accent1"/>
+          </a:effectRef>
+          <a:fontRef idx="minor">
+            <a:schemeClr val="lt1"/>
+          </a:fontRef>
+        </p:style>
+        <p:txBody>
+          <a:bodyPr rtlCol="0" anchor="ctr"/>
+          <a:lstStyle/>
+          <a:p>
+            <a:pPr algn="ctr"/>
+            <a:r>
+              <a:rPr lang="en-US" sz="1100" dirty="0">
+                <a:solidFill>
+                  <a:schemeClr val="tx1"/>
+                </a:solidFill>
+                <a:latin typeface="Times New Roman" panose="02020603050405020304" pitchFamily="18" charset="0"/>
+                <a:cs typeface="Times New Roman" panose="02020603050405020304" pitchFamily="18" charset="0"/>
+              </a:rPr>
+              <a:t>OS</a:t>
+            </a:r>
+          </a:p>
+        </p:txBody>
+      </p:sp>
+      <p:sp>
+        <p:nvSpPr>
+          <p:cNvPr id="37" name="TextBox 36">
+            <a:extLst>
+              <a:ext uri="{FF2B5EF4-FFF2-40B4-BE49-F238E27FC236}">
+                <a16:creationId xmlns:a16="http://schemas.microsoft.com/office/drawing/2014/main" id="{71A90939-93B2-4D43-8654-C410500A61D4}"/>
+              </a:ext>
+            </a:extLst>
+          </p:cNvPr>
+          <p:cNvSpPr txBox="1"/>
+          <p:nvPr/>
+        </p:nvSpPr>
+        <p:spPr>
+          <a:xfrm>
+            <a:off x="4274227" y="2510439"/>
+            <a:ext cx="658748" cy="400110"/>
+          </a:xfrm>
+          <a:prstGeom prst="rect">
+            <a:avLst/>
+          </a:prstGeom>
+          <a:noFill/>
+          <a:ln>
+            <a:noFill/>
+          </a:ln>
+          <a:effectLst/>
+        </p:spPr>
+        <p:txBody>
+          <a:bodyPr wrap="square" rtlCol="0" anchor="ctr" anchorCtr="0">
+            <a:spAutoFit/>
+          </a:bodyPr>
+          <a:lstStyle/>
+          <a:p>
+            <a:pPr algn="ctr"/>
+            <a:r>
+              <a:rPr lang="en-US" sz="1000" dirty="0">
+                <a:latin typeface="Times New Roman" panose="02020603050405020304" pitchFamily="18" charset="0"/>
+                <a:cs typeface="Times New Roman" panose="02020603050405020304" pitchFamily="18" charset="0"/>
+              </a:rPr>
+              <a:t>Memory </a:t>
+            </a:r>
+          </a:p>
+          <a:p>
+            <a:pPr algn="ctr"/>
+            <a:r>
+              <a:rPr lang="en-US" sz="1000" dirty="0" err="1">
+                <a:latin typeface="Times New Roman" panose="02020603050405020304" pitchFamily="18" charset="0"/>
+                <a:cs typeface="Times New Roman" panose="02020603050405020304" pitchFamily="18" charset="0"/>
+              </a:rPr>
+              <a:t>Syscalls</a:t>
+            </a:r>
+            <a:endParaRPr lang="en-US" sz="1000" dirty="0">
+              <a:latin typeface="Times New Roman" panose="02020603050405020304" pitchFamily="18" charset="0"/>
+              <a:cs typeface="Times New Roman" panose="02020603050405020304" pitchFamily="18" charset="0"/>
+            </a:endParaRPr>
+          </a:p>
+        </p:txBody>
+      </p:sp>
+      <p:sp>
+        <p:nvSpPr>
+          <p:cNvPr id="40" name="Up-Down Arrow 39">
+            <a:extLst>
+              <a:ext uri="{FF2B5EF4-FFF2-40B4-BE49-F238E27FC236}">
+                <a16:creationId xmlns:a16="http://schemas.microsoft.com/office/drawing/2014/main" id="{553C3CEA-4483-6B45-BF2F-364D43EC162B}"/>
+              </a:ext>
+            </a:extLst>
+          </p:cNvPr>
+          <p:cNvSpPr/>
+          <p:nvPr/>
+        </p:nvSpPr>
+        <p:spPr>
+          <a:xfrm>
+            <a:off x="4796675" y="2378617"/>
+            <a:ext cx="225096" cy="475475"/>
+          </a:xfrm>
+          <a:prstGeom prst="upDownArrow">
+            <a:avLst/>
+          </a:prstGeom>
+          <a:noFill/>
+          <a:ln>
+            <a:solidFill>
+              <a:schemeClr val="tx1"/>
+            </a:solidFill>
+          </a:ln>
+          <a:effectLst/>
+        </p:spPr>
+        <p:style>
+          <a:lnRef idx="1">
+            <a:schemeClr val="accent1"/>
+          </a:lnRef>
+          <a:fillRef idx="3">
+            <a:schemeClr val="accent1"/>
+          </a:fillRef>
+          <a:effectRef idx="2">
+            <a:schemeClr val="accent1"/>
+          </a:effectRef>
+          <a:fontRef idx="minor">
+            <a:schemeClr val="lt1"/>
+          </a:fontRef>
+        </p:style>
+        <p:txBody>
+          <a:bodyPr rtlCol="0" anchor="ctr"/>
+          <a:lstStyle/>
+          <a:p>
+            <a:pPr algn="ctr"/>
+            <a:endParaRPr lang="en-US" sz="1100">
+              <a:latin typeface="Times New Roman" panose="02020603050405020304" pitchFamily="18" charset="0"/>
+              <a:cs typeface="Times New Roman" panose="02020603050405020304" pitchFamily="18" charset="0"/>
+            </a:endParaRPr>
+          </a:p>
+        </p:txBody>
+      </p:sp>
+      <p:sp>
+        <p:nvSpPr>
+          <p:cNvPr id="41" name="Rectangle 40">
+            <a:extLst>
+              <a:ext uri="{FF2B5EF4-FFF2-40B4-BE49-F238E27FC236}">
+                <a16:creationId xmlns:a16="http://schemas.microsoft.com/office/drawing/2014/main" id="{B114E6CA-5E1D-6242-87F8-D48886002356}"/>
+              </a:ext>
+            </a:extLst>
+          </p:cNvPr>
+          <p:cNvSpPr/>
+          <p:nvPr/>
+        </p:nvSpPr>
+        <p:spPr>
+          <a:xfrm>
+            <a:off x="5637290" y="2124797"/>
+            <a:ext cx="948884" cy="265176"/>
+          </a:xfrm>
+          <a:prstGeom prst="rect">
+            <a:avLst/>
+          </a:prstGeom>
+          <a:noFill/>
+          <a:ln>
+            <a:solidFill>
+              <a:schemeClr val="tx1"/>
+            </a:solidFill>
+          </a:ln>
+          <a:effectLst/>
+        </p:spPr>
+        <p:style>
+          <a:lnRef idx="1">
+            <a:schemeClr val="accent1"/>
+          </a:lnRef>
+          <a:fillRef idx="3">
+            <a:schemeClr val="accent1"/>
+          </a:fillRef>
+          <a:effectRef idx="2">
+            <a:schemeClr val="accent1"/>
+          </a:effectRef>
+          <a:fontRef idx="minor">
+            <a:schemeClr val="lt1"/>
+          </a:fontRef>
+        </p:style>
+        <p:txBody>
+          <a:bodyPr rtlCol="0" anchor="ctr"/>
+          <a:lstStyle/>
+          <a:p>
+            <a:pPr algn="ctr"/>
+            <a:r>
+              <a:rPr lang="en-US" sz="1100" dirty="0" err="1">
+                <a:solidFill>
+                  <a:schemeClr val="tx1"/>
+                </a:solidFill>
+                <a:latin typeface="Times New Roman" panose="02020603050405020304" pitchFamily="18" charset="0"/>
+                <a:cs typeface="Times New Roman" panose="02020603050405020304" pitchFamily="18" charset="0"/>
+              </a:rPr>
+              <a:t>Pthreads</a:t>
+            </a:r>
+            <a:r>
+              <a:rPr lang="en-US" sz="1100" dirty="0">
+                <a:solidFill>
+                  <a:schemeClr val="tx1"/>
+                </a:solidFill>
+                <a:latin typeface="Times New Roman" panose="02020603050405020304" pitchFamily="18" charset="0"/>
+                <a:cs typeface="Times New Roman" panose="02020603050405020304" pitchFamily="18" charset="0"/>
+              </a:rPr>
+              <a:t> Lib</a:t>
+            </a:r>
+          </a:p>
+        </p:txBody>
+      </p:sp>
+      <p:sp>
+        <p:nvSpPr>
+          <p:cNvPr id="42" name="Up-Down Arrow 41">
+            <a:extLst>
+              <a:ext uri="{FF2B5EF4-FFF2-40B4-BE49-F238E27FC236}">
+                <a16:creationId xmlns:a16="http://schemas.microsoft.com/office/drawing/2014/main" id="{B5A74ED9-A39D-7E49-B328-22B2FC63E46E}"/>
+              </a:ext>
+            </a:extLst>
+          </p:cNvPr>
+          <p:cNvSpPr/>
+          <p:nvPr/>
+        </p:nvSpPr>
+        <p:spPr>
+          <a:xfrm rot="5400000">
+            <a:off x="5293617" y="2037523"/>
+            <a:ext cx="225096" cy="439724"/>
+          </a:xfrm>
+          <a:prstGeom prst="upDownArrow">
+            <a:avLst/>
+          </a:prstGeom>
+          <a:noFill/>
+          <a:ln>
+            <a:solidFill>
+              <a:schemeClr val="tx1"/>
+            </a:solidFill>
+          </a:ln>
+          <a:effectLst/>
+        </p:spPr>
+        <p:style>
+          <a:lnRef idx="1">
+            <a:schemeClr val="accent1"/>
+          </a:lnRef>
+          <a:fillRef idx="3">
+            <a:schemeClr val="accent1"/>
+          </a:fillRef>
+          <a:effectRef idx="2">
+            <a:schemeClr val="accent1"/>
+          </a:effectRef>
+          <a:fontRef idx="minor">
+            <a:schemeClr val="lt1"/>
+          </a:fontRef>
+        </p:style>
+        <p:txBody>
+          <a:bodyPr rtlCol="0" anchor="ctr"/>
+          <a:lstStyle/>
+          <a:p>
+            <a:pPr algn="ctr"/>
+            <a:endParaRPr lang="en-US" sz="1100">
+              <a:latin typeface="Times New Roman" panose="02020603050405020304" pitchFamily="18" charset="0"/>
+              <a:cs typeface="Times New Roman" panose="02020603050405020304" pitchFamily="18" charset="0"/>
+            </a:endParaRPr>
+          </a:p>
+        </p:txBody>
+      </p:sp>
+      <p:sp>
+        <p:nvSpPr>
+          <p:cNvPr id="43" name="TextBox 42">
+            <a:extLst>
+              <a:ext uri="{FF2B5EF4-FFF2-40B4-BE49-F238E27FC236}">
+                <a16:creationId xmlns:a16="http://schemas.microsoft.com/office/drawing/2014/main" id="{D6775463-B727-A344-A609-DE26B877AEC9}"/>
+              </a:ext>
+            </a:extLst>
+          </p:cNvPr>
+          <p:cNvSpPr txBox="1"/>
+          <p:nvPr/>
+        </p:nvSpPr>
+        <p:spPr>
+          <a:xfrm>
+            <a:off x="5142888" y="2316072"/>
+            <a:ext cx="580388" cy="246221"/>
+          </a:xfrm>
+          <a:prstGeom prst="rect">
+            <a:avLst/>
+          </a:prstGeom>
+          <a:noFill/>
+          <a:ln>
+            <a:noFill/>
+          </a:ln>
+          <a:effectLst/>
+        </p:spPr>
+        <p:txBody>
+          <a:bodyPr wrap="square" rtlCol="0" anchor="ctr" anchorCtr="0">
+            <a:spAutoFit/>
+          </a:bodyPr>
+          <a:lstStyle/>
+          <a:p>
+            <a:pPr algn="ctr"/>
+            <a:r>
+              <a:rPr lang="en-US" sz="1000" dirty="0">
+                <a:latin typeface="Times New Roman" panose="02020603050405020304" pitchFamily="18" charset="0"/>
+                <a:cs typeface="Times New Roman" panose="02020603050405020304" pitchFamily="18" charset="0"/>
+              </a:rPr>
+              <a:t>Syncs</a:t>
+            </a:r>
+          </a:p>
+        </p:txBody>
+      </p:sp>
+      <p:sp>
+        <p:nvSpPr>
+          <p:cNvPr id="2" name="Oval 1">
+            <a:extLst>
+              <a:ext uri="{FF2B5EF4-FFF2-40B4-BE49-F238E27FC236}">
+                <a16:creationId xmlns:a16="http://schemas.microsoft.com/office/drawing/2014/main" id="{779F51BA-883B-0F49-A0AC-0BCB869EAC4E}"/>
+              </a:ext>
+            </a:extLst>
+          </p:cNvPr>
+          <p:cNvSpPr/>
+          <p:nvPr/>
+        </p:nvSpPr>
+        <p:spPr>
+          <a:xfrm>
+            <a:off x="3634461" y="1935678"/>
+            <a:ext cx="1783783" cy="613684"/>
+          </a:xfrm>
+          <a:prstGeom prst="ellipse">
+            <a:avLst/>
+          </a:prstGeom>
+          <a:noFill/>
+          <a:ln w="19050">
+            <a:solidFill>
+              <a:schemeClr val="tx1"/>
+            </a:solidFill>
+            <a:prstDash val="dash"/>
+          </a:ln>
+          <a:effectLst/>
+        </p:spPr>
+        <p:style>
+          <a:lnRef idx="1">
+            <a:schemeClr val="accent1"/>
+          </a:lnRef>
+          <a:fillRef idx="3">
+            <a:schemeClr val="accent1"/>
+          </a:fillRef>
+          <a:effectRef idx="2">
+            <a:schemeClr val="accent1"/>
+          </a:effectRef>
+          <a:fontRef idx="minor">
+            <a:schemeClr val="lt1"/>
+          </a:fontRef>
+        </p:style>
+        <p:txBody>
+          <a:bodyPr rtlCol="0" anchor="ctr"/>
+          <a:lstStyle/>
+          <a:p>
+            <a:pPr algn="ctr"/>
+            <a:endParaRPr lang="en-US"/>
+          </a:p>
+        </p:txBody>
+      </p:sp>
+      <p:grpSp>
+        <p:nvGrpSpPr>
+          <p:cNvPr id="11" name="Group 10">
+            <a:extLst>
+              <a:ext uri="{FF2B5EF4-FFF2-40B4-BE49-F238E27FC236}">
+                <a16:creationId xmlns:a16="http://schemas.microsoft.com/office/drawing/2014/main" id="{39A435D8-E0A3-D643-92A4-9A0BD42FA443}"/>
+              </a:ext>
+            </a:extLst>
+          </p:cNvPr>
+          <p:cNvGrpSpPr/>
+          <p:nvPr/>
+        </p:nvGrpSpPr>
+        <p:grpSpPr>
+          <a:xfrm>
+            <a:off x="3022887" y="1882067"/>
+            <a:ext cx="958844" cy="710572"/>
+            <a:chOff x="2963507" y="1917695"/>
+            <a:chExt cx="958844" cy="710572"/>
+          </a:xfrm>
+          <a:effectLst/>
+        </p:grpSpPr>
+        <p:sp>
+          <p:nvSpPr>
+            <p:cNvPr id="45" name="TextBox 44">
+              <a:extLst>
+                <a:ext uri="{FF2B5EF4-FFF2-40B4-BE49-F238E27FC236}">
+                  <a16:creationId xmlns:a16="http://schemas.microsoft.com/office/drawing/2014/main" id="{8802DE8D-51F4-2449-923C-833A1F1546F7}"/>
+                </a:ext>
+              </a:extLst>
+            </p:cNvPr>
+            <p:cNvSpPr txBox="1"/>
+            <p:nvPr/>
+          </p:nvSpPr>
+          <p:spPr>
+            <a:xfrm>
+              <a:off x="3087586" y="1917695"/>
+              <a:ext cx="703478" cy="261610"/>
+            </a:xfrm>
+            <a:prstGeom prst="rect">
+              <a:avLst/>
+            </a:prstGeom>
+            <a:noFill/>
+            <a:ln>
+              <a:noFill/>
+            </a:ln>
+          </p:spPr>
+          <p:txBody>
+            <a:bodyPr wrap="square" rtlCol="0" anchor="ctr" anchorCtr="0">
+              <a:spAutoFit/>
+            </a:bodyPr>
+            <a:lstStyle/>
+            <a:p>
+              <a:pPr algn="ctr"/>
+              <a:r>
+                <a:rPr lang="en-US" sz="1100" dirty="0">
+                  <a:latin typeface="Times New Roman" panose="02020603050405020304" pitchFamily="18" charset="0"/>
+                  <a:cs typeface="Times New Roman" panose="02020603050405020304" pitchFamily="18" charset="0"/>
+                </a:rPr>
+                <a:t>Intercept</a:t>
+              </a:r>
+            </a:p>
+          </p:txBody>
+        </p:sp>
+        <p:sp>
+          <p:nvSpPr>
+            <p:cNvPr id="46" name="TextBox 45">
+              <a:extLst>
+                <a:ext uri="{FF2B5EF4-FFF2-40B4-BE49-F238E27FC236}">
+                  <a16:creationId xmlns:a16="http://schemas.microsoft.com/office/drawing/2014/main" id="{96B94D0A-5F4C-2740-B0C1-28DED080F37F}"/>
+                </a:ext>
+              </a:extLst>
+            </p:cNvPr>
+            <p:cNvSpPr txBox="1"/>
+            <p:nvPr/>
+          </p:nvSpPr>
+          <p:spPr>
+            <a:xfrm>
+              <a:off x="2995019" y="2083090"/>
+              <a:ext cx="887462" cy="400110"/>
+            </a:xfrm>
+            <a:prstGeom prst="rect">
+              <a:avLst/>
+            </a:prstGeom>
+            <a:noFill/>
+            <a:ln>
+              <a:noFill/>
+            </a:ln>
+          </p:spPr>
+          <p:txBody>
+            <a:bodyPr wrap="square" rtlCol="0" anchor="ctr" anchorCtr="0">
+              <a:spAutoFit/>
+            </a:bodyPr>
+            <a:lstStyle/>
+            <a:p>
+              <a:pPr algn="ctr"/>
+              <a:r>
+                <a:rPr lang="en-US" sz="2000" dirty="0">
+                  <a:latin typeface="Times New Roman" panose="02020603050405020304" pitchFamily="18" charset="0"/>
+                  <a:cs typeface="Times New Roman" panose="02020603050405020304" pitchFamily="18" charset="0"/>
+                </a:rPr>
+                <a:t>+</a:t>
+              </a:r>
+            </a:p>
+          </p:txBody>
+        </p:sp>
+        <p:sp>
+          <p:nvSpPr>
+            <p:cNvPr id="48" name="TextBox 47">
+              <a:extLst>
+                <a:ext uri="{FF2B5EF4-FFF2-40B4-BE49-F238E27FC236}">
+                  <a16:creationId xmlns:a16="http://schemas.microsoft.com/office/drawing/2014/main" id="{7BC1F02F-D303-C442-8BF7-0803A1F31A46}"/>
+                </a:ext>
+              </a:extLst>
+            </p:cNvPr>
+            <p:cNvSpPr txBox="1"/>
+            <p:nvPr/>
+          </p:nvSpPr>
+          <p:spPr>
+            <a:xfrm>
+              <a:off x="2963507" y="2366657"/>
+              <a:ext cx="958844" cy="261610"/>
+            </a:xfrm>
+            <a:prstGeom prst="rect">
+              <a:avLst/>
+            </a:prstGeom>
+            <a:noFill/>
+            <a:ln>
+              <a:noFill/>
+            </a:ln>
+          </p:spPr>
+          <p:txBody>
+            <a:bodyPr wrap="square" rtlCol="0" anchor="ctr" anchorCtr="0">
+              <a:spAutoFit/>
+            </a:bodyPr>
+            <a:lstStyle/>
+            <a:p>
+              <a:pPr algn="ctr"/>
+              <a:r>
+                <a:rPr lang="en-US" sz="1100" dirty="0">
+                  <a:latin typeface="Times New Roman" panose="02020603050405020304" pitchFamily="18" charset="0"/>
+                  <a:cs typeface="Times New Roman" panose="02020603050405020304" pitchFamily="18" charset="0"/>
+                </a:rPr>
+                <a:t>PMU</a:t>
+              </a:r>
+            </a:p>
+          </p:txBody>
+        </p:sp>
+      </p:grpSp>
+      <p:sp>
+        <p:nvSpPr>
+          <p:cNvPr id="20" name="Rectangle 19">
+            <a:extLst>
+              <a:ext uri="{FF2B5EF4-FFF2-40B4-BE49-F238E27FC236}">
+                <a16:creationId xmlns:a16="http://schemas.microsoft.com/office/drawing/2014/main" id="{740F88B5-7AD4-FD4E-A5F0-B613A0616D36}"/>
+              </a:ext>
+            </a:extLst>
+          </p:cNvPr>
+          <p:cNvSpPr/>
+          <p:nvPr/>
+        </p:nvSpPr>
+        <p:spPr>
+          <a:xfrm>
+            <a:off x="3634462" y="3431124"/>
+            <a:ext cx="2951710" cy="265176"/>
+          </a:xfrm>
+          <a:prstGeom prst="rect">
+            <a:avLst/>
+          </a:prstGeom>
+          <a:noFill/>
+          <a:ln>
+            <a:solidFill>
+              <a:schemeClr val="tx1"/>
+            </a:solidFill>
+          </a:ln>
+          <a:effectLst/>
+        </p:spPr>
+        <p:style>
+          <a:lnRef idx="1">
+            <a:schemeClr val="accent1"/>
+          </a:lnRef>
+          <a:fillRef idx="3">
+            <a:schemeClr val="accent1"/>
+          </a:fillRef>
+          <a:effectRef idx="2">
+            <a:schemeClr val="accent1"/>
+          </a:effectRef>
+          <a:fontRef idx="minor">
+            <a:schemeClr val="lt1"/>
+          </a:fontRef>
+        </p:style>
+        <p:txBody>
+          <a:bodyPr rtlCol="0" anchor="ctr"/>
+          <a:lstStyle/>
+          <a:p>
+            <a:pPr algn="ctr"/>
+            <a:r>
+              <a:rPr lang="en-US" sz="1100" dirty="0">
+                <a:solidFill>
+                  <a:schemeClr val="tx1"/>
+                </a:solidFill>
+                <a:latin typeface="Times New Roman" panose="02020603050405020304" pitchFamily="18" charset="0"/>
+                <a:cs typeface="Times New Roman" panose="02020603050405020304" pitchFamily="18" charset="0"/>
+              </a:rPr>
+              <a:t>Memory Hardware</a:t>
+            </a:r>
+          </a:p>
+        </p:txBody>
+      </p:sp>
+      <p:cxnSp>
+        <p:nvCxnSpPr>
+          <p:cNvPr id="5" name="Straight Arrow Connector 4">
+            <a:extLst>
+              <a:ext uri="{FF2B5EF4-FFF2-40B4-BE49-F238E27FC236}">
+                <a16:creationId xmlns:a16="http://schemas.microsoft.com/office/drawing/2014/main" id="{A96588E2-32B7-CB45-B23C-9A8AD3BE8B8C}"/>
+              </a:ext>
+            </a:extLst>
+          </p:cNvPr>
+          <p:cNvCxnSpPr>
+            <a:cxnSpLocks/>
+            <a:stCxn id="36" idx="2"/>
+          </p:cNvCxnSpPr>
+          <p:nvPr/>
+        </p:nvCxnSpPr>
+        <p:spPr>
+          <a:xfrm>
+            <a:off x="4810840" y="3133146"/>
+            <a:ext cx="0" cy="293730"/>
+          </a:xfrm>
+          <a:prstGeom prst="straightConnector1">
+            <a:avLst/>
+          </a:prstGeom>
+          <a:ln w="12700">
+            <a:solidFill>
+              <a:schemeClr val="tx1"/>
+            </a:solidFill>
+            <a:headEnd type="none"/>
+            <a:tailEnd type="stealth"/>
+          </a:ln>
+          <a:effectLst/>
+        </p:spPr>
+        <p:style>
+          <a:lnRef idx="2">
+            <a:schemeClr val="accent1"/>
+          </a:lnRef>
+          <a:fillRef idx="0">
+            <a:schemeClr val="accent1"/>
+          </a:fillRef>
+          <a:effectRef idx="1">
+            <a:schemeClr val="accent1"/>
+          </a:effectRef>
+          <a:fontRef idx="minor">
+            <a:schemeClr val="tx1"/>
+          </a:fontRef>
+        </p:style>
+      </p:cxnSp>
+      <p:cxnSp>
+        <p:nvCxnSpPr>
+          <p:cNvPr id="24" name="Straight Arrow Connector 23">
+            <a:extLst>
+              <a:ext uri="{FF2B5EF4-FFF2-40B4-BE49-F238E27FC236}">
+                <a16:creationId xmlns:a16="http://schemas.microsoft.com/office/drawing/2014/main" id="{BEB95B43-8157-1543-8FCC-07EE7601769B}"/>
+              </a:ext>
+            </a:extLst>
+          </p:cNvPr>
+          <p:cNvCxnSpPr>
+            <a:cxnSpLocks/>
+          </p:cNvCxnSpPr>
+          <p:nvPr/>
+        </p:nvCxnSpPr>
+        <p:spPr>
+          <a:xfrm>
+            <a:off x="6111732" y="2386343"/>
+            <a:ext cx="0" cy="1042657"/>
+          </a:xfrm>
+          <a:prstGeom prst="straightConnector1">
+            <a:avLst/>
+          </a:prstGeom>
+          <a:ln w="12700">
+            <a:solidFill>
+              <a:schemeClr val="tx1"/>
+            </a:solidFill>
+            <a:headEnd type="none"/>
+            <a:tailEnd type="stealth"/>
+          </a:ln>
+          <a:effectLst/>
+        </p:spPr>
+        <p:style>
+          <a:lnRef idx="2">
+            <a:schemeClr val="accent1"/>
+          </a:lnRef>
+          <a:fillRef idx="0">
+            <a:schemeClr val="accent1"/>
+          </a:fillRef>
+          <a:effectRef idx="1">
+            <a:schemeClr val="accent1"/>
+          </a:effectRef>
+          <a:fontRef idx="minor">
+            <a:schemeClr val="tx1"/>
+          </a:fontRef>
+        </p:style>
+      </p:cxnSp>
+      <p:cxnSp>
+        <p:nvCxnSpPr>
+          <p:cNvPr id="28" name="Straight Arrow Connector 27">
+            <a:extLst>
+              <a:ext uri="{FF2B5EF4-FFF2-40B4-BE49-F238E27FC236}">
+                <a16:creationId xmlns:a16="http://schemas.microsoft.com/office/drawing/2014/main" id="{F835AA17-BDCC-C542-9A2B-9BC85D7160BA}"/>
+              </a:ext>
+            </a:extLst>
+          </p:cNvPr>
+          <p:cNvCxnSpPr>
+            <a:cxnSpLocks/>
+          </p:cNvCxnSpPr>
+          <p:nvPr/>
+        </p:nvCxnSpPr>
+        <p:spPr>
+          <a:xfrm>
+            <a:off x="4244309" y="2386343"/>
+            <a:ext cx="0" cy="1042657"/>
+          </a:xfrm>
+          <a:prstGeom prst="straightConnector1">
+            <a:avLst/>
+          </a:prstGeom>
+          <a:ln w="12700">
+            <a:solidFill>
+              <a:schemeClr val="tx1"/>
+            </a:solidFill>
+            <a:headEnd type="none"/>
+            <a:tailEnd type="stealth"/>
+          </a:ln>
+          <a:effectLst/>
+        </p:spPr>
+        <p:style>
+          <a:lnRef idx="2">
+            <a:schemeClr val="accent1"/>
+          </a:lnRef>
+          <a:fillRef idx="0">
+            <a:schemeClr val="accent1"/>
+          </a:fillRef>
+          <a:effectRef idx="1">
+            <a:schemeClr val="accent1"/>
+          </a:effectRef>
+          <a:fontRef idx="minor">
+            <a:schemeClr val="tx1"/>
+          </a:fontRef>
+        </p:style>
+      </p:cxnSp>
+      <p:cxnSp>
+        <p:nvCxnSpPr>
+          <p:cNvPr id="30" name="Straight Arrow Connector 29">
+            <a:extLst>
+              <a:ext uri="{FF2B5EF4-FFF2-40B4-BE49-F238E27FC236}">
+                <a16:creationId xmlns:a16="http://schemas.microsoft.com/office/drawing/2014/main" id="{01AB20C4-20BF-AD46-82B1-0BE4D534585E}"/>
+              </a:ext>
+            </a:extLst>
+          </p:cNvPr>
+          <p:cNvCxnSpPr>
+            <a:cxnSpLocks/>
+          </p:cNvCxnSpPr>
+          <p:nvPr/>
+        </p:nvCxnSpPr>
+        <p:spPr>
+          <a:xfrm>
+            <a:off x="3767317" y="1641322"/>
+            <a:ext cx="0" cy="1783080"/>
+          </a:xfrm>
+          <a:prstGeom prst="straightConnector1">
+            <a:avLst/>
+          </a:prstGeom>
+          <a:ln w="12700">
+            <a:solidFill>
+              <a:schemeClr val="tx1"/>
+            </a:solidFill>
+            <a:headEnd type="none"/>
+            <a:tailEnd type="stealth"/>
+          </a:ln>
+          <a:effectLst/>
+        </p:spPr>
+        <p:style>
+          <a:lnRef idx="2">
+            <a:schemeClr val="accent1"/>
+          </a:lnRef>
+          <a:fillRef idx="0">
+            <a:schemeClr val="accent1"/>
+          </a:fillRef>
+          <a:effectRef idx="1">
+            <a:schemeClr val="accent1"/>
+          </a:effectRef>
+          <a:fontRef idx="minor">
+            <a:schemeClr val="tx1"/>
+          </a:fontRef>
+        </p:style>
+      </p:cxnSp>
+    </p:spTree>
+    <p:extLst>
+      <p:ext uri="{BB962C8B-B14F-4D97-AF65-F5344CB8AC3E}">
+        <p14:creationId xmlns:p14="http://schemas.microsoft.com/office/powerpoint/2010/main" val="3729056253"/>
+      </p:ext>
+    </p:extLst>
+  </p:cSld>
+  <p:clrMapOvr>
+    <a:masterClrMapping/>
+  </p:clrMapOvr>
+</p:sld>
+</file>
+
+<file path=ppt/slides/slide6.xml><?xml version="1.0" encoding="utf-8"?>
+<p:sld xmlns:a="http://schemas.openxmlformats.org/drawingml/2006/main" xmlns:r="http://schemas.openxmlformats.org/officeDocument/2006/relationships" xmlns:p="http://schemas.openxmlformats.org/presentationml/2006/main">
+  <p:cSld>
+    <p:spTree>
+      <p:nvGrpSpPr>
+        <p:cNvPr id="1" name=""/>
+        <p:cNvGrpSpPr/>
+        <p:nvPr/>
+      </p:nvGrpSpPr>
+      <p:grpSpPr>
+        <a:xfrm>
+          <a:off x="0" y="0"/>
+          <a:ext cx="0" cy="0"/>
+          <a:chOff x="0" y="0"/>
+          <a:chExt cx="0" cy="0"/>
+        </a:xfrm>
+      </p:grpSpPr>
+      <p:sp>
+        <p:nvSpPr>
+          <p:cNvPr id="4" name="TextBox 3">
+            <a:extLst>
+              <a:ext uri="{FF2B5EF4-FFF2-40B4-BE49-F238E27FC236}">
+                <a16:creationId xmlns:a16="http://schemas.microsoft.com/office/drawing/2014/main" id="{44C6D75E-DBF7-514B-91F4-2FD5984A5D9E}"/>
+              </a:ext>
+            </a:extLst>
+          </p:cNvPr>
+          <p:cNvSpPr txBox="1"/>
+          <p:nvPr/>
+        </p:nvSpPr>
+        <p:spPr>
+          <a:xfrm>
+            <a:off x="3639787" y="1368967"/>
+            <a:ext cx="1538351" cy="261610"/>
+          </a:xfrm>
+          <a:prstGeom prst="rect">
+            <a:avLst/>
+          </a:prstGeom>
+          <a:noFill/>
+          <a:ln>
+            <a:solidFill>
+              <a:schemeClr val="tx1"/>
+            </a:solidFill>
+          </a:ln>
+          <a:effectLst/>
+        </p:spPr>
+        <p:txBody>
+          <a:bodyPr wrap="square" rtlCol="0" anchor="ctr" anchorCtr="0">
+            <a:spAutoFit/>
+          </a:bodyPr>
+          <a:lstStyle/>
+          <a:p>
+            <a:pPr algn="ctr"/>
+            <a:r>
+              <a:rPr lang="en-US" sz="1100" dirty="0">
+                <a:latin typeface="Times New Roman" panose="02020603050405020304" pitchFamily="18" charset="0"/>
+                <a:cs typeface="Times New Roman" panose="02020603050405020304" pitchFamily="18" charset="0"/>
+              </a:rPr>
+              <a:t>Application</a:t>
+            </a:r>
+          </a:p>
+        </p:txBody>
+      </p:sp>
+      <p:sp>
+        <p:nvSpPr>
+          <p:cNvPr id="14" name="Rectangle 13">
+            <a:extLst>
+              <a:ext uri="{FF2B5EF4-FFF2-40B4-BE49-F238E27FC236}">
+                <a16:creationId xmlns:a16="http://schemas.microsoft.com/office/drawing/2014/main" id="{48C98958-0A7F-5144-B880-2BB607CFA19B}"/>
+              </a:ext>
+            </a:extLst>
+          </p:cNvPr>
+          <p:cNvSpPr/>
+          <p:nvPr/>
+        </p:nvSpPr>
+        <p:spPr>
+          <a:xfrm>
+            <a:off x="4073236" y="2118162"/>
+            <a:ext cx="1104902" cy="265176"/>
+          </a:xfrm>
+          <a:prstGeom prst="rect">
+            <a:avLst/>
+          </a:prstGeom>
+          <a:noFill/>
+          <a:ln>
+            <a:solidFill>
+              <a:schemeClr val="tx1"/>
+            </a:solidFill>
+          </a:ln>
+          <a:effectLst/>
+        </p:spPr>
+        <p:style>
+          <a:lnRef idx="1">
+            <a:schemeClr val="accent1"/>
+          </a:lnRef>
+          <a:fillRef idx="3">
+            <a:schemeClr val="accent1"/>
+          </a:fillRef>
+          <a:effectRef idx="2">
+            <a:schemeClr val="accent1"/>
+          </a:effectRef>
+          <a:fontRef idx="minor">
+            <a:schemeClr val="lt1"/>
+          </a:fontRef>
+        </p:style>
+        <p:txBody>
+          <a:bodyPr rtlCol="0" anchor="ctr"/>
+          <a:lstStyle/>
+          <a:p>
+            <a:pPr algn="ctr"/>
+            <a:r>
+              <a:rPr lang="en-US" sz="1100" dirty="0">
+                <a:solidFill>
+                  <a:schemeClr val="tx1"/>
+                </a:solidFill>
+                <a:latin typeface="Times New Roman" panose="02020603050405020304" pitchFamily="18" charset="0"/>
+                <a:cs typeface="Times New Roman" panose="02020603050405020304" pitchFamily="18" charset="0"/>
+              </a:rPr>
+              <a:t>Allocator</a:t>
+            </a:r>
+          </a:p>
+        </p:txBody>
+      </p:sp>
+      <p:sp>
+        <p:nvSpPr>
+          <p:cNvPr id="29" name="Up-Down Arrow 28">
+            <a:extLst>
+              <a:ext uri="{FF2B5EF4-FFF2-40B4-BE49-F238E27FC236}">
+                <a16:creationId xmlns:a16="http://schemas.microsoft.com/office/drawing/2014/main" id="{647362CB-B95B-A148-9FAE-8C43EB32F5BD}"/>
+              </a:ext>
+            </a:extLst>
+          </p:cNvPr>
+          <p:cNvSpPr/>
+          <p:nvPr/>
+        </p:nvSpPr>
+        <p:spPr>
+          <a:xfrm>
+            <a:off x="4761202" y="1644444"/>
+            <a:ext cx="225096" cy="467081"/>
+          </a:xfrm>
+          <a:prstGeom prst="upDownArrow">
+            <a:avLst/>
+          </a:prstGeom>
+          <a:noFill/>
+          <a:ln>
+            <a:solidFill>
+              <a:schemeClr val="tx1"/>
+            </a:solidFill>
+          </a:ln>
+          <a:effectLst/>
+        </p:spPr>
+        <p:style>
+          <a:lnRef idx="1">
+            <a:schemeClr val="accent1"/>
+          </a:lnRef>
+          <a:fillRef idx="3">
+            <a:schemeClr val="accent1"/>
+          </a:fillRef>
+          <a:effectRef idx="2">
+            <a:schemeClr val="accent1"/>
+          </a:effectRef>
+          <a:fontRef idx="minor">
+            <a:schemeClr val="lt1"/>
+          </a:fontRef>
+        </p:style>
+        <p:txBody>
+          <a:bodyPr rtlCol="0" anchor="ctr"/>
+          <a:lstStyle/>
+          <a:p>
+            <a:pPr algn="ctr"/>
+            <a:endParaRPr lang="en-US" sz="1100">
+              <a:latin typeface="Times New Roman" panose="02020603050405020304" pitchFamily="18" charset="0"/>
+              <a:cs typeface="Times New Roman" panose="02020603050405020304" pitchFamily="18" charset="0"/>
+            </a:endParaRPr>
+          </a:p>
+        </p:txBody>
+      </p:sp>
+      <p:sp>
+        <p:nvSpPr>
+          <p:cNvPr id="31" name="TextBox 30">
+            <a:extLst>
+              <a:ext uri="{FF2B5EF4-FFF2-40B4-BE49-F238E27FC236}">
+                <a16:creationId xmlns:a16="http://schemas.microsoft.com/office/drawing/2014/main" id="{95BA8FBC-2770-9A40-9D44-D23B02E2EAC8}"/>
+              </a:ext>
+            </a:extLst>
+          </p:cNvPr>
+          <p:cNvSpPr txBox="1"/>
+          <p:nvPr/>
+        </p:nvSpPr>
+        <p:spPr>
+          <a:xfrm>
+            <a:off x="3841524" y="1726110"/>
+            <a:ext cx="580388" cy="246221"/>
+          </a:xfrm>
+          <a:prstGeom prst="rect">
+            <a:avLst/>
+          </a:prstGeom>
+          <a:noFill/>
+          <a:ln>
+            <a:noFill/>
+          </a:ln>
+          <a:effectLst/>
+        </p:spPr>
+        <p:txBody>
+          <a:bodyPr wrap="square" rtlCol="0" anchor="ctr" anchorCtr="0">
+            <a:spAutoFit/>
+          </a:bodyPr>
+          <a:lstStyle/>
+          <a:p>
+            <a:pPr algn="ctr"/>
+            <a:r>
+              <a:rPr lang="en-US" sz="1000" dirty="0" err="1">
+                <a:latin typeface="Times New Roman" panose="02020603050405020304" pitchFamily="18" charset="0"/>
+                <a:cs typeface="Times New Roman" panose="02020603050405020304" pitchFamily="18" charset="0"/>
+              </a:rPr>
+              <a:t>Allocs</a:t>
+            </a:r>
+            <a:endParaRPr lang="en-US" sz="1000" dirty="0">
+              <a:latin typeface="Times New Roman" panose="02020603050405020304" pitchFamily="18" charset="0"/>
+              <a:cs typeface="Times New Roman" panose="02020603050405020304" pitchFamily="18" charset="0"/>
+            </a:endParaRPr>
+          </a:p>
+        </p:txBody>
+      </p:sp>
+      <p:sp>
+        <p:nvSpPr>
+          <p:cNvPr id="33" name="TextBox 32">
+            <a:extLst>
+              <a:ext uri="{FF2B5EF4-FFF2-40B4-BE49-F238E27FC236}">
+                <a16:creationId xmlns:a16="http://schemas.microsoft.com/office/drawing/2014/main" id="{335FCED0-8603-D240-A217-264AC4080EA3}"/>
+              </a:ext>
+            </a:extLst>
+          </p:cNvPr>
+          <p:cNvSpPr txBox="1"/>
+          <p:nvPr/>
+        </p:nvSpPr>
+        <p:spPr>
+          <a:xfrm>
+            <a:off x="4804900" y="1726110"/>
+            <a:ext cx="580388" cy="246221"/>
+          </a:xfrm>
+          <a:prstGeom prst="rect">
+            <a:avLst/>
+          </a:prstGeom>
+          <a:noFill/>
+          <a:ln>
+            <a:noFill/>
+          </a:ln>
+          <a:effectLst/>
+        </p:spPr>
+        <p:txBody>
+          <a:bodyPr wrap="square" rtlCol="0" anchor="ctr" anchorCtr="0">
+            <a:spAutoFit/>
+          </a:bodyPr>
+          <a:lstStyle/>
+          <a:p>
+            <a:pPr algn="ctr"/>
+            <a:r>
+              <a:rPr lang="en-US" sz="1000" dirty="0">
+                <a:latin typeface="Times New Roman" panose="02020603050405020304" pitchFamily="18" charset="0"/>
+                <a:cs typeface="Times New Roman" panose="02020603050405020304" pitchFamily="18" charset="0"/>
+              </a:rPr>
+              <a:t>Frees</a:t>
+            </a:r>
+          </a:p>
+        </p:txBody>
+      </p:sp>
+      <p:sp>
+        <p:nvSpPr>
+          <p:cNvPr id="35" name="Up-Down Arrow 34">
+            <a:extLst>
+              <a:ext uri="{FF2B5EF4-FFF2-40B4-BE49-F238E27FC236}">
+                <a16:creationId xmlns:a16="http://schemas.microsoft.com/office/drawing/2014/main" id="{90B4D13E-D699-4740-AB36-B27751D82C28}"/>
+              </a:ext>
+            </a:extLst>
+          </p:cNvPr>
+          <p:cNvSpPr/>
+          <p:nvPr/>
+        </p:nvSpPr>
+        <p:spPr>
+          <a:xfrm>
+            <a:off x="4262223" y="1644445"/>
+            <a:ext cx="225096" cy="467082"/>
+          </a:xfrm>
+          <a:prstGeom prst="upDownArrow">
+            <a:avLst/>
+          </a:prstGeom>
+          <a:noFill/>
+          <a:ln>
+            <a:solidFill>
+              <a:schemeClr val="tx1"/>
+            </a:solidFill>
+          </a:ln>
+          <a:effectLst/>
+        </p:spPr>
+        <p:style>
+          <a:lnRef idx="1">
+            <a:schemeClr val="accent1"/>
+          </a:lnRef>
+          <a:fillRef idx="3">
+            <a:schemeClr val="accent1"/>
+          </a:fillRef>
+          <a:effectRef idx="2">
+            <a:schemeClr val="accent1"/>
+          </a:effectRef>
+          <a:fontRef idx="minor">
+            <a:schemeClr val="lt1"/>
+          </a:fontRef>
+        </p:style>
+        <p:txBody>
+          <a:bodyPr rtlCol="0" anchor="ctr"/>
+          <a:lstStyle/>
+          <a:p>
+            <a:pPr algn="ctr"/>
+            <a:endParaRPr lang="en-US" sz="1100">
+              <a:latin typeface="Times New Roman" panose="02020603050405020304" pitchFamily="18" charset="0"/>
+              <a:cs typeface="Times New Roman" panose="02020603050405020304" pitchFamily="18" charset="0"/>
+            </a:endParaRPr>
+          </a:p>
+        </p:txBody>
+      </p:sp>
+      <p:sp>
+        <p:nvSpPr>
+          <p:cNvPr id="36" name="Rectangle 35">
+            <a:extLst>
+              <a:ext uri="{FF2B5EF4-FFF2-40B4-BE49-F238E27FC236}">
+                <a16:creationId xmlns:a16="http://schemas.microsoft.com/office/drawing/2014/main" id="{0DFC8C16-BDBD-6F4F-B756-353D64D42A59}"/>
+              </a:ext>
+            </a:extLst>
+          </p:cNvPr>
+          <p:cNvSpPr/>
+          <p:nvPr/>
+        </p:nvSpPr>
+        <p:spPr>
+          <a:xfrm>
+            <a:off x="4443542" y="2867970"/>
+            <a:ext cx="734595" cy="265176"/>
+          </a:xfrm>
+          <a:prstGeom prst="rect">
+            <a:avLst/>
+          </a:prstGeom>
+          <a:noFill/>
+          <a:ln>
+            <a:solidFill>
+              <a:schemeClr val="tx1"/>
+            </a:solidFill>
+          </a:ln>
+          <a:effectLst/>
+        </p:spPr>
+        <p:style>
+          <a:lnRef idx="1">
+            <a:schemeClr val="accent1"/>
+          </a:lnRef>
+          <a:fillRef idx="3">
+            <a:schemeClr val="accent1"/>
+          </a:fillRef>
+          <a:effectRef idx="2">
+            <a:schemeClr val="accent1"/>
+          </a:effectRef>
+          <a:fontRef idx="minor">
+            <a:schemeClr val="lt1"/>
+          </a:fontRef>
+        </p:style>
+        <p:txBody>
+          <a:bodyPr rtlCol="0" anchor="ctr"/>
+          <a:lstStyle/>
+          <a:p>
+            <a:pPr algn="ctr"/>
+            <a:r>
+              <a:rPr lang="en-US" sz="1100" dirty="0">
+                <a:solidFill>
+                  <a:schemeClr val="tx1"/>
+                </a:solidFill>
+                <a:latin typeface="Times New Roman" panose="02020603050405020304" pitchFamily="18" charset="0"/>
+                <a:cs typeface="Times New Roman" panose="02020603050405020304" pitchFamily="18" charset="0"/>
+              </a:rPr>
+              <a:t>OS</a:t>
+            </a:r>
+          </a:p>
+        </p:txBody>
+      </p:sp>
+      <p:sp>
+        <p:nvSpPr>
+          <p:cNvPr id="37" name="TextBox 36">
+            <a:extLst>
+              <a:ext uri="{FF2B5EF4-FFF2-40B4-BE49-F238E27FC236}">
+                <a16:creationId xmlns:a16="http://schemas.microsoft.com/office/drawing/2014/main" id="{71A90939-93B2-4D43-8654-C410500A61D4}"/>
+              </a:ext>
+            </a:extLst>
+          </p:cNvPr>
+          <p:cNvSpPr txBox="1"/>
+          <p:nvPr/>
+        </p:nvSpPr>
+        <p:spPr>
+          <a:xfrm>
+            <a:off x="4274227" y="2510439"/>
+            <a:ext cx="658748" cy="400110"/>
+          </a:xfrm>
+          <a:prstGeom prst="rect">
+            <a:avLst/>
+          </a:prstGeom>
+          <a:noFill/>
+          <a:ln>
+            <a:noFill/>
+          </a:ln>
+          <a:effectLst/>
+        </p:spPr>
+        <p:txBody>
+          <a:bodyPr wrap="square" rtlCol="0" anchor="ctr" anchorCtr="0">
+            <a:spAutoFit/>
+          </a:bodyPr>
+          <a:lstStyle/>
+          <a:p>
+            <a:pPr algn="ctr"/>
+            <a:r>
+              <a:rPr lang="en-US" sz="1000" dirty="0">
+                <a:latin typeface="Times New Roman" panose="02020603050405020304" pitchFamily="18" charset="0"/>
+                <a:cs typeface="Times New Roman" panose="02020603050405020304" pitchFamily="18" charset="0"/>
+              </a:rPr>
+              <a:t>Memory </a:t>
+            </a:r>
+          </a:p>
+          <a:p>
+            <a:pPr algn="ctr"/>
+            <a:r>
+              <a:rPr lang="en-US" sz="1000" dirty="0" err="1">
+                <a:latin typeface="Times New Roman" panose="02020603050405020304" pitchFamily="18" charset="0"/>
+                <a:cs typeface="Times New Roman" panose="02020603050405020304" pitchFamily="18" charset="0"/>
+              </a:rPr>
+              <a:t>Syscalls</a:t>
+            </a:r>
+            <a:endParaRPr lang="en-US" sz="1000" dirty="0">
+              <a:latin typeface="Times New Roman" panose="02020603050405020304" pitchFamily="18" charset="0"/>
+              <a:cs typeface="Times New Roman" panose="02020603050405020304" pitchFamily="18" charset="0"/>
+            </a:endParaRPr>
+          </a:p>
+        </p:txBody>
+      </p:sp>
+      <p:sp>
+        <p:nvSpPr>
+          <p:cNvPr id="40" name="Up-Down Arrow 39">
+            <a:extLst>
+              <a:ext uri="{FF2B5EF4-FFF2-40B4-BE49-F238E27FC236}">
+                <a16:creationId xmlns:a16="http://schemas.microsoft.com/office/drawing/2014/main" id="{553C3CEA-4483-6B45-BF2F-364D43EC162B}"/>
+              </a:ext>
+            </a:extLst>
+          </p:cNvPr>
+          <p:cNvSpPr/>
+          <p:nvPr/>
+        </p:nvSpPr>
+        <p:spPr>
+          <a:xfrm>
+            <a:off x="4796675" y="2378617"/>
+            <a:ext cx="225096" cy="475475"/>
+          </a:xfrm>
+          <a:prstGeom prst="upDownArrow">
+            <a:avLst/>
+          </a:prstGeom>
+          <a:noFill/>
+          <a:ln>
+            <a:solidFill>
+              <a:schemeClr val="tx1"/>
+            </a:solidFill>
+          </a:ln>
+          <a:effectLst/>
+        </p:spPr>
+        <p:style>
+          <a:lnRef idx="1">
+            <a:schemeClr val="accent1"/>
+          </a:lnRef>
+          <a:fillRef idx="3">
+            <a:schemeClr val="accent1"/>
+          </a:fillRef>
+          <a:effectRef idx="2">
+            <a:schemeClr val="accent1"/>
+          </a:effectRef>
+          <a:fontRef idx="minor">
+            <a:schemeClr val="lt1"/>
+          </a:fontRef>
+        </p:style>
+        <p:txBody>
+          <a:bodyPr rtlCol="0" anchor="ctr"/>
+          <a:lstStyle/>
+          <a:p>
+            <a:pPr algn="ctr"/>
+            <a:endParaRPr lang="en-US" sz="1100">
+              <a:latin typeface="Times New Roman" panose="02020603050405020304" pitchFamily="18" charset="0"/>
+              <a:cs typeface="Times New Roman" panose="02020603050405020304" pitchFamily="18" charset="0"/>
+            </a:endParaRPr>
+          </a:p>
+        </p:txBody>
+      </p:sp>
+      <p:sp>
+        <p:nvSpPr>
+          <p:cNvPr id="41" name="Rectangle 40">
+            <a:extLst>
+              <a:ext uri="{FF2B5EF4-FFF2-40B4-BE49-F238E27FC236}">
+                <a16:creationId xmlns:a16="http://schemas.microsoft.com/office/drawing/2014/main" id="{B114E6CA-5E1D-6242-87F8-D48886002356}"/>
+              </a:ext>
+            </a:extLst>
+          </p:cNvPr>
+          <p:cNvSpPr/>
+          <p:nvPr/>
+        </p:nvSpPr>
+        <p:spPr>
+          <a:xfrm>
+            <a:off x="5637290" y="2124797"/>
+            <a:ext cx="948884" cy="265176"/>
+          </a:xfrm>
+          <a:prstGeom prst="rect">
+            <a:avLst/>
+          </a:prstGeom>
+          <a:noFill/>
+          <a:ln>
+            <a:solidFill>
+              <a:schemeClr val="tx1"/>
+            </a:solidFill>
+          </a:ln>
+          <a:effectLst/>
+        </p:spPr>
+        <p:style>
+          <a:lnRef idx="1">
+            <a:schemeClr val="accent1"/>
+          </a:lnRef>
+          <a:fillRef idx="3">
+            <a:schemeClr val="accent1"/>
+          </a:fillRef>
+          <a:effectRef idx="2">
+            <a:schemeClr val="accent1"/>
+          </a:effectRef>
+          <a:fontRef idx="minor">
+            <a:schemeClr val="lt1"/>
+          </a:fontRef>
+        </p:style>
+        <p:txBody>
+          <a:bodyPr rtlCol="0" anchor="ctr"/>
+          <a:lstStyle/>
+          <a:p>
+            <a:pPr algn="ctr"/>
+            <a:r>
+              <a:rPr lang="en-US" sz="1100" dirty="0" err="1">
+                <a:solidFill>
+                  <a:schemeClr val="tx1"/>
+                </a:solidFill>
+                <a:latin typeface="Times New Roman" panose="02020603050405020304" pitchFamily="18" charset="0"/>
+                <a:cs typeface="Times New Roman" panose="02020603050405020304" pitchFamily="18" charset="0"/>
+              </a:rPr>
+              <a:t>Pthreads</a:t>
+            </a:r>
+            <a:r>
+              <a:rPr lang="en-US" sz="1100" dirty="0">
+                <a:solidFill>
+                  <a:schemeClr val="tx1"/>
+                </a:solidFill>
+                <a:latin typeface="Times New Roman" panose="02020603050405020304" pitchFamily="18" charset="0"/>
+                <a:cs typeface="Times New Roman" panose="02020603050405020304" pitchFamily="18" charset="0"/>
+              </a:rPr>
+              <a:t> Lib</a:t>
+            </a:r>
+          </a:p>
+        </p:txBody>
+      </p:sp>
+      <p:sp>
+        <p:nvSpPr>
+          <p:cNvPr id="42" name="Up-Down Arrow 41">
+            <a:extLst>
+              <a:ext uri="{FF2B5EF4-FFF2-40B4-BE49-F238E27FC236}">
+                <a16:creationId xmlns:a16="http://schemas.microsoft.com/office/drawing/2014/main" id="{B5A74ED9-A39D-7E49-B328-22B2FC63E46E}"/>
+              </a:ext>
+            </a:extLst>
+          </p:cNvPr>
+          <p:cNvSpPr/>
+          <p:nvPr/>
+        </p:nvSpPr>
+        <p:spPr>
+          <a:xfrm rot="5400000">
+            <a:off x="5293617" y="2037523"/>
+            <a:ext cx="225096" cy="439724"/>
+          </a:xfrm>
+          <a:prstGeom prst="upDownArrow">
+            <a:avLst/>
+          </a:prstGeom>
+          <a:noFill/>
+          <a:ln>
+            <a:solidFill>
+              <a:schemeClr val="tx1"/>
+            </a:solidFill>
+          </a:ln>
+          <a:effectLst/>
+        </p:spPr>
+        <p:style>
+          <a:lnRef idx="1">
+            <a:schemeClr val="accent1"/>
+          </a:lnRef>
+          <a:fillRef idx="3">
+            <a:schemeClr val="accent1"/>
+          </a:fillRef>
+          <a:effectRef idx="2">
+            <a:schemeClr val="accent1"/>
+          </a:effectRef>
+          <a:fontRef idx="minor">
+            <a:schemeClr val="lt1"/>
+          </a:fontRef>
+        </p:style>
+        <p:txBody>
+          <a:bodyPr rtlCol="0" anchor="ctr"/>
+          <a:lstStyle/>
+          <a:p>
+            <a:pPr algn="ctr"/>
+            <a:endParaRPr lang="en-US" sz="1100">
+              <a:latin typeface="Times New Roman" panose="02020603050405020304" pitchFamily="18" charset="0"/>
+              <a:cs typeface="Times New Roman" panose="02020603050405020304" pitchFamily="18" charset="0"/>
+            </a:endParaRPr>
+          </a:p>
+        </p:txBody>
+      </p:sp>
+      <p:sp>
+        <p:nvSpPr>
+          <p:cNvPr id="43" name="TextBox 42">
+            <a:extLst>
+              <a:ext uri="{FF2B5EF4-FFF2-40B4-BE49-F238E27FC236}">
+                <a16:creationId xmlns:a16="http://schemas.microsoft.com/office/drawing/2014/main" id="{D6775463-B727-A344-A609-DE26B877AEC9}"/>
+              </a:ext>
+            </a:extLst>
+          </p:cNvPr>
+          <p:cNvSpPr txBox="1"/>
+          <p:nvPr/>
+        </p:nvSpPr>
+        <p:spPr>
+          <a:xfrm>
+            <a:off x="5142888" y="2316072"/>
+            <a:ext cx="580388" cy="246221"/>
+          </a:xfrm>
+          <a:prstGeom prst="rect">
+            <a:avLst/>
+          </a:prstGeom>
+          <a:noFill/>
+          <a:ln>
+            <a:noFill/>
+          </a:ln>
+          <a:effectLst/>
+        </p:spPr>
+        <p:txBody>
+          <a:bodyPr wrap="square" rtlCol="0" anchor="ctr" anchorCtr="0">
+            <a:spAutoFit/>
+          </a:bodyPr>
+          <a:lstStyle/>
+          <a:p>
+            <a:pPr algn="ctr"/>
+            <a:r>
+              <a:rPr lang="en-US" sz="1000" dirty="0">
+                <a:latin typeface="Times New Roman" panose="02020603050405020304" pitchFamily="18" charset="0"/>
+                <a:cs typeface="Times New Roman" panose="02020603050405020304" pitchFamily="18" charset="0"/>
+              </a:rPr>
+              <a:t>Syncs</a:t>
+            </a:r>
+          </a:p>
+        </p:txBody>
+      </p:sp>
+      <p:sp>
+        <p:nvSpPr>
+          <p:cNvPr id="2" name="Oval 1">
+            <a:extLst>
+              <a:ext uri="{FF2B5EF4-FFF2-40B4-BE49-F238E27FC236}">
+                <a16:creationId xmlns:a16="http://schemas.microsoft.com/office/drawing/2014/main" id="{779F51BA-883B-0F49-A0AC-0BCB869EAC4E}"/>
+              </a:ext>
+            </a:extLst>
+          </p:cNvPr>
+          <p:cNvSpPr/>
+          <p:nvPr/>
+        </p:nvSpPr>
+        <p:spPr>
+          <a:xfrm>
+            <a:off x="3634461" y="1935678"/>
+            <a:ext cx="1783783" cy="613684"/>
+          </a:xfrm>
+          <a:prstGeom prst="ellipse">
+            <a:avLst/>
+          </a:prstGeom>
+          <a:noFill/>
+          <a:ln w="19050">
+            <a:solidFill>
+              <a:schemeClr val="tx1"/>
+            </a:solidFill>
+            <a:prstDash val="dash"/>
+          </a:ln>
+          <a:effectLst/>
+        </p:spPr>
+        <p:style>
+          <a:lnRef idx="1">
+            <a:schemeClr val="accent1"/>
+          </a:lnRef>
+          <a:fillRef idx="3">
+            <a:schemeClr val="accent1"/>
+          </a:fillRef>
+          <a:effectRef idx="2">
+            <a:schemeClr val="accent1"/>
+          </a:effectRef>
+          <a:fontRef idx="minor">
+            <a:schemeClr val="lt1"/>
+          </a:fontRef>
+        </p:style>
+        <p:txBody>
+          <a:bodyPr rtlCol="0" anchor="ctr"/>
+          <a:lstStyle/>
+          <a:p>
+            <a:pPr algn="ctr"/>
+            <a:endParaRPr lang="en-US"/>
+          </a:p>
+        </p:txBody>
+      </p:sp>
+      <p:grpSp>
+        <p:nvGrpSpPr>
+          <p:cNvPr id="11" name="Group 10">
+            <a:extLst>
+              <a:ext uri="{FF2B5EF4-FFF2-40B4-BE49-F238E27FC236}">
+                <a16:creationId xmlns:a16="http://schemas.microsoft.com/office/drawing/2014/main" id="{39A435D8-E0A3-D643-92A4-9A0BD42FA443}"/>
+              </a:ext>
+            </a:extLst>
+          </p:cNvPr>
+          <p:cNvGrpSpPr/>
+          <p:nvPr/>
+        </p:nvGrpSpPr>
+        <p:grpSpPr>
+          <a:xfrm>
+            <a:off x="3022887" y="1882067"/>
+            <a:ext cx="958844" cy="710572"/>
+            <a:chOff x="2963507" y="1917695"/>
+            <a:chExt cx="958844" cy="710572"/>
+          </a:xfrm>
+          <a:effectLst/>
+        </p:grpSpPr>
+        <p:sp>
+          <p:nvSpPr>
+            <p:cNvPr id="45" name="TextBox 44">
+              <a:extLst>
+                <a:ext uri="{FF2B5EF4-FFF2-40B4-BE49-F238E27FC236}">
+                  <a16:creationId xmlns:a16="http://schemas.microsoft.com/office/drawing/2014/main" id="{8802DE8D-51F4-2449-923C-833A1F1546F7}"/>
+                </a:ext>
+              </a:extLst>
+            </p:cNvPr>
+            <p:cNvSpPr txBox="1"/>
+            <p:nvPr/>
+          </p:nvSpPr>
+          <p:spPr>
+            <a:xfrm>
+              <a:off x="3087586" y="1917695"/>
+              <a:ext cx="703478" cy="261610"/>
+            </a:xfrm>
+            <a:prstGeom prst="rect">
+              <a:avLst/>
+            </a:prstGeom>
+            <a:noFill/>
+            <a:ln>
+              <a:noFill/>
+            </a:ln>
+          </p:spPr>
+          <p:txBody>
+            <a:bodyPr wrap="square" rtlCol="0" anchor="ctr" anchorCtr="0">
+              <a:spAutoFit/>
+            </a:bodyPr>
+            <a:lstStyle/>
+            <a:p>
+              <a:pPr algn="ctr"/>
+              <a:r>
+                <a:rPr lang="en-US" sz="1100" dirty="0">
+                  <a:latin typeface="Times New Roman" panose="02020603050405020304" pitchFamily="18" charset="0"/>
+                  <a:cs typeface="Times New Roman" panose="02020603050405020304" pitchFamily="18" charset="0"/>
+                </a:rPr>
+                <a:t>Intercept</a:t>
+              </a:r>
+            </a:p>
+          </p:txBody>
+        </p:sp>
+        <p:sp>
+          <p:nvSpPr>
+            <p:cNvPr id="46" name="TextBox 45">
+              <a:extLst>
+                <a:ext uri="{FF2B5EF4-FFF2-40B4-BE49-F238E27FC236}">
+                  <a16:creationId xmlns:a16="http://schemas.microsoft.com/office/drawing/2014/main" id="{96B94D0A-5F4C-2740-B0C1-28DED080F37F}"/>
+                </a:ext>
+              </a:extLst>
+            </p:cNvPr>
+            <p:cNvSpPr txBox="1"/>
+            <p:nvPr/>
+          </p:nvSpPr>
+          <p:spPr>
+            <a:xfrm>
+              <a:off x="2995019" y="2083090"/>
+              <a:ext cx="887462" cy="400110"/>
+            </a:xfrm>
+            <a:prstGeom prst="rect">
+              <a:avLst/>
+            </a:prstGeom>
+            <a:noFill/>
+            <a:ln>
+              <a:noFill/>
+            </a:ln>
+          </p:spPr>
+          <p:txBody>
+            <a:bodyPr wrap="square" rtlCol="0" anchor="ctr" anchorCtr="0">
+              <a:spAutoFit/>
+            </a:bodyPr>
+            <a:lstStyle/>
+            <a:p>
+              <a:pPr algn="ctr"/>
+              <a:r>
+                <a:rPr lang="en-US" sz="2000" dirty="0">
+                  <a:latin typeface="Times New Roman" panose="02020603050405020304" pitchFamily="18" charset="0"/>
+                  <a:cs typeface="Times New Roman" panose="02020603050405020304" pitchFamily="18" charset="0"/>
+                </a:rPr>
+                <a:t>+</a:t>
+              </a:r>
+            </a:p>
+          </p:txBody>
+        </p:sp>
+        <p:sp>
+          <p:nvSpPr>
+            <p:cNvPr id="48" name="TextBox 47">
+              <a:extLst>
+                <a:ext uri="{FF2B5EF4-FFF2-40B4-BE49-F238E27FC236}">
+                  <a16:creationId xmlns:a16="http://schemas.microsoft.com/office/drawing/2014/main" id="{7BC1F02F-D303-C442-8BF7-0803A1F31A46}"/>
+                </a:ext>
+              </a:extLst>
+            </p:cNvPr>
+            <p:cNvSpPr txBox="1"/>
+            <p:nvPr/>
+          </p:nvSpPr>
+          <p:spPr>
+            <a:xfrm>
+              <a:off x="2963507" y="2366657"/>
+              <a:ext cx="958844" cy="261610"/>
+            </a:xfrm>
+            <a:prstGeom prst="rect">
+              <a:avLst/>
+            </a:prstGeom>
+            <a:noFill/>
+            <a:ln>
+              <a:noFill/>
+            </a:ln>
+          </p:spPr>
+          <p:txBody>
+            <a:bodyPr wrap="square" rtlCol="0" anchor="ctr" anchorCtr="0">
+              <a:spAutoFit/>
+            </a:bodyPr>
+            <a:lstStyle/>
+            <a:p>
+              <a:pPr algn="ctr"/>
+              <a:r>
+                <a:rPr lang="en-US" sz="1100" dirty="0">
+                  <a:latin typeface="Times New Roman" panose="02020603050405020304" pitchFamily="18" charset="0"/>
+                  <a:cs typeface="Times New Roman" panose="02020603050405020304" pitchFamily="18" charset="0"/>
+                </a:rPr>
+                <a:t>PMU</a:t>
+              </a:r>
+            </a:p>
+          </p:txBody>
+        </p:sp>
+      </p:grpSp>
+      <p:sp>
+        <p:nvSpPr>
+          <p:cNvPr id="20" name="Rectangle 19">
+            <a:extLst>
+              <a:ext uri="{FF2B5EF4-FFF2-40B4-BE49-F238E27FC236}">
+                <a16:creationId xmlns:a16="http://schemas.microsoft.com/office/drawing/2014/main" id="{740F88B5-7AD4-FD4E-A5F0-B613A0616D36}"/>
+              </a:ext>
+            </a:extLst>
+          </p:cNvPr>
+          <p:cNvSpPr/>
+          <p:nvPr/>
+        </p:nvSpPr>
+        <p:spPr>
+          <a:xfrm>
+            <a:off x="3619239" y="3527494"/>
+            <a:ext cx="2951710" cy="265176"/>
+          </a:xfrm>
+          <a:prstGeom prst="rect">
+            <a:avLst/>
+          </a:prstGeom>
+          <a:noFill/>
+          <a:ln>
+            <a:solidFill>
+              <a:schemeClr val="tx1"/>
+            </a:solidFill>
+          </a:ln>
+          <a:effectLst/>
+        </p:spPr>
+        <p:style>
+          <a:lnRef idx="1">
+            <a:schemeClr val="accent1"/>
+          </a:lnRef>
+          <a:fillRef idx="3">
+            <a:schemeClr val="accent1"/>
+          </a:fillRef>
+          <a:effectRef idx="2">
+            <a:schemeClr val="accent1"/>
+          </a:effectRef>
+          <a:fontRef idx="minor">
+            <a:schemeClr val="lt1"/>
+          </a:fontRef>
+        </p:style>
+        <p:txBody>
+          <a:bodyPr rtlCol="0" anchor="ctr"/>
+          <a:lstStyle/>
+          <a:p>
+            <a:pPr algn="ctr"/>
+            <a:r>
+              <a:rPr lang="en-US" sz="1100" dirty="0">
+                <a:solidFill>
+                  <a:schemeClr val="tx1"/>
+                </a:solidFill>
+                <a:latin typeface="Times New Roman" panose="02020603050405020304" pitchFamily="18" charset="0"/>
+                <a:cs typeface="Times New Roman" panose="02020603050405020304" pitchFamily="18" charset="0"/>
+              </a:rPr>
+              <a:t>Memory Hardware</a:t>
+            </a:r>
+          </a:p>
+        </p:txBody>
+      </p:sp>
+      <p:cxnSp>
+        <p:nvCxnSpPr>
+          <p:cNvPr id="5" name="Straight Arrow Connector 4">
+            <a:extLst>
+              <a:ext uri="{FF2B5EF4-FFF2-40B4-BE49-F238E27FC236}">
+                <a16:creationId xmlns:a16="http://schemas.microsoft.com/office/drawing/2014/main" id="{A96588E2-32B7-CB45-B23C-9A8AD3BE8B8C}"/>
+              </a:ext>
+            </a:extLst>
+          </p:cNvPr>
+          <p:cNvCxnSpPr>
+            <a:cxnSpLocks/>
+            <a:stCxn id="36" idx="2"/>
+          </p:cNvCxnSpPr>
+          <p:nvPr/>
+        </p:nvCxnSpPr>
+        <p:spPr>
+          <a:xfrm>
+            <a:off x="4810840" y="3133146"/>
+            <a:ext cx="0" cy="293730"/>
+          </a:xfrm>
+          <a:prstGeom prst="straightConnector1">
+            <a:avLst/>
+          </a:prstGeom>
+          <a:ln w="12700">
+            <a:solidFill>
+              <a:schemeClr val="tx1"/>
+            </a:solidFill>
+            <a:headEnd type="none"/>
+            <a:tailEnd type="stealth"/>
+          </a:ln>
+          <a:effectLst/>
+        </p:spPr>
+        <p:style>
+          <a:lnRef idx="2">
+            <a:schemeClr val="accent1"/>
+          </a:lnRef>
+          <a:fillRef idx="0">
+            <a:schemeClr val="accent1"/>
+          </a:fillRef>
+          <a:effectRef idx="1">
+            <a:schemeClr val="accent1"/>
+          </a:effectRef>
+          <a:fontRef idx="minor">
+            <a:schemeClr val="tx1"/>
+          </a:fontRef>
+        </p:style>
+      </p:cxnSp>
+      <p:cxnSp>
+        <p:nvCxnSpPr>
+          <p:cNvPr id="24" name="Straight Arrow Connector 23">
+            <a:extLst>
+              <a:ext uri="{FF2B5EF4-FFF2-40B4-BE49-F238E27FC236}">
+                <a16:creationId xmlns:a16="http://schemas.microsoft.com/office/drawing/2014/main" id="{BEB95B43-8157-1543-8FCC-07EE7601769B}"/>
+              </a:ext>
+            </a:extLst>
+          </p:cNvPr>
+          <p:cNvCxnSpPr>
+            <a:cxnSpLocks/>
+            <a:stCxn id="41" idx="2"/>
+          </p:cNvCxnSpPr>
+          <p:nvPr/>
+        </p:nvCxnSpPr>
+        <p:spPr>
+          <a:xfrm>
+            <a:off x="6111732" y="2389973"/>
+            <a:ext cx="7815" cy="890038"/>
+          </a:xfrm>
+          <a:prstGeom prst="straightConnector1">
+            <a:avLst/>
+          </a:prstGeom>
+          <a:ln w="12700">
+            <a:solidFill>
+              <a:schemeClr val="tx1"/>
+            </a:solidFill>
+            <a:headEnd type="none"/>
+            <a:tailEnd type="stealth"/>
+          </a:ln>
+          <a:effectLst/>
+        </p:spPr>
+        <p:style>
+          <a:lnRef idx="2">
+            <a:schemeClr val="accent1"/>
+          </a:lnRef>
+          <a:fillRef idx="0">
+            <a:schemeClr val="accent1"/>
+          </a:fillRef>
+          <a:effectRef idx="1">
+            <a:schemeClr val="accent1"/>
+          </a:effectRef>
+          <a:fontRef idx="minor">
+            <a:schemeClr val="tx1"/>
+          </a:fontRef>
+        </p:style>
+      </p:cxnSp>
+      <p:cxnSp>
+        <p:nvCxnSpPr>
+          <p:cNvPr id="28" name="Straight Arrow Connector 27">
+            <a:extLst>
+              <a:ext uri="{FF2B5EF4-FFF2-40B4-BE49-F238E27FC236}">
+                <a16:creationId xmlns:a16="http://schemas.microsoft.com/office/drawing/2014/main" id="{F835AA17-BDCC-C542-9A2B-9BC85D7160BA}"/>
+              </a:ext>
+            </a:extLst>
+          </p:cNvPr>
+          <p:cNvCxnSpPr>
+            <a:cxnSpLocks/>
+          </p:cNvCxnSpPr>
+          <p:nvPr/>
+        </p:nvCxnSpPr>
+        <p:spPr>
+          <a:xfrm>
+            <a:off x="4260084" y="2369933"/>
+            <a:ext cx="14143" cy="910078"/>
+          </a:xfrm>
+          <a:prstGeom prst="straightConnector1">
+            <a:avLst/>
+          </a:prstGeom>
+          <a:ln w="12700">
+            <a:solidFill>
+              <a:schemeClr val="tx1"/>
+            </a:solidFill>
+            <a:headEnd type="none"/>
+            <a:tailEnd type="stealth"/>
+          </a:ln>
+          <a:effectLst/>
+        </p:spPr>
+        <p:style>
+          <a:lnRef idx="2">
+            <a:schemeClr val="accent1"/>
+          </a:lnRef>
+          <a:fillRef idx="0">
+            <a:schemeClr val="accent1"/>
+          </a:fillRef>
+          <a:effectRef idx="1">
+            <a:schemeClr val="accent1"/>
+          </a:effectRef>
+          <a:fontRef idx="minor">
+            <a:schemeClr val="tx1"/>
+          </a:fontRef>
+        </p:style>
+      </p:cxnSp>
+      <p:cxnSp>
+        <p:nvCxnSpPr>
+          <p:cNvPr id="30" name="Straight Arrow Connector 29">
+            <a:extLst>
+              <a:ext uri="{FF2B5EF4-FFF2-40B4-BE49-F238E27FC236}">
+                <a16:creationId xmlns:a16="http://schemas.microsoft.com/office/drawing/2014/main" id="{01AB20C4-20BF-AD46-82B1-0BE4D534585E}"/>
+              </a:ext>
+            </a:extLst>
+          </p:cNvPr>
+          <p:cNvCxnSpPr>
+            <a:cxnSpLocks/>
+          </p:cNvCxnSpPr>
+          <p:nvPr/>
+        </p:nvCxnSpPr>
+        <p:spPr>
+          <a:xfrm>
+            <a:off x="3767317" y="1641322"/>
+            <a:ext cx="0" cy="1491824"/>
+          </a:xfrm>
+          <a:prstGeom prst="straightConnector1">
+            <a:avLst/>
+          </a:prstGeom>
+          <a:ln w="12700">
+            <a:solidFill>
+              <a:schemeClr val="tx1"/>
+            </a:solidFill>
+            <a:headEnd type="none"/>
+            <a:tailEnd type="stealth"/>
+          </a:ln>
+          <a:effectLst/>
+        </p:spPr>
+        <p:style>
+          <a:lnRef idx="2">
+            <a:schemeClr val="accent1"/>
+          </a:lnRef>
+          <a:fillRef idx="0">
+            <a:schemeClr val="accent1"/>
+          </a:fillRef>
+          <a:effectRef idx="1">
+            <a:schemeClr val="accent1"/>
+          </a:effectRef>
+          <a:fontRef idx="minor">
+            <a:schemeClr val="tx1"/>
+          </a:fontRef>
+        </p:style>
+      </p:cxnSp>
+    </p:spTree>
+    <p:extLst>
+      <p:ext uri="{BB962C8B-B14F-4D97-AF65-F5344CB8AC3E}">
+        <p14:creationId xmlns:p14="http://schemas.microsoft.com/office/powerpoint/2010/main" val="780780469"/>
+      </p:ext>
+    </p:extLst>
+  </p:cSld>
+  <p:clrMapOvr>
+    <a:masterClrMapping/>
+  </p:clrMapOvr>
+</p:sld>
+</file>
+
+<file path=ppt/slides/slide7.xml><?xml version="1.0" encoding="utf-8"?>
+<p:sld xmlns:a="http://schemas.openxmlformats.org/drawingml/2006/main" xmlns:r="http://schemas.openxmlformats.org/officeDocument/2006/relationships" xmlns:p="http://schemas.openxmlformats.org/presentationml/2006/main">
+  <p:cSld>
+    <p:spTree>
+      <p:nvGrpSpPr>
+        <p:cNvPr id="1" name=""/>
+        <p:cNvGrpSpPr/>
+        <p:nvPr/>
+      </p:nvGrpSpPr>
+      <p:grpSpPr>
+        <a:xfrm>
+          <a:off x="0" y="0"/>
+          <a:ext cx="0" cy="0"/>
+          <a:chOff x="0" y="0"/>
+          <a:chExt cx="0" cy="0"/>
+        </a:xfrm>
+      </p:grpSpPr>
+      <p:sp>
+        <p:nvSpPr>
+          <p:cNvPr id="4" name="TextBox 3">
+            <a:extLst>
+              <a:ext uri="{FF2B5EF4-FFF2-40B4-BE49-F238E27FC236}">
+                <a16:creationId xmlns:a16="http://schemas.microsoft.com/office/drawing/2014/main" id="{44C6D75E-DBF7-514B-91F4-2FD5984A5D9E}"/>
+              </a:ext>
+            </a:extLst>
+          </p:cNvPr>
+          <p:cNvSpPr txBox="1"/>
+          <p:nvPr/>
+        </p:nvSpPr>
+        <p:spPr>
+          <a:xfrm>
+            <a:off x="4080858" y="1386781"/>
+            <a:ext cx="1097280" cy="261610"/>
+          </a:xfrm>
+          <a:prstGeom prst="rect">
+            <a:avLst/>
+          </a:prstGeom>
+          <a:noFill/>
+          <a:ln>
+            <a:solidFill>
+              <a:schemeClr val="tx1"/>
+            </a:solidFill>
+          </a:ln>
+        </p:spPr>
+        <p:txBody>
+          <a:bodyPr wrap="square" rtlCol="0" anchor="ctr" anchorCtr="0">
+            <a:spAutoFit/>
+          </a:bodyPr>
+          <a:lstStyle/>
+          <a:p>
+            <a:pPr algn="ctr"/>
+            <a:r>
+              <a:rPr lang="en-US" sz="1100" dirty="0">
+                <a:latin typeface="Times New Roman" panose="02020603050405020304" pitchFamily="18" charset="0"/>
+                <a:cs typeface="Times New Roman" panose="02020603050405020304" pitchFamily="18" charset="0"/>
+              </a:rPr>
+              <a:t>Applications</a:t>
+            </a:r>
+          </a:p>
+        </p:txBody>
+      </p:sp>
+      <p:sp>
+        <p:nvSpPr>
+          <p:cNvPr id="14" name="Rectangle 13">
+            <a:extLst>
+              <a:ext uri="{FF2B5EF4-FFF2-40B4-BE49-F238E27FC236}">
+                <a16:creationId xmlns:a16="http://schemas.microsoft.com/office/drawing/2014/main" id="{48C98958-0A7F-5144-B880-2BB607CFA19B}"/>
+              </a:ext>
+            </a:extLst>
+          </p:cNvPr>
+          <p:cNvSpPr/>
+          <p:nvPr/>
+        </p:nvSpPr>
+        <p:spPr>
+          <a:xfrm>
+            <a:off x="4080858" y="2118162"/>
+            <a:ext cx="1097280" cy="265176"/>
+          </a:xfrm>
+          <a:prstGeom prst="rect">
+            <a:avLst/>
+          </a:prstGeom>
+          <a:noFill/>
+          <a:ln>
+            <a:solidFill>
+              <a:schemeClr val="tx1"/>
+            </a:solidFill>
+          </a:ln>
+          <a:effectLst/>
+        </p:spPr>
+        <p:style>
+          <a:lnRef idx="1">
+            <a:schemeClr val="accent1"/>
+          </a:lnRef>
+          <a:fillRef idx="3">
+            <a:schemeClr val="accent1"/>
+          </a:fillRef>
+          <a:effectRef idx="2">
+            <a:schemeClr val="accent1"/>
+          </a:effectRef>
+          <a:fontRef idx="minor">
+            <a:schemeClr val="lt1"/>
+          </a:fontRef>
+        </p:style>
+        <p:txBody>
+          <a:bodyPr rtlCol="0" anchor="ctr"/>
+          <a:lstStyle/>
+          <a:p>
+            <a:pPr algn="ctr"/>
+            <a:r>
+              <a:rPr lang="en-US" sz="1100" dirty="0">
+                <a:solidFill>
+                  <a:schemeClr val="tx1"/>
+                </a:solidFill>
+                <a:latin typeface="Times New Roman" panose="02020603050405020304" pitchFamily="18" charset="0"/>
+                <a:cs typeface="Times New Roman" panose="02020603050405020304" pitchFamily="18" charset="0"/>
+              </a:rPr>
+              <a:t>Allocator</a:t>
+            </a:r>
+          </a:p>
+        </p:txBody>
+      </p:sp>
+      <p:sp>
+        <p:nvSpPr>
+          <p:cNvPr id="29" name="Up-Down Arrow 28">
+            <a:extLst>
+              <a:ext uri="{FF2B5EF4-FFF2-40B4-BE49-F238E27FC236}">
+                <a16:creationId xmlns:a16="http://schemas.microsoft.com/office/drawing/2014/main" id="{647362CB-B95B-A148-9FAE-8C43EB32F5BD}"/>
+              </a:ext>
+            </a:extLst>
+          </p:cNvPr>
+          <p:cNvSpPr/>
+          <p:nvPr/>
+        </p:nvSpPr>
+        <p:spPr>
+          <a:xfrm>
+            <a:off x="4820582" y="1652686"/>
+            <a:ext cx="225096" cy="439724"/>
+          </a:xfrm>
+          <a:prstGeom prst="upDownArrow">
+            <a:avLst/>
+          </a:prstGeom>
+          <a:noFill/>
+          <a:ln>
+            <a:solidFill>
+              <a:schemeClr val="tx1"/>
+            </a:solidFill>
+          </a:ln>
+          <a:effectLst/>
+        </p:spPr>
+        <p:style>
+          <a:lnRef idx="1">
+            <a:schemeClr val="accent1"/>
+          </a:lnRef>
+          <a:fillRef idx="3">
+            <a:schemeClr val="accent1"/>
+          </a:fillRef>
+          <a:effectRef idx="2">
+            <a:schemeClr val="accent1"/>
+          </a:effectRef>
+          <a:fontRef idx="minor">
+            <a:schemeClr val="lt1"/>
+          </a:fontRef>
+        </p:style>
+        <p:txBody>
+          <a:bodyPr rtlCol="0" anchor="ctr"/>
+          <a:lstStyle/>
+          <a:p>
+            <a:pPr algn="ctr"/>
+            <a:endParaRPr lang="en-US" sz="1100">
+              <a:latin typeface="Times New Roman" panose="02020603050405020304" pitchFamily="18" charset="0"/>
+              <a:cs typeface="Times New Roman" panose="02020603050405020304" pitchFamily="18" charset="0"/>
+            </a:endParaRPr>
+          </a:p>
+        </p:txBody>
+      </p:sp>
+      <p:sp>
+        <p:nvSpPr>
+          <p:cNvPr id="31" name="TextBox 30">
+            <a:extLst>
+              <a:ext uri="{FF2B5EF4-FFF2-40B4-BE49-F238E27FC236}">
+                <a16:creationId xmlns:a16="http://schemas.microsoft.com/office/drawing/2014/main" id="{95BA8FBC-2770-9A40-9D44-D23B02E2EAC8}"/>
+              </a:ext>
+            </a:extLst>
+          </p:cNvPr>
+          <p:cNvSpPr txBox="1"/>
+          <p:nvPr/>
+        </p:nvSpPr>
+        <p:spPr>
+          <a:xfrm>
+            <a:off x="3805896" y="1748106"/>
+            <a:ext cx="580388" cy="261610"/>
+          </a:xfrm>
+          <a:prstGeom prst="rect">
+            <a:avLst/>
+          </a:prstGeom>
+          <a:noFill/>
+          <a:ln>
+            <a:noFill/>
+          </a:ln>
+        </p:spPr>
+        <p:txBody>
+          <a:bodyPr wrap="square" rtlCol="0" anchor="ctr" anchorCtr="0">
+            <a:spAutoFit/>
+          </a:bodyPr>
+          <a:lstStyle/>
+          <a:p>
+            <a:pPr algn="ctr"/>
+            <a:r>
+              <a:rPr lang="en-US" sz="1100" dirty="0" err="1">
+                <a:latin typeface="Times New Roman" panose="02020603050405020304" pitchFamily="18" charset="0"/>
+                <a:cs typeface="Times New Roman" panose="02020603050405020304" pitchFamily="18" charset="0"/>
+              </a:rPr>
+              <a:t>Alloc</a:t>
+            </a:r>
+            <a:endParaRPr lang="en-US" sz="1100" dirty="0">
+              <a:latin typeface="Times New Roman" panose="02020603050405020304" pitchFamily="18" charset="0"/>
+              <a:cs typeface="Times New Roman" panose="02020603050405020304" pitchFamily="18" charset="0"/>
+            </a:endParaRPr>
+          </a:p>
+        </p:txBody>
+      </p:sp>
+      <p:sp>
+        <p:nvSpPr>
+          <p:cNvPr id="33" name="TextBox 32">
+            <a:extLst>
+              <a:ext uri="{FF2B5EF4-FFF2-40B4-BE49-F238E27FC236}">
+                <a16:creationId xmlns:a16="http://schemas.microsoft.com/office/drawing/2014/main" id="{335FCED0-8603-D240-A217-264AC4080EA3}"/>
+              </a:ext>
+            </a:extLst>
+          </p:cNvPr>
+          <p:cNvSpPr txBox="1"/>
+          <p:nvPr/>
+        </p:nvSpPr>
+        <p:spPr>
+          <a:xfrm>
+            <a:off x="4443543" y="1748106"/>
+            <a:ext cx="580388" cy="261610"/>
+          </a:xfrm>
+          <a:prstGeom prst="rect">
+            <a:avLst/>
+          </a:prstGeom>
+          <a:noFill/>
+          <a:ln>
+            <a:noFill/>
+          </a:ln>
+        </p:spPr>
+        <p:txBody>
+          <a:bodyPr wrap="square" rtlCol="0" anchor="ctr" anchorCtr="0">
+            <a:spAutoFit/>
+          </a:bodyPr>
+          <a:lstStyle/>
+          <a:p>
+            <a:pPr algn="ctr"/>
+            <a:r>
+              <a:rPr lang="en-US" sz="1100" dirty="0">
+                <a:latin typeface="Times New Roman" panose="02020603050405020304" pitchFamily="18" charset="0"/>
+                <a:cs typeface="Times New Roman" panose="02020603050405020304" pitchFamily="18" charset="0"/>
+              </a:rPr>
+              <a:t>Free</a:t>
+            </a:r>
+          </a:p>
+        </p:txBody>
+      </p:sp>
+      <p:sp>
+        <p:nvSpPr>
+          <p:cNvPr id="35" name="Up-Down Arrow 34">
+            <a:extLst>
+              <a:ext uri="{FF2B5EF4-FFF2-40B4-BE49-F238E27FC236}">
+                <a16:creationId xmlns:a16="http://schemas.microsoft.com/office/drawing/2014/main" id="{90B4D13E-D699-4740-AB36-B27751D82C28}"/>
+              </a:ext>
+            </a:extLst>
+          </p:cNvPr>
+          <p:cNvSpPr/>
+          <p:nvPr/>
+        </p:nvSpPr>
+        <p:spPr>
+          <a:xfrm>
+            <a:off x="4256285" y="1644445"/>
+            <a:ext cx="225096" cy="439724"/>
+          </a:xfrm>
+          <a:prstGeom prst="upDownArrow">
+            <a:avLst/>
+          </a:prstGeom>
+          <a:noFill/>
+          <a:ln>
+            <a:solidFill>
+              <a:schemeClr val="tx1"/>
+            </a:solidFill>
+          </a:ln>
+          <a:effectLst/>
+        </p:spPr>
+        <p:style>
+          <a:lnRef idx="1">
+            <a:schemeClr val="accent1"/>
+          </a:lnRef>
+          <a:fillRef idx="3">
+            <a:schemeClr val="accent1"/>
+          </a:fillRef>
+          <a:effectRef idx="2">
+            <a:schemeClr val="accent1"/>
+          </a:effectRef>
+          <a:fontRef idx="minor">
+            <a:schemeClr val="lt1"/>
+          </a:fontRef>
+        </p:style>
+        <p:txBody>
+          <a:bodyPr rtlCol="0" anchor="ctr"/>
+          <a:lstStyle/>
+          <a:p>
+            <a:pPr algn="ctr"/>
+            <a:endParaRPr lang="en-US" sz="1100">
+              <a:latin typeface="Times New Roman" panose="02020603050405020304" pitchFamily="18" charset="0"/>
+              <a:cs typeface="Times New Roman" panose="02020603050405020304" pitchFamily="18" charset="0"/>
+            </a:endParaRPr>
+          </a:p>
+        </p:txBody>
+      </p:sp>
+      <p:sp>
+        <p:nvSpPr>
+          <p:cNvPr id="36" name="Rectangle 35">
+            <a:extLst>
+              <a:ext uri="{FF2B5EF4-FFF2-40B4-BE49-F238E27FC236}">
+                <a16:creationId xmlns:a16="http://schemas.microsoft.com/office/drawing/2014/main" id="{0DFC8C16-BDBD-6F4F-B756-353D64D42A59}"/>
+              </a:ext>
+            </a:extLst>
+          </p:cNvPr>
+          <p:cNvSpPr/>
+          <p:nvPr/>
+        </p:nvSpPr>
+        <p:spPr>
+          <a:xfrm>
+            <a:off x="4080858" y="2838280"/>
+            <a:ext cx="1097280" cy="265176"/>
+          </a:xfrm>
+          <a:prstGeom prst="rect">
+            <a:avLst/>
+          </a:prstGeom>
+          <a:noFill/>
+          <a:ln>
+            <a:solidFill>
+              <a:schemeClr val="tx1"/>
+            </a:solidFill>
+          </a:ln>
+          <a:effectLst/>
+        </p:spPr>
+        <p:style>
+          <a:lnRef idx="1">
+            <a:schemeClr val="accent1"/>
+          </a:lnRef>
+          <a:fillRef idx="3">
+            <a:schemeClr val="accent1"/>
+          </a:fillRef>
+          <a:effectRef idx="2">
+            <a:schemeClr val="accent1"/>
+          </a:effectRef>
+          <a:fontRef idx="minor">
+            <a:schemeClr val="lt1"/>
+          </a:fontRef>
+        </p:style>
+        <p:txBody>
+          <a:bodyPr rtlCol="0" anchor="ctr"/>
+          <a:lstStyle/>
+          <a:p>
+            <a:pPr algn="ctr"/>
+            <a:r>
+              <a:rPr lang="en-US" sz="1100" dirty="0">
+                <a:solidFill>
+                  <a:schemeClr val="tx1"/>
+                </a:solidFill>
+                <a:latin typeface="Times New Roman" panose="02020603050405020304" pitchFamily="18" charset="0"/>
+                <a:cs typeface="Times New Roman" panose="02020603050405020304" pitchFamily="18" charset="0"/>
+              </a:rPr>
+              <a:t>OS</a:t>
+            </a:r>
+          </a:p>
+        </p:txBody>
+      </p:sp>
+      <p:sp>
+        <p:nvSpPr>
+          <p:cNvPr id="37" name="TextBox 36">
+            <a:extLst>
+              <a:ext uri="{FF2B5EF4-FFF2-40B4-BE49-F238E27FC236}">
+                <a16:creationId xmlns:a16="http://schemas.microsoft.com/office/drawing/2014/main" id="{71A90939-93B2-4D43-8654-C410500A61D4}"/>
+              </a:ext>
+            </a:extLst>
+          </p:cNvPr>
+          <p:cNvSpPr txBox="1"/>
+          <p:nvPr/>
+        </p:nvSpPr>
+        <p:spPr>
+          <a:xfrm>
+            <a:off x="3907861" y="2408996"/>
+            <a:ext cx="729678" cy="430887"/>
+          </a:xfrm>
+          <a:prstGeom prst="rect">
+            <a:avLst/>
+          </a:prstGeom>
+          <a:noFill/>
+          <a:ln>
+            <a:noFill/>
+          </a:ln>
+        </p:spPr>
+        <p:txBody>
+          <a:bodyPr wrap="square" rtlCol="0" anchor="ctr" anchorCtr="0">
+            <a:spAutoFit/>
+          </a:bodyPr>
+          <a:lstStyle/>
+          <a:p>
+            <a:pPr algn="ctr"/>
+            <a:r>
+              <a:rPr lang="en-US" sz="1100" dirty="0">
+                <a:latin typeface="Times New Roman" panose="02020603050405020304" pitchFamily="18" charset="0"/>
+                <a:cs typeface="Times New Roman" panose="02020603050405020304" pitchFamily="18" charset="0"/>
+              </a:rPr>
+              <a:t>Memory</a:t>
+            </a:r>
+          </a:p>
+          <a:p>
+            <a:pPr algn="ctr"/>
+            <a:r>
+              <a:rPr lang="en-US" sz="1100" dirty="0" err="1">
+                <a:latin typeface="Times New Roman" panose="02020603050405020304" pitchFamily="18" charset="0"/>
+                <a:cs typeface="Times New Roman" panose="02020603050405020304" pitchFamily="18" charset="0"/>
+              </a:rPr>
+              <a:t>Syscalls</a:t>
+            </a:r>
+            <a:endParaRPr lang="en-US" sz="1100" dirty="0">
+              <a:latin typeface="Times New Roman" panose="02020603050405020304" pitchFamily="18" charset="0"/>
+              <a:cs typeface="Times New Roman" panose="02020603050405020304" pitchFamily="18" charset="0"/>
+            </a:endParaRPr>
+          </a:p>
+        </p:txBody>
+      </p:sp>
+      <p:sp>
+        <p:nvSpPr>
+          <p:cNvPr id="40" name="Up-Down Arrow 39">
+            <a:extLst>
+              <a:ext uri="{FF2B5EF4-FFF2-40B4-BE49-F238E27FC236}">
+                <a16:creationId xmlns:a16="http://schemas.microsoft.com/office/drawing/2014/main" id="{553C3CEA-4483-6B45-BF2F-364D43EC162B}"/>
+              </a:ext>
+            </a:extLst>
+          </p:cNvPr>
+          <p:cNvSpPr/>
+          <p:nvPr/>
+        </p:nvSpPr>
+        <p:spPr>
+          <a:xfrm>
+            <a:off x="4507540" y="2389973"/>
+            <a:ext cx="225096" cy="439724"/>
+          </a:xfrm>
+          <a:prstGeom prst="upDownArrow">
+            <a:avLst/>
+          </a:prstGeom>
+          <a:noFill/>
+          <a:ln>
+            <a:solidFill>
+              <a:schemeClr val="tx1"/>
+            </a:solidFill>
+          </a:ln>
+          <a:effectLst/>
+        </p:spPr>
+        <p:style>
+          <a:lnRef idx="1">
+            <a:schemeClr val="accent1"/>
+          </a:lnRef>
+          <a:fillRef idx="3">
+            <a:schemeClr val="accent1"/>
+          </a:fillRef>
+          <a:effectRef idx="2">
+            <a:schemeClr val="accent1"/>
+          </a:effectRef>
+          <a:fontRef idx="minor">
+            <a:schemeClr val="lt1"/>
+          </a:fontRef>
+        </p:style>
+        <p:txBody>
+          <a:bodyPr rtlCol="0" anchor="ctr"/>
+          <a:lstStyle/>
+          <a:p>
+            <a:pPr algn="ctr"/>
+            <a:endParaRPr lang="en-US" sz="1100">
+              <a:latin typeface="Times New Roman" panose="02020603050405020304" pitchFamily="18" charset="0"/>
+              <a:cs typeface="Times New Roman" panose="02020603050405020304" pitchFamily="18" charset="0"/>
+            </a:endParaRPr>
+          </a:p>
+        </p:txBody>
+      </p:sp>
+      <p:sp>
+        <p:nvSpPr>
+          <p:cNvPr id="41" name="Rectangle 40">
+            <a:extLst>
+              <a:ext uri="{FF2B5EF4-FFF2-40B4-BE49-F238E27FC236}">
+                <a16:creationId xmlns:a16="http://schemas.microsoft.com/office/drawing/2014/main" id="{B114E6CA-5E1D-6242-87F8-D48886002356}"/>
+              </a:ext>
+            </a:extLst>
+          </p:cNvPr>
+          <p:cNvSpPr/>
+          <p:nvPr/>
+        </p:nvSpPr>
+        <p:spPr>
+          <a:xfrm>
+            <a:off x="5637290" y="2124797"/>
+            <a:ext cx="1097280" cy="265176"/>
+          </a:xfrm>
+          <a:prstGeom prst="rect">
+            <a:avLst/>
+          </a:prstGeom>
+          <a:noFill/>
+          <a:ln>
+            <a:solidFill>
+              <a:schemeClr val="tx1"/>
+            </a:solidFill>
+          </a:ln>
+          <a:effectLst/>
+        </p:spPr>
+        <p:style>
+          <a:lnRef idx="1">
+            <a:schemeClr val="accent1"/>
+          </a:lnRef>
+          <a:fillRef idx="3">
+            <a:schemeClr val="accent1"/>
+          </a:fillRef>
+          <a:effectRef idx="2">
+            <a:schemeClr val="accent1"/>
+          </a:effectRef>
+          <a:fontRef idx="minor">
+            <a:schemeClr val="lt1"/>
+          </a:fontRef>
+        </p:style>
+        <p:txBody>
+          <a:bodyPr rtlCol="0" anchor="ctr"/>
+          <a:lstStyle/>
+          <a:p>
+            <a:pPr algn="ctr"/>
+            <a:r>
+              <a:rPr lang="en-US" sz="1100" dirty="0" err="1">
+                <a:solidFill>
+                  <a:schemeClr val="tx1"/>
+                </a:solidFill>
+                <a:latin typeface="Times New Roman" panose="02020603050405020304" pitchFamily="18" charset="0"/>
+                <a:cs typeface="Times New Roman" panose="02020603050405020304" pitchFamily="18" charset="0"/>
+              </a:rPr>
+              <a:t>Pthreads</a:t>
+            </a:r>
+            <a:r>
+              <a:rPr lang="en-US" sz="1100" dirty="0">
+                <a:solidFill>
+                  <a:schemeClr val="tx1"/>
+                </a:solidFill>
+                <a:latin typeface="Times New Roman" panose="02020603050405020304" pitchFamily="18" charset="0"/>
+                <a:cs typeface="Times New Roman" panose="02020603050405020304" pitchFamily="18" charset="0"/>
+              </a:rPr>
+              <a:t> Lib</a:t>
+            </a:r>
+          </a:p>
+        </p:txBody>
+      </p:sp>
+      <p:sp>
+        <p:nvSpPr>
+          <p:cNvPr id="42" name="Up-Down Arrow 41">
+            <a:extLst>
+              <a:ext uri="{FF2B5EF4-FFF2-40B4-BE49-F238E27FC236}">
+                <a16:creationId xmlns:a16="http://schemas.microsoft.com/office/drawing/2014/main" id="{B5A74ED9-A39D-7E49-B328-22B2FC63E46E}"/>
+              </a:ext>
+            </a:extLst>
+          </p:cNvPr>
+          <p:cNvSpPr/>
+          <p:nvPr/>
+        </p:nvSpPr>
+        <p:spPr>
+          <a:xfrm rot="5400000">
+            <a:off x="5293617" y="2037523"/>
+            <a:ext cx="225096" cy="439724"/>
+          </a:xfrm>
+          <a:prstGeom prst="upDownArrow">
+            <a:avLst/>
+          </a:prstGeom>
+          <a:noFill/>
+          <a:ln>
+            <a:solidFill>
+              <a:schemeClr val="tx1"/>
+            </a:solidFill>
+          </a:ln>
+          <a:effectLst/>
+        </p:spPr>
+        <p:style>
+          <a:lnRef idx="1">
+            <a:schemeClr val="accent1"/>
+          </a:lnRef>
+          <a:fillRef idx="3">
+            <a:schemeClr val="accent1"/>
+          </a:fillRef>
+          <a:effectRef idx="2">
+            <a:schemeClr val="accent1"/>
+          </a:effectRef>
+          <a:fontRef idx="minor">
+            <a:schemeClr val="lt1"/>
+          </a:fontRef>
+        </p:style>
+        <p:txBody>
+          <a:bodyPr rtlCol="0" anchor="ctr"/>
+          <a:lstStyle/>
+          <a:p>
+            <a:pPr algn="ctr"/>
+            <a:endParaRPr lang="en-US" sz="1100">
+              <a:latin typeface="Times New Roman" panose="02020603050405020304" pitchFamily="18" charset="0"/>
+              <a:cs typeface="Times New Roman" panose="02020603050405020304" pitchFamily="18" charset="0"/>
+            </a:endParaRPr>
+          </a:p>
+        </p:txBody>
+      </p:sp>
+      <p:sp>
+        <p:nvSpPr>
+          <p:cNvPr id="43" name="TextBox 42">
+            <a:extLst>
+              <a:ext uri="{FF2B5EF4-FFF2-40B4-BE49-F238E27FC236}">
+                <a16:creationId xmlns:a16="http://schemas.microsoft.com/office/drawing/2014/main" id="{D6775463-B727-A344-A609-DE26B877AEC9}"/>
+              </a:ext>
+            </a:extLst>
+          </p:cNvPr>
+          <p:cNvSpPr txBox="1"/>
+          <p:nvPr/>
+        </p:nvSpPr>
+        <p:spPr>
+          <a:xfrm>
+            <a:off x="5142888" y="2379634"/>
+            <a:ext cx="580388" cy="261610"/>
+          </a:xfrm>
+          <a:prstGeom prst="rect">
+            <a:avLst/>
+          </a:prstGeom>
+          <a:noFill/>
+          <a:ln>
+            <a:noFill/>
+          </a:ln>
+        </p:spPr>
+        <p:txBody>
+          <a:bodyPr wrap="square" rtlCol="0" anchor="ctr" anchorCtr="0">
+            <a:spAutoFit/>
+          </a:bodyPr>
+          <a:lstStyle/>
+          <a:p>
+            <a:pPr algn="ctr"/>
+            <a:r>
+              <a:rPr lang="en-US" sz="1100" dirty="0">
+                <a:latin typeface="Times New Roman" panose="02020603050405020304" pitchFamily="18" charset="0"/>
+                <a:cs typeface="Times New Roman" panose="02020603050405020304" pitchFamily="18" charset="0"/>
+              </a:rPr>
+              <a:t>Syncs</a:t>
+            </a:r>
+          </a:p>
+        </p:txBody>
+      </p:sp>
+      <p:sp>
+        <p:nvSpPr>
+          <p:cNvPr id="2" name="Oval 1">
+            <a:extLst>
+              <a:ext uri="{FF2B5EF4-FFF2-40B4-BE49-F238E27FC236}">
+                <a16:creationId xmlns:a16="http://schemas.microsoft.com/office/drawing/2014/main" id="{779F51BA-883B-0F49-A0AC-0BCB869EAC4E}"/>
+              </a:ext>
+            </a:extLst>
+          </p:cNvPr>
+          <p:cNvSpPr/>
+          <p:nvPr/>
+        </p:nvSpPr>
+        <p:spPr>
+          <a:xfrm>
+            <a:off x="3767099" y="1878458"/>
+            <a:ext cx="1661900" cy="745677"/>
+          </a:xfrm>
+          <a:prstGeom prst="ellipse">
+            <a:avLst/>
+          </a:prstGeom>
+          <a:noFill/>
+          <a:ln w="19050">
+            <a:solidFill>
+              <a:schemeClr val="tx1"/>
+            </a:solidFill>
+            <a:prstDash val="dash"/>
+          </a:ln>
+          <a:effectLst/>
+        </p:spPr>
+        <p:style>
+          <a:lnRef idx="1">
+            <a:schemeClr val="accent1"/>
+          </a:lnRef>
+          <a:fillRef idx="3">
+            <a:schemeClr val="accent1"/>
+          </a:fillRef>
+          <a:effectRef idx="2">
+            <a:schemeClr val="accent1"/>
+          </a:effectRef>
+          <a:fontRef idx="minor">
+            <a:schemeClr val="lt1"/>
+          </a:fontRef>
+        </p:style>
+        <p:txBody>
+          <a:bodyPr rtlCol="0" anchor="ctr"/>
+          <a:lstStyle/>
+          <a:p>
+            <a:pPr algn="ctr"/>
+            <a:endParaRPr lang="en-US"/>
+          </a:p>
+        </p:txBody>
+      </p:sp>
+      <p:sp>
+        <p:nvSpPr>
+          <p:cNvPr id="45" name="TextBox 44">
+            <a:extLst>
+              <a:ext uri="{FF2B5EF4-FFF2-40B4-BE49-F238E27FC236}">
+                <a16:creationId xmlns:a16="http://schemas.microsoft.com/office/drawing/2014/main" id="{8802DE8D-51F4-2449-923C-833A1F1546F7}"/>
+              </a:ext>
+            </a:extLst>
+          </p:cNvPr>
+          <p:cNvSpPr txBox="1"/>
+          <p:nvPr/>
+        </p:nvSpPr>
+        <p:spPr>
+          <a:xfrm>
+            <a:off x="1788748" y="2147386"/>
+            <a:ext cx="958844" cy="261610"/>
+          </a:xfrm>
+          <a:prstGeom prst="rect">
+            <a:avLst/>
+          </a:prstGeom>
+          <a:noFill/>
+          <a:ln>
+            <a:noFill/>
+          </a:ln>
+        </p:spPr>
+        <p:txBody>
+          <a:bodyPr wrap="square" rtlCol="0" anchor="ctr" anchorCtr="0">
+            <a:spAutoFit/>
+          </a:bodyPr>
+          <a:lstStyle/>
+          <a:p>
+            <a:pPr algn="ctr"/>
+            <a:r>
+              <a:rPr lang="en-US" sz="1100" dirty="0">
+                <a:latin typeface="Times New Roman" panose="02020603050405020304" pitchFamily="18" charset="0"/>
+                <a:cs typeface="Times New Roman" panose="02020603050405020304" pitchFamily="18" charset="0"/>
+              </a:rPr>
+              <a:t>Interception</a:t>
+            </a:r>
+          </a:p>
+        </p:txBody>
+      </p:sp>
+      <p:sp>
+        <p:nvSpPr>
+          <p:cNvPr id="46" name="TextBox 45">
+            <a:extLst>
+              <a:ext uri="{FF2B5EF4-FFF2-40B4-BE49-F238E27FC236}">
+                <a16:creationId xmlns:a16="http://schemas.microsoft.com/office/drawing/2014/main" id="{96B94D0A-5F4C-2740-B0C1-28DED080F37F}"/>
+              </a:ext>
+            </a:extLst>
+          </p:cNvPr>
+          <p:cNvSpPr txBox="1"/>
+          <p:nvPr/>
+        </p:nvSpPr>
+        <p:spPr>
+          <a:xfrm>
+            <a:off x="1788748" y="2306843"/>
+            <a:ext cx="958844" cy="400110"/>
+          </a:xfrm>
+          <a:prstGeom prst="rect">
+            <a:avLst/>
+          </a:prstGeom>
+          <a:noFill/>
+          <a:ln>
+            <a:noFill/>
+          </a:ln>
+        </p:spPr>
+        <p:txBody>
+          <a:bodyPr wrap="square" rtlCol="0" anchor="ctr" anchorCtr="0">
+            <a:spAutoFit/>
+          </a:bodyPr>
+          <a:lstStyle/>
+          <a:p>
+            <a:pPr algn="ctr"/>
+            <a:r>
+              <a:rPr lang="en-US" sz="2000" dirty="0">
+                <a:latin typeface="Times New Roman" panose="02020603050405020304" pitchFamily="18" charset="0"/>
+                <a:cs typeface="Times New Roman" panose="02020603050405020304" pitchFamily="18" charset="0"/>
+              </a:rPr>
+              <a:t>+</a:t>
+            </a:r>
+          </a:p>
+        </p:txBody>
+      </p:sp>
+      <p:sp>
+        <p:nvSpPr>
+          <p:cNvPr id="48" name="TextBox 47">
+            <a:extLst>
+              <a:ext uri="{FF2B5EF4-FFF2-40B4-BE49-F238E27FC236}">
+                <a16:creationId xmlns:a16="http://schemas.microsoft.com/office/drawing/2014/main" id="{7BC1F02F-D303-C442-8BF7-0803A1F31A46}"/>
+              </a:ext>
+            </a:extLst>
+          </p:cNvPr>
+          <p:cNvSpPr txBox="1"/>
+          <p:nvPr/>
+        </p:nvSpPr>
+        <p:spPr>
+          <a:xfrm>
+            <a:off x="1792864" y="2596348"/>
+            <a:ext cx="958844" cy="261610"/>
+          </a:xfrm>
+          <a:prstGeom prst="rect">
+            <a:avLst/>
+          </a:prstGeom>
+          <a:noFill/>
+          <a:ln>
+            <a:noFill/>
+          </a:ln>
+        </p:spPr>
+        <p:txBody>
+          <a:bodyPr wrap="square" rtlCol="0" anchor="ctr" anchorCtr="0">
+            <a:spAutoFit/>
+          </a:bodyPr>
+          <a:lstStyle/>
+          <a:p>
+            <a:pPr algn="ctr"/>
+            <a:r>
+              <a:rPr lang="en-US" sz="1100" dirty="0">
+                <a:latin typeface="Times New Roman" panose="02020603050405020304" pitchFamily="18" charset="0"/>
+                <a:cs typeface="Times New Roman" panose="02020603050405020304" pitchFamily="18" charset="0"/>
+              </a:rPr>
+              <a:t>PMUs</a:t>
+            </a:r>
+          </a:p>
+        </p:txBody>
+      </p:sp>
+    </p:spTree>
+    <p:extLst>
+      <p:ext uri="{BB962C8B-B14F-4D97-AF65-F5344CB8AC3E}">
+        <p14:creationId xmlns:p14="http://schemas.microsoft.com/office/powerpoint/2010/main" val="2099308406"/>
       </p:ext>
     </p:extLst>
   </p:cSld>

--- a/paper/figures/Figures.pptx
+++ b/paper/figures/Figures.pptx
@@ -5,7 +5,7 @@
     <p:sldMasterId id="2147483648" r:id="rId1"/>
   </p:sldMasterIdLst>
   <p:notesMasterIdLst>
-    <p:notesMasterId r:id="rId9"/>
+    <p:notesMasterId r:id="rId12"/>
   </p:notesMasterIdLst>
   <p:sldIdLst>
     <p:sldId id="256" r:id="rId2"/>
@@ -13,8 +13,11 @@
     <p:sldId id="258" r:id="rId4"/>
     <p:sldId id="259" r:id="rId5"/>
     <p:sldId id="277" r:id="rId6"/>
-    <p:sldId id="279" r:id="rId7"/>
-    <p:sldId id="278" r:id="rId8"/>
+    <p:sldId id="280" r:id="rId7"/>
+    <p:sldId id="281" r:id="rId8"/>
+    <p:sldId id="282" r:id="rId9"/>
+    <p:sldId id="279" r:id="rId10"/>
+    <p:sldId id="278" r:id="rId11"/>
   </p:sldIdLst>
   <p:sldSz cx="9144000" cy="6858000" type="screen4x3"/>
   <p:notesSz cx="6858000" cy="9144000"/>
@@ -595,6 +598,1582 @@
 </c:chartSpace>
 </file>
 
+<file path=ppt/charts/chart2.xml><?xml version="1.0" encoding="utf-8"?>
+<c:chartSpace xmlns:c="http://schemas.openxmlformats.org/drawingml/2006/chart" xmlns:a="http://schemas.openxmlformats.org/drawingml/2006/main" xmlns:r="http://schemas.openxmlformats.org/officeDocument/2006/relationships" xmlns:c16r2="http://schemas.microsoft.com/office/drawing/2015/06/chart">
+  <c:date1904 val="0"/>
+  <c:lang val="en-US"/>
+  <c:roundedCorners val="0"/>
+  <mc:AlternateContent xmlns:mc="http://schemas.openxmlformats.org/markup-compatibility/2006">
+    <mc:Choice xmlns:c14="http://schemas.microsoft.com/office/drawing/2007/8/2/chart" Requires="c14">
+      <c14:style val="102"/>
+    </mc:Choice>
+    <mc:Fallback>
+      <c:style val="2"/>
+    </mc:Fallback>
+  </mc:AlternateContent>
+  <c:chart>
+    <c:autoTitleDeleted val="1"/>
+    <c:plotArea>
+      <c:layout>
+        <c:manualLayout>
+          <c:layoutTarget val="inner"/>
+          <c:xMode val="edge"/>
+          <c:yMode val="edge"/>
+          <c:x val="9.0659255828315577E-2"/>
+          <c:y val="0.42715754920095234"/>
+          <c:w val="0.88627984336182575"/>
+          <c:h val="0.4521323815037937"/>
+        </c:manualLayout>
+      </c:layout>
+      <c:barChart>
+        <c:barDir val="col"/>
+        <c:grouping val="clustered"/>
+        <c:varyColors val="0"/>
+        <c:ser>
+          <c:idx val="0"/>
+          <c:order val="0"/>
+          <c:tx>
+            <c:strRef>
+              <c:f>Sheet1!$B$1</c:f>
+              <c:strCache>
+                <c:ptCount val="1"/>
+                <c:pt idx="0">
+                  <c:v>Default</c:v>
+                </c:pt>
+              </c:strCache>
+            </c:strRef>
+          </c:tx>
+          <c:spPr>
+            <a:pattFill prst="pct90">
+              <a:fgClr>
+                <a:schemeClr val="tx1">
+                  <a:lumMod val="65000"/>
+                  <a:lumOff val="35000"/>
+                </a:schemeClr>
+              </a:fgClr>
+              <a:bgClr>
+                <a:schemeClr val="bg1"/>
+              </a:bgClr>
+            </a:pattFill>
+            <a:ln>
+              <a:noFill/>
+            </a:ln>
+            <a:effectLst/>
+          </c:spPr>
+          <c:invertIfNegative val="0"/>
+          <c:cat>
+            <c:strRef>
+              <c:f>Sheet1!$A$2:$A$13</c:f>
+              <c:strCache>
+                <c:ptCount val="12"/>
+                <c:pt idx="0">
+                  <c:v>cache-scratch</c:v>
+                </c:pt>
+                <c:pt idx="1">
+                  <c:v>cache-thrash</c:v>
+                </c:pt>
+                <c:pt idx="2">
+                  <c:v>canneal</c:v>
+                </c:pt>
+                <c:pt idx="3">
+                  <c:v>dedup</c:v>
+                </c:pt>
+                <c:pt idx="4">
+                  <c:v>freqmine</c:v>
+                </c:pt>
+                <c:pt idx="5">
+                  <c:v>kmeans</c:v>
+                </c:pt>
+                <c:pt idx="6">
+                  <c:v>raytrace</c:v>
+                </c:pt>
+                <c:pt idx="7">
+                  <c:v>reverse_index</c:v>
+                </c:pt>
+                <c:pt idx="8">
+                  <c:v>swaptions</c:v>
+                </c:pt>
+                <c:pt idx="9">
+                  <c:v>threadtest</c:v>
+                </c:pt>
+                <c:pt idx="11">
+                  <c:v>GEOMEAN</c:v>
+                </c:pt>
+              </c:strCache>
+            </c:strRef>
+          </c:cat>
+          <c:val>
+            <c:numRef>
+              <c:f>Sheet1!$B$2:$B$13</c:f>
+              <c:numCache>
+                <c:formatCode>0.0_ </c:formatCode>
+                <c:ptCount val="12"/>
+                <c:pt idx="0">
+                  <c:v>1</c:v>
+                </c:pt>
+                <c:pt idx="1">
+                  <c:v>1</c:v>
+                </c:pt>
+                <c:pt idx="2">
+                  <c:v>1</c:v>
+                </c:pt>
+                <c:pt idx="3">
+                  <c:v>1</c:v>
+                </c:pt>
+                <c:pt idx="4">
+                  <c:v>1</c:v>
+                </c:pt>
+                <c:pt idx="5">
+                  <c:v>1</c:v>
+                </c:pt>
+                <c:pt idx="6">
+                  <c:v>1</c:v>
+                </c:pt>
+                <c:pt idx="7">
+                  <c:v>1</c:v>
+                </c:pt>
+                <c:pt idx="8">
+                  <c:v>1</c:v>
+                </c:pt>
+                <c:pt idx="9">
+                  <c:v>1</c:v>
+                </c:pt>
+                <c:pt idx="11">
+                  <c:v>1</c:v>
+                </c:pt>
+              </c:numCache>
+            </c:numRef>
+          </c:val>
+          <c:extLst>
+            <c:ext xmlns:c16="http://schemas.microsoft.com/office/drawing/2014/chart" uri="{C3380CC4-5D6E-409C-BE32-E72D297353CC}">
+              <c16:uniqueId val="{00000000-0C08-674E-B166-FADFB27237A2}"/>
+            </c:ext>
+          </c:extLst>
+        </c:ser>
+        <c:ser>
+          <c:idx val="1"/>
+          <c:order val="1"/>
+          <c:tx>
+            <c:strRef>
+              <c:f>Sheet1!$C$1</c:f>
+              <c:strCache>
+                <c:ptCount val="1"/>
+                <c:pt idx="0">
+                  <c:v>glibc-2.21</c:v>
+                </c:pt>
+              </c:strCache>
+            </c:strRef>
+          </c:tx>
+          <c:spPr>
+            <a:pattFill prst="ltDnDiag">
+              <a:fgClr>
+                <a:schemeClr val="tx1">
+                  <a:lumMod val="65000"/>
+                  <a:lumOff val="35000"/>
+                </a:schemeClr>
+              </a:fgClr>
+              <a:bgClr>
+                <a:schemeClr val="bg1"/>
+              </a:bgClr>
+            </a:pattFill>
+            <a:ln>
+              <a:noFill/>
+            </a:ln>
+            <a:effectLst/>
+          </c:spPr>
+          <c:invertIfNegative val="0"/>
+          <c:cat>
+            <c:strRef>
+              <c:f>Sheet1!$A$2:$A$13</c:f>
+              <c:strCache>
+                <c:ptCount val="12"/>
+                <c:pt idx="0">
+                  <c:v>cache-scratch</c:v>
+                </c:pt>
+                <c:pt idx="1">
+                  <c:v>cache-thrash</c:v>
+                </c:pt>
+                <c:pt idx="2">
+                  <c:v>canneal</c:v>
+                </c:pt>
+                <c:pt idx="3">
+                  <c:v>dedup</c:v>
+                </c:pt>
+                <c:pt idx="4">
+                  <c:v>freqmine</c:v>
+                </c:pt>
+                <c:pt idx="5">
+                  <c:v>kmeans</c:v>
+                </c:pt>
+                <c:pt idx="6">
+                  <c:v>raytrace</c:v>
+                </c:pt>
+                <c:pt idx="7">
+                  <c:v>reverse_index</c:v>
+                </c:pt>
+                <c:pt idx="8">
+                  <c:v>swaptions</c:v>
+                </c:pt>
+                <c:pt idx="9">
+                  <c:v>threadtest</c:v>
+                </c:pt>
+                <c:pt idx="11">
+                  <c:v>GEOMEAN</c:v>
+                </c:pt>
+              </c:strCache>
+            </c:strRef>
+          </c:cat>
+          <c:val>
+            <c:numRef>
+              <c:f>Sheet1!$C$2:$C$13</c:f>
+              <c:numCache>
+                <c:formatCode>General</c:formatCode>
+                <c:ptCount val="12"/>
+                <c:pt idx="0">
+                  <c:v>0.10251046029999999</c:v>
+                </c:pt>
+                <c:pt idx="1">
+                  <c:v>0.99833253909999997</c:v>
+                </c:pt>
+                <c:pt idx="2">
+                  <c:v>1.014217259</c:v>
+                </c:pt>
+                <c:pt idx="3">
+                  <c:v>1.275696623</c:v>
+                </c:pt>
+                <c:pt idx="4">
+                  <c:v>1.05663851</c:v>
+                </c:pt>
+                <c:pt idx="5">
+                  <c:v>0.99839444399999999</c:v>
+                </c:pt>
+                <c:pt idx="6">
+                  <c:v>0.99926864940000004</c:v>
+                </c:pt>
+                <c:pt idx="7">
+                  <c:v>0.99173553739999998</c:v>
+                </c:pt>
+                <c:pt idx="8">
+                  <c:v>1.002766252</c:v>
+                </c:pt>
+                <c:pt idx="9">
+                  <c:v>0.96192329070000004</c:v>
+                </c:pt>
+                <c:pt idx="11">
+                  <c:v>0.91263228760000004</c:v>
+                </c:pt>
+              </c:numCache>
+            </c:numRef>
+          </c:val>
+          <c:extLst>
+            <c:ext xmlns:c16="http://schemas.microsoft.com/office/drawing/2014/chart" uri="{C3380CC4-5D6E-409C-BE32-E72D297353CC}">
+              <c16:uniqueId val="{00000001-0C08-674E-B166-FADFB27237A2}"/>
+            </c:ext>
+          </c:extLst>
+        </c:ser>
+        <c:ser>
+          <c:idx val="2"/>
+          <c:order val="2"/>
+          <c:tx>
+            <c:strRef>
+              <c:f>Sheet1!$D$1</c:f>
+              <c:strCache>
+                <c:ptCount val="1"/>
+                <c:pt idx="0">
+                  <c:v>jemalloc</c:v>
+                </c:pt>
+              </c:strCache>
+            </c:strRef>
+          </c:tx>
+          <c:spPr>
+            <a:pattFill prst="pct60">
+              <a:fgClr>
+                <a:schemeClr val="tx1">
+                  <a:lumMod val="65000"/>
+                  <a:lumOff val="35000"/>
+                </a:schemeClr>
+              </a:fgClr>
+              <a:bgClr>
+                <a:schemeClr val="bg1"/>
+              </a:bgClr>
+            </a:pattFill>
+            <a:ln>
+              <a:noFill/>
+            </a:ln>
+            <a:effectLst/>
+          </c:spPr>
+          <c:invertIfNegative val="0"/>
+          <c:cat>
+            <c:strRef>
+              <c:f>Sheet1!$A$2:$A$13</c:f>
+              <c:strCache>
+                <c:ptCount val="12"/>
+                <c:pt idx="0">
+                  <c:v>cache-scratch</c:v>
+                </c:pt>
+                <c:pt idx="1">
+                  <c:v>cache-thrash</c:v>
+                </c:pt>
+                <c:pt idx="2">
+                  <c:v>canneal</c:v>
+                </c:pt>
+                <c:pt idx="3">
+                  <c:v>dedup</c:v>
+                </c:pt>
+                <c:pt idx="4">
+                  <c:v>freqmine</c:v>
+                </c:pt>
+                <c:pt idx="5">
+                  <c:v>kmeans</c:v>
+                </c:pt>
+                <c:pt idx="6">
+                  <c:v>raytrace</c:v>
+                </c:pt>
+                <c:pt idx="7">
+                  <c:v>reverse_index</c:v>
+                </c:pt>
+                <c:pt idx="8">
+                  <c:v>swaptions</c:v>
+                </c:pt>
+                <c:pt idx="9">
+                  <c:v>threadtest</c:v>
+                </c:pt>
+                <c:pt idx="11">
+                  <c:v>GEOMEAN</c:v>
+                </c:pt>
+              </c:strCache>
+            </c:strRef>
+          </c:cat>
+          <c:val>
+            <c:numRef>
+              <c:f>Sheet1!$D$2:$D$13</c:f>
+              <c:numCache>
+                <c:formatCode>General</c:formatCode>
+                <c:ptCount val="12"/>
+                <c:pt idx="0">
+                  <c:v>9.9256159920000003E-2</c:v>
+                </c:pt>
+                <c:pt idx="1">
+                  <c:v>0.99714149590000001</c:v>
+                </c:pt>
+                <c:pt idx="2">
+                  <c:v>0.96431824479999995</c:v>
+                </c:pt>
+                <c:pt idx="3">
+                  <c:v>1.0040597899999999</c:v>
+                </c:pt>
+                <c:pt idx="4">
+                  <c:v>1.115731716</c:v>
+                </c:pt>
+                <c:pt idx="5">
+                  <c:v>0.91180643719999999</c:v>
+                </c:pt>
+                <c:pt idx="6">
+                  <c:v>0.94490492439999996</c:v>
+                </c:pt>
+                <c:pt idx="7">
+                  <c:v>1.052892562</c:v>
+                </c:pt>
+                <c:pt idx="8">
+                  <c:v>0.99021932420000003</c:v>
+                </c:pt>
+                <c:pt idx="9">
+                  <c:v>0.77570872710000005</c:v>
+                </c:pt>
+                <c:pt idx="11">
+                  <c:v>0.89183443370000004</c:v>
+                </c:pt>
+              </c:numCache>
+            </c:numRef>
+          </c:val>
+          <c:extLst>
+            <c:ext xmlns:c16="http://schemas.microsoft.com/office/drawing/2014/chart" uri="{C3380CC4-5D6E-409C-BE32-E72D297353CC}">
+              <c16:uniqueId val="{00000002-0C08-674E-B166-FADFB27237A2}"/>
+            </c:ext>
+          </c:extLst>
+        </c:ser>
+        <c:ser>
+          <c:idx val="3"/>
+          <c:order val="3"/>
+          <c:tx>
+            <c:strRef>
+              <c:f>Sheet1!$E$1</c:f>
+              <c:strCache>
+                <c:ptCount val="1"/>
+                <c:pt idx="0">
+                  <c:v>TcMalloc</c:v>
+                </c:pt>
+              </c:strCache>
+            </c:strRef>
+          </c:tx>
+          <c:spPr>
+            <a:pattFill prst="dkDnDiag">
+              <a:fgClr>
+                <a:schemeClr val="tx1">
+                  <a:lumMod val="65000"/>
+                  <a:lumOff val="35000"/>
+                </a:schemeClr>
+              </a:fgClr>
+              <a:bgClr>
+                <a:schemeClr val="bg1"/>
+              </a:bgClr>
+            </a:pattFill>
+            <a:ln>
+              <a:noFill/>
+            </a:ln>
+            <a:effectLst/>
+          </c:spPr>
+          <c:invertIfNegative val="0"/>
+          <c:cat>
+            <c:strRef>
+              <c:f>Sheet1!$A$2:$A$13</c:f>
+              <c:strCache>
+                <c:ptCount val="12"/>
+                <c:pt idx="0">
+                  <c:v>cache-scratch</c:v>
+                </c:pt>
+                <c:pt idx="1">
+                  <c:v>cache-thrash</c:v>
+                </c:pt>
+                <c:pt idx="2">
+                  <c:v>canneal</c:v>
+                </c:pt>
+                <c:pt idx="3">
+                  <c:v>dedup</c:v>
+                </c:pt>
+                <c:pt idx="4">
+                  <c:v>freqmine</c:v>
+                </c:pt>
+                <c:pt idx="5">
+                  <c:v>kmeans</c:v>
+                </c:pt>
+                <c:pt idx="6">
+                  <c:v>raytrace</c:v>
+                </c:pt>
+                <c:pt idx="7">
+                  <c:v>reverse_index</c:v>
+                </c:pt>
+                <c:pt idx="8">
+                  <c:v>swaptions</c:v>
+                </c:pt>
+                <c:pt idx="9">
+                  <c:v>threadtest</c:v>
+                </c:pt>
+                <c:pt idx="11">
+                  <c:v>GEOMEAN</c:v>
+                </c:pt>
+              </c:strCache>
+            </c:strRef>
+          </c:cat>
+          <c:val>
+            <c:numRef>
+              <c:f>Sheet1!$E$2:$E$13</c:f>
+              <c:numCache>
+                <c:formatCode>General</c:formatCode>
+                <c:ptCount val="12"/>
+                <c:pt idx="0">
+                  <c:v>3.726173873</c:v>
+                </c:pt>
+                <c:pt idx="1">
+                  <c:v>38.263458790000001</c:v>
+                </c:pt>
+                <c:pt idx="2">
+                  <c:v>0.95089303390000002</c:v>
+                </c:pt>
+                <c:pt idx="3">
+                  <c:v>0.94666912709999995</c:v>
+                </c:pt>
+                <c:pt idx="4">
+                  <c:v>1.1052992559999999</c:v>
+                </c:pt>
+                <c:pt idx="5">
+                  <c:v>0.86371443510000001</c:v>
+                </c:pt>
+                <c:pt idx="6">
+                  <c:v>0.78589712339999995</c:v>
+                </c:pt>
+                <c:pt idx="7">
+                  <c:v>1.000826446</c:v>
+                </c:pt>
+                <c:pt idx="8">
+                  <c:v>1.0119541590000001</c:v>
+                </c:pt>
+                <c:pt idx="9">
+                  <c:v>1.3652028899999999</c:v>
+                </c:pt>
+                <c:pt idx="11">
+                  <c:v>1.2573198999999999</c:v>
+                </c:pt>
+              </c:numCache>
+            </c:numRef>
+          </c:val>
+          <c:extLst>
+            <c:ext xmlns:c16="http://schemas.microsoft.com/office/drawing/2014/chart" uri="{C3380CC4-5D6E-409C-BE32-E72D297353CC}">
+              <c16:uniqueId val="{00000003-0C08-674E-B166-FADFB27237A2}"/>
+            </c:ext>
+          </c:extLst>
+        </c:ser>
+        <c:ser>
+          <c:idx val="4"/>
+          <c:order val="4"/>
+          <c:tx>
+            <c:strRef>
+              <c:f>Sheet1!$F$1</c:f>
+              <c:strCache>
+                <c:ptCount val="1"/>
+                <c:pt idx="0">
+                  <c:v>Hoard</c:v>
+                </c:pt>
+              </c:strCache>
+            </c:strRef>
+          </c:tx>
+          <c:spPr>
+            <a:pattFill prst="smCheck">
+              <a:fgClr>
+                <a:schemeClr val="tx1">
+                  <a:lumMod val="65000"/>
+                  <a:lumOff val="35000"/>
+                </a:schemeClr>
+              </a:fgClr>
+              <a:bgClr>
+                <a:schemeClr val="bg1"/>
+              </a:bgClr>
+            </a:pattFill>
+            <a:ln>
+              <a:noFill/>
+            </a:ln>
+            <a:effectLst/>
+          </c:spPr>
+          <c:invertIfNegative val="0"/>
+          <c:cat>
+            <c:strRef>
+              <c:f>Sheet1!$A$2:$A$13</c:f>
+              <c:strCache>
+                <c:ptCount val="12"/>
+                <c:pt idx="0">
+                  <c:v>cache-scratch</c:v>
+                </c:pt>
+                <c:pt idx="1">
+                  <c:v>cache-thrash</c:v>
+                </c:pt>
+                <c:pt idx="2">
+                  <c:v>canneal</c:v>
+                </c:pt>
+                <c:pt idx="3">
+                  <c:v>dedup</c:v>
+                </c:pt>
+                <c:pt idx="4">
+                  <c:v>freqmine</c:v>
+                </c:pt>
+                <c:pt idx="5">
+                  <c:v>kmeans</c:v>
+                </c:pt>
+                <c:pt idx="6">
+                  <c:v>raytrace</c:v>
+                </c:pt>
+                <c:pt idx="7">
+                  <c:v>reverse_index</c:v>
+                </c:pt>
+                <c:pt idx="8">
+                  <c:v>swaptions</c:v>
+                </c:pt>
+                <c:pt idx="9">
+                  <c:v>threadtest</c:v>
+                </c:pt>
+                <c:pt idx="11">
+                  <c:v>GEOMEAN</c:v>
+                </c:pt>
+              </c:strCache>
+            </c:strRef>
+          </c:cat>
+          <c:val>
+            <c:numRef>
+              <c:f>Sheet1!$F$2:$F$13</c:f>
+              <c:numCache>
+                <c:formatCode>General</c:formatCode>
+                <c:ptCount val="12"/>
+                <c:pt idx="0">
+                  <c:v>1.9281729430000001</c:v>
+                </c:pt>
+                <c:pt idx="1">
+                  <c:v>0.99666507849999997</c:v>
+                </c:pt>
+                <c:pt idx="2">
+                  <c:v>0.9809512494</c:v>
+                </c:pt>
+                <c:pt idx="3">
+                  <c:v>0.96567632400000003</c:v>
+                </c:pt>
+                <c:pt idx="4">
+                  <c:v>1.393689986</c:v>
+                </c:pt>
+                <c:pt idx="5">
+                  <c:v>0.87917257859999998</c:v>
+                </c:pt>
+                <c:pt idx="6">
+                  <c:v>0.86549244270000003</c:v>
+                </c:pt>
+                <c:pt idx="7">
+                  <c:v>1.1462809920000001</c:v>
+                </c:pt>
+                <c:pt idx="8">
+                  <c:v>2.068761114</c:v>
+                </c:pt>
+                <c:pt idx="9">
+                  <c:v>0.57670928290000001</c:v>
+                </c:pt>
+                <c:pt idx="11">
+                  <c:v>1.056970535</c:v>
+                </c:pt>
+              </c:numCache>
+            </c:numRef>
+          </c:val>
+          <c:extLst>
+            <c:ext xmlns:c16="http://schemas.microsoft.com/office/drawing/2014/chart" uri="{C3380CC4-5D6E-409C-BE32-E72D297353CC}">
+              <c16:uniqueId val="{00000004-0C08-674E-B166-FADFB27237A2}"/>
+            </c:ext>
+          </c:extLst>
+        </c:ser>
+        <c:ser>
+          <c:idx val="5"/>
+          <c:order val="5"/>
+          <c:tx>
+            <c:strRef>
+              <c:f>Sheet1!$G$1</c:f>
+              <c:strCache>
+                <c:ptCount val="1"/>
+                <c:pt idx="0">
+                  <c:v>DieHarder</c:v>
+                </c:pt>
+              </c:strCache>
+            </c:strRef>
+          </c:tx>
+          <c:spPr>
+            <a:pattFill prst="ltUpDiag">
+              <a:fgClr>
+                <a:schemeClr val="tx1">
+                  <a:lumMod val="65000"/>
+                  <a:lumOff val="35000"/>
+                </a:schemeClr>
+              </a:fgClr>
+              <a:bgClr>
+                <a:schemeClr val="bg1"/>
+              </a:bgClr>
+            </a:pattFill>
+            <a:ln>
+              <a:noFill/>
+            </a:ln>
+            <a:effectLst/>
+          </c:spPr>
+          <c:invertIfNegative val="0"/>
+          <c:cat>
+            <c:strRef>
+              <c:f>Sheet1!$A$2:$A$13</c:f>
+              <c:strCache>
+                <c:ptCount val="12"/>
+                <c:pt idx="0">
+                  <c:v>cache-scratch</c:v>
+                </c:pt>
+                <c:pt idx="1">
+                  <c:v>cache-thrash</c:v>
+                </c:pt>
+                <c:pt idx="2">
+                  <c:v>canneal</c:v>
+                </c:pt>
+                <c:pt idx="3">
+                  <c:v>dedup</c:v>
+                </c:pt>
+                <c:pt idx="4">
+                  <c:v>freqmine</c:v>
+                </c:pt>
+                <c:pt idx="5">
+                  <c:v>kmeans</c:v>
+                </c:pt>
+                <c:pt idx="6">
+                  <c:v>raytrace</c:v>
+                </c:pt>
+                <c:pt idx="7">
+                  <c:v>reverse_index</c:v>
+                </c:pt>
+                <c:pt idx="8">
+                  <c:v>swaptions</c:v>
+                </c:pt>
+                <c:pt idx="9">
+                  <c:v>threadtest</c:v>
+                </c:pt>
+                <c:pt idx="11">
+                  <c:v>GEOMEAN</c:v>
+                </c:pt>
+              </c:strCache>
+            </c:strRef>
+          </c:cat>
+          <c:val>
+            <c:numRef>
+              <c:f>Sheet1!$G$2:$G$13</c:f>
+              <c:numCache>
+                <c:formatCode>General</c:formatCode>
+                <c:ptCount val="12"/>
+                <c:pt idx="0">
+                  <c:v>0.1052998606</c:v>
+                </c:pt>
+                <c:pt idx="1">
+                  <c:v>1.0555026199999999</c:v>
+                </c:pt>
+                <c:pt idx="2">
+                  <c:v>1.3210565919999999</c:v>
+                </c:pt>
+                <c:pt idx="3">
+                  <c:v>2.7516146890000002</c:v>
+                </c:pt>
+                <c:pt idx="4">
+                  <c:v>3.6709623850000002</c:v>
+                </c:pt>
+                <c:pt idx="5">
+                  <c:v>0.89074751699999999</c:v>
+                </c:pt>
+                <c:pt idx="6">
+                  <c:v>1.026206728</c:v>
+                </c:pt>
+                <c:pt idx="7">
+                  <c:v>2.4223140500000002</c:v>
+                </c:pt>
+                <c:pt idx="8">
+                  <c:v>5.735131397</c:v>
+                </c:pt>
+                <c:pt idx="9">
+                  <c:v>45.642023340000001</c:v>
+                </c:pt>
+                <c:pt idx="11">
+                  <c:v>1.38646544</c:v>
+                </c:pt>
+              </c:numCache>
+            </c:numRef>
+          </c:val>
+          <c:extLst>
+            <c:ext xmlns:c16="http://schemas.microsoft.com/office/drawing/2014/chart" uri="{C3380CC4-5D6E-409C-BE32-E72D297353CC}">
+              <c16:uniqueId val="{00000005-0C08-674E-B166-FADFB27237A2}"/>
+            </c:ext>
+          </c:extLst>
+        </c:ser>
+        <c:dLbls>
+          <c:showLegendKey val="0"/>
+          <c:showVal val="0"/>
+          <c:showCatName val="0"/>
+          <c:showSerName val="0"/>
+          <c:showPercent val="0"/>
+          <c:showBubbleSize val="0"/>
+        </c:dLbls>
+        <c:gapWidth val="219"/>
+        <c:axId val="843460783"/>
+        <c:axId val="680817839"/>
+      </c:barChart>
+      <c:catAx>
+        <c:axId val="843460783"/>
+        <c:scaling>
+          <c:orientation val="minMax"/>
+        </c:scaling>
+        <c:delete val="0"/>
+        <c:axPos val="b"/>
+        <c:numFmt formatCode="General" sourceLinked="1"/>
+        <c:majorTickMark val="none"/>
+        <c:minorTickMark val="none"/>
+        <c:tickLblPos val="nextTo"/>
+        <c:spPr>
+          <a:noFill/>
+          <a:ln w="9525" cap="flat" cmpd="sng" algn="ctr">
+            <a:solidFill>
+              <a:schemeClr val="tx1">
+                <a:lumMod val="15000"/>
+                <a:lumOff val="85000"/>
+              </a:schemeClr>
+            </a:solidFill>
+            <a:round/>
+          </a:ln>
+          <a:effectLst/>
+        </c:spPr>
+        <c:txPr>
+          <a:bodyPr rot="-60000000" spcFirstLastPara="1" vertOverflow="ellipsis" vert="horz" wrap="square" anchor="ctr" anchorCtr="1"/>
+          <a:lstStyle/>
+          <a:p>
+            <a:pPr>
+              <a:defRPr sz="900" b="0" i="0" u="none" strike="noStrike" kern="1200" baseline="0">
+                <a:solidFill>
+                  <a:schemeClr val="tx1">
+                    <a:lumMod val="65000"/>
+                    <a:lumOff val="35000"/>
+                  </a:schemeClr>
+                </a:solidFill>
+                <a:latin typeface="Times New Roman" panose="02020603050405020304" pitchFamily="18" charset="0"/>
+                <a:ea typeface="+mn-ea"/>
+                <a:cs typeface="Times New Roman" panose="02020603050405020304" pitchFamily="18" charset="0"/>
+              </a:defRPr>
+            </a:pPr>
+            <a:endParaRPr lang="en-US"/>
+          </a:p>
+        </c:txPr>
+        <c:crossAx val="680817839"/>
+        <c:crosses val="autoZero"/>
+        <c:auto val="1"/>
+        <c:lblAlgn val="ctr"/>
+        <c:lblOffset val="100"/>
+        <c:noMultiLvlLbl val="0"/>
+      </c:catAx>
+      <c:valAx>
+        <c:axId val="680817839"/>
+        <c:scaling>
+          <c:orientation val="minMax"/>
+          <c:max val="2.5"/>
+        </c:scaling>
+        <c:delete val="0"/>
+        <c:axPos val="l"/>
+        <c:majorGridlines>
+          <c:spPr>
+            <a:ln w="9525" cap="flat" cmpd="sng" algn="ctr">
+              <a:solidFill>
+                <a:schemeClr val="tx1">
+                  <a:lumMod val="15000"/>
+                  <a:lumOff val="85000"/>
+                </a:schemeClr>
+              </a:solidFill>
+              <a:round/>
+            </a:ln>
+            <a:effectLst/>
+          </c:spPr>
+        </c:majorGridlines>
+        <c:title>
+          <c:tx>
+            <c:rich>
+              <a:bodyPr rot="-5400000" spcFirstLastPara="1" vertOverflow="ellipsis" vert="horz" wrap="square" anchor="ctr" anchorCtr="1"/>
+              <a:lstStyle/>
+              <a:p>
+                <a:pPr>
+                  <a:defRPr sz="1000" b="0" i="0" u="none" strike="noStrike" kern="1200" baseline="0">
+                    <a:solidFill>
+                      <a:schemeClr val="tx1">
+                        <a:lumMod val="65000"/>
+                        <a:lumOff val="35000"/>
+                      </a:schemeClr>
+                    </a:solidFill>
+                    <a:latin typeface="Times New Roman" panose="02020603050405020304" pitchFamily="18" charset="0"/>
+                    <a:ea typeface="+mn-ea"/>
+                    <a:cs typeface="Times New Roman" panose="02020603050405020304" pitchFamily="18" charset="0"/>
+                  </a:defRPr>
+                </a:pPr>
+                <a:r>
+                  <a:rPr lang="en-US"/>
+                  <a:t>Normalized Rutime</a:t>
+                </a:r>
+              </a:p>
+            </c:rich>
+          </c:tx>
+          <c:layout>
+            <c:manualLayout>
+              <c:xMode val="edge"/>
+              <c:yMode val="edge"/>
+              <c:x val="1.7873737954043338E-2"/>
+              <c:y val="0.43680312503280844"/>
+            </c:manualLayout>
+          </c:layout>
+          <c:overlay val="0"/>
+          <c:spPr>
+            <a:noFill/>
+            <a:ln>
+              <a:noFill/>
+            </a:ln>
+            <a:effectLst/>
+          </c:spPr>
+          <c:txPr>
+            <a:bodyPr rot="-5400000" spcFirstLastPara="1" vertOverflow="ellipsis" vert="horz" wrap="square" anchor="ctr" anchorCtr="1"/>
+            <a:lstStyle/>
+            <a:p>
+              <a:pPr>
+                <a:defRPr sz="1000" b="0" i="0" u="none" strike="noStrike" kern="1200" baseline="0">
+                  <a:solidFill>
+                    <a:schemeClr val="tx1">
+                      <a:lumMod val="65000"/>
+                      <a:lumOff val="35000"/>
+                    </a:schemeClr>
+                  </a:solidFill>
+                  <a:latin typeface="Times New Roman" panose="02020603050405020304" pitchFamily="18" charset="0"/>
+                  <a:ea typeface="+mn-ea"/>
+                  <a:cs typeface="Times New Roman" panose="02020603050405020304" pitchFamily="18" charset="0"/>
+                </a:defRPr>
+              </a:pPr>
+              <a:endParaRPr lang="en-US"/>
+            </a:p>
+          </c:txPr>
+        </c:title>
+        <c:numFmt formatCode="0.0_ " sourceLinked="1"/>
+        <c:majorTickMark val="in"/>
+        <c:minorTickMark val="in"/>
+        <c:tickLblPos val="nextTo"/>
+        <c:spPr>
+          <a:noFill/>
+          <a:ln>
+            <a:solidFill>
+              <a:schemeClr val="tx1">
+                <a:lumMod val="65000"/>
+                <a:lumOff val="35000"/>
+              </a:schemeClr>
+            </a:solidFill>
+          </a:ln>
+          <a:effectLst/>
+        </c:spPr>
+        <c:txPr>
+          <a:bodyPr rot="-60000000" spcFirstLastPara="1" vertOverflow="ellipsis" vert="horz" wrap="square" anchor="ctr" anchorCtr="1"/>
+          <a:lstStyle/>
+          <a:p>
+            <a:pPr>
+              <a:defRPr sz="900" b="0" i="0" u="none" strike="noStrike" kern="1200" baseline="0">
+                <a:solidFill>
+                  <a:schemeClr val="tx1">
+                    <a:lumMod val="65000"/>
+                    <a:lumOff val="35000"/>
+                  </a:schemeClr>
+                </a:solidFill>
+                <a:latin typeface="Times New Roman" panose="02020603050405020304" pitchFamily="18" charset="0"/>
+                <a:ea typeface="+mn-ea"/>
+                <a:cs typeface="Times New Roman" panose="02020603050405020304" pitchFamily="18" charset="0"/>
+              </a:defRPr>
+            </a:pPr>
+            <a:endParaRPr lang="en-US"/>
+          </a:p>
+        </c:txPr>
+        <c:crossAx val="843460783"/>
+        <c:crosses val="autoZero"/>
+        <c:crossBetween val="between"/>
+        <c:majorUnit val="0.5"/>
+      </c:valAx>
+      <c:spPr>
+        <a:noFill/>
+        <a:ln>
+          <a:noFill/>
+        </a:ln>
+        <a:effectLst/>
+      </c:spPr>
+    </c:plotArea>
+    <c:legend>
+      <c:legendPos val="b"/>
+      <c:layout>
+        <c:manualLayout>
+          <c:xMode val="edge"/>
+          <c:yMode val="edge"/>
+          <c:x val="0.21893814598089076"/>
+          <c:y val="0.27593478212687161"/>
+          <c:w val="0.57245032335881185"/>
+          <c:h val="6.4493330930584125E-2"/>
+        </c:manualLayout>
+      </c:layout>
+      <c:overlay val="0"/>
+      <c:spPr>
+        <a:noFill/>
+        <a:ln>
+          <a:noFill/>
+        </a:ln>
+        <a:effectLst/>
+      </c:spPr>
+      <c:txPr>
+        <a:bodyPr rot="0" spcFirstLastPara="1" vertOverflow="ellipsis" vert="horz" wrap="square" anchor="ctr" anchorCtr="1"/>
+        <a:lstStyle/>
+        <a:p>
+          <a:pPr>
+            <a:defRPr sz="900" b="0" i="0" u="none" strike="noStrike" kern="1200" baseline="0">
+              <a:solidFill>
+                <a:schemeClr val="tx1">
+                  <a:lumMod val="65000"/>
+                  <a:lumOff val="35000"/>
+                </a:schemeClr>
+              </a:solidFill>
+              <a:latin typeface="Times New Roman" panose="02020603050405020304" pitchFamily="18" charset="0"/>
+              <a:ea typeface="+mn-ea"/>
+              <a:cs typeface="Times New Roman" panose="02020603050405020304" pitchFamily="18" charset="0"/>
+            </a:defRPr>
+          </a:pPr>
+          <a:endParaRPr lang="en-US"/>
+        </a:p>
+      </c:txPr>
+    </c:legend>
+    <c:plotVisOnly val="1"/>
+    <c:dispBlanksAs val="gap"/>
+    <c:extLst>
+      <c:ext xmlns:c16r3="http://schemas.microsoft.com/office/drawing/2017/03/chart" uri="{56B9EC1D-385E-4148-901F-78D8002777C0}">
+        <c16r3:dataDisplayOptions16>
+          <c16r3:dispNaAsBlank val="1"/>
+        </c16r3:dataDisplayOptions16>
+      </c:ext>
+    </c:extLst>
+    <c:showDLblsOverMax val="0"/>
+  </c:chart>
+  <c:spPr>
+    <a:noFill/>
+    <a:ln>
+      <a:noFill/>
+    </a:ln>
+    <a:effectLst/>
+  </c:spPr>
+  <c:txPr>
+    <a:bodyPr/>
+    <a:lstStyle/>
+    <a:p>
+      <a:pPr>
+        <a:defRPr>
+          <a:latin typeface="Times New Roman" panose="02020603050405020304" pitchFamily="18" charset="0"/>
+          <a:cs typeface="Times New Roman" panose="02020603050405020304" pitchFamily="18" charset="0"/>
+        </a:defRPr>
+      </a:pPr>
+      <a:endParaRPr lang="en-US"/>
+    </a:p>
+  </c:txPr>
+  <c:externalData r:id="rId3">
+    <c:autoUpdate val="0"/>
+  </c:externalData>
+  <c:userShapes r:id="rId4"/>
+</c:chartSpace>
+</file>
+
+<file path=ppt/charts/colors1.xml><?xml version="1.0" encoding="utf-8"?>
+<cs:colorStyle xmlns:cs="http://schemas.microsoft.com/office/drawing/2012/chartStyle" xmlns:a="http://schemas.openxmlformats.org/drawingml/2006/main" meth="cycle" id="10">
+  <a:schemeClr val="accent1"/>
+  <a:schemeClr val="accent2"/>
+  <a:schemeClr val="accent3"/>
+  <a:schemeClr val="accent4"/>
+  <a:schemeClr val="accent5"/>
+  <a:schemeClr val="accent6"/>
+  <cs:variation/>
+  <cs:variation>
+    <a:lumMod val="60000"/>
+  </cs:variation>
+  <cs:variation>
+    <a:lumMod val="80000"/>
+    <a:lumOff val="20000"/>
+  </cs:variation>
+  <cs:variation>
+    <a:lumMod val="80000"/>
+  </cs:variation>
+  <cs:variation>
+    <a:lumMod val="60000"/>
+    <a:lumOff val="40000"/>
+  </cs:variation>
+  <cs:variation>
+    <a:lumMod val="50000"/>
+  </cs:variation>
+  <cs:variation>
+    <a:lumMod val="70000"/>
+    <a:lumOff val="30000"/>
+  </cs:variation>
+  <cs:variation>
+    <a:lumMod val="70000"/>
+  </cs:variation>
+  <cs:variation>
+    <a:lumMod val="50000"/>
+    <a:lumOff val="50000"/>
+  </cs:variation>
+</cs:colorStyle>
+</file>
+
+<file path=ppt/charts/style1.xml><?xml version="1.0" encoding="utf-8"?>
+<cs:chartStyle xmlns:cs="http://schemas.microsoft.com/office/drawing/2012/chartStyle" xmlns:a="http://schemas.openxmlformats.org/drawingml/2006/main" id="201">
+  <cs:axisTitle>
+    <cs:lnRef idx="0"/>
+    <cs:fillRef idx="0"/>
+    <cs:effectRef idx="0"/>
+    <cs:fontRef idx="minor">
+      <a:schemeClr val="tx1">
+        <a:lumMod val="65000"/>
+        <a:lumOff val="35000"/>
+      </a:schemeClr>
+    </cs:fontRef>
+    <cs:defRPr sz="1000" kern="1200"/>
+  </cs:axisTitle>
+  <cs:categoryAxis>
+    <cs:lnRef idx="0"/>
+    <cs:fillRef idx="0"/>
+    <cs:effectRef idx="0"/>
+    <cs:fontRef idx="minor">
+      <a:schemeClr val="tx1">
+        <a:lumMod val="65000"/>
+        <a:lumOff val="35000"/>
+      </a:schemeClr>
+    </cs:fontRef>
+    <cs:spPr>
+      <a:ln w="9525" cap="flat" cmpd="sng" algn="ctr">
+        <a:solidFill>
+          <a:schemeClr val="tx1">
+            <a:lumMod val="15000"/>
+            <a:lumOff val="85000"/>
+          </a:schemeClr>
+        </a:solidFill>
+        <a:round/>
+      </a:ln>
+    </cs:spPr>
+    <cs:defRPr sz="900" kern="1200"/>
+  </cs:categoryAxis>
+  <cs:chartArea mods="allowNoFillOverride allowNoLineOverride">
+    <cs:lnRef idx="0"/>
+    <cs:fillRef idx="0"/>
+    <cs:effectRef idx="0"/>
+    <cs:fontRef idx="minor">
+      <a:schemeClr val="tx1"/>
+    </cs:fontRef>
+    <cs:spPr>
+      <a:solidFill>
+        <a:schemeClr val="bg1"/>
+      </a:solidFill>
+      <a:ln w="9525" cap="flat" cmpd="sng" algn="ctr">
+        <a:solidFill>
+          <a:schemeClr val="tx1">
+            <a:lumMod val="15000"/>
+            <a:lumOff val="85000"/>
+          </a:schemeClr>
+        </a:solidFill>
+        <a:round/>
+      </a:ln>
+    </cs:spPr>
+    <cs:defRPr sz="1000" kern="1200"/>
+  </cs:chartArea>
+  <cs:dataLabel>
+    <cs:lnRef idx="0"/>
+    <cs:fillRef idx="0"/>
+    <cs:effectRef idx="0"/>
+    <cs:fontRef idx="minor">
+      <a:schemeClr val="tx1">
+        <a:lumMod val="75000"/>
+        <a:lumOff val="25000"/>
+      </a:schemeClr>
+    </cs:fontRef>
+    <cs:defRPr sz="900" kern="1200"/>
+  </cs:dataLabel>
+  <cs:dataLabelCallout>
+    <cs:lnRef idx="0"/>
+    <cs:fillRef idx="0"/>
+    <cs:effectRef idx="0"/>
+    <cs:fontRef idx="minor">
+      <a:schemeClr val="dk1">
+        <a:lumMod val="65000"/>
+        <a:lumOff val="35000"/>
+      </a:schemeClr>
+    </cs:fontRef>
+    <cs:spPr>
+      <a:solidFill>
+        <a:schemeClr val="lt1"/>
+      </a:solidFill>
+      <a:ln>
+        <a:solidFill>
+          <a:schemeClr val="dk1">
+            <a:lumMod val="25000"/>
+            <a:lumOff val="75000"/>
+          </a:schemeClr>
+        </a:solidFill>
+      </a:ln>
+    </cs:spPr>
+    <cs:defRPr sz="900" kern="1200"/>
+    <cs:bodyPr rot="0" spcFirstLastPara="1" vertOverflow="clip" horzOverflow="clip" vert="horz" wrap="square" lIns="36576" tIns="18288" rIns="36576" bIns="18288" anchor="ctr" anchorCtr="1">
+      <a:spAutoFit/>
+    </cs:bodyPr>
+  </cs:dataLabelCallout>
+  <cs:dataPoint>
+    <cs:lnRef idx="0"/>
+    <cs:fillRef idx="1">
+      <cs:styleClr val="auto"/>
+    </cs:fillRef>
+    <cs:effectRef idx="0"/>
+    <cs:fontRef idx="minor">
+      <a:schemeClr val="tx1"/>
+    </cs:fontRef>
+  </cs:dataPoint>
+  <cs:dataPoint3D>
+    <cs:lnRef idx="0"/>
+    <cs:fillRef idx="1">
+      <cs:styleClr val="auto"/>
+    </cs:fillRef>
+    <cs:effectRef idx="0"/>
+    <cs:fontRef idx="minor">
+      <a:schemeClr val="tx1"/>
+    </cs:fontRef>
+  </cs:dataPoint3D>
+  <cs:dataPointLine>
+    <cs:lnRef idx="0">
+      <cs:styleClr val="auto"/>
+    </cs:lnRef>
+    <cs:fillRef idx="1"/>
+    <cs:effectRef idx="0"/>
+    <cs:fontRef idx="minor">
+      <a:schemeClr val="tx1"/>
+    </cs:fontRef>
+    <cs:spPr>
+      <a:ln w="28575" cap="rnd">
+        <a:solidFill>
+          <a:schemeClr val="phClr"/>
+        </a:solidFill>
+        <a:round/>
+      </a:ln>
+    </cs:spPr>
+  </cs:dataPointLine>
+  <cs:dataPointMarker>
+    <cs:lnRef idx="0">
+      <cs:styleClr val="auto"/>
+    </cs:lnRef>
+    <cs:fillRef idx="1">
+      <cs:styleClr val="auto"/>
+    </cs:fillRef>
+    <cs:effectRef idx="0"/>
+    <cs:fontRef idx="minor">
+      <a:schemeClr val="tx1"/>
+    </cs:fontRef>
+    <cs:spPr>
+      <a:ln w="9525">
+        <a:solidFill>
+          <a:schemeClr val="phClr"/>
+        </a:solidFill>
+      </a:ln>
+    </cs:spPr>
+  </cs:dataPointMarker>
+  <cs:dataPointMarkerLayout symbol="circle" size="5"/>
+  <cs:dataPointWireframe>
+    <cs:lnRef idx="0">
+      <cs:styleClr val="auto"/>
+    </cs:lnRef>
+    <cs:fillRef idx="1"/>
+    <cs:effectRef idx="0"/>
+    <cs:fontRef idx="minor">
+      <a:schemeClr val="tx1"/>
+    </cs:fontRef>
+    <cs:spPr>
+      <a:ln w="9525" cap="rnd">
+        <a:solidFill>
+          <a:schemeClr val="phClr"/>
+        </a:solidFill>
+        <a:round/>
+      </a:ln>
+    </cs:spPr>
+  </cs:dataPointWireframe>
+  <cs:dataTable>
+    <cs:lnRef idx="0"/>
+    <cs:fillRef idx="0"/>
+    <cs:effectRef idx="0"/>
+    <cs:fontRef idx="minor">
+      <a:schemeClr val="tx1">
+        <a:lumMod val="65000"/>
+        <a:lumOff val="35000"/>
+      </a:schemeClr>
+    </cs:fontRef>
+    <cs:spPr>
+      <a:noFill/>
+      <a:ln w="9525" cap="flat" cmpd="sng" algn="ctr">
+        <a:solidFill>
+          <a:schemeClr val="tx1">
+            <a:lumMod val="15000"/>
+            <a:lumOff val="85000"/>
+          </a:schemeClr>
+        </a:solidFill>
+        <a:round/>
+      </a:ln>
+    </cs:spPr>
+    <cs:defRPr sz="900" kern="1200"/>
+  </cs:dataTable>
+  <cs:downBar>
+    <cs:lnRef idx="0"/>
+    <cs:fillRef idx="0"/>
+    <cs:effectRef idx="0"/>
+    <cs:fontRef idx="minor">
+      <a:schemeClr val="dk1"/>
+    </cs:fontRef>
+    <cs:spPr>
+      <a:solidFill>
+        <a:schemeClr val="dk1">
+          <a:lumMod val="65000"/>
+          <a:lumOff val="35000"/>
+        </a:schemeClr>
+      </a:solidFill>
+      <a:ln w="9525">
+        <a:solidFill>
+          <a:schemeClr val="tx1">
+            <a:lumMod val="65000"/>
+            <a:lumOff val="35000"/>
+          </a:schemeClr>
+        </a:solidFill>
+      </a:ln>
+    </cs:spPr>
+  </cs:downBar>
+  <cs:dropLine>
+    <cs:lnRef idx="0"/>
+    <cs:fillRef idx="0"/>
+    <cs:effectRef idx="0"/>
+    <cs:fontRef idx="minor">
+      <a:schemeClr val="tx1"/>
+    </cs:fontRef>
+    <cs:spPr>
+      <a:ln w="9525" cap="flat" cmpd="sng" algn="ctr">
+        <a:solidFill>
+          <a:schemeClr val="tx1">
+            <a:lumMod val="35000"/>
+            <a:lumOff val="65000"/>
+          </a:schemeClr>
+        </a:solidFill>
+        <a:round/>
+      </a:ln>
+    </cs:spPr>
+  </cs:dropLine>
+  <cs:errorBar>
+    <cs:lnRef idx="0"/>
+    <cs:fillRef idx="0"/>
+    <cs:effectRef idx="0"/>
+    <cs:fontRef idx="minor">
+      <a:schemeClr val="tx1"/>
+    </cs:fontRef>
+    <cs:spPr>
+      <a:ln w="9525" cap="flat" cmpd="sng" algn="ctr">
+        <a:solidFill>
+          <a:schemeClr val="tx1">
+            <a:lumMod val="65000"/>
+            <a:lumOff val="35000"/>
+          </a:schemeClr>
+        </a:solidFill>
+        <a:round/>
+      </a:ln>
+    </cs:spPr>
+  </cs:errorBar>
+  <cs:floor>
+    <cs:lnRef idx="0"/>
+    <cs:fillRef idx="0"/>
+    <cs:effectRef idx="0"/>
+    <cs:fontRef idx="minor">
+      <a:schemeClr val="tx1"/>
+    </cs:fontRef>
+    <cs:spPr>
+      <a:noFill/>
+      <a:ln>
+        <a:noFill/>
+      </a:ln>
+    </cs:spPr>
+  </cs:floor>
+  <cs:gridlineMajor>
+    <cs:lnRef idx="0"/>
+    <cs:fillRef idx="0"/>
+    <cs:effectRef idx="0"/>
+    <cs:fontRef idx="minor">
+      <a:schemeClr val="tx1"/>
+    </cs:fontRef>
+    <cs:spPr>
+      <a:ln w="9525" cap="flat" cmpd="sng" algn="ctr">
+        <a:solidFill>
+          <a:schemeClr val="tx1">
+            <a:lumMod val="15000"/>
+            <a:lumOff val="85000"/>
+          </a:schemeClr>
+        </a:solidFill>
+        <a:round/>
+      </a:ln>
+    </cs:spPr>
+  </cs:gridlineMajor>
+  <cs:gridlineMinor>
+    <cs:lnRef idx="0"/>
+    <cs:fillRef idx="0"/>
+    <cs:effectRef idx="0"/>
+    <cs:fontRef idx="minor">
+      <a:schemeClr val="tx1"/>
+    </cs:fontRef>
+    <cs:spPr>
+      <a:ln w="9525" cap="flat" cmpd="sng" algn="ctr">
+        <a:solidFill>
+          <a:schemeClr val="tx1">
+            <a:lumMod val="5000"/>
+            <a:lumOff val="95000"/>
+          </a:schemeClr>
+        </a:solidFill>
+        <a:round/>
+      </a:ln>
+    </cs:spPr>
+  </cs:gridlineMinor>
+  <cs:hiLoLine>
+    <cs:lnRef idx="0"/>
+    <cs:fillRef idx="0"/>
+    <cs:effectRef idx="0"/>
+    <cs:fontRef idx="minor">
+      <a:schemeClr val="tx1"/>
+    </cs:fontRef>
+    <cs:spPr>
+      <a:ln w="9525" cap="flat" cmpd="sng" algn="ctr">
+        <a:solidFill>
+          <a:schemeClr val="tx1">
+            <a:lumMod val="75000"/>
+            <a:lumOff val="25000"/>
+          </a:schemeClr>
+        </a:solidFill>
+        <a:round/>
+      </a:ln>
+    </cs:spPr>
+  </cs:hiLoLine>
+  <cs:leaderLine>
+    <cs:lnRef idx="0"/>
+    <cs:fillRef idx="0"/>
+    <cs:effectRef idx="0"/>
+    <cs:fontRef idx="minor">
+      <a:schemeClr val="tx1"/>
+    </cs:fontRef>
+    <cs:spPr>
+      <a:ln w="9525" cap="flat" cmpd="sng" algn="ctr">
+        <a:solidFill>
+          <a:schemeClr val="tx1">
+            <a:lumMod val="35000"/>
+            <a:lumOff val="65000"/>
+          </a:schemeClr>
+        </a:solidFill>
+        <a:round/>
+      </a:ln>
+    </cs:spPr>
+  </cs:leaderLine>
+  <cs:legend>
+    <cs:lnRef idx="0"/>
+    <cs:fillRef idx="0"/>
+    <cs:effectRef idx="0"/>
+    <cs:fontRef idx="minor">
+      <a:schemeClr val="tx1">
+        <a:lumMod val="65000"/>
+        <a:lumOff val="35000"/>
+      </a:schemeClr>
+    </cs:fontRef>
+    <cs:defRPr sz="900" kern="1200"/>
+  </cs:legend>
+  <cs:plotArea mods="allowNoFillOverride allowNoLineOverride">
+    <cs:lnRef idx="0"/>
+    <cs:fillRef idx="0"/>
+    <cs:effectRef idx="0"/>
+    <cs:fontRef idx="minor">
+      <a:schemeClr val="tx1"/>
+    </cs:fontRef>
+  </cs:plotArea>
+  <cs:plotArea3D mods="allowNoFillOverride allowNoLineOverride">
+    <cs:lnRef idx="0"/>
+    <cs:fillRef idx="0"/>
+    <cs:effectRef idx="0"/>
+    <cs:fontRef idx="minor">
+      <a:schemeClr val="tx1"/>
+    </cs:fontRef>
+  </cs:plotArea3D>
+  <cs:seriesAxis>
+    <cs:lnRef idx="0"/>
+    <cs:fillRef idx="0"/>
+    <cs:effectRef idx="0"/>
+    <cs:fontRef idx="minor">
+      <a:schemeClr val="tx1">
+        <a:lumMod val="65000"/>
+        <a:lumOff val="35000"/>
+      </a:schemeClr>
+    </cs:fontRef>
+    <cs:defRPr sz="900" kern="1200"/>
+  </cs:seriesAxis>
+  <cs:seriesLine>
+    <cs:lnRef idx="0"/>
+    <cs:fillRef idx="0"/>
+    <cs:effectRef idx="0"/>
+    <cs:fontRef idx="minor">
+      <a:schemeClr val="tx1"/>
+    </cs:fontRef>
+    <cs:spPr>
+      <a:ln w="9525" cap="flat" cmpd="sng" algn="ctr">
+        <a:solidFill>
+          <a:schemeClr val="tx1">
+            <a:lumMod val="35000"/>
+            <a:lumOff val="65000"/>
+          </a:schemeClr>
+        </a:solidFill>
+        <a:round/>
+      </a:ln>
+    </cs:spPr>
+  </cs:seriesLine>
+  <cs:title>
+    <cs:lnRef idx="0"/>
+    <cs:fillRef idx="0"/>
+    <cs:effectRef idx="0"/>
+    <cs:fontRef idx="minor">
+      <a:schemeClr val="tx1">
+        <a:lumMod val="65000"/>
+        <a:lumOff val="35000"/>
+      </a:schemeClr>
+    </cs:fontRef>
+    <cs:defRPr sz="1400" b="0" kern="1200" spc="0" baseline="0"/>
+  </cs:title>
+  <cs:trendline>
+    <cs:lnRef idx="0">
+      <cs:styleClr val="auto"/>
+    </cs:lnRef>
+    <cs:fillRef idx="0"/>
+    <cs:effectRef idx="0"/>
+    <cs:fontRef idx="minor">
+      <a:schemeClr val="tx1"/>
+    </cs:fontRef>
+    <cs:spPr>
+      <a:ln w="19050" cap="rnd">
+        <a:solidFill>
+          <a:schemeClr val="phClr"/>
+        </a:solidFill>
+        <a:prstDash val="sysDot"/>
+      </a:ln>
+    </cs:spPr>
+  </cs:trendline>
+  <cs:trendlineLabel>
+    <cs:lnRef idx="0"/>
+    <cs:fillRef idx="0"/>
+    <cs:effectRef idx="0"/>
+    <cs:fontRef idx="minor">
+      <a:schemeClr val="tx1">
+        <a:lumMod val="65000"/>
+        <a:lumOff val="35000"/>
+      </a:schemeClr>
+    </cs:fontRef>
+    <cs:defRPr sz="900" kern="1200"/>
+  </cs:trendlineLabel>
+  <cs:upBar>
+    <cs:lnRef idx="0"/>
+    <cs:fillRef idx="0"/>
+    <cs:effectRef idx="0"/>
+    <cs:fontRef idx="minor">
+      <a:schemeClr val="dk1"/>
+    </cs:fontRef>
+    <cs:spPr>
+      <a:solidFill>
+        <a:schemeClr val="lt1"/>
+      </a:solidFill>
+      <a:ln w="9525">
+        <a:solidFill>
+          <a:schemeClr val="tx1">
+            <a:lumMod val="15000"/>
+            <a:lumOff val="85000"/>
+          </a:schemeClr>
+        </a:solidFill>
+      </a:ln>
+    </cs:spPr>
+  </cs:upBar>
+  <cs:valueAxis>
+    <cs:lnRef idx="0"/>
+    <cs:fillRef idx="0"/>
+    <cs:effectRef idx="0"/>
+    <cs:fontRef idx="minor">
+      <a:schemeClr val="tx1">
+        <a:lumMod val="65000"/>
+        <a:lumOff val="35000"/>
+      </a:schemeClr>
+    </cs:fontRef>
+    <cs:defRPr sz="900" kern="1200"/>
+  </cs:valueAxis>
+  <cs:wall>
+    <cs:lnRef idx="0"/>
+    <cs:fillRef idx="0"/>
+    <cs:effectRef idx="0"/>
+    <cs:fontRef idx="minor">
+      <a:schemeClr val="tx1"/>
+    </cs:fontRef>
+    <cs:spPr>
+      <a:noFill/>
+      <a:ln>
+        <a:noFill/>
+      </a:ln>
+    </cs:spPr>
+  </cs:wall>
+</cs:chartStyle>
+</file>
+
 <file path=ppt/drawings/drawing1.xml><?xml version="1.0" encoding="utf-8"?>
 <c:userShapes xmlns:c="http://schemas.openxmlformats.org/drawingml/2006/chart">
   <cdr:relSizeAnchor xmlns:cdr="http://schemas.openxmlformats.org/drawingml/2006/chartDrawing">
@@ -635,6 +2214,68 @@
 </c:userShapes>
 </file>
 
+<file path=ppt/drawings/drawing2.xml><?xml version="1.0" encoding="utf-8"?>
+<c:userShapes xmlns:c="http://schemas.openxmlformats.org/drawingml/2006/chart">
+  <cdr:relSizeAnchor xmlns:cdr="http://schemas.openxmlformats.org/drawingml/2006/chartDrawing">
+    <cdr:from>
+      <cdr:x>0.09763</cdr:x>
+      <cdr:y>0.35121</cdr:y>
+    </cdr:from>
+    <cdr:to>
+      <cdr:x>0.97534</cdr:x>
+      <cdr:y>0.42206</cdr:y>
+    </cdr:to>
+    <cdr:sp macro="" textlink="">
+      <cdr:nvSpPr>
+        <cdr:cNvPr id="2" name="TextBox 1">
+          <a:extLst xmlns:a="http://schemas.openxmlformats.org/drawingml/2006/main">
+            <a:ext uri="{FF2B5EF4-FFF2-40B4-BE49-F238E27FC236}">
+              <a16:creationId xmlns:a16="http://schemas.microsoft.com/office/drawing/2014/main" id="{B9892BEE-F23C-D341-9AAC-05B4B3378BB8}"/>
+            </a:ext>
+          </a:extLst>
+        </cdr:cNvPr>
+        <cdr:cNvSpPr txBox="1"/>
+      </cdr:nvSpPr>
+      <cdr:spPr>
+        <a:xfrm xmlns:a="http://schemas.openxmlformats.org/drawingml/2006/main">
+          <a:off x="655981" y="903218"/>
+          <a:ext cx="5897217" cy="182217"/>
+        </a:xfrm>
+        <a:prstGeom xmlns:a="http://schemas.openxmlformats.org/drawingml/2006/main" prst="rect">
+          <a:avLst/>
+        </a:prstGeom>
+      </cdr:spPr>
+      <cdr:txBody>
+        <a:bodyPr xmlns:a="http://schemas.openxmlformats.org/drawingml/2006/main" vertOverflow="clip" wrap="none" rtlCol="0"/>
+        <a:lstStyle xmlns:a="http://schemas.openxmlformats.org/drawingml/2006/main"/>
+        <a:p xmlns:a="http://schemas.openxmlformats.org/drawingml/2006/main">
+          <a:r>
+            <a:rPr lang="en-US" sz="1000" dirty="0">
+              <a:latin typeface="Times New Roman" panose="02020603050405020304" pitchFamily="18" charset="0"/>
+              <a:cs typeface="Times New Roman" panose="02020603050405020304" pitchFamily="18" charset="0"/>
+            </a:rPr>
+            <a:t>  </a:t>
+          </a:r>
+          <a:r>
+            <a:rPr lang="en-US" sz="1000" dirty="0">
+              <a:solidFill>
+                <a:schemeClr val="tx1">
+                  <a:lumMod val="65000"/>
+                  <a:lumOff val="35000"/>
+                </a:schemeClr>
+              </a:solidFill>
+              <a:latin typeface="Times New Roman" panose="02020603050405020304" pitchFamily="18" charset="0"/>
+              <a:cs typeface="Times New Roman" panose="02020603050405020304" pitchFamily="18" charset="0"/>
+            </a:rPr>
+            <a:t>3.7         38.3                              2.8          3.7                                                          5.7        45.6</a:t>
+          </a:r>
+        </a:p>
+      </cdr:txBody>
+    </cdr:sp>
+  </cdr:relSizeAnchor>
+</c:userShapes>
+</file>
+
 <file path=ppt/notesMasters/notesMaster1.xml><?xml version="1.0" encoding="utf-8"?>
 <p:notesMaster xmlns:a="http://schemas.openxmlformats.org/drawingml/2006/main" xmlns:r="http://schemas.openxmlformats.org/officeDocument/2006/relationships" xmlns:p="http://schemas.openxmlformats.org/presentationml/2006/main">
   <p:cSld>
@@ -717,7 +2358,7 @@
           <a:p>
             <a:fld id="{C8819947-BA8E-2949-B0DD-BE392E009EED}" type="datetimeFigureOut">
               <a:rPr lang="en-US" smtClean="0"/>
-              <a:t>5/2/20</a:t>
+              <a:t>8/13/20</a:t>
             </a:fld>
             <a:endParaRPr lang="en-US"/>
           </a:p>
@@ -1247,7 +2888,7 @@
           <a:p>
             <a:fld id="{CED58884-990F-F448-A340-6825F8217195}" type="datetimeFigureOut">
               <a:rPr lang="en-US" smtClean="0"/>
-              <a:t>5/2/20</a:t>
+              <a:t>8/13/20</a:t>
             </a:fld>
             <a:endParaRPr lang="en-US"/>
           </a:p>
@@ -1415,7 +3056,7 @@
           <a:p>
             <a:fld id="{CED58884-990F-F448-A340-6825F8217195}" type="datetimeFigureOut">
               <a:rPr lang="en-US" smtClean="0"/>
-              <a:t>5/2/20</a:t>
+              <a:t>8/13/20</a:t>
             </a:fld>
             <a:endParaRPr lang="en-US"/>
           </a:p>
@@ -1593,7 +3234,7 @@
           <a:p>
             <a:fld id="{CED58884-990F-F448-A340-6825F8217195}" type="datetimeFigureOut">
               <a:rPr lang="en-US" smtClean="0"/>
-              <a:t>5/2/20</a:t>
+              <a:t>8/13/20</a:t>
             </a:fld>
             <a:endParaRPr lang="en-US"/>
           </a:p>
@@ -1761,7 +3402,7 @@
           <a:p>
             <a:fld id="{CED58884-990F-F448-A340-6825F8217195}" type="datetimeFigureOut">
               <a:rPr lang="en-US" smtClean="0"/>
-              <a:t>5/2/20</a:t>
+              <a:t>8/13/20</a:t>
             </a:fld>
             <a:endParaRPr lang="en-US"/>
           </a:p>
@@ -2006,7 +3647,7 @@
           <a:p>
             <a:fld id="{CED58884-990F-F448-A340-6825F8217195}" type="datetimeFigureOut">
               <a:rPr lang="en-US" smtClean="0"/>
-              <a:t>5/2/20</a:t>
+              <a:t>8/13/20</a:t>
             </a:fld>
             <a:endParaRPr lang="en-US"/>
           </a:p>
@@ -2291,7 +3932,7 @@
           <a:p>
             <a:fld id="{CED58884-990F-F448-A340-6825F8217195}" type="datetimeFigureOut">
               <a:rPr lang="en-US" smtClean="0"/>
-              <a:t>5/2/20</a:t>
+              <a:t>8/13/20</a:t>
             </a:fld>
             <a:endParaRPr lang="en-US"/>
           </a:p>
@@ -2710,7 +4351,7 @@
           <a:p>
             <a:fld id="{CED58884-990F-F448-A340-6825F8217195}" type="datetimeFigureOut">
               <a:rPr lang="en-US" smtClean="0"/>
-              <a:t>5/2/20</a:t>
+              <a:t>8/13/20</a:t>
             </a:fld>
             <a:endParaRPr lang="en-US"/>
           </a:p>
@@ -2827,7 +4468,7 @@
           <a:p>
             <a:fld id="{CED58884-990F-F448-A340-6825F8217195}" type="datetimeFigureOut">
               <a:rPr lang="en-US" smtClean="0"/>
-              <a:t>5/2/20</a:t>
+              <a:t>8/13/20</a:t>
             </a:fld>
             <a:endParaRPr lang="en-US"/>
           </a:p>
@@ -2922,7 +4563,7 @@
           <a:p>
             <a:fld id="{CED58884-990F-F448-A340-6825F8217195}" type="datetimeFigureOut">
               <a:rPr lang="en-US" smtClean="0"/>
-              <a:t>5/2/20</a:t>
+              <a:t>8/13/20</a:t>
             </a:fld>
             <a:endParaRPr lang="en-US"/>
           </a:p>
@@ -3197,7 +4838,7 @@
           <a:p>
             <a:fld id="{CED58884-990F-F448-A340-6825F8217195}" type="datetimeFigureOut">
               <a:rPr lang="en-US" smtClean="0"/>
-              <a:t>5/2/20</a:t>
+              <a:t>8/13/20</a:t>
             </a:fld>
             <a:endParaRPr lang="en-US"/>
           </a:p>
@@ -3449,7 +5090,7 @@
           <a:p>
             <a:fld id="{CED58884-990F-F448-A340-6825F8217195}" type="datetimeFigureOut">
               <a:rPr lang="en-US" smtClean="0"/>
-              <a:t>5/2/20</a:t>
+              <a:t>8/13/20</a:t>
             </a:fld>
             <a:endParaRPr lang="en-US"/>
           </a:p>
@@ -3660,7 +5301,7 @@
           <a:p>
             <a:fld id="{CED58884-990F-F448-A340-6825F8217195}" type="datetimeFigureOut">
               <a:rPr lang="en-US" smtClean="0"/>
-              <a:t>5/2/20</a:t>
+              <a:t>8/13/20</a:t>
             </a:fld>
             <a:endParaRPr lang="en-US"/>
           </a:p>
@@ -4086,6 +5727,850 @@
 </p:sld>
 </file>
 
+<file path=ppt/slides/slide10.xml><?xml version="1.0" encoding="utf-8"?>
+<p:sld xmlns:a="http://schemas.openxmlformats.org/drawingml/2006/main" xmlns:r="http://schemas.openxmlformats.org/officeDocument/2006/relationships" xmlns:p="http://schemas.openxmlformats.org/presentationml/2006/main">
+  <p:cSld>
+    <p:spTree>
+      <p:nvGrpSpPr>
+        <p:cNvPr id="1" name=""/>
+        <p:cNvGrpSpPr/>
+        <p:nvPr/>
+      </p:nvGrpSpPr>
+      <p:grpSpPr>
+        <a:xfrm>
+          <a:off x="0" y="0"/>
+          <a:ext cx="0" cy="0"/>
+          <a:chOff x="0" y="0"/>
+          <a:chExt cx="0" cy="0"/>
+        </a:xfrm>
+      </p:grpSpPr>
+      <p:sp>
+        <p:nvSpPr>
+          <p:cNvPr id="4" name="TextBox 3">
+            <a:extLst>
+              <a:ext uri="{FF2B5EF4-FFF2-40B4-BE49-F238E27FC236}">
+                <a16:creationId xmlns:a16="http://schemas.microsoft.com/office/drawing/2014/main" id="{44C6D75E-DBF7-514B-91F4-2FD5984A5D9E}"/>
+              </a:ext>
+            </a:extLst>
+          </p:cNvPr>
+          <p:cNvSpPr txBox="1"/>
+          <p:nvPr/>
+        </p:nvSpPr>
+        <p:spPr>
+          <a:xfrm>
+            <a:off x="4080858" y="1386781"/>
+            <a:ext cx="1097280" cy="261610"/>
+          </a:xfrm>
+          <a:prstGeom prst="rect">
+            <a:avLst/>
+          </a:prstGeom>
+          <a:noFill/>
+          <a:ln>
+            <a:solidFill>
+              <a:schemeClr val="tx1"/>
+            </a:solidFill>
+          </a:ln>
+        </p:spPr>
+        <p:txBody>
+          <a:bodyPr wrap="square" rtlCol="0" anchor="ctr" anchorCtr="0">
+            <a:spAutoFit/>
+          </a:bodyPr>
+          <a:lstStyle/>
+          <a:p>
+            <a:pPr algn="ctr"/>
+            <a:r>
+              <a:rPr lang="en-US" sz="1100" dirty="0">
+                <a:latin typeface="Times New Roman" panose="02020603050405020304" pitchFamily="18" charset="0"/>
+                <a:cs typeface="Times New Roman" panose="02020603050405020304" pitchFamily="18" charset="0"/>
+              </a:rPr>
+              <a:t>Applications</a:t>
+            </a:r>
+          </a:p>
+        </p:txBody>
+      </p:sp>
+      <p:sp>
+        <p:nvSpPr>
+          <p:cNvPr id="14" name="Rectangle 13">
+            <a:extLst>
+              <a:ext uri="{FF2B5EF4-FFF2-40B4-BE49-F238E27FC236}">
+                <a16:creationId xmlns:a16="http://schemas.microsoft.com/office/drawing/2014/main" id="{48C98958-0A7F-5144-B880-2BB607CFA19B}"/>
+              </a:ext>
+            </a:extLst>
+          </p:cNvPr>
+          <p:cNvSpPr/>
+          <p:nvPr/>
+        </p:nvSpPr>
+        <p:spPr>
+          <a:xfrm>
+            <a:off x="4080858" y="2118162"/>
+            <a:ext cx="1097280" cy="265176"/>
+          </a:xfrm>
+          <a:prstGeom prst="rect">
+            <a:avLst/>
+          </a:prstGeom>
+          <a:noFill/>
+          <a:ln>
+            <a:solidFill>
+              <a:schemeClr val="tx1"/>
+            </a:solidFill>
+          </a:ln>
+          <a:effectLst/>
+        </p:spPr>
+        <p:style>
+          <a:lnRef idx="1">
+            <a:schemeClr val="accent1"/>
+          </a:lnRef>
+          <a:fillRef idx="3">
+            <a:schemeClr val="accent1"/>
+          </a:fillRef>
+          <a:effectRef idx="2">
+            <a:schemeClr val="accent1"/>
+          </a:effectRef>
+          <a:fontRef idx="minor">
+            <a:schemeClr val="lt1"/>
+          </a:fontRef>
+        </p:style>
+        <p:txBody>
+          <a:bodyPr rtlCol="0" anchor="ctr"/>
+          <a:lstStyle/>
+          <a:p>
+            <a:pPr algn="ctr"/>
+            <a:r>
+              <a:rPr lang="en-US" sz="1100" dirty="0">
+                <a:solidFill>
+                  <a:schemeClr val="tx1"/>
+                </a:solidFill>
+                <a:latin typeface="Times New Roman" panose="02020603050405020304" pitchFamily="18" charset="0"/>
+                <a:cs typeface="Times New Roman" panose="02020603050405020304" pitchFamily="18" charset="0"/>
+              </a:rPr>
+              <a:t>Allocator</a:t>
+            </a:r>
+          </a:p>
+        </p:txBody>
+      </p:sp>
+      <p:sp>
+        <p:nvSpPr>
+          <p:cNvPr id="29" name="Up-Down Arrow 28">
+            <a:extLst>
+              <a:ext uri="{FF2B5EF4-FFF2-40B4-BE49-F238E27FC236}">
+                <a16:creationId xmlns:a16="http://schemas.microsoft.com/office/drawing/2014/main" id="{647362CB-B95B-A148-9FAE-8C43EB32F5BD}"/>
+              </a:ext>
+            </a:extLst>
+          </p:cNvPr>
+          <p:cNvSpPr/>
+          <p:nvPr/>
+        </p:nvSpPr>
+        <p:spPr>
+          <a:xfrm>
+            <a:off x="4820582" y="1652686"/>
+            <a:ext cx="225096" cy="439724"/>
+          </a:xfrm>
+          <a:prstGeom prst="upDownArrow">
+            <a:avLst/>
+          </a:prstGeom>
+          <a:noFill/>
+          <a:ln>
+            <a:solidFill>
+              <a:schemeClr val="tx1"/>
+            </a:solidFill>
+          </a:ln>
+          <a:effectLst/>
+        </p:spPr>
+        <p:style>
+          <a:lnRef idx="1">
+            <a:schemeClr val="accent1"/>
+          </a:lnRef>
+          <a:fillRef idx="3">
+            <a:schemeClr val="accent1"/>
+          </a:fillRef>
+          <a:effectRef idx="2">
+            <a:schemeClr val="accent1"/>
+          </a:effectRef>
+          <a:fontRef idx="minor">
+            <a:schemeClr val="lt1"/>
+          </a:fontRef>
+        </p:style>
+        <p:txBody>
+          <a:bodyPr rtlCol="0" anchor="ctr"/>
+          <a:lstStyle/>
+          <a:p>
+            <a:pPr algn="ctr"/>
+            <a:endParaRPr lang="en-US" sz="1100">
+              <a:latin typeface="Times New Roman" panose="02020603050405020304" pitchFamily="18" charset="0"/>
+              <a:cs typeface="Times New Roman" panose="02020603050405020304" pitchFamily="18" charset="0"/>
+            </a:endParaRPr>
+          </a:p>
+        </p:txBody>
+      </p:sp>
+      <p:sp>
+        <p:nvSpPr>
+          <p:cNvPr id="31" name="TextBox 30">
+            <a:extLst>
+              <a:ext uri="{FF2B5EF4-FFF2-40B4-BE49-F238E27FC236}">
+                <a16:creationId xmlns:a16="http://schemas.microsoft.com/office/drawing/2014/main" id="{95BA8FBC-2770-9A40-9D44-D23B02E2EAC8}"/>
+              </a:ext>
+            </a:extLst>
+          </p:cNvPr>
+          <p:cNvSpPr txBox="1"/>
+          <p:nvPr/>
+        </p:nvSpPr>
+        <p:spPr>
+          <a:xfrm>
+            <a:off x="3805896" y="1748106"/>
+            <a:ext cx="580388" cy="261610"/>
+          </a:xfrm>
+          <a:prstGeom prst="rect">
+            <a:avLst/>
+          </a:prstGeom>
+          <a:noFill/>
+          <a:ln>
+            <a:noFill/>
+          </a:ln>
+        </p:spPr>
+        <p:txBody>
+          <a:bodyPr wrap="square" rtlCol="0" anchor="ctr" anchorCtr="0">
+            <a:spAutoFit/>
+          </a:bodyPr>
+          <a:lstStyle/>
+          <a:p>
+            <a:pPr algn="ctr"/>
+            <a:r>
+              <a:rPr lang="en-US" sz="1100" dirty="0" err="1">
+                <a:latin typeface="Times New Roman" panose="02020603050405020304" pitchFamily="18" charset="0"/>
+                <a:cs typeface="Times New Roman" panose="02020603050405020304" pitchFamily="18" charset="0"/>
+              </a:rPr>
+              <a:t>Alloc</a:t>
+            </a:r>
+            <a:endParaRPr lang="en-US" sz="1100" dirty="0">
+              <a:latin typeface="Times New Roman" panose="02020603050405020304" pitchFamily="18" charset="0"/>
+              <a:cs typeface="Times New Roman" panose="02020603050405020304" pitchFamily="18" charset="0"/>
+            </a:endParaRPr>
+          </a:p>
+        </p:txBody>
+      </p:sp>
+      <p:sp>
+        <p:nvSpPr>
+          <p:cNvPr id="33" name="TextBox 32">
+            <a:extLst>
+              <a:ext uri="{FF2B5EF4-FFF2-40B4-BE49-F238E27FC236}">
+                <a16:creationId xmlns:a16="http://schemas.microsoft.com/office/drawing/2014/main" id="{335FCED0-8603-D240-A217-264AC4080EA3}"/>
+              </a:ext>
+            </a:extLst>
+          </p:cNvPr>
+          <p:cNvSpPr txBox="1"/>
+          <p:nvPr/>
+        </p:nvSpPr>
+        <p:spPr>
+          <a:xfrm>
+            <a:off x="4443543" y="1748106"/>
+            <a:ext cx="580388" cy="261610"/>
+          </a:xfrm>
+          <a:prstGeom prst="rect">
+            <a:avLst/>
+          </a:prstGeom>
+          <a:noFill/>
+          <a:ln>
+            <a:noFill/>
+          </a:ln>
+        </p:spPr>
+        <p:txBody>
+          <a:bodyPr wrap="square" rtlCol="0" anchor="ctr" anchorCtr="0">
+            <a:spAutoFit/>
+          </a:bodyPr>
+          <a:lstStyle/>
+          <a:p>
+            <a:pPr algn="ctr"/>
+            <a:r>
+              <a:rPr lang="en-US" sz="1100" dirty="0">
+                <a:latin typeface="Times New Roman" panose="02020603050405020304" pitchFamily="18" charset="0"/>
+                <a:cs typeface="Times New Roman" panose="02020603050405020304" pitchFamily="18" charset="0"/>
+              </a:rPr>
+              <a:t>Free</a:t>
+            </a:r>
+          </a:p>
+        </p:txBody>
+      </p:sp>
+      <p:sp>
+        <p:nvSpPr>
+          <p:cNvPr id="35" name="Up-Down Arrow 34">
+            <a:extLst>
+              <a:ext uri="{FF2B5EF4-FFF2-40B4-BE49-F238E27FC236}">
+                <a16:creationId xmlns:a16="http://schemas.microsoft.com/office/drawing/2014/main" id="{90B4D13E-D699-4740-AB36-B27751D82C28}"/>
+              </a:ext>
+            </a:extLst>
+          </p:cNvPr>
+          <p:cNvSpPr/>
+          <p:nvPr/>
+        </p:nvSpPr>
+        <p:spPr>
+          <a:xfrm>
+            <a:off x="4256285" y="1644445"/>
+            <a:ext cx="225096" cy="439724"/>
+          </a:xfrm>
+          <a:prstGeom prst="upDownArrow">
+            <a:avLst/>
+          </a:prstGeom>
+          <a:noFill/>
+          <a:ln>
+            <a:solidFill>
+              <a:schemeClr val="tx1"/>
+            </a:solidFill>
+          </a:ln>
+          <a:effectLst/>
+        </p:spPr>
+        <p:style>
+          <a:lnRef idx="1">
+            <a:schemeClr val="accent1"/>
+          </a:lnRef>
+          <a:fillRef idx="3">
+            <a:schemeClr val="accent1"/>
+          </a:fillRef>
+          <a:effectRef idx="2">
+            <a:schemeClr val="accent1"/>
+          </a:effectRef>
+          <a:fontRef idx="minor">
+            <a:schemeClr val="lt1"/>
+          </a:fontRef>
+        </p:style>
+        <p:txBody>
+          <a:bodyPr rtlCol="0" anchor="ctr"/>
+          <a:lstStyle/>
+          <a:p>
+            <a:pPr algn="ctr"/>
+            <a:endParaRPr lang="en-US" sz="1100">
+              <a:latin typeface="Times New Roman" panose="02020603050405020304" pitchFamily="18" charset="0"/>
+              <a:cs typeface="Times New Roman" panose="02020603050405020304" pitchFamily="18" charset="0"/>
+            </a:endParaRPr>
+          </a:p>
+        </p:txBody>
+      </p:sp>
+      <p:sp>
+        <p:nvSpPr>
+          <p:cNvPr id="36" name="Rectangle 35">
+            <a:extLst>
+              <a:ext uri="{FF2B5EF4-FFF2-40B4-BE49-F238E27FC236}">
+                <a16:creationId xmlns:a16="http://schemas.microsoft.com/office/drawing/2014/main" id="{0DFC8C16-BDBD-6F4F-B756-353D64D42A59}"/>
+              </a:ext>
+            </a:extLst>
+          </p:cNvPr>
+          <p:cNvSpPr/>
+          <p:nvPr/>
+        </p:nvSpPr>
+        <p:spPr>
+          <a:xfrm>
+            <a:off x="4080858" y="2838280"/>
+            <a:ext cx="1097280" cy="265176"/>
+          </a:xfrm>
+          <a:prstGeom prst="rect">
+            <a:avLst/>
+          </a:prstGeom>
+          <a:noFill/>
+          <a:ln>
+            <a:solidFill>
+              <a:schemeClr val="tx1"/>
+            </a:solidFill>
+          </a:ln>
+          <a:effectLst/>
+        </p:spPr>
+        <p:style>
+          <a:lnRef idx="1">
+            <a:schemeClr val="accent1"/>
+          </a:lnRef>
+          <a:fillRef idx="3">
+            <a:schemeClr val="accent1"/>
+          </a:fillRef>
+          <a:effectRef idx="2">
+            <a:schemeClr val="accent1"/>
+          </a:effectRef>
+          <a:fontRef idx="minor">
+            <a:schemeClr val="lt1"/>
+          </a:fontRef>
+        </p:style>
+        <p:txBody>
+          <a:bodyPr rtlCol="0" anchor="ctr"/>
+          <a:lstStyle/>
+          <a:p>
+            <a:pPr algn="ctr"/>
+            <a:r>
+              <a:rPr lang="en-US" sz="1100" dirty="0">
+                <a:solidFill>
+                  <a:schemeClr val="tx1"/>
+                </a:solidFill>
+                <a:latin typeface="Times New Roman" panose="02020603050405020304" pitchFamily="18" charset="0"/>
+                <a:cs typeface="Times New Roman" panose="02020603050405020304" pitchFamily="18" charset="0"/>
+              </a:rPr>
+              <a:t>OS</a:t>
+            </a:r>
+          </a:p>
+        </p:txBody>
+      </p:sp>
+      <p:sp>
+        <p:nvSpPr>
+          <p:cNvPr id="37" name="TextBox 36">
+            <a:extLst>
+              <a:ext uri="{FF2B5EF4-FFF2-40B4-BE49-F238E27FC236}">
+                <a16:creationId xmlns:a16="http://schemas.microsoft.com/office/drawing/2014/main" id="{71A90939-93B2-4D43-8654-C410500A61D4}"/>
+              </a:ext>
+            </a:extLst>
+          </p:cNvPr>
+          <p:cNvSpPr txBox="1"/>
+          <p:nvPr/>
+        </p:nvSpPr>
+        <p:spPr>
+          <a:xfrm>
+            <a:off x="3907861" y="2408996"/>
+            <a:ext cx="729678" cy="430887"/>
+          </a:xfrm>
+          <a:prstGeom prst="rect">
+            <a:avLst/>
+          </a:prstGeom>
+          <a:noFill/>
+          <a:ln>
+            <a:noFill/>
+          </a:ln>
+        </p:spPr>
+        <p:txBody>
+          <a:bodyPr wrap="square" rtlCol="0" anchor="ctr" anchorCtr="0">
+            <a:spAutoFit/>
+          </a:bodyPr>
+          <a:lstStyle/>
+          <a:p>
+            <a:pPr algn="ctr"/>
+            <a:r>
+              <a:rPr lang="en-US" sz="1100" dirty="0">
+                <a:latin typeface="Times New Roman" panose="02020603050405020304" pitchFamily="18" charset="0"/>
+                <a:cs typeface="Times New Roman" panose="02020603050405020304" pitchFamily="18" charset="0"/>
+              </a:rPr>
+              <a:t>Memory</a:t>
+            </a:r>
+          </a:p>
+          <a:p>
+            <a:pPr algn="ctr"/>
+            <a:r>
+              <a:rPr lang="en-US" sz="1100" dirty="0" err="1">
+                <a:latin typeface="Times New Roman" panose="02020603050405020304" pitchFamily="18" charset="0"/>
+                <a:cs typeface="Times New Roman" panose="02020603050405020304" pitchFamily="18" charset="0"/>
+              </a:rPr>
+              <a:t>Syscalls</a:t>
+            </a:r>
+            <a:endParaRPr lang="en-US" sz="1100" dirty="0">
+              <a:latin typeface="Times New Roman" panose="02020603050405020304" pitchFamily="18" charset="0"/>
+              <a:cs typeface="Times New Roman" panose="02020603050405020304" pitchFamily="18" charset="0"/>
+            </a:endParaRPr>
+          </a:p>
+        </p:txBody>
+      </p:sp>
+      <p:sp>
+        <p:nvSpPr>
+          <p:cNvPr id="40" name="Up-Down Arrow 39">
+            <a:extLst>
+              <a:ext uri="{FF2B5EF4-FFF2-40B4-BE49-F238E27FC236}">
+                <a16:creationId xmlns:a16="http://schemas.microsoft.com/office/drawing/2014/main" id="{553C3CEA-4483-6B45-BF2F-364D43EC162B}"/>
+              </a:ext>
+            </a:extLst>
+          </p:cNvPr>
+          <p:cNvSpPr/>
+          <p:nvPr/>
+        </p:nvSpPr>
+        <p:spPr>
+          <a:xfrm>
+            <a:off x="4507540" y="2389973"/>
+            <a:ext cx="225096" cy="439724"/>
+          </a:xfrm>
+          <a:prstGeom prst="upDownArrow">
+            <a:avLst/>
+          </a:prstGeom>
+          <a:noFill/>
+          <a:ln>
+            <a:solidFill>
+              <a:schemeClr val="tx1"/>
+            </a:solidFill>
+          </a:ln>
+          <a:effectLst/>
+        </p:spPr>
+        <p:style>
+          <a:lnRef idx="1">
+            <a:schemeClr val="accent1"/>
+          </a:lnRef>
+          <a:fillRef idx="3">
+            <a:schemeClr val="accent1"/>
+          </a:fillRef>
+          <a:effectRef idx="2">
+            <a:schemeClr val="accent1"/>
+          </a:effectRef>
+          <a:fontRef idx="minor">
+            <a:schemeClr val="lt1"/>
+          </a:fontRef>
+        </p:style>
+        <p:txBody>
+          <a:bodyPr rtlCol="0" anchor="ctr"/>
+          <a:lstStyle/>
+          <a:p>
+            <a:pPr algn="ctr"/>
+            <a:endParaRPr lang="en-US" sz="1100">
+              <a:latin typeface="Times New Roman" panose="02020603050405020304" pitchFamily="18" charset="0"/>
+              <a:cs typeface="Times New Roman" panose="02020603050405020304" pitchFamily="18" charset="0"/>
+            </a:endParaRPr>
+          </a:p>
+        </p:txBody>
+      </p:sp>
+      <p:sp>
+        <p:nvSpPr>
+          <p:cNvPr id="41" name="Rectangle 40">
+            <a:extLst>
+              <a:ext uri="{FF2B5EF4-FFF2-40B4-BE49-F238E27FC236}">
+                <a16:creationId xmlns:a16="http://schemas.microsoft.com/office/drawing/2014/main" id="{B114E6CA-5E1D-6242-87F8-D48886002356}"/>
+              </a:ext>
+            </a:extLst>
+          </p:cNvPr>
+          <p:cNvSpPr/>
+          <p:nvPr/>
+        </p:nvSpPr>
+        <p:spPr>
+          <a:xfrm>
+            <a:off x="5637290" y="2124797"/>
+            <a:ext cx="1097280" cy="265176"/>
+          </a:xfrm>
+          <a:prstGeom prst="rect">
+            <a:avLst/>
+          </a:prstGeom>
+          <a:noFill/>
+          <a:ln>
+            <a:solidFill>
+              <a:schemeClr val="tx1"/>
+            </a:solidFill>
+          </a:ln>
+          <a:effectLst/>
+        </p:spPr>
+        <p:style>
+          <a:lnRef idx="1">
+            <a:schemeClr val="accent1"/>
+          </a:lnRef>
+          <a:fillRef idx="3">
+            <a:schemeClr val="accent1"/>
+          </a:fillRef>
+          <a:effectRef idx="2">
+            <a:schemeClr val="accent1"/>
+          </a:effectRef>
+          <a:fontRef idx="minor">
+            <a:schemeClr val="lt1"/>
+          </a:fontRef>
+        </p:style>
+        <p:txBody>
+          <a:bodyPr rtlCol="0" anchor="ctr"/>
+          <a:lstStyle/>
+          <a:p>
+            <a:pPr algn="ctr"/>
+            <a:r>
+              <a:rPr lang="en-US" sz="1100" dirty="0" err="1">
+                <a:solidFill>
+                  <a:schemeClr val="tx1"/>
+                </a:solidFill>
+                <a:latin typeface="Times New Roman" panose="02020603050405020304" pitchFamily="18" charset="0"/>
+                <a:cs typeface="Times New Roman" panose="02020603050405020304" pitchFamily="18" charset="0"/>
+              </a:rPr>
+              <a:t>Pthreads</a:t>
+            </a:r>
+            <a:r>
+              <a:rPr lang="en-US" sz="1100" dirty="0">
+                <a:solidFill>
+                  <a:schemeClr val="tx1"/>
+                </a:solidFill>
+                <a:latin typeface="Times New Roman" panose="02020603050405020304" pitchFamily="18" charset="0"/>
+                <a:cs typeface="Times New Roman" panose="02020603050405020304" pitchFamily="18" charset="0"/>
+              </a:rPr>
+              <a:t> Lib</a:t>
+            </a:r>
+          </a:p>
+        </p:txBody>
+      </p:sp>
+      <p:sp>
+        <p:nvSpPr>
+          <p:cNvPr id="42" name="Up-Down Arrow 41">
+            <a:extLst>
+              <a:ext uri="{FF2B5EF4-FFF2-40B4-BE49-F238E27FC236}">
+                <a16:creationId xmlns:a16="http://schemas.microsoft.com/office/drawing/2014/main" id="{B5A74ED9-A39D-7E49-B328-22B2FC63E46E}"/>
+              </a:ext>
+            </a:extLst>
+          </p:cNvPr>
+          <p:cNvSpPr/>
+          <p:nvPr/>
+        </p:nvSpPr>
+        <p:spPr>
+          <a:xfrm rot="5400000">
+            <a:off x="5293617" y="2037523"/>
+            <a:ext cx="225096" cy="439724"/>
+          </a:xfrm>
+          <a:prstGeom prst="upDownArrow">
+            <a:avLst/>
+          </a:prstGeom>
+          <a:noFill/>
+          <a:ln>
+            <a:solidFill>
+              <a:schemeClr val="tx1"/>
+            </a:solidFill>
+          </a:ln>
+          <a:effectLst/>
+        </p:spPr>
+        <p:style>
+          <a:lnRef idx="1">
+            <a:schemeClr val="accent1"/>
+          </a:lnRef>
+          <a:fillRef idx="3">
+            <a:schemeClr val="accent1"/>
+          </a:fillRef>
+          <a:effectRef idx="2">
+            <a:schemeClr val="accent1"/>
+          </a:effectRef>
+          <a:fontRef idx="minor">
+            <a:schemeClr val="lt1"/>
+          </a:fontRef>
+        </p:style>
+        <p:txBody>
+          <a:bodyPr rtlCol="0" anchor="ctr"/>
+          <a:lstStyle/>
+          <a:p>
+            <a:pPr algn="ctr"/>
+            <a:endParaRPr lang="en-US" sz="1100">
+              <a:latin typeface="Times New Roman" panose="02020603050405020304" pitchFamily="18" charset="0"/>
+              <a:cs typeface="Times New Roman" panose="02020603050405020304" pitchFamily="18" charset="0"/>
+            </a:endParaRPr>
+          </a:p>
+        </p:txBody>
+      </p:sp>
+      <p:sp>
+        <p:nvSpPr>
+          <p:cNvPr id="43" name="TextBox 42">
+            <a:extLst>
+              <a:ext uri="{FF2B5EF4-FFF2-40B4-BE49-F238E27FC236}">
+                <a16:creationId xmlns:a16="http://schemas.microsoft.com/office/drawing/2014/main" id="{D6775463-B727-A344-A609-DE26B877AEC9}"/>
+              </a:ext>
+            </a:extLst>
+          </p:cNvPr>
+          <p:cNvSpPr txBox="1"/>
+          <p:nvPr/>
+        </p:nvSpPr>
+        <p:spPr>
+          <a:xfrm>
+            <a:off x="5142888" y="2379634"/>
+            <a:ext cx="580388" cy="261610"/>
+          </a:xfrm>
+          <a:prstGeom prst="rect">
+            <a:avLst/>
+          </a:prstGeom>
+          <a:noFill/>
+          <a:ln>
+            <a:noFill/>
+          </a:ln>
+        </p:spPr>
+        <p:txBody>
+          <a:bodyPr wrap="square" rtlCol="0" anchor="ctr" anchorCtr="0">
+            <a:spAutoFit/>
+          </a:bodyPr>
+          <a:lstStyle/>
+          <a:p>
+            <a:pPr algn="ctr"/>
+            <a:r>
+              <a:rPr lang="en-US" sz="1100" dirty="0">
+                <a:latin typeface="Times New Roman" panose="02020603050405020304" pitchFamily="18" charset="0"/>
+                <a:cs typeface="Times New Roman" panose="02020603050405020304" pitchFamily="18" charset="0"/>
+              </a:rPr>
+              <a:t>Syncs</a:t>
+            </a:r>
+          </a:p>
+        </p:txBody>
+      </p:sp>
+      <p:sp>
+        <p:nvSpPr>
+          <p:cNvPr id="2" name="Oval 1">
+            <a:extLst>
+              <a:ext uri="{FF2B5EF4-FFF2-40B4-BE49-F238E27FC236}">
+                <a16:creationId xmlns:a16="http://schemas.microsoft.com/office/drawing/2014/main" id="{779F51BA-883B-0F49-A0AC-0BCB869EAC4E}"/>
+              </a:ext>
+            </a:extLst>
+          </p:cNvPr>
+          <p:cNvSpPr/>
+          <p:nvPr/>
+        </p:nvSpPr>
+        <p:spPr>
+          <a:xfrm>
+            <a:off x="3767099" y="1878458"/>
+            <a:ext cx="1661900" cy="745677"/>
+          </a:xfrm>
+          <a:prstGeom prst="ellipse">
+            <a:avLst/>
+          </a:prstGeom>
+          <a:noFill/>
+          <a:ln w="19050">
+            <a:solidFill>
+              <a:schemeClr val="tx1"/>
+            </a:solidFill>
+            <a:prstDash val="dash"/>
+          </a:ln>
+          <a:effectLst/>
+        </p:spPr>
+        <p:style>
+          <a:lnRef idx="1">
+            <a:schemeClr val="accent1"/>
+          </a:lnRef>
+          <a:fillRef idx="3">
+            <a:schemeClr val="accent1"/>
+          </a:fillRef>
+          <a:effectRef idx="2">
+            <a:schemeClr val="accent1"/>
+          </a:effectRef>
+          <a:fontRef idx="minor">
+            <a:schemeClr val="lt1"/>
+          </a:fontRef>
+        </p:style>
+        <p:txBody>
+          <a:bodyPr rtlCol="0" anchor="ctr"/>
+          <a:lstStyle/>
+          <a:p>
+            <a:pPr algn="ctr"/>
+            <a:endParaRPr lang="en-US"/>
+          </a:p>
+        </p:txBody>
+      </p:sp>
+      <p:sp>
+        <p:nvSpPr>
+          <p:cNvPr id="45" name="TextBox 44">
+            <a:extLst>
+              <a:ext uri="{FF2B5EF4-FFF2-40B4-BE49-F238E27FC236}">
+                <a16:creationId xmlns:a16="http://schemas.microsoft.com/office/drawing/2014/main" id="{8802DE8D-51F4-2449-923C-833A1F1546F7}"/>
+              </a:ext>
+            </a:extLst>
+          </p:cNvPr>
+          <p:cNvSpPr txBox="1"/>
+          <p:nvPr/>
+        </p:nvSpPr>
+        <p:spPr>
+          <a:xfrm>
+            <a:off x="1788748" y="2147386"/>
+            <a:ext cx="958844" cy="261610"/>
+          </a:xfrm>
+          <a:prstGeom prst="rect">
+            <a:avLst/>
+          </a:prstGeom>
+          <a:noFill/>
+          <a:ln>
+            <a:noFill/>
+          </a:ln>
+        </p:spPr>
+        <p:txBody>
+          <a:bodyPr wrap="square" rtlCol="0" anchor="ctr" anchorCtr="0">
+            <a:spAutoFit/>
+          </a:bodyPr>
+          <a:lstStyle/>
+          <a:p>
+            <a:pPr algn="ctr"/>
+            <a:r>
+              <a:rPr lang="en-US" sz="1100" dirty="0">
+                <a:latin typeface="Times New Roman" panose="02020603050405020304" pitchFamily="18" charset="0"/>
+                <a:cs typeface="Times New Roman" panose="02020603050405020304" pitchFamily="18" charset="0"/>
+              </a:rPr>
+              <a:t>Interception</a:t>
+            </a:r>
+          </a:p>
+        </p:txBody>
+      </p:sp>
+      <p:sp>
+        <p:nvSpPr>
+          <p:cNvPr id="46" name="TextBox 45">
+            <a:extLst>
+              <a:ext uri="{FF2B5EF4-FFF2-40B4-BE49-F238E27FC236}">
+                <a16:creationId xmlns:a16="http://schemas.microsoft.com/office/drawing/2014/main" id="{96B94D0A-5F4C-2740-B0C1-28DED080F37F}"/>
+              </a:ext>
+            </a:extLst>
+          </p:cNvPr>
+          <p:cNvSpPr txBox="1"/>
+          <p:nvPr/>
+        </p:nvSpPr>
+        <p:spPr>
+          <a:xfrm>
+            <a:off x="1788748" y="2306843"/>
+            <a:ext cx="958844" cy="400110"/>
+          </a:xfrm>
+          <a:prstGeom prst="rect">
+            <a:avLst/>
+          </a:prstGeom>
+          <a:noFill/>
+          <a:ln>
+            <a:noFill/>
+          </a:ln>
+        </p:spPr>
+        <p:txBody>
+          <a:bodyPr wrap="square" rtlCol="0" anchor="ctr" anchorCtr="0">
+            <a:spAutoFit/>
+          </a:bodyPr>
+          <a:lstStyle/>
+          <a:p>
+            <a:pPr algn="ctr"/>
+            <a:r>
+              <a:rPr lang="en-US" sz="2000" dirty="0">
+                <a:latin typeface="Times New Roman" panose="02020603050405020304" pitchFamily="18" charset="0"/>
+                <a:cs typeface="Times New Roman" panose="02020603050405020304" pitchFamily="18" charset="0"/>
+              </a:rPr>
+              <a:t>+</a:t>
+            </a:r>
+          </a:p>
+        </p:txBody>
+      </p:sp>
+      <p:sp>
+        <p:nvSpPr>
+          <p:cNvPr id="48" name="TextBox 47">
+            <a:extLst>
+              <a:ext uri="{FF2B5EF4-FFF2-40B4-BE49-F238E27FC236}">
+                <a16:creationId xmlns:a16="http://schemas.microsoft.com/office/drawing/2014/main" id="{7BC1F02F-D303-C442-8BF7-0803A1F31A46}"/>
+              </a:ext>
+            </a:extLst>
+          </p:cNvPr>
+          <p:cNvSpPr txBox="1"/>
+          <p:nvPr/>
+        </p:nvSpPr>
+        <p:spPr>
+          <a:xfrm>
+            <a:off x="1792864" y="2596348"/>
+            <a:ext cx="958844" cy="261610"/>
+          </a:xfrm>
+          <a:prstGeom prst="rect">
+            <a:avLst/>
+          </a:prstGeom>
+          <a:noFill/>
+          <a:ln>
+            <a:noFill/>
+          </a:ln>
+        </p:spPr>
+        <p:txBody>
+          <a:bodyPr wrap="square" rtlCol="0" anchor="ctr" anchorCtr="0">
+            <a:spAutoFit/>
+          </a:bodyPr>
+          <a:lstStyle/>
+          <a:p>
+            <a:pPr algn="ctr"/>
+            <a:r>
+              <a:rPr lang="en-US" sz="1100" dirty="0">
+                <a:latin typeface="Times New Roman" panose="02020603050405020304" pitchFamily="18" charset="0"/>
+                <a:cs typeface="Times New Roman" panose="02020603050405020304" pitchFamily="18" charset="0"/>
+              </a:rPr>
+              <a:t>PMUs</a:t>
+            </a:r>
+          </a:p>
+        </p:txBody>
+      </p:sp>
+    </p:spTree>
+    <p:extLst>
+      <p:ext uri="{BB962C8B-B14F-4D97-AF65-F5344CB8AC3E}">
+        <p14:creationId xmlns:p14="http://schemas.microsoft.com/office/powerpoint/2010/main" val="2099308406"/>
+      </p:ext>
+    </p:extLst>
+  </p:cSld>
+  <p:clrMapOvr>
+    <a:masterClrMapping/>
+  </p:clrMapOvr>
+</p:sld>
+</file>
+
 <file path=ppt/slides/slide2.xml><?xml version="1.0" encoding="utf-8"?>
 <p:sld xmlns:a="http://schemas.openxmlformats.org/drawingml/2006/main" xmlns:r="http://schemas.openxmlformats.org/officeDocument/2006/relationships" xmlns:p="http://schemas.openxmlformats.org/presentationml/2006/main">
   <p:cSld>
@@ -7519,6 +10004,1025 @@
       </p:grpSpPr>
       <p:sp>
         <p:nvSpPr>
+          <p:cNvPr id="4" name="Hexagon 3">
+            <a:extLst>
+              <a:ext uri="{FF2B5EF4-FFF2-40B4-BE49-F238E27FC236}">
+                <a16:creationId xmlns:a16="http://schemas.microsoft.com/office/drawing/2014/main" id="{6995862A-1998-A744-80BC-8598C5706A4D}"/>
+              </a:ext>
+            </a:extLst>
+          </p:cNvPr>
+          <p:cNvSpPr/>
+          <p:nvPr/>
+        </p:nvSpPr>
+        <p:spPr>
+          <a:xfrm>
+            <a:off x="1632285" y="2264463"/>
+            <a:ext cx="605588" cy="215305"/>
+          </a:xfrm>
+          <a:prstGeom prst="hexagon">
+            <a:avLst/>
+          </a:prstGeom>
+          <a:noFill/>
+          <a:ln>
+            <a:solidFill>
+              <a:schemeClr val="tx1"/>
+            </a:solidFill>
+          </a:ln>
+          <a:effectLst/>
+        </p:spPr>
+        <p:style>
+          <a:lnRef idx="1">
+            <a:schemeClr val="accent1"/>
+          </a:lnRef>
+          <a:fillRef idx="3">
+            <a:schemeClr val="accent1"/>
+          </a:fillRef>
+          <a:effectRef idx="2">
+            <a:schemeClr val="accent1"/>
+          </a:effectRef>
+          <a:fontRef idx="minor">
+            <a:schemeClr val="lt1"/>
+          </a:fontRef>
+        </p:style>
+        <p:txBody>
+          <a:bodyPr rtlCol="0" anchor="ctr"/>
+          <a:lstStyle/>
+          <a:p>
+            <a:pPr algn="ctr"/>
+            <a:endParaRPr lang="en-US">
+              <a:latin typeface="Times New Roman" panose="02020603050405020304" pitchFamily="18" charset="0"/>
+              <a:cs typeface="Times New Roman" panose="02020603050405020304" pitchFamily="18" charset="0"/>
+            </a:endParaRPr>
+          </a:p>
+        </p:txBody>
+      </p:sp>
+      <p:sp>
+        <p:nvSpPr>
+          <p:cNvPr id="5" name="Rectangle 4">
+            <a:extLst>
+              <a:ext uri="{FF2B5EF4-FFF2-40B4-BE49-F238E27FC236}">
+                <a16:creationId xmlns:a16="http://schemas.microsoft.com/office/drawing/2014/main" id="{06D04393-F7E8-5449-8733-0C38017A5D3A}"/>
+              </a:ext>
+            </a:extLst>
+          </p:cNvPr>
+          <p:cNvSpPr/>
+          <p:nvPr/>
+        </p:nvSpPr>
+        <p:spPr>
+          <a:xfrm>
+            <a:off x="1052188" y="2267211"/>
+            <a:ext cx="572075" cy="215305"/>
+          </a:xfrm>
+          <a:prstGeom prst="rect">
+            <a:avLst/>
+          </a:prstGeom>
+          <a:noFill/>
+          <a:ln>
+            <a:solidFill>
+              <a:schemeClr val="tx1"/>
+            </a:solidFill>
+          </a:ln>
+          <a:effectLst/>
+        </p:spPr>
+        <p:style>
+          <a:lnRef idx="1">
+            <a:schemeClr val="accent1"/>
+          </a:lnRef>
+          <a:fillRef idx="3">
+            <a:schemeClr val="accent1"/>
+          </a:fillRef>
+          <a:effectRef idx="2">
+            <a:schemeClr val="accent1"/>
+          </a:effectRef>
+          <a:fontRef idx="minor">
+            <a:schemeClr val="lt1"/>
+          </a:fontRef>
+        </p:style>
+        <p:txBody>
+          <a:bodyPr rtlCol="0" anchor="ctr"/>
+          <a:lstStyle/>
+          <a:p>
+            <a:pPr algn="ctr"/>
+            <a:endParaRPr lang="en-US">
+              <a:latin typeface="Times New Roman" panose="02020603050405020304" pitchFamily="18" charset="0"/>
+              <a:cs typeface="Times New Roman" panose="02020603050405020304" pitchFamily="18" charset="0"/>
+            </a:endParaRPr>
+          </a:p>
+        </p:txBody>
+      </p:sp>
+      <p:cxnSp>
+        <p:nvCxnSpPr>
+          <p:cNvPr id="7" name="Straight Connector 6">
+            <a:extLst>
+              <a:ext uri="{FF2B5EF4-FFF2-40B4-BE49-F238E27FC236}">
+                <a16:creationId xmlns:a16="http://schemas.microsoft.com/office/drawing/2014/main" id="{90C64C72-A702-8246-9274-AFE4CED80C0D}"/>
+              </a:ext>
+            </a:extLst>
+          </p:cNvPr>
+          <p:cNvCxnSpPr>
+            <a:cxnSpLocks/>
+          </p:cNvCxnSpPr>
+          <p:nvPr/>
+        </p:nvCxnSpPr>
+        <p:spPr>
+          <a:xfrm>
+            <a:off x="2249905" y="1820779"/>
+            <a:ext cx="0" cy="1368851"/>
+          </a:xfrm>
+          <a:prstGeom prst="line">
+            <a:avLst/>
+          </a:prstGeom>
+          <a:ln w="12700">
+            <a:solidFill>
+              <a:schemeClr val="tx1"/>
+            </a:solidFill>
+            <a:prstDash val="sysDash"/>
+          </a:ln>
+          <a:effectLst/>
+        </p:spPr>
+        <p:style>
+          <a:lnRef idx="2">
+            <a:schemeClr val="accent1"/>
+          </a:lnRef>
+          <a:fillRef idx="0">
+            <a:schemeClr val="accent1"/>
+          </a:fillRef>
+          <a:effectRef idx="1">
+            <a:schemeClr val="accent1"/>
+          </a:effectRef>
+          <a:fontRef idx="minor">
+            <a:schemeClr val="tx1"/>
+          </a:fontRef>
+        </p:style>
+      </p:cxnSp>
+      <p:sp>
+        <p:nvSpPr>
+          <p:cNvPr id="8" name="Hexagon 7">
+            <a:extLst>
+              <a:ext uri="{FF2B5EF4-FFF2-40B4-BE49-F238E27FC236}">
+                <a16:creationId xmlns:a16="http://schemas.microsoft.com/office/drawing/2014/main" id="{3252B1EE-C1F6-9E43-911C-11016BF7DBF1}"/>
+              </a:ext>
+            </a:extLst>
+          </p:cNvPr>
+          <p:cNvSpPr/>
+          <p:nvPr/>
+        </p:nvSpPr>
+        <p:spPr>
+          <a:xfrm>
+            <a:off x="2715126" y="1818031"/>
+            <a:ext cx="657728" cy="215305"/>
+          </a:xfrm>
+          <a:prstGeom prst="hexagon">
+            <a:avLst/>
+          </a:prstGeom>
+          <a:noFill/>
+          <a:ln>
+            <a:solidFill>
+              <a:schemeClr val="tx1"/>
+            </a:solidFill>
+          </a:ln>
+          <a:effectLst/>
+        </p:spPr>
+        <p:style>
+          <a:lnRef idx="1">
+            <a:schemeClr val="accent1"/>
+          </a:lnRef>
+          <a:fillRef idx="3">
+            <a:schemeClr val="accent1"/>
+          </a:fillRef>
+          <a:effectRef idx="2">
+            <a:schemeClr val="accent1"/>
+          </a:effectRef>
+          <a:fontRef idx="minor">
+            <a:schemeClr val="lt1"/>
+          </a:fontRef>
+        </p:style>
+        <p:txBody>
+          <a:bodyPr rtlCol="0" anchor="ctr"/>
+          <a:lstStyle/>
+          <a:p>
+            <a:pPr algn="ctr"/>
+            <a:endParaRPr lang="en-US">
+              <a:latin typeface="Times New Roman" panose="02020603050405020304" pitchFamily="18" charset="0"/>
+              <a:cs typeface="Times New Roman" panose="02020603050405020304" pitchFamily="18" charset="0"/>
+            </a:endParaRPr>
+          </a:p>
+        </p:txBody>
+      </p:sp>
+      <p:sp>
+        <p:nvSpPr>
+          <p:cNvPr id="9" name="Rectangle 8">
+            <a:extLst>
+              <a:ext uri="{FF2B5EF4-FFF2-40B4-BE49-F238E27FC236}">
+                <a16:creationId xmlns:a16="http://schemas.microsoft.com/office/drawing/2014/main" id="{95597D34-7131-0E4C-ABA8-17A4B94EA4E4}"/>
+              </a:ext>
+            </a:extLst>
+          </p:cNvPr>
+          <p:cNvSpPr/>
+          <p:nvPr/>
+        </p:nvSpPr>
+        <p:spPr>
+          <a:xfrm>
+            <a:off x="2249906" y="1820779"/>
+            <a:ext cx="465219" cy="215305"/>
+          </a:xfrm>
+          <a:prstGeom prst="rect">
+            <a:avLst/>
+          </a:prstGeom>
+          <a:noFill/>
+          <a:ln>
+            <a:solidFill>
+              <a:schemeClr val="tx1"/>
+            </a:solidFill>
+          </a:ln>
+          <a:effectLst/>
+        </p:spPr>
+        <p:style>
+          <a:lnRef idx="1">
+            <a:schemeClr val="accent1"/>
+          </a:lnRef>
+          <a:fillRef idx="3">
+            <a:schemeClr val="accent1"/>
+          </a:fillRef>
+          <a:effectRef idx="2">
+            <a:schemeClr val="accent1"/>
+          </a:effectRef>
+          <a:fontRef idx="minor">
+            <a:schemeClr val="lt1"/>
+          </a:fontRef>
+        </p:style>
+        <p:txBody>
+          <a:bodyPr rtlCol="0" anchor="ctr"/>
+          <a:lstStyle/>
+          <a:p>
+            <a:pPr algn="ctr"/>
+            <a:endParaRPr lang="en-US">
+              <a:latin typeface="Times New Roman" panose="02020603050405020304" pitchFamily="18" charset="0"/>
+              <a:cs typeface="Times New Roman" panose="02020603050405020304" pitchFamily="18" charset="0"/>
+            </a:endParaRPr>
+          </a:p>
+        </p:txBody>
+      </p:sp>
+      <p:sp>
+        <p:nvSpPr>
+          <p:cNvPr id="10" name="Hexagon 9">
+            <a:extLst>
+              <a:ext uri="{FF2B5EF4-FFF2-40B4-BE49-F238E27FC236}">
+                <a16:creationId xmlns:a16="http://schemas.microsoft.com/office/drawing/2014/main" id="{0DA3C8AA-C1BF-8F49-A41E-1107E900A340}"/>
+              </a:ext>
+            </a:extLst>
+          </p:cNvPr>
+          <p:cNvSpPr/>
+          <p:nvPr/>
+        </p:nvSpPr>
+        <p:spPr>
+          <a:xfrm>
+            <a:off x="2830002" y="2728426"/>
+            <a:ext cx="605588" cy="215305"/>
+          </a:xfrm>
+          <a:prstGeom prst="hexagon">
+            <a:avLst/>
+          </a:prstGeom>
+          <a:noFill/>
+          <a:ln>
+            <a:solidFill>
+              <a:schemeClr val="tx1"/>
+            </a:solidFill>
+          </a:ln>
+          <a:effectLst/>
+        </p:spPr>
+        <p:style>
+          <a:lnRef idx="1">
+            <a:schemeClr val="accent1"/>
+          </a:lnRef>
+          <a:fillRef idx="3">
+            <a:schemeClr val="accent1"/>
+          </a:fillRef>
+          <a:effectRef idx="2">
+            <a:schemeClr val="accent1"/>
+          </a:effectRef>
+          <a:fontRef idx="minor">
+            <a:schemeClr val="lt1"/>
+          </a:fontRef>
+        </p:style>
+        <p:txBody>
+          <a:bodyPr rtlCol="0" anchor="ctr"/>
+          <a:lstStyle/>
+          <a:p>
+            <a:pPr algn="ctr"/>
+            <a:endParaRPr lang="en-US">
+              <a:latin typeface="Times New Roman" panose="02020603050405020304" pitchFamily="18" charset="0"/>
+              <a:cs typeface="Times New Roman" panose="02020603050405020304" pitchFamily="18" charset="0"/>
+            </a:endParaRPr>
+          </a:p>
+        </p:txBody>
+      </p:sp>
+      <p:sp>
+        <p:nvSpPr>
+          <p:cNvPr id="11" name="Rectangle 10">
+            <a:extLst>
+              <a:ext uri="{FF2B5EF4-FFF2-40B4-BE49-F238E27FC236}">
+                <a16:creationId xmlns:a16="http://schemas.microsoft.com/office/drawing/2014/main" id="{DD215510-FD60-534D-8A65-A96AEF945D1D}"/>
+              </a:ext>
+            </a:extLst>
+          </p:cNvPr>
+          <p:cNvSpPr/>
+          <p:nvPr/>
+        </p:nvSpPr>
+        <p:spPr>
+          <a:xfrm>
+            <a:off x="2249905" y="2731174"/>
+            <a:ext cx="572075" cy="215305"/>
+          </a:xfrm>
+          <a:prstGeom prst="rect">
+            <a:avLst/>
+          </a:prstGeom>
+          <a:noFill/>
+          <a:ln>
+            <a:solidFill>
+              <a:schemeClr val="tx1"/>
+            </a:solidFill>
+          </a:ln>
+          <a:effectLst/>
+        </p:spPr>
+        <p:style>
+          <a:lnRef idx="1">
+            <a:schemeClr val="accent1"/>
+          </a:lnRef>
+          <a:fillRef idx="3">
+            <a:schemeClr val="accent1"/>
+          </a:fillRef>
+          <a:effectRef idx="2">
+            <a:schemeClr val="accent1"/>
+          </a:effectRef>
+          <a:fontRef idx="minor">
+            <a:schemeClr val="lt1"/>
+          </a:fontRef>
+        </p:style>
+        <p:txBody>
+          <a:bodyPr rtlCol="0" anchor="ctr"/>
+          <a:lstStyle/>
+          <a:p>
+            <a:pPr algn="ctr"/>
+            <a:endParaRPr lang="en-US">
+              <a:latin typeface="Times New Roman" panose="02020603050405020304" pitchFamily="18" charset="0"/>
+              <a:cs typeface="Times New Roman" panose="02020603050405020304" pitchFamily="18" charset="0"/>
+            </a:endParaRPr>
+          </a:p>
+        </p:txBody>
+      </p:sp>
+      <p:sp>
+        <p:nvSpPr>
+          <p:cNvPr id="17" name="Hexagon 16">
+            <a:extLst>
+              <a:ext uri="{FF2B5EF4-FFF2-40B4-BE49-F238E27FC236}">
+                <a16:creationId xmlns:a16="http://schemas.microsoft.com/office/drawing/2014/main" id="{3DC7392F-4161-9E49-AEFB-BA4673D08264}"/>
+              </a:ext>
+            </a:extLst>
+          </p:cNvPr>
+          <p:cNvSpPr/>
+          <p:nvPr/>
+        </p:nvSpPr>
+        <p:spPr>
+          <a:xfrm>
+            <a:off x="2755231" y="2268474"/>
+            <a:ext cx="405060" cy="215305"/>
+          </a:xfrm>
+          <a:prstGeom prst="hexagon">
+            <a:avLst/>
+          </a:prstGeom>
+          <a:noFill/>
+          <a:ln>
+            <a:solidFill>
+              <a:schemeClr val="tx1"/>
+            </a:solidFill>
+          </a:ln>
+          <a:effectLst/>
+        </p:spPr>
+        <p:style>
+          <a:lnRef idx="1">
+            <a:schemeClr val="accent1"/>
+          </a:lnRef>
+          <a:fillRef idx="3">
+            <a:schemeClr val="accent1"/>
+          </a:fillRef>
+          <a:effectRef idx="2">
+            <a:schemeClr val="accent1"/>
+          </a:effectRef>
+          <a:fontRef idx="minor">
+            <a:schemeClr val="lt1"/>
+          </a:fontRef>
+        </p:style>
+        <p:txBody>
+          <a:bodyPr rtlCol="0" anchor="ctr"/>
+          <a:lstStyle/>
+          <a:p>
+            <a:pPr algn="ctr"/>
+            <a:endParaRPr lang="en-US">
+              <a:latin typeface="Times New Roman" panose="02020603050405020304" pitchFamily="18" charset="0"/>
+              <a:cs typeface="Times New Roman" panose="02020603050405020304" pitchFamily="18" charset="0"/>
+            </a:endParaRPr>
+          </a:p>
+        </p:txBody>
+      </p:sp>
+      <p:sp>
+        <p:nvSpPr>
+          <p:cNvPr id="18" name="Rectangle 17">
+            <a:extLst>
+              <a:ext uri="{FF2B5EF4-FFF2-40B4-BE49-F238E27FC236}">
+                <a16:creationId xmlns:a16="http://schemas.microsoft.com/office/drawing/2014/main" id="{7D9B102D-BAD4-D344-8ED9-57ABEBD8EE37}"/>
+              </a:ext>
+            </a:extLst>
+          </p:cNvPr>
+          <p:cNvSpPr/>
+          <p:nvPr/>
+        </p:nvSpPr>
+        <p:spPr>
+          <a:xfrm>
+            <a:off x="2249905" y="2271222"/>
+            <a:ext cx="505326" cy="215305"/>
+          </a:xfrm>
+          <a:prstGeom prst="rect">
+            <a:avLst/>
+          </a:prstGeom>
+          <a:noFill/>
+          <a:ln>
+            <a:solidFill>
+              <a:schemeClr val="tx1"/>
+            </a:solidFill>
+          </a:ln>
+          <a:effectLst/>
+        </p:spPr>
+        <p:style>
+          <a:lnRef idx="1">
+            <a:schemeClr val="accent1"/>
+          </a:lnRef>
+          <a:fillRef idx="3">
+            <a:schemeClr val="accent1"/>
+          </a:fillRef>
+          <a:effectRef idx="2">
+            <a:schemeClr val="accent1"/>
+          </a:effectRef>
+          <a:fontRef idx="minor">
+            <a:schemeClr val="lt1"/>
+          </a:fontRef>
+        </p:style>
+        <p:txBody>
+          <a:bodyPr rtlCol="0" anchor="ctr"/>
+          <a:lstStyle/>
+          <a:p>
+            <a:pPr algn="ctr"/>
+            <a:endParaRPr lang="en-US">
+              <a:latin typeface="Times New Roman" panose="02020603050405020304" pitchFamily="18" charset="0"/>
+              <a:cs typeface="Times New Roman" panose="02020603050405020304" pitchFamily="18" charset="0"/>
+            </a:endParaRPr>
+          </a:p>
+        </p:txBody>
+      </p:sp>
+      <p:cxnSp>
+        <p:nvCxnSpPr>
+          <p:cNvPr id="22" name="Straight Connector 21">
+            <a:extLst>
+              <a:ext uri="{FF2B5EF4-FFF2-40B4-BE49-F238E27FC236}">
+                <a16:creationId xmlns:a16="http://schemas.microsoft.com/office/drawing/2014/main" id="{7A8C8379-37F6-A64C-822E-7641C73FE7BE}"/>
+              </a:ext>
+            </a:extLst>
+          </p:cNvPr>
+          <p:cNvCxnSpPr>
+            <a:cxnSpLocks/>
+          </p:cNvCxnSpPr>
+          <p:nvPr/>
+        </p:nvCxnSpPr>
+        <p:spPr>
+          <a:xfrm>
+            <a:off x="3443611" y="1818030"/>
+            <a:ext cx="0" cy="1371600"/>
+          </a:xfrm>
+          <a:prstGeom prst="line">
+            <a:avLst/>
+          </a:prstGeom>
+          <a:ln w="12700">
+            <a:solidFill>
+              <a:schemeClr val="tx1"/>
+            </a:solidFill>
+            <a:prstDash val="sysDash"/>
+          </a:ln>
+          <a:effectLst/>
+        </p:spPr>
+        <p:style>
+          <a:lnRef idx="2">
+            <a:schemeClr val="accent1"/>
+          </a:lnRef>
+          <a:fillRef idx="0">
+            <a:schemeClr val="accent1"/>
+          </a:fillRef>
+          <a:effectRef idx="1">
+            <a:schemeClr val="accent1"/>
+          </a:effectRef>
+          <a:fontRef idx="minor">
+            <a:schemeClr val="tx1"/>
+          </a:fontRef>
+        </p:style>
+      </p:cxnSp>
+      <p:sp>
+        <p:nvSpPr>
+          <p:cNvPr id="24" name="Hexagon 23">
+            <a:extLst>
+              <a:ext uri="{FF2B5EF4-FFF2-40B4-BE49-F238E27FC236}">
+                <a16:creationId xmlns:a16="http://schemas.microsoft.com/office/drawing/2014/main" id="{57500904-16A0-2E4B-A5F4-A971DD81D0F6}"/>
+              </a:ext>
+            </a:extLst>
+          </p:cNvPr>
+          <p:cNvSpPr/>
+          <p:nvPr/>
+        </p:nvSpPr>
+        <p:spPr>
+          <a:xfrm>
+            <a:off x="3670773" y="2271222"/>
+            <a:ext cx="263544" cy="215305"/>
+          </a:xfrm>
+          <a:prstGeom prst="hexagon">
+            <a:avLst/>
+          </a:prstGeom>
+          <a:noFill/>
+          <a:ln>
+            <a:solidFill>
+              <a:schemeClr val="tx1"/>
+            </a:solidFill>
+          </a:ln>
+          <a:effectLst/>
+        </p:spPr>
+        <p:style>
+          <a:lnRef idx="1">
+            <a:schemeClr val="accent1"/>
+          </a:lnRef>
+          <a:fillRef idx="3">
+            <a:schemeClr val="accent1"/>
+          </a:fillRef>
+          <a:effectRef idx="2">
+            <a:schemeClr val="accent1"/>
+          </a:effectRef>
+          <a:fontRef idx="minor">
+            <a:schemeClr val="lt1"/>
+          </a:fontRef>
+        </p:style>
+        <p:txBody>
+          <a:bodyPr rtlCol="0" anchor="ctr"/>
+          <a:lstStyle/>
+          <a:p>
+            <a:pPr algn="ctr"/>
+            <a:endParaRPr lang="en-US">
+              <a:latin typeface="Times New Roman" panose="02020603050405020304" pitchFamily="18" charset="0"/>
+              <a:cs typeface="Times New Roman" panose="02020603050405020304" pitchFamily="18" charset="0"/>
+            </a:endParaRPr>
+          </a:p>
+        </p:txBody>
+      </p:sp>
+      <p:sp>
+        <p:nvSpPr>
+          <p:cNvPr id="25" name="Rectangle 24">
+            <a:extLst>
+              <a:ext uri="{FF2B5EF4-FFF2-40B4-BE49-F238E27FC236}">
+                <a16:creationId xmlns:a16="http://schemas.microsoft.com/office/drawing/2014/main" id="{B93E880A-8DCD-2B47-A7C6-899B9EFA401C}"/>
+              </a:ext>
+            </a:extLst>
+          </p:cNvPr>
+          <p:cNvSpPr/>
+          <p:nvPr/>
+        </p:nvSpPr>
+        <p:spPr>
+          <a:xfrm>
+            <a:off x="3443612" y="2273970"/>
+            <a:ext cx="222004" cy="215305"/>
+          </a:xfrm>
+          <a:prstGeom prst="rect">
+            <a:avLst/>
+          </a:prstGeom>
+          <a:noFill/>
+          <a:ln>
+            <a:solidFill>
+              <a:schemeClr val="tx1"/>
+            </a:solidFill>
+          </a:ln>
+          <a:effectLst/>
+        </p:spPr>
+        <p:style>
+          <a:lnRef idx="1">
+            <a:schemeClr val="accent1"/>
+          </a:lnRef>
+          <a:fillRef idx="3">
+            <a:schemeClr val="accent1"/>
+          </a:fillRef>
+          <a:effectRef idx="2">
+            <a:schemeClr val="accent1"/>
+          </a:effectRef>
+          <a:fontRef idx="minor">
+            <a:schemeClr val="lt1"/>
+          </a:fontRef>
+        </p:style>
+        <p:txBody>
+          <a:bodyPr rtlCol="0" anchor="ctr"/>
+          <a:lstStyle/>
+          <a:p>
+            <a:pPr algn="ctr"/>
+            <a:endParaRPr lang="en-US">
+              <a:latin typeface="Times New Roman" panose="02020603050405020304" pitchFamily="18" charset="0"/>
+              <a:cs typeface="Times New Roman" panose="02020603050405020304" pitchFamily="18" charset="0"/>
+            </a:endParaRPr>
+          </a:p>
+        </p:txBody>
+      </p:sp>
+      <p:sp>
+        <p:nvSpPr>
+          <p:cNvPr id="26" name="TextBox 25">
+            <a:extLst>
+              <a:ext uri="{FF2B5EF4-FFF2-40B4-BE49-F238E27FC236}">
+                <a16:creationId xmlns:a16="http://schemas.microsoft.com/office/drawing/2014/main" id="{4BFBD474-508A-1146-8C84-8CBD5E59FBCC}"/>
+              </a:ext>
+            </a:extLst>
+          </p:cNvPr>
+          <p:cNvSpPr txBox="1"/>
+          <p:nvPr/>
+        </p:nvSpPr>
+        <p:spPr>
+          <a:xfrm>
+            <a:off x="2278701" y="1620248"/>
+            <a:ext cx="340887" cy="261610"/>
+          </a:xfrm>
+          <a:prstGeom prst="rect">
+            <a:avLst/>
+          </a:prstGeom>
+          <a:noFill/>
+        </p:spPr>
+        <p:txBody>
+          <a:bodyPr wrap="square" lIns="0" rIns="0" rtlCol="0">
+            <a:spAutoFit/>
+          </a:bodyPr>
+          <a:lstStyle/>
+          <a:p>
+            <a:r>
+              <a:rPr lang="en-US" sz="1100" dirty="0">
+                <a:latin typeface="Times New Roman" panose="02020603050405020304" pitchFamily="18" charset="0"/>
+                <a:cs typeface="Times New Roman" panose="02020603050405020304" pitchFamily="18" charset="0"/>
+              </a:rPr>
+              <a:t>T1</a:t>
+            </a:r>
+          </a:p>
+        </p:txBody>
+      </p:sp>
+      <p:sp>
+        <p:nvSpPr>
+          <p:cNvPr id="27" name="TextBox 26">
+            <a:extLst>
+              <a:ext uri="{FF2B5EF4-FFF2-40B4-BE49-F238E27FC236}">
+                <a16:creationId xmlns:a16="http://schemas.microsoft.com/office/drawing/2014/main" id="{65D03198-6009-8C4C-A6F0-CC118E8FD823}"/>
+              </a:ext>
+            </a:extLst>
+          </p:cNvPr>
+          <p:cNvSpPr txBox="1"/>
+          <p:nvPr/>
+        </p:nvSpPr>
+        <p:spPr>
+          <a:xfrm>
+            <a:off x="2278701" y="2074367"/>
+            <a:ext cx="340887" cy="261610"/>
+          </a:xfrm>
+          <a:prstGeom prst="rect">
+            <a:avLst/>
+          </a:prstGeom>
+          <a:noFill/>
+        </p:spPr>
+        <p:txBody>
+          <a:bodyPr wrap="square" lIns="0" rIns="0" rtlCol="0">
+            <a:spAutoFit/>
+          </a:bodyPr>
+          <a:lstStyle/>
+          <a:p>
+            <a:r>
+              <a:rPr lang="en-US" sz="1100" dirty="0">
+                <a:latin typeface="Times New Roman" panose="02020603050405020304" pitchFamily="18" charset="0"/>
+                <a:cs typeface="Times New Roman" panose="02020603050405020304" pitchFamily="18" charset="0"/>
+              </a:rPr>
+              <a:t>T2</a:t>
+            </a:r>
+          </a:p>
+        </p:txBody>
+      </p:sp>
+      <p:sp>
+        <p:nvSpPr>
+          <p:cNvPr id="28" name="TextBox 27">
+            <a:extLst>
+              <a:ext uri="{FF2B5EF4-FFF2-40B4-BE49-F238E27FC236}">
+                <a16:creationId xmlns:a16="http://schemas.microsoft.com/office/drawing/2014/main" id="{103313D3-92EB-984E-B468-D9B180B7AEAC}"/>
+              </a:ext>
+            </a:extLst>
+          </p:cNvPr>
+          <p:cNvSpPr txBox="1"/>
+          <p:nvPr/>
+        </p:nvSpPr>
+        <p:spPr>
+          <a:xfrm>
+            <a:off x="2278701" y="2527274"/>
+            <a:ext cx="340887" cy="261610"/>
+          </a:xfrm>
+          <a:prstGeom prst="rect">
+            <a:avLst/>
+          </a:prstGeom>
+          <a:noFill/>
+        </p:spPr>
+        <p:txBody>
+          <a:bodyPr wrap="square" lIns="0" rIns="0" rtlCol="0">
+            <a:spAutoFit/>
+          </a:bodyPr>
+          <a:lstStyle/>
+          <a:p>
+            <a:r>
+              <a:rPr lang="en-US" sz="1100" dirty="0">
+                <a:latin typeface="Times New Roman" panose="02020603050405020304" pitchFamily="18" charset="0"/>
+                <a:cs typeface="Times New Roman" panose="02020603050405020304" pitchFamily="18" charset="0"/>
+              </a:rPr>
+              <a:t>T3</a:t>
+            </a:r>
+          </a:p>
+        </p:txBody>
+      </p:sp>
+      <p:sp>
+        <p:nvSpPr>
+          <p:cNvPr id="29" name="TextBox 28">
+            <a:extLst>
+              <a:ext uri="{FF2B5EF4-FFF2-40B4-BE49-F238E27FC236}">
+                <a16:creationId xmlns:a16="http://schemas.microsoft.com/office/drawing/2014/main" id="{40B8B4E3-C70E-5740-B893-5EFFED6C8540}"/>
+              </a:ext>
+            </a:extLst>
+          </p:cNvPr>
+          <p:cNvSpPr txBox="1"/>
+          <p:nvPr/>
+        </p:nvSpPr>
+        <p:spPr>
+          <a:xfrm>
+            <a:off x="1064237" y="2074367"/>
+            <a:ext cx="340887" cy="261610"/>
+          </a:xfrm>
+          <a:prstGeom prst="rect">
+            <a:avLst/>
+          </a:prstGeom>
+          <a:noFill/>
+        </p:spPr>
+        <p:txBody>
+          <a:bodyPr wrap="square" lIns="0" rIns="0" rtlCol="0">
+            <a:spAutoFit/>
+          </a:bodyPr>
+          <a:lstStyle/>
+          <a:p>
+            <a:r>
+              <a:rPr lang="en-US" sz="1100" dirty="0">
+                <a:latin typeface="Times New Roman" panose="02020603050405020304" pitchFamily="18" charset="0"/>
+                <a:cs typeface="Times New Roman" panose="02020603050405020304" pitchFamily="18" charset="0"/>
+              </a:rPr>
+              <a:t>T0</a:t>
+            </a:r>
+          </a:p>
+        </p:txBody>
+      </p:sp>
+      <p:sp>
+        <p:nvSpPr>
+          <p:cNvPr id="30" name="TextBox 29">
+            <a:extLst>
+              <a:ext uri="{FF2B5EF4-FFF2-40B4-BE49-F238E27FC236}">
+                <a16:creationId xmlns:a16="http://schemas.microsoft.com/office/drawing/2014/main" id="{5DEC3469-1414-3F4B-A13B-7633200DFFA1}"/>
+              </a:ext>
+            </a:extLst>
+          </p:cNvPr>
+          <p:cNvSpPr txBox="1"/>
+          <p:nvPr/>
+        </p:nvSpPr>
+        <p:spPr>
+          <a:xfrm>
+            <a:off x="1052187" y="2922103"/>
+            <a:ext cx="1201729" cy="246221"/>
+          </a:xfrm>
+          <a:prstGeom prst="rect">
+            <a:avLst/>
+          </a:prstGeom>
+          <a:noFill/>
+        </p:spPr>
+        <p:txBody>
+          <a:bodyPr wrap="square" rtlCol="0">
+            <a:spAutoFit/>
+          </a:bodyPr>
+          <a:lstStyle/>
+          <a:p>
+            <a:pPr algn="ctr"/>
+            <a:r>
+              <a:rPr lang="en-US" sz="1000" dirty="0">
+                <a:latin typeface="Times New Roman" panose="02020603050405020304" pitchFamily="18" charset="0"/>
+                <a:cs typeface="Times New Roman" panose="02020603050405020304" pitchFamily="18" charset="0"/>
+              </a:rPr>
+              <a:t>Serial Phase</a:t>
+            </a:r>
+          </a:p>
+        </p:txBody>
+      </p:sp>
+      <p:sp>
+        <p:nvSpPr>
+          <p:cNvPr id="31" name="TextBox 30">
+            <a:extLst>
+              <a:ext uri="{FF2B5EF4-FFF2-40B4-BE49-F238E27FC236}">
+                <a16:creationId xmlns:a16="http://schemas.microsoft.com/office/drawing/2014/main" id="{CB4357B7-F77F-4341-AC00-BB27DC8E9A41}"/>
+              </a:ext>
+            </a:extLst>
+          </p:cNvPr>
+          <p:cNvSpPr txBox="1"/>
+          <p:nvPr/>
+        </p:nvSpPr>
+        <p:spPr>
+          <a:xfrm>
+            <a:off x="2245893" y="2922103"/>
+            <a:ext cx="1197718" cy="246221"/>
+          </a:xfrm>
+          <a:prstGeom prst="rect">
+            <a:avLst/>
+          </a:prstGeom>
+          <a:noFill/>
+        </p:spPr>
+        <p:txBody>
+          <a:bodyPr wrap="square" rtlCol="0">
+            <a:spAutoFit/>
+          </a:bodyPr>
+          <a:lstStyle/>
+          <a:p>
+            <a:pPr algn="ctr"/>
+            <a:r>
+              <a:rPr lang="en-US" sz="1000" dirty="0">
+                <a:latin typeface="Times New Roman" panose="02020603050405020304" pitchFamily="18" charset="0"/>
+                <a:cs typeface="Times New Roman" panose="02020603050405020304" pitchFamily="18" charset="0"/>
+              </a:rPr>
+              <a:t>Parallel Phase</a:t>
+            </a:r>
+          </a:p>
+        </p:txBody>
+      </p:sp>
+      <p:sp>
+        <p:nvSpPr>
+          <p:cNvPr id="32" name="TextBox 31">
+            <a:extLst>
+              <a:ext uri="{FF2B5EF4-FFF2-40B4-BE49-F238E27FC236}">
+                <a16:creationId xmlns:a16="http://schemas.microsoft.com/office/drawing/2014/main" id="{4AC57F11-85E4-4742-9D89-1D4705164A65}"/>
+              </a:ext>
+            </a:extLst>
+          </p:cNvPr>
+          <p:cNvSpPr txBox="1"/>
+          <p:nvPr/>
+        </p:nvSpPr>
+        <p:spPr>
+          <a:xfrm>
+            <a:off x="3443611" y="2922103"/>
+            <a:ext cx="775458" cy="246221"/>
+          </a:xfrm>
+          <a:prstGeom prst="rect">
+            <a:avLst/>
+          </a:prstGeom>
+          <a:noFill/>
+        </p:spPr>
+        <p:txBody>
+          <a:bodyPr wrap="square" lIns="0" rIns="0" rtlCol="0">
+            <a:spAutoFit/>
+          </a:bodyPr>
+          <a:lstStyle/>
+          <a:p>
+            <a:pPr algn="ctr"/>
+            <a:r>
+              <a:rPr lang="en-US" sz="1000" dirty="0">
+                <a:latin typeface="Times New Roman" panose="02020603050405020304" pitchFamily="18" charset="0"/>
+                <a:cs typeface="Times New Roman" panose="02020603050405020304" pitchFamily="18" charset="0"/>
+              </a:rPr>
+              <a:t>Serial Phase</a:t>
+            </a:r>
+          </a:p>
+        </p:txBody>
+      </p:sp>
+    </p:spTree>
+    <p:extLst>
+      <p:ext uri="{BB962C8B-B14F-4D97-AF65-F5344CB8AC3E}">
+        <p14:creationId xmlns:p14="http://schemas.microsoft.com/office/powerpoint/2010/main" val="2788567125"/>
+      </p:ext>
+    </p:extLst>
+  </p:cSld>
+  <p:clrMapOvr>
+    <a:masterClrMapping/>
+  </p:clrMapOvr>
+</p:sld>
+</file>
+
+<file path=ppt/slides/slide7.xml><?xml version="1.0" encoding="utf-8"?>
+<p:sld xmlns:a="http://schemas.openxmlformats.org/drawingml/2006/main" xmlns:r="http://schemas.openxmlformats.org/officeDocument/2006/relationships" xmlns:p="http://schemas.openxmlformats.org/presentationml/2006/main">
+  <p:cSld>
+    <p:spTree>
+      <p:nvGrpSpPr>
+        <p:cNvPr id="1" name=""/>
+        <p:cNvGrpSpPr/>
+        <p:nvPr/>
+      </p:nvGrpSpPr>
+      <p:grpSpPr>
+        <a:xfrm>
+          <a:off x="0" y="0"/>
+          <a:ext cx="0" cy="0"/>
+          <a:chOff x="0" y="0"/>
+          <a:chExt cx="0" cy="0"/>
+        </a:xfrm>
+      </p:grpSpPr>
+      <p:graphicFrame>
+        <p:nvGraphicFramePr>
+          <p:cNvPr id="4" name="Chart 3">
+            <a:extLst>
+              <a:ext uri="{FF2B5EF4-FFF2-40B4-BE49-F238E27FC236}">
+                <a16:creationId xmlns:a16="http://schemas.microsoft.com/office/drawing/2014/main" id="{67C59038-91BA-4F4C-AB6E-FDCC5DF29ED8}"/>
+              </a:ext>
+            </a:extLst>
+          </p:cNvPr>
+          <p:cNvGraphicFramePr>
+            <a:graphicFrameLocks/>
+          </p:cNvGraphicFramePr>
+          <p:nvPr>
+            <p:extLst>
+              <p:ext uri="{D42A27DB-BD31-4B8C-83A1-F6EECF244321}">
+                <p14:modId xmlns:p14="http://schemas.microsoft.com/office/powerpoint/2010/main" val="508251836"/>
+              </p:ext>
+            </p:extLst>
+          </p:nvPr>
+        </p:nvGraphicFramePr>
+        <p:xfrm>
+          <a:off x="967410" y="2434673"/>
+          <a:ext cx="7634330" cy="3742843"/>
+        </p:xfrm>
+        <a:graphic>
+          <a:graphicData uri="http://schemas.openxmlformats.org/drawingml/2006/chart">
+            <c:chart xmlns:c="http://schemas.openxmlformats.org/drawingml/2006/chart" xmlns:r="http://schemas.openxmlformats.org/officeDocument/2006/relationships" r:id="rId2"/>
+          </a:graphicData>
+        </a:graphic>
+      </p:graphicFrame>
+    </p:spTree>
+    <p:extLst>
+      <p:ext uri="{BB962C8B-B14F-4D97-AF65-F5344CB8AC3E}">
+        <p14:creationId xmlns:p14="http://schemas.microsoft.com/office/powerpoint/2010/main" val="3714078033"/>
+      </p:ext>
+    </p:extLst>
+  </p:cSld>
+  <p:clrMapOvr>
+    <a:masterClrMapping/>
+  </p:clrMapOvr>
+</p:sld>
+</file>
+
+<file path=ppt/slides/slide8.xml><?xml version="1.0" encoding="utf-8"?>
+<p:sld xmlns:a="http://schemas.openxmlformats.org/drawingml/2006/main" xmlns:r="http://schemas.openxmlformats.org/officeDocument/2006/relationships" xmlns:p="http://schemas.openxmlformats.org/presentationml/2006/main">
+  <p:cSld>
+    <p:spTree>
+      <p:nvGrpSpPr>
+        <p:cNvPr id="1" name=""/>
+        <p:cNvGrpSpPr/>
+        <p:nvPr/>
+      </p:nvGrpSpPr>
+      <p:grpSpPr>
+        <a:xfrm>
+          <a:off x="0" y="0"/>
+          <a:ext cx="0" cy="0"/>
+          <a:chOff x="0" y="0"/>
+          <a:chExt cx="0" cy="0"/>
+        </a:xfrm>
+      </p:grpSpPr>
+    </p:spTree>
+    <p:extLst>
+      <p:ext uri="{BB962C8B-B14F-4D97-AF65-F5344CB8AC3E}">
+        <p14:creationId xmlns:p14="http://schemas.microsoft.com/office/powerpoint/2010/main" val="1509029077"/>
+      </p:ext>
+    </p:extLst>
+  </p:cSld>
+  <p:clrMapOvr>
+    <a:masterClrMapping/>
+  </p:clrMapOvr>
+</p:sld>
+</file>
+
+<file path=ppt/slides/slide9.xml><?xml version="1.0" encoding="utf-8"?>
+<p:sld xmlns:a="http://schemas.openxmlformats.org/drawingml/2006/main" xmlns:r="http://schemas.openxmlformats.org/officeDocument/2006/relationships" xmlns:p="http://schemas.openxmlformats.org/presentationml/2006/main">
+  <p:cSld>
+    <p:spTree>
+      <p:nvGrpSpPr>
+        <p:cNvPr id="1" name=""/>
+        <p:cNvGrpSpPr/>
+        <p:nvPr/>
+      </p:nvGrpSpPr>
+      <p:grpSpPr>
+        <a:xfrm>
+          <a:off x="0" y="0"/>
+          <a:ext cx="0" cy="0"/>
+          <a:chOff x="0" y="0"/>
+          <a:chExt cx="0" cy="0"/>
+        </a:xfrm>
+      </p:grpSpPr>
+      <p:sp>
+        <p:nvSpPr>
           <p:cNvPr id="4" name="TextBox 3">
             <a:extLst>
               <a:ext uri="{FF2B5EF4-FFF2-40B4-BE49-F238E27FC236}">
@@ -8608,850 +12112,6 @@
     <p:extLst>
       <p:ext uri="{BB962C8B-B14F-4D97-AF65-F5344CB8AC3E}">
         <p14:creationId xmlns:p14="http://schemas.microsoft.com/office/powerpoint/2010/main" val="780780469"/>
-      </p:ext>
-    </p:extLst>
-  </p:cSld>
-  <p:clrMapOvr>
-    <a:masterClrMapping/>
-  </p:clrMapOvr>
-</p:sld>
-</file>
-
-<file path=ppt/slides/slide7.xml><?xml version="1.0" encoding="utf-8"?>
-<p:sld xmlns:a="http://schemas.openxmlformats.org/drawingml/2006/main" xmlns:r="http://schemas.openxmlformats.org/officeDocument/2006/relationships" xmlns:p="http://schemas.openxmlformats.org/presentationml/2006/main">
-  <p:cSld>
-    <p:spTree>
-      <p:nvGrpSpPr>
-        <p:cNvPr id="1" name=""/>
-        <p:cNvGrpSpPr/>
-        <p:nvPr/>
-      </p:nvGrpSpPr>
-      <p:grpSpPr>
-        <a:xfrm>
-          <a:off x="0" y="0"/>
-          <a:ext cx="0" cy="0"/>
-          <a:chOff x="0" y="0"/>
-          <a:chExt cx="0" cy="0"/>
-        </a:xfrm>
-      </p:grpSpPr>
-      <p:sp>
-        <p:nvSpPr>
-          <p:cNvPr id="4" name="TextBox 3">
-            <a:extLst>
-              <a:ext uri="{FF2B5EF4-FFF2-40B4-BE49-F238E27FC236}">
-                <a16:creationId xmlns:a16="http://schemas.microsoft.com/office/drawing/2014/main" id="{44C6D75E-DBF7-514B-91F4-2FD5984A5D9E}"/>
-              </a:ext>
-            </a:extLst>
-          </p:cNvPr>
-          <p:cNvSpPr txBox="1"/>
-          <p:nvPr/>
-        </p:nvSpPr>
-        <p:spPr>
-          <a:xfrm>
-            <a:off x="4080858" y="1386781"/>
-            <a:ext cx="1097280" cy="261610"/>
-          </a:xfrm>
-          <a:prstGeom prst="rect">
-            <a:avLst/>
-          </a:prstGeom>
-          <a:noFill/>
-          <a:ln>
-            <a:solidFill>
-              <a:schemeClr val="tx1"/>
-            </a:solidFill>
-          </a:ln>
-        </p:spPr>
-        <p:txBody>
-          <a:bodyPr wrap="square" rtlCol="0" anchor="ctr" anchorCtr="0">
-            <a:spAutoFit/>
-          </a:bodyPr>
-          <a:lstStyle/>
-          <a:p>
-            <a:pPr algn="ctr"/>
-            <a:r>
-              <a:rPr lang="en-US" sz="1100" dirty="0">
-                <a:latin typeface="Times New Roman" panose="02020603050405020304" pitchFamily="18" charset="0"/>
-                <a:cs typeface="Times New Roman" panose="02020603050405020304" pitchFamily="18" charset="0"/>
-              </a:rPr>
-              <a:t>Applications</a:t>
-            </a:r>
-          </a:p>
-        </p:txBody>
-      </p:sp>
-      <p:sp>
-        <p:nvSpPr>
-          <p:cNvPr id="14" name="Rectangle 13">
-            <a:extLst>
-              <a:ext uri="{FF2B5EF4-FFF2-40B4-BE49-F238E27FC236}">
-                <a16:creationId xmlns:a16="http://schemas.microsoft.com/office/drawing/2014/main" id="{48C98958-0A7F-5144-B880-2BB607CFA19B}"/>
-              </a:ext>
-            </a:extLst>
-          </p:cNvPr>
-          <p:cNvSpPr/>
-          <p:nvPr/>
-        </p:nvSpPr>
-        <p:spPr>
-          <a:xfrm>
-            <a:off x="4080858" y="2118162"/>
-            <a:ext cx="1097280" cy="265176"/>
-          </a:xfrm>
-          <a:prstGeom prst="rect">
-            <a:avLst/>
-          </a:prstGeom>
-          <a:noFill/>
-          <a:ln>
-            <a:solidFill>
-              <a:schemeClr val="tx1"/>
-            </a:solidFill>
-          </a:ln>
-          <a:effectLst/>
-        </p:spPr>
-        <p:style>
-          <a:lnRef idx="1">
-            <a:schemeClr val="accent1"/>
-          </a:lnRef>
-          <a:fillRef idx="3">
-            <a:schemeClr val="accent1"/>
-          </a:fillRef>
-          <a:effectRef idx="2">
-            <a:schemeClr val="accent1"/>
-          </a:effectRef>
-          <a:fontRef idx="minor">
-            <a:schemeClr val="lt1"/>
-          </a:fontRef>
-        </p:style>
-        <p:txBody>
-          <a:bodyPr rtlCol="0" anchor="ctr"/>
-          <a:lstStyle/>
-          <a:p>
-            <a:pPr algn="ctr"/>
-            <a:r>
-              <a:rPr lang="en-US" sz="1100" dirty="0">
-                <a:solidFill>
-                  <a:schemeClr val="tx1"/>
-                </a:solidFill>
-                <a:latin typeface="Times New Roman" panose="02020603050405020304" pitchFamily="18" charset="0"/>
-                <a:cs typeface="Times New Roman" panose="02020603050405020304" pitchFamily="18" charset="0"/>
-              </a:rPr>
-              <a:t>Allocator</a:t>
-            </a:r>
-          </a:p>
-        </p:txBody>
-      </p:sp>
-      <p:sp>
-        <p:nvSpPr>
-          <p:cNvPr id="29" name="Up-Down Arrow 28">
-            <a:extLst>
-              <a:ext uri="{FF2B5EF4-FFF2-40B4-BE49-F238E27FC236}">
-                <a16:creationId xmlns:a16="http://schemas.microsoft.com/office/drawing/2014/main" id="{647362CB-B95B-A148-9FAE-8C43EB32F5BD}"/>
-              </a:ext>
-            </a:extLst>
-          </p:cNvPr>
-          <p:cNvSpPr/>
-          <p:nvPr/>
-        </p:nvSpPr>
-        <p:spPr>
-          <a:xfrm>
-            <a:off x="4820582" y="1652686"/>
-            <a:ext cx="225096" cy="439724"/>
-          </a:xfrm>
-          <a:prstGeom prst="upDownArrow">
-            <a:avLst/>
-          </a:prstGeom>
-          <a:noFill/>
-          <a:ln>
-            <a:solidFill>
-              <a:schemeClr val="tx1"/>
-            </a:solidFill>
-          </a:ln>
-          <a:effectLst/>
-        </p:spPr>
-        <p:style>
-          <a:lnRef idx="1">
-            <a:schemeClr val="accent1"/>
-          </a:lnRef>
-          <a:fillRef idx="3">
-            <a:schemeClr val="accent1"/>
-          </a:fillRef>
-          <a:effectRef idx="2">
-            <a:schemeClr val="accent1"/>
-          </a:effectRef>
-          <a:fontRef idx="minor">
-            <a:schemeClr val="lt1"/>
-          </a:fontRef>
-        </p:style>
-        <p:txBody>
-          <a:bodyPr rtlCol="0" anchor="ctr"/>
-          <a:lstStyle/>
-          <a:p>
-            <a:pPr algn="ctr"/>
-            <a:endParaRPr lang="en-US" sz="1100">
-              <a:latin typeface="Times New Roman" panose="02020603050405020304" pitchFamily="18" charset="0"/>
-              <a:cs typeface="Times New Roman" panose="02020603050405020304" pitchFamily="18" charset="0"/>
-            </a:endParaRPr>
-          </a:p>
-        </p:txBody>
-      </p:sp>
-      <p:sp>
-        <p:nvSpPr>
-          <p:cNvPr id="31" name="TextBox 30">
-            <a:extLst>
-              <a:ext uri="{FF2B5EF4-FFF2-40B4-BE49-F238E27FC236}">
-                <a16:creationId xmlns:a16="http://schemas.microsoft.com/office/drawing/2014/main" id="{95BA8FBC-2770-9A40-9D44-D23B02E2EAC8}"/>
-              </a:ext>
-            </a:extLst>
-          </p:cNvPr>
-          <p:cNvSpPr txBox="1"/>
-          <p:nvPr/>
-        </p:nvSpPr>
-        <p:spPr>
-          <a:xfrm>
-            <a:off x="3805896" y="1748106"/>
-            <a:ext cx="580388" cy="261610"/>
-          </a:xfrm>
-          <a:prstGeom prst="rect">
-            <a:avLst/>
-          </a:prstGeom>
-          <a:noFill/>
-          <a:ln>
-            <a:noFill/>
-          </a:ln>
-        </p:spPr>
-        <p:txBody>
-          <a:bodyPr wrap="square" rtlCol="0" anchor="ctr" anchorCtr="0">
-            <a:spAutoFit/>
-          </a:bodyPr>
-          <a:lstStyle/>
-          <a:p>
-            <a:pPr algn="ctr"/>
-            <a:r>
-              <a:rPr lang="en-US" sz="1100" dirty="0" err="1">
-                <a:latin typeface="Times New Roman" panose="02020603050405020304" pitchFamily="18" charset="0"/>
-                <a:cs typeface="Times New Roman" panose="02020603050405020304" pitchFamily="18" charset="0"/>
-              </a:rPr>
-              <a:t>Alloc</a:t>
-            </a:r>
-            <a:endParaRPr lang="en-US" sz="1100" dirty="0">
-              <a:latin typeface="Times New Roman" panose="02020603050405020304" pitchFamily="18" charset="0"/>
-              <a:cs typeface="Times New Roman" panose="02020603050405020304" pitchFamily="18" charset="0"/>
-            </a:endParaRPr>
-          </a:p>
-        </p:txBody>
-      </p:sp>
-      <p:sp>
-        <p:nvSpPr>
-          <p:cNvPr id="33" name="TextBox 32">
-            <a:extLst>
-              <a:ext uri="{FF2B5EF4-FFF2-40B4-BE49-F238E27FC236}">
-                <a16:creationId xmlns:a16="http://schemas.microsoft.com/office/drawing/2014/main" id="{335FCED0-8603-D240-A217-264AC4080EA3}"/>
-              </a:ext>
-            </a:extLst>
-          </p:cNvPr>
-          <p:cNvSpPr txBox="1"/>
-          <p:nvPr/>
-        </p:nvSpPr>
-        <p:spPr>
-          <a:xfrm>
-            <a:off x="4443543" y="1748106"/>
-            <a:ext cx="580388" cy="261610"/>
-          </a:xfrm>
-          <a:prstGeom prst="rect">
-            <a:avLst/>
-          </a:prstGeom>
-          <a:noFill/>
-          <a:ln>
-            <a:noFill/>
-          </a:ln>
-        </p:spPr>
-        <p:txBody>
-          <a:bodyPr wrap="square" rtlCol="0" anchor="ctr" anchorCtr="0">
-            <a:spAutoFit/>
-          </a:bodyPr>
-          <a:lstStyle/>
-          <a:p>
-            <a:pPr algn="ctr"/>
-            <a:r>
-              <a:rPr lang="en-US" sz="1100" dirty="0">
-                <a:latin typeface="Times New Roman" panose="02020603050405020304" pitchFamily="18" charset="0"/>
-                <a:cs typeface="Times New Roman" panose="02020603050405020304" pitchFamily="18" charset="0"/>
-              </a:rPr>
-              <a:t>Free</a:t>
-            </a:r>
-          </a:p>
-        </p:txBody>
-      </p:sp>
-      <p:sp>
-        <p:nvSpPr>
-          <p:cNvPr id="35" name="Up-Down Arrow 34">
-            <a:extLst>
-              <a:ext uri="{FF2B5EF4-FFF2-40B4-BE49-F238E27FC236}">
-                <a16:creationId xmlns:a16="http://schemas.microsoft.com/office/drawing/2014/main" id="{90B4D13E-D699-4740-AB36-B27751D82C28}"/>
-              </a:ext>
-            </a:extLst>
-          </p:cNvPr>
-          <p:cNvSpPr/>
-          <p:nvPr/>
-        </p:nvSpPr>
-        <p:spPr>
-          <a:xfrm>
-            <a:off x="4256285" y="1644445"/>
-            <a:ext cx="225096" cy="439724"/>
-          </a:xfrm>
-          <a:prstGeom prst="upDownArrow">
-            <a:avLst/>
-          </a:prstGeom>
-          <a:noFill/>
-          <a:ln>
-            <a:solidFill>
-              <a:schemeClr val="tx1"/>
-            </a:solidFill>
-          </a:ln>
-          <a:effectLst/>
-        </p:spPr>
-        <p:style>
-          <a:lnRef idx="1">
-            <a:schemeClr val="accent1"/>
-          </a:lnRef>
-          <a:fillRef idx="3">
-            <a:schemeClr val="accent1"/>
-          </a:fillRef>
-          <a:effectRef idx="2">
-            <a:schemeClr val="accent1"/>
-          </a:effectRef>
-          <a:fontRef idx="minor">
-            <a:schemeClr val="lt1"/>
-          </a:fontRef>
-        </p:style>
-        <p:txBody>
-          <a:bodyPr rtlCol="0" anchor="ctr"/>
-          <a:lstStyle/>
-          <a:p>
-            <a:pPr algn="ctr"/>
-            <a:endParaRPr lang="en-US" sz="1100">
-              <a:latin typeface="Times New Roman" panose="02020603050405020304" pitchFamily="18" charset="0"/>
-              <a:cs typeface="Times New Roman" panose="02020603050405020304" pitchFamily="18" charset="0"/>
-            </a:endParaRPr>
-          </a:p>
-        </p:txBody>
-      </p:sp>
-      <p:sp>
-        <p:nvSpPr>
-          <p:cNvPr id="36" name="Rectangle 35">
-            <a:extLst>
-              <a:ext uri="{FF2B5EF4-FFF2-40B4-BE49-F238E27FC236}">
-                <a16:creationId xmlns:a16="http://schemas.microsoft.com/office/drawing/2014/main" id="{0DFC8C16-BDBD-6F4F-B756-353D64D42A59}"/>
-              </a:ext>
-            </a:extLst>
-          </p:cNvPr>
-          <p:cNvSpPr/>
-          <p:nvPr/>
-        </p:nvSpPr>
-        <p:spPr>
-          <a:xfrm>
-            <a:off x="4080858" y="2838280"/>
-            <a:ext cx="1097280" cy="265176"/>
-          </a:xfrm>
-          <a:prstGeom prst="rect">
-            <a:avLst/>
-          </a:prstGeom>
-          <a:noFill/>
-          <a:ln>
-            <a:solidFill>
-              <a:schemeClr val="tx1"/>
-            </a:solidFill>
-          </a:ln>
-          <a:effectLst/>
-        </p:spPr>
-        <p:style>
-          <a:lnRef idx="1">
-            <a:schemeClr val="accent1"/>
-          </a:lnRef>
-          <a:fillRef idx="3">
-            <a:schemeClr val="accent1"/>
-          </a:fillRef>
-          <a:effectRef idx="2">
-            <a:schemeClr val="accent1"/>
-          </a:effectRef>
-          <a:fontRef idx="minor">
-            <a:schemeClr val="lt1"/>
-          </a:fontRef>
-        </p:style>
-        <p:txBody>
-          <a:bodyPr rtlCol="0" anchor="ctr"/>
-          <a:lstStyle/>
-          <a:p>
-            <a:pPr algn="ctr"/>
-            <a:r>
-              <a:rPr lang="en-US" sz="1100" dirty="0">
-                <a:solidFill>
-                  <a:schemeClr val="tx1"/>
-                </a:solidFill>
-                <a:latin typeface="Times New Roman" panose="02020603050405020304" pitchFamily="18" charset="0"/>
-                <a:cs typeface="Times New Roman" panose="02020603050405020304" pitchFamily="18" charset="0"/>
-              </a:rPr>
-              <a:t>OS</a:t>
-            </a:r>
-          </a:p>
-        </p:txBody>
-      </p:sp>
-      <p:sp>
-        <p:nvSpPr>
-          <p:cNvPr id="37" name="TextBox 36">
-            <a:extLst>
-              <a:ext uri="{FF2B5EF4-FFF2-40B4-BE49-F238E27FC236}">
-                <a16:creationId xmlns:a16="http://schemas.microsoft.com/office/drawing/2014/main" id="{71A90939-93B2-4D43-8654-C410500A61D4}"/>
-              </a:ext>
-            </a:extLst>
-          </p:cNvPr>
-          <p:cNvSpPr txBox="1"/>
-          <p:nvPr/>
-        </p:nvSpPr>
-        <p:spPr>
-          <a:xfrm>
-            <a:off x="3907861" y="2408996"/>
-            <a:ext cx="729678" cy="430887"/>
-          </a:xfrm>
-          <a:prstGeom prst="rect">
-            <a:avLst/>
-          </a:prstGeom>
-          <a:noFill/>
-          <a:ln>
-            <a:noFill/>
-          </a:ln>
-        </p:spPr>
-        <p:txBody>
-          <a:bodyPr wrap="square" rtlCol="0" anchor="ctr" anchorCtr="0">
-            <a:spAutoFit/>
-          </a:bodyPr>
-          <a:lstStyle/>
-          <a:p>
-            <a:pPr algn="ctr"/>
-            <a:r>
-              <a:rPr lang="en-US" sz="1100" dirty="0">
-                <a:latin typeface="Times New Roman" panose="02020603050405020304" pitchFamily="18" charset="0"/>
-                <a:cs typeface="Times New Roman" panose="02020603050405020304" pitchFamily="18" charset="0"/>
-              </a:rPr>
-              <a:t>Memory</a:t>
-            </a:r>
-          </a:p>
-          <a:p>
-            <a:pPr algn="ctr"/>
-            <a:r>
-              <a:rPr lang="en-US" sz="1100" dirty="0" err="1">
-                <a:latin typeface="Times New Roman" panose="02020603050405020304" pitchFamily="18" charset="0"/>
-                <a:cs typeface="Times New Roman" panose="02020603050405020304" pitchFamily="18" charset="0"/>
-              </a:rPr>
-              <a:t>Syscalls</a:t>
-            </a:r>
-            <a:endParaRPr lang="en-US" sz="1100" dirty="0">
-              <a:latin typeface="Times New Roman" panose="02020603050405020304" pitchFamily="18" charset="0"/>
-              <a:cs typeface="Times New Roman" panose="02020603050405020304" pitchFamily="18" charset="0"/>
-            </a:endParaRPr>
-          </a:p>
-        </p:txBody>
-      </p:sp>
-      <p:sp>
-        <p:nvSpPr>
-          <p:cNvPr id="40" name="Up-Down Arrow 39">
-            <a:extLst>
-              <a:ext uri="{FF2B5EF4-FFF2-40B4-BE49-F238E27FC236}">
-                <a16:creationId xmlns:a16="http://schemas.microsoft.com/office/drawing/2014/main" id="{553C3CEA-4483-6B45-BF2F-364D43EC162B}"/>
-              </a:ext>
-            </a:extLst>
-          </p:cNvPr>
-          <p:cNvSpPr/>
-          <p:nvPr/>
-        </p:nvSpPr>
-        <p:spPr>
-          <a:xfrm>
-            <a:off x="4507540" y="2389973"/>
-            <a:ext cx="225096" cy="439724"/>
-          </a:xfrm>
-          <a:prstGeom prst="upDownArrow">
-            <a:avLst/>
-          </a:prstGeom>
-          <a:noFill/>
-          <a:ln>
-            <a:solidFill>
-              <a:schemeClr val="tx1"/>
-            </a:solidFill>
-          </a:ln>
-          <a:effectLst/>
-        </p:spPr>
-        <p:style>
-          <a:lnRef idx="1">
-            <a:schemeClr val="accent1"/>
-          </a:lnRef>
-          <a:fillRef idx="3">
-            <a:schemeClr val="accent1"/>
-          </a:fillRef>
-          <a:effectRef idx="2">
-            <a:schemeClr val="accent1"/>
-          </a:effectRef>
-          <a:fontRef idx="minor">
-            <a:schemeClr val="lt1"/>
-          </a:fontRef>
-        </p:style>
-        <p:txBody>
-          <a:bodyPr rtlCol="0" anchor="ctr"/>
-          <a:lstStyle/>
-          <a:p>
-            <a:pPr algn="ctr"/>
-            <a:endParaRPr lang="en-US" sz="1100">
-              <a:latin typeface="Times New Roman" panose="02020603050405020304" pitchFamily="18" charset="0"/>
-              <a:cs typeface="Times New Roman" panose="02020603050405020304" pitchFamily="18" charset="0"/>
-            </a:endParaRPr>
-          </a:p>
-        </p:txBody>
-      </p:sp>
-      <p:sp>
-        <p:nvSpPr>
-          <p:cNvPr id="41" name="Rectangle 40">
-            <a:extLst>
-              <a:ext uri="{FF2B5EF4-FFF2-40B4-BE49-F238E27FC236}">
-                <a16:creationId xmlns:a16="http://schemas.microsoft.com/office/drawing/2014/main" id="{B114E6CA-5E1D-6242-87F8-D48886002356}"/>
-              </a:ext>
-            </a:extLst>
-          </p:cNvPr>
-          <p:cNvSpPr/>
-          <p:nvPr/>
-        </p:nvSpPr>
-        <p:spPr>
-          <a:xfrm>
-            <a:off x="5637290" y="2124797"/>
-            <a:ext cx="1097280" cy="265176"/>
-          </a:xfrm>
-          <a:prstGeom prst="rect">
-            <a:avLst/>
-          </a:prstGeom>
-          <a:noFill/>
-          <a:ln>
-            <a:solidFill>
-              <a:schemeClr val="tx1"/>
-            </a:solidFill>
-          </a:ln>
-          <a:effectLst/>
-        </p:spPr>
-        <p:style>
-          <a:lnRef idx="1">
-            <a:schemeClr val="accent1"/>
-          </a:lnRef>
-          <a:fillRef idx="3">
-            <a:schemeClr val="accent1"/>
-          </a:fillRef>
-          <a:effectRef idx="2">
-            <a:schemeClr val="accent1"/>
-          </a:effectRef>
-          <a:fontRef idx="minor">
-            <a:schemeClr val="lt1"/>
-          </a:fontRef>
-        </p:style>
-        <p:txBody>
-          <a:bodyPr rtlCol="0" anchor="ctr"/>
-          <a:lstStyle/>
-          <a:p>
-            <a:pPr algn="ctr"/>
-            <a:r>
-              <a:rPr lang="en-US" sz="1100" dirty="0" err="1">
-                <a:solidFill>
-                  <a:schemeClr val="tx1"/>
-                </a:solidFill>
-                <a:latin typeface="Times New Roman" panose="02020603050405020304" pitchFamily="18" charset="0"/>
-                <a:cs typeface="Times New Roman" panose="02020603050405020304" pitchFamily="18" charset="0"/>
-              </a:rPr>
-              <a:t>Pthreads</a:t>
-            </a:r>
-            <a:r>
-              <a:rPr lang="en-US" sz="1100" dirty="0">
-                <a:solidFill>
-                  <a:schemeClr val="tx1"/>
-                </a:solidFill>
-                <a:latin typeface="Times New Roman" panose="02020603050405020304" pitchFamily="18" charset="0"/>
-                <a:cs typeface="Times New Roman" panose="02020603050405020304" pitchFamily="18" charset="0"/>
-              </a:rPr>
-              <a:t> Lib</a:t>
-            </a:r>
-          </a:p>
-        </p:txBody>
-      </p:sp>
-      <p:sp>
-        <p:nvSpPr>
-          <p:cNvPr id="42" name="Up-Down Arrow 41">
-            <a:extLst>
-              <a:ext uri="{FF2B5EF4-FFF2-40B4-BE49-F238E27FC236}">
-                <a16:creationId xmlns:a16="http://schemas.microsoft.com/office/drawing/2014/main" id="{B5A74ED9-A39D-7E49-B328-22B2FC63E46E}"/>
-              </a:ext>
-            </a:extLst>
-          </p:cNvPr>
-          <p:cNvSpPr/>
-          <p:nvPr/>
-        </p:nvSpPr>
-        <p:spPr>
-          <a:xfrm rot="5400000">
-            <a:off x="5293617" y="2037523"/>
-            <a:ext cx="225096" cy="439724"/>
-          </a:xfrm>
-          <a:prstGeom prst="upDownArrow">
-            <a:avLst/>
-          </a:prstGeom>
-          <a:noFill/>
-          <a:ln>
-            <a:solidFill>
-              <a:schemeClr val="tx1"/>
-            </a:solidFill>
-          </a:ln>
-          <a:effectLst/>
-        </p:spPr>
-        <p:style>
-          <a:lnRef idx="1">
-            <a:schemeClr val="accent1"/>
-          </a:lnRef>
-          <a:fillRef idx="3">
-            <a:schemeClr val="accent1"/>
-          </a:fillRef>
-          <a:effectRef idx="2">
-            <a:schemeClr val="accent1"/>
-          </a:effectRef>
-          <a:fontRef idx="minor">
-            <a:schemeClr val="lt1"/>
-          </a:fontRef>
-        </p:style>
-        <p:txBody>
-          <a:bodyPr rtlCol="0" anchor="ctr"/>
-          <a:lstStyle/>
-          <a:p>
-            <a:pPr algn="ctr"/>
-            <a:endParaRPr lang="en-US" sz="1100">
-              <a:latin typeface="Times New Roman" panose="02020603050405020304" pitchFamily="18" charset="0"/>
-              <a:cs typeface="Times New Roman" panose="02020603050405020304" pitchFamily="18" charset="0"/>
-            </a:endParaRPr>
-          </a:p>
-        </p:txBody>
-      </p:sp>
-      <p:sp>
-        <p:nvSpPr>
-          <p:cNvPr id="43" name="TextBox 42">
-            <a:extLst>
-              <a:ext uri="{FF2B5EF4-FFF2-40B4-BE49-F238E27FC236}">
-                <a16:creationId xmlns:a16="http://schemas.microsoft.com/office/drawing/2014/main" id="{D6775463-B727-A344-A609-DE26B877AEC9}"/>
-              </a:ext>
-            </a:extLst>
-          </p:cNvPr>
-          <p:cNvSpPr txBox="1"/>
-          <p:nvPr/>
-        </p:nvSpPr>
-        <p:spPr>
-          <a:xfrm>
-            <a:off x="5142888" y="2379634"/>
-            <a:ext cx="580388" cy="261610"/>
-          </a:xfrm>
-          <a:prstGeom prst="rect">
-            <a:avLst/>
-          </a:prstGeom>
-          <a:noFill/>
-          <a:ln>
-            <a:noFill/>
-          </a:ln>
-        </p:spPr>
-        <p:txBody>
-          <a:bodyPr wrap="square" rtlCol="0" anchor="ctr" anchorCtr="0">
-            <a:spAutoFit/>
-          </a:bodyPr>
-          <a:lstStyle/>
-          <a:p>
-            <a:pPr algn="ctr"/>
-            <a:r>
-              <a:rPr lang="en-US" sz="1100" dirty="0">
-                <a:latin typeface="Times New Roman" panose="02020603050405020304" pitchFamily="18" charset="0"/>
-                <a:cs typeface="Times New Roman" panose="02020603050405020304" pitchFamily="18" charset="0"/>
-              </a:rPr>
-              <a:t>Syncs</a:t>
-            </a:r>
-          </a:p>
-        </p:txBody>
-      </p:sp>
-      <p:sp>
-        <p:nvSpPr>
-          <p:cNvPr id="2" name="Oval 1">
-            <a:extLst>
-              <a:ext uri="{FF2B5EF4-FFF2-40B4-BE49-F238E27FC236}">
-                <a16:creationId xmlns:a16="http://schemas.microsoft.com/office/drawing/2014/main" id="{779F51BA-883B-0F49-A0AC-0BCB869EAC4E}"/>
-              </a:ext>
-            </a:extLst>
-          </p:cNvPr>
-          <p:cNvSpPr/>
-          <p:nvPr/>
-        </p:nvSpPr>
-        <p:spPr>
-          <a:xfrm>
-            <a:off x="3767099" y="1878458"/>
-            <a:ext cx="1661900" cy="745677"/>
-          </a:xfrm>
-          <a:prstGeom prst="ellipse">
-            <a:avLst/>
-          </a:prstGeom>
-          <a:noFill/>
-          <a:ln w="19050">
-            <a:solidFill>
-              <a:schemeClr val="tx1"/>
-            </a:solidFill>
-            <a:prstDash val="dash"/>
-          </a:ln>
-          <a:effectLst/>
-        </p:spPr>
-        <p:style>
-          <a:lnRef idx="1">
-            <a:schemeClr val="accent1"/>
-          </a:lnRef>
-          <a:fillRef idx="3">
-            <a:schemeClr val="accent1"/>
-          </a:fillRef>
-          <a:effectRef idx="2">
-            <a:schemeClr val="accent1"/>
-          </a:effectRef>
-          <a:fontRef idx="minor">
-            <a:schemeClr val="lt1"/>
-          </a:fontRef>
-        </p:style>
-        <p:txBody>
-          <a:bodyPr rtlCol="0" anchor="ctr"/>
-          <a:lstStyle/>
-          <a:p>
-            <a:pPr algn="ctr"/>
-            <a:endParaRPr lang="en-US"/>
-          </a:p>
-        </p:txBody>
-      </p:sp>
-      <p:sp>
-        <p:nvSpPr>
-          <p:cNvPr id="45" name="TextBox 44">
-            <a:extLst>
-              <a:ext uri="{FF2B5EF4-FFF2-40B4-BE49-F238E27FC236}">
-                <a16:creationId xmlns:a16="http://schemas.microsoft.com/office/drawing/2014/main" id="{8802DE8D-51F4-2449-923C-833A1F1546F7}"/>
-              </a:ext>
-            </a:extLst>
-          </p:cNvPr>
-          <p:cNvSpPr txBox="1"/>
-          <p:nvPr/>
-        </p:nvSpPr>
-        <p:spPr>
-          <a:xfrm>
-            <a:off x="1788748" y="2147386"/>
-            <a:ext cx="958844" cy="261610"/>
-          </a:xfrm>
-          <a:prstGeom prst="rect">
-            <a:avLst/>
-          </a:prstGeom>
-          <a:noFill/>
-          <a:ln>
-            <a:noFill/>
-          </a:ln>
-        </p:spPr>
-        <p:txBody>
-          <a:bodyPr wrap="square" rtlCol="0" anchor="ctr" anchorCtr="0">
-            <a:spAutoFit/>
-          </a:bodyPr>
-          <a:lstStyle/>
-          <a:p>
-            <a:pPr algn="ctr"/>
-            <a:r>
-              <a:rPr lang="en-US" sz="1100" dirty="0">
-                <a:latin typeface="Times New Roman" panose="02020603050405020304" pitchFamily="18" charset="0"/>
-                <a:cs typeface="Times New Roman" panose="02020603050405020304" pitchFamily="18" charset="0"/>
-              </a:rPr>
-              <a:t>Interception</a:t>
-            </a:r>
-          </a:p>
-        </p:txBody>
-      </p:sp>
-      <p:sp>
-        <p:nvSpPr>
-          <p:cNvPr id="46" name="TextBox 45">
-            <a:extLst>
-              <a:ext uri="{FF2B5EF4-FFF2-40B4-BE49-F238E27FC236}">
-                <a16:creationId xmlns:a16="http://schemas.microsoft.com/office/drawing/2014/main" id="{96B94D0A-5F4C-2740-B0C1-28DED080F37F}"/>
-              </a:ext>
-            </a:extLst>
-          </p:cNvPr>
-          <p:cNvSpPr txBox="1"/>
-          <p:nvPr/>
-        </p:nvSpPr>
-        <p:spPr>
-          <a:xfrm>
-            <a:off x="1788748" y="2306843"/>
-            <a:ext cx="958844" cy="400110"/>
-          </a:xfrm>
-          <a:prstGeom prst="rect">
-            <a:avLst/>
-          </a:prstGeom>
-          <a:noFill/>
-          <a:ln>
-            <a:noFill/>
-          </a:ln>
-        </p:spPr>
-        <p:txBody>
-          <a:bodyPr wrap="square" rtlCol="0" anchor="ctr" anchorCtr="0">
-            <a:spAutoFit/>
-          </a:bodyPr>
-          <a:lstStyle/>
-          <a:p>
-            <a:pPr algn="ctr"/>
-            <a:r>
-              <a:rPr lang="en-US" sz="2000" dirty="0">
-                <a:latin typeface="Times New Roman" panose="02020603050405020304" pitchFamily="18" charset="0"/>
-                <a:cs typeface="Times New Roman" panose="02020603050405020304" pitchFamily="18" charset="0"/>
-              </a:rPr>
-              <a:t>+</a:t>
-            </a:r>
-          </a:p>
-        </p:txBody>
-      </p:sp>
-      <p:sp>
-        <p:nvSpPr>
-          <p:cNvPr id="48" name="TextBox 47">
-            <a:extLst>
-              <a:ext uri="{FF2B5EF4-FFF2-40B4-BE49-F238E27FC236}">
-                <a16:creationId xmlns:a16="http://schemas.microsoft.com/office/drawing/2014/main" id="{7BC1F02F-D303-C442-8BF7-0803A1F31A46}"/>
-              </a:ext>
-            </a:extLst>
-          </p:cNvPr>
-          <p:cNvSpPr txBox="1"/>
-          <p:nvPr/>
-        </p:nvSpPr>
-        <p:spPr>
-          <a:xfrm>
-            <a:off x="1792864" y="2596348"/>
-            <a:ext cx="958844" cy="261610"/>
-          </a:xfrm>
-          <a:prstGeom prst="rect">
-            <a:avLst/>
-          </a:prstGeom>
-          <a:noFill/>
-          <a:ln>
-            <a:noFill/>
-          </a:ln>
-        </p:spPr>
-        <p:txBody>
-          <a:bodyPr wrap="square" rtlCol="0" anchor="ctr" anchorCtr="0">
-            <a:spAutoFit/>
-          </a:bodyPr>
-          <a:lstStyle/>
-          <a:p>
-            <a:pPr algn="ctr"/>
-            <a:r>
-              <a:rPr lang="en-US" sz="1100" dirty="0">
-                <a:latin typeface="Times New Roman" panose="02020603050405020304" pitchFamily="18" charset="0"/>
-                <a:cs typeface="Times New Roman" panose="02020603050405020304" pitchFamily="18" charset="0"/>
-              </a:rPr>
-              <a:t>PMUs</a:t>
-            </a:r>
-          </a:p>
-        </p:txBody>
-      </p:sp>
-    </p:spTree>
-    <p:extLst>
-      <p:ext uri="{BB962C8B-B14F-4D97-AF65-F5344CB8AC3E}">
-        <p14:creationId xmlns:p14="http://schemas.microsoft.com/office/powerpoint/2010/main" val="2099308406"/>
       </p:ext>
     </p:extLst>
   </p:cSld>
